--- a/kubernetes/12_security.pptx
+++ b/kubernetes/12_security.pptx
@@ -5,45 +5,47 @@
     <p:sldMasterId id="2147483733" r:id="rId1"/>
   </p:sldMasterIdLst>
   <p:notesMasterIdLst>
-    <p:notesMasterId r:id="rId35"/>
+    <p:notesMasterId r:id="rId37"/>
   </p:notesMasterIdLst>
   <p:handoutMasterIdLst>
-    <p:handoutMasterId r:id="rId36"/>
+    <p:handoutMasterId r:id="rId38"/>
   </p:handoutMasterIdLst>
   <p:sldIdLst>
     <p:sldId id="433" r:id="rId2"/>
-    <p:sldId id="947" r:id="rId3"/>
+    <p:sldId id="962" r:id="rId3"/>
     <p:sldId id="442" r:id="rId4"/>
     <p:sldId id="946" r:id="rId5"/>
     <p:sldId id="443" r:id="rId6"/>
     <p:sldId id="466" r:id="rId7"/>
-    <p:sldId id="469" r:id="rId8"/>
+    <p:sldId id="963" r:id="rId8"/>
     <p:sldId id="956" r:id="rId9"/>
     <p:sldId id="957" r:id="rId10"/>
     <p:sldId id="958" r:id="rId11"/>
-    <p:sldId id="955" r:id="rId12"/>
-    <p:sldId id="471" r:id="rId13"/>
-    <p:sldId id="929" r:id="rId14"/>
-    <p:sldId id="930" r:id="rId15"/>
-    <p:sldId id="948" r:id="rId16"/>
-    <p:sldId id="950" r:id="rId17"/>
-    <p:sldId id="951" r:id="rId18"/>
-    <p:sldId id="952" r:id="rId19"/>
-    <p:sldId id="953" r:id="rId20"/>
-    <p:sldId id="954" r:id="rId21"/>
-    <p:sldId id="459" r:id="rId22"/>
-    <p:sldId id="926" r:id="rId23"/>
-    <p:sldId id="446" r:id="rId24"/>
-    <p:sldId id="467" r:id="rId25"/>
-    <p:sldId id="458" r:id="rId26"/>
-    <p:sldId id="931" r:id="rId27"/>
-    <p:sldId id="940" r:id="rId28"/>
-    <p:sldId id="936" r:id="rId29"/>
-    <p:sldId id="943" r:id="rId30"/>
-    <p:sldId id="942" r:id="rId31"/>
-    <p:sldId id="944" r:id="rId32"/>
-    <p:sldId id="945" r:id="rId33"/>
-    <p:sldId id="265" r:id="rId34"/>
+    <p:sldId id="961" r:id="rId12"/>
+    <p:sldId id="964" r:id="rId13"/>
+    <p:sldId id="471" r:id="rId14"/>
+    <p:sldId id="929" r:id="rId15"/>
+    <p:sldId id="930" r:id="rId16"/>
+    <p:sldId id="948" r:id="rId17"/>
+    <p:sldId id="950" r:id="rId18"/>
+    <p:sldId id="951" r:id="rId19"/>
+    <p:sldId id="952" r:id="rId20"/>
+    <p:sldId id="953" r:id="rId21"/>
+    <p:sldId id="954" r:id="rId22"/>
+    <p:sldId id="459" r:id="rId23"/>
+    <p:sldId id="926" r:id="rId24"/>
+    <p:sldId id="446" r:id="rId25"/>
+    <p:sldId id="467" r:id="rId26"/>
+    <p:sldId id="458" r:id="rId27"/>
+    <p:sldId id="931" r:id="rId28"/>
+    <p:sldId id="940" r:id="rId29"/>
+    <p:sldId id="936" r:id="rId30"/>
+    <p:sldId id="943" r:id="rId31"/>
+    <p:sldId id="942" r:id="rId32"/>
+    <p:sldId id="944" r:id="rId33"/>
+    <p:sldId id="945" r:id="rId34"/>
+    <p:sldId id="965" r:id="rId35"/>
+    <p:sldId id="265" r:id="rId36"/>
   </p:sldIdLst>
   <p:sldSz cx="12195175" cy="6858000"/>
   <p:notesSz cx="6858000" cy="9144000"/>
@@ -673,14 +675,20 @@
         </p:nvSpPr>
         <p:spPr/>
         <p:txBody>
-          <a:bodyPr>
-            <a:normAutofit fontScale="92500" lnSpcReduction="10000"/>
-          </a:bodyPr>
+          <a:bodyPr/>
           <a:lstStyle/>
           <a:p>
             <a:r>
               <a:rPr lang="en-US" dirty="0"/>
-              <a:t>On pod as well as container spec level you have certain parameter to prevent or provoke security incidents.</a:t>
+              <a:t>Resource Quota and </a:t>
+            </a:r>
+            <a:r>
+              <a:rPr lang="en-US" dirty="0" err="1"/>
+              <a:t>LimitRanges</a:t>
+            </a:r>
+            <a:r>
+              <a:rPr lang="en-US" dirty="0"/>
+              <a:t> can be used to control requested as well as actual resource consumption + # of k8s objects per namespace. Example: if the memory quota per pod is 200 MB and you want to start, let’s say a Jenkins which would require more – the application will not be able to start before being killed for exceeding the memory limit.</a:t>
             </a:r>
           </a:p>
           <a:p>
@@ -689,201 +697,24 @@
           <a:p>
             <a:r>
               <a:rPr lang="en-US" dirty="0"/>
-              <a:t>It is possible to grant host access in different ways – all of these may provoke security incidents:</a:t>
-            </a:r>
-          </a:p>
-          <a:p>
-            <a:pPr marL="285750" indent="-285750">
-              <a:buFontTx/>
-              <a:buChar char="-"/>
-            </a:pPr>
+              <a:t>Network policies control traffic within the cluster – details on next slide.</a:t>
+            </a:r>
+          </a:p>
+          <a:p>
+            <a:endParaRPr lang="en-US" dirty="0"/>
+          </a:p>
+          <a:p>
+            <a:r>
+              <a:rPr lang="en-US" dirty="0" err="1"/>
+              <a:t>PodSecurityPolicies</a:t>
+            </a:r>
             <a:r>
               <a:rPr lang="en-US" dirty="0"/>
-              <a:t>Mount the host’s file system (</a:t>
-            </a:r>
-            <a:r>
-              <a:rPr lang="en-US" dirty="0" err="1"/>
-              <a:t>inkl</a:t>
-            </a:r>
-            <a:r>
-              <a:rPr lang="en-US" dirty="0"/>
-              <a:t>. a mount of the root file system “/”)</a:t>
-            </a:r>
-          </a:p>
-          <a:p>
-            <a:pPr marL="285750" indent="-285750">
-              <a:buFontTx/>
-              <a:buChar char="-"/>
-            </a:pPr>
-            <a:r>
-              <a:rPr lang="en-US" dirty="0"/>
-              <a:t>Join the host’s IPC namespace</a:t>
-            </a:r>
-          </a:p>
-          <a:p>
-            <a:pPr marL="285750" indent="-285750">
-              <a:buFontTx/>
-              <a:buChar char="-"/>
-            </a:pPr>
-            <a:r>
-              <a:rPr lang="en-US" dirty="0"/>
-              <a:t>Use the host’s network directly instead of an isolated network namespace</a:t>
-            </a:r>
-          </a:p>
-          <a:p>
-            <a:pPr marL="285750" indent="-285750">
-              <a:buFontTx/>
-              <a:buChar char="-"/>
-            </a:pPr>
-            <a:r>
-              <a:rPr lang="en-US" dirty="0"/>
-              <a:t>Run with user ID 0 (root)</a:t>
-            </a:r>
-          </a:p>
-          <a:p>
-            <a:pPr marL="285750" indent="-285750">
-              <a:buFontTx/>
-              <a:buChar char="-"/>
-            </a:pPr>
-            <a:r>
-              <a:rPr lang="en-US" dirty="0"/>
-              <a:t>Allow child processes to gain more privileges than their parent process (escalation)</a:t>
-            </a:r>
-          </a:p>
-          <a:p>
-            <a:pPr marL="285750" indent="-285750">
-              <a:buFontTx/>
-              <a:buChar char="-"/>
-            </a:pPr>
-            <a:r>
-              <a:rPr lang="en-US" dirty="0"/>
-              <a:t>Add capabilities (like SYS_ADMIN) or alter </a:t>
-            </a:r>
-            <a:r>
-              <a:rPr lang="en-US" dirty="0" err="1"/>
-              <a:t>seccomp</a:t>
-            </a:r>
-            <a:r>
-              <a:rPr lang="en-US" dirty="0"/>
-              <a:t> / </a:t>
-            </a:r>
-            <a:r>
-              <a:rPr lang="en-US" dirty="0" err="1"/>
-              <a:t>seLinux</a:t>
-            </a:r>
-            <a:r>
-              <a:rPr lang="en-US" dirty="0"/>
-              <a:t> profiles to allow dangerous system calls / access to the kernel</a:t>
-            </a:r>
-          </a:p>
-          <a:p>
-            <a:pPr marL="285750" indent="-285750">
-              <a:buFontTx/>
-              <a:buChar char="-"/>
-            </a:pPr>
+              <a:t> specify (security relevant) runtime conditions for pods. https://kubernetes.io/docs/concepts/policy/pod-security-policy/ </a:t>
+            </a:r>
+          </a:p>
+          <a:p>
             <a:endParaRPr lang="en-US" dirty="0"/>
-          </a:p>
-          <a:p>
-            <a:pPr marL="0" indent="0">
-              <a:buFontTx/>
-              <a:buNone/>
-            </a:pPr>
-            <a:r>
-              <a:rPr lang="en-US" dirty="0"/>
-              <a:t>Of course these switches can be used to restrain a process:</a:t>
-            </a:r>
-          </a:p>
-          <a:p>
-            <a:pPr marL="285750" indent="-285750">
-              <a:buFontTx/>
-              <a:buChar char="-"/>
-            </a:pPr>
-            <a:r>
-              <a:rPr lang="en-US" dirty="0"/>
-              <a:t>Run with a different user ID than 0 within the container (“</a:t>
-            </a:r>
-            <a:r>
-              <a:rPr lang="en-US" dirty="0" err="1"/>
-              <a:t>runAsNonRoot</a:t>
-            </a:r>
-            <a:r>
-              <a:rPr lang="en-US" dirty="0"/>
-              <a:t>” / “</a:t>
-            </a:r>
-            <a:r>
-              <a:rPr lang="en-US" dirty="0" err="1"/>
-              <a:t>runAsUser</a:t>
-            </a:r>
-            <a:r>
-              <a:rPr lang="en-US" dirty="0"/>
-              <a:t>”)</a:t>
-            </a:r>
-          </a:p>
-          <a:p>
-            <a:pPr marL="285750" indent="-285750">
-              <a:buFontTx/>
-              <a:buChar char="-"/>
-            </a:pPr>
-            <a:r>
-              <a:rPr lang="en-US" dirty="0"/>
-              <a:t>Drop all capabilities &amp; apply a strict set of </a:t>
-            </a:r>
-            <a:r>
-              <a:rPr lang="en-US" dirty="0" err="1"/>
-              <a:t>seccomp</a:t>
-            </a:r>
-            <a:r>
-              <a:rPr lang="en-US" dirty="0"/>
-              <a:t> / </a:t>
-            </a:r>
-            <a:r>
-              <a:rPr lang="en-US" dirty="0" err="1"/>
-              <a:t>seLinx</a:t>
-            </a:r>
-            <a:r>
-              <a:rPr lang="en-US" dirty="0"/>
-              <a:t> rules</a:t>
-            </a:r>
-          </a:p>
-          <a:p>
-            <a:pPr marL="285750" indent="-285750">
-              <a:buFontTx/>
-              <a:buChar char="-"/>
-            </a:pPr>
-            <a:r>
-              <a:rPr lang="en-US" dirty="0"/>
-              <a:t>Switch the container root filesystem to read- only (makes it harder to install something with apt-install)</a:t>
-            </a:r>
-          </a:p>
-          <a:p>
-            <a:pPr marL="285750" indent="-285750">
-              <a:buFontTx/>
-              <a:buChar char="-"/>
-            </a:pPr>
-            <a:r>
-              <a:rPr lang="en-US" dirty="0"/>
-              <a:t>Mount file systems (like </a:t>
-            </a:r>
-            <a:r>
-              <a:rPr lang="en-US" dirty="0" err="1"/>
-              <a:t>pvc</a:t>
-            </a:r>
-            <a:r>
-              <a:rPr lang="en-US" dirty="0"/>
-              <a:t>) with a specific group ID (ideally != 0)</a:t>
-            </a:r>
-          </a:p>
-          <a:p>
-            <a:endParaRPr lang="en-US" dirty="0"/>
-          </a:p>
-          <a:p>
-            <a:endParaRPr lang="en-US" dirty="0"/>
-          </a:p>
-          <a:p>
-            <a:r>
-              <a:rPr lang="en-US" dirty="0"/>
-              <a:t> </a:t>
-            </a:r>
           </a:p>
         </p:txBody>
       </p:sp>
@@ -894,7 +725,7 @@
             <a:spLocks noGrp="1"/>
           </p:cNvSpPr>
           <p:nvPr>
-            <p:ph type="sldNum" sz="quarter" idx="5"/>
+            <p:ph type="sldNum" sz="quarter" idx="10"/>
           </p:nvPr>
         </p:nvSpPr>
         <p:spPr/>
@@ -905,7 +736,7 @@
             <a:fld id="{7D8C2C35-2B8A-446E-BEC0-FD36716C29AC}" type="slidenum">
               <a:rPr lang="de-DE" smtClean="0"/>
               <a:pPr/>
-              <a:t>10</a:t>
+              <a:t>13</a:t>
             </a:fld>
             <a:endParaRPr lang="de-DE" dirty="0"/>
           </a:p>
@@ -914,7 +745,7 @@
     </p:spTree>
     <p:extLst>
       <p:ext uri="{BB962C8B-B14F-4D97-AF65-F5344CB8AC3E}">
-        <p14:creationId xmlns:p14="http://schemas.microsoft.com/office/powerpoint/2010/main" val="273818699"/>
+        <p14:creationId xmlns:p14="http://schemas.microsoft.com/office/powerpoint/2010/main" val="3992989739"/>
       </p:ext>
     </p:extLst>
   </p:cSld>
@@ -988,18 +819,18 @@
           <a:lstStyle/>
           <a:p>
             <a:fld id="{7D8C2C35-2B8A-446E-BEC0-FD36716C29AC}" type="slidenum">
-              <a:rPr lang="en-US" smtClean="0"/>
+              <a:rPr lang="de-DE" smtClean="0"/>
               <a:pPr/>
-              <a:t>11</a:t>
+              <a:t>15</a:t>
             </a:fld>
-            <a:endParaRPr lang="en-US" dirty="0"/>
+            <a:endParaRPr lang="de-DE" dirty="0"/>
           </a:p>
         </p:txBody>
       </p:sp>
     </p:spTree>
     <p:extLst>
       <p:ext uri="{BB962C8B-B14F-4D97-AF65-F5344CB8AC3E}">
-        <p14:creationId xmlns:p14="http://schemas.microsoft.com/office/powerpoint/2010/main" val="727511641"/>
+        <p14:creationId xmlns:p14="http://schemas.microsoft.com/office/powerpoint/2010/main" val="2174285358"/>
       </p:ext>
     </p:extLst>
   </p:cSld>
@@ -1054,42 +885,41 @@
           <a:lstStyle/>
           <a:p>
             <a:r>
-              <a:rPr lang="en-US" dirty="0"/>
-              <a:t>Resource Quota and </a:t>
-            </a:r>
-            <a:r>
-              <a:rPr lang="en-US" dirty="0" err="1"/>
-              <a:t>LimitRanges</a:t>
-            </a:r>
-            <a:r>
-              <a:rPr lang="en-US" dirty="0"/>
-              <a:t> can be used to control requested as well as actual resource consumption + # of k8s objects per namespace. Example: if the memory quota per pod is 200 MB and you want to start, let’s say a Jenkins which would require more – the application will not be able to start before being killed for exceeding the memory limit.</a:t>
-            </a:r>
-          </a:p>
-          <a:p>
-            <a:endParaRPr lang="en-US" dirty="0"/>
-          </a:p>
-          <a:p>
-            <a:r>
-              <a:rPr lang="en-US" dirty="0"/>
-              <a:t>Network policies control traffic within the cluster – details on next slide.</a:t>
-            </a:r>
-          </a:p>
-          <a:p>
-            <a:endParaRPr lang="en-US" dirty="0"/>
-          </a:p>
-          <a:p>
-            <a:r>
-              <a:rPr lang="en-US" dirty="0" err="1"/>
-              <a:t>PodSecurityPolicies</a:t>
-            </a:r>
-            <a:r>
-              <a:rPr lang="en-US" dirty="0"/>
-              <a:t> specify (security relevant) runtime conditions for pods. https://kubernetes.io/docs/concepts/policy/pod-security-policy/ </a:t>
-            </a:r>
-          </a:p>
-          <a:p>
-            <a:endParaRPr lang="en-US" dirty="0"/>
+              <a:rPr lang="en-US" sz="1400" b="0" i="0" kern="1200" dirty="0">
+                <a:solidFill>
+                  <a:schemeClr val="tx1"/>
+                </a:solidFill>
+                <a:effectLst/>
+                <a:latin typeface="+mn-lt"/>
+                <a:ea typeface="+mn-ea"/>
+                <a:cs typeface="+mn-cs"/>
+              </a:rPr>
+              <a:t>Without any pod security policy (</a:t>
+            </a:r>
+            <a:r>
+              <a:rPr lang="en-US" sz="1400" b="0" i="0" kern="1200" dirty="0" err="1">
+                <a:solidFill>
+                  <a:schemeClr val="tx1"/>
+                </a:solidFill>
+                <a:effectLst/>
+                <a:latin typeface="+mn-lt"/>
+                <a:ea typeface="+mn-ea"/>
+                <a:cs typeface="+mn-cs"/>
+              </a:rPr>
+              <a:t>psp</a:t>
+            </a:r>
+            <a:r>
+              <a:rPr lang="en-US" sz="1400" b="0" i="0" kern="1200" dirty="0">
+                <a:solidFill>
+                  <a:schemeClr val="tx1"/>
+                </a:solidFill>
+                <a:effectLst/>
+                <a:latin typeface="+mn-lt"/>
+                <a:ea typeface="+mn-ea"/>
+                <a:cs typeface="+mn-cs"/>
+              </a:rPr>
+              <a:t>) there are no centrally enforced constraints for containers. A container may run with root capabilities on the host and even mount the host’s file system with root permissions. In this case containment &amp; isolation is impossible.</a:t>
+            </a:r>
           </a:p>
         </p:txBody>
       </p:sp>
@@ -1111,7 +941,7 @@
             <a:fld id="{7D8C2C35-2B8A-446E-BEC0-FD36716C29AC}" type="slidenum">
               <a:rPr lang="de-DE" smtClean="0"/>
               <a:pPr/>
-              <a:t>12</a:t>
+              <a:t>16</a:t>
             </a:fld>
             <a:endParaRPr lang="de-DE" dirty="0"/>
           </a:p>
@@ -1120,7 +950,7 @@
     </p:spTree>
     <p:extLst>
       <p:ext uri="{BB962C8B-B14F-4D97-AF65-F5344CB8AC3E}">
-        <p14:creationId xmlns:p14="http://schemas.microsoft.com/office/powerpoint/2010/main" val="3992989739"/>
+        <p14:creationId xmlns:p14="http://schemas.microsoft.com/office/powerpoint/2010/main" val="1729514601"/>
       </p:ext>
     </p:extLst>
   </p:cSld>
@@ -1174,6 +1004,110 @@
           <a:bodyPr/>
           <a:lstStyle/>
           <a:p>
+            <a:r>
+              <a:rPr lang="en-US" sz="1400" b="0" i="0" kern="1200" dirty="0">
+                <a:solidFill>
+                  <a:schemeClr val="tx1"/>
+                </a:solidFill>
+                <a:effectLst/>
+                <a:latin typeface="+mn-lt"/>
+                <a:ea typeface="+mn-ea"/>
+                <a:cs typeface="+mn-cs"/>
+              </a:rPr>
+              <a:t>A </a:t>
+            </a:r>
+            <a:r>
+              <a:rPr lang="en-US" sz="1400" b="0" i="1" kern="1200" dirty="0">
+                <a:solidFill>
+                  <a:schemeClr val="tx1"/>
+                </a:solidFill>
+                <a:effectLst/>
+                <a:latin typeface="+mn-lt"/>
+                <a:ea typeface="+mn-ea"/>
+                <a:cs typeface="+mn-cs"/>
+              </a:rPr>
+              <a:t>Pod Security Policy</a:t>
+            </a:r>
+            <a:r>
+              <a:rPr lang="en-US" sz="1400" b="0" i="0" kern="1200" dirty="0">
+                <a:solidFill>
+                  <a:schemeClr val="tx1"/>
+                </a:solidFill>
+                <a:effectLst/>
+                <a:latin typeface="+mn-lt"/>
+                <a:ea typeface="+mn-ea"/>
+                <a:cs typeface="+mn-cs"/>
+              </a:rPr>
+              <a:t> is a cluster-level resource that controls security sensitive aspects of the pod specification. The </a:t>
+            </a:r>
+            <a:r>
+              <a:rPr lang="en-US" dirty="0" err="1"/>
+              <a:t>PodSecurityPolicy</a:t>
+            </a:r>
+            <a:r>
+              <a:rPr lang="en-US" sz="1400" b="0" i="0" kern="1200" dirty="0">
+                <a:solidFill>
+                  <a:schemeClr val="tx1"/>
+                </a:solidFill>
+                <a:effectLst/>
+                <a:latin typeface="+mn-lt"/>
+                <a:ea typeface="+mn-ea"/>
+                <a:cs typeface="+mn-cs"/>
+              </a:rPr>
+              <a:t> objects define a set of conditions that a pod must run with in order to be accepted into the system, as well as defaults for the related fields. </a:t>
+            </a:r>
+          </a:p>
+          <a:p>
+            <a:endParaRPr lang="en-US" sz="1400" b="0" i="0" kern="1200" dirty="0">
+              <a:solidFill>
+                <a:schemeClr val="tx1"/>
+              </a:solidFill>
+              <a:effectLst/>
+              <a:latin typeface="+mn-lt"/>
+              <a:ea typeface="+mn-ea"/>
+              <a:cs typeface="+mn-cs"/>
+            </a:endParaRPr>
+          </a:p>
+          <a:p>
+            <a:r>
+              <a:rPr lang="en-US" sz="1400" b="0" i="0" kern="1200" dirty="0">
+                <a:solidFill>
+                  <a:schemeClr val="tx1"/>
+                </a:solidFill>
+                <a:effectLst/>
+                <a:latin typeface="+mn-lt"/>
+                <a:ea typeface="+mn-ea"/>
+                <a:cs typeface="+mn-cs"/>
+              </a:rPr>
+              <a:t>Once the controller is active, every pods needs to be associated with a policy object. We will see on the next slide, how that works.</a:t>
+            </a:r>
+          </a:p>
+          <a:p>
+            <a:r>
+              <a:rPr lang="en-US" sz="1400" b="0" i="0" kern="1200" dirty="0">
+                <a:solidFill>
+                  <a:schemeClr val="tx1"/>
+                </a:solidFill>
+                <a:effectLst/>
+                <a:latin typeface="+mn-lt"/>
+                <a:ea typeface="+mn-ea"/>
+                <a:cs typeface="+mn-cs"/>
+              </a:rPr>
+              <a:t>But as long as there is no policy, no pod will be accepted &amp;</a:t>
+            </a:r>
+            <a:r>
+              <a:rPr lang="en-US" sz="1400" b="0" i="0" kern="1200" dirty="0">
+                <a:solidFill>
+                  <a:schemeClr val="tx1"/>
+                </a:solidFill>
+                <a:effectLst/>
+                <a:latin typeface="+mn-lt"/>
+                <a:ea typeface="+mn-ea"/>
+                <a:cs typeface="+mn-cs"/>
+                <a:sym typeface="Wingdings" panose="05000000000000000000" pitchFamily="2" charset="2"/>
+              </a:rPr>
+              <a:t> scheduled in the entire cluster.</a:t>
+            </a:r>
             <a:endParaRPr lang="en-US" dirty="0"/>
           </a:p>
         </p:txBody>
@@ -1196,7 +1130,7 @@
             <a:fld id="{7D8C2C35-2B8A-446E-BEC0-FD36716C29AC}" type="slidenum">
               <a:rPr lang="de-DE" smtClean="0"/>
               <a:pPr/>
-              <a:t>14</a:t>
+              <a:t>17</a:t>
             </a:fld>
             <a:endParaRPr lang="de-DE" dirty="0"/>
           </a:p>
@@ -1205,7 +1139,7 @@
     </p:spTree>
     <p:extLst>
       <p:ext uri="{BB962C8B-B14F-4D97-AF65-F5344CB8AC3E}">
-        <p14:creationId xmlns:p14="http://schemas.microsoft.com/office/powerpoint/2010/main" val="2174285358"/>
+        <p14:creationId xmlns:p14="http://schemas.microsoft.com/office/powerpoint/2010/main" val="2131175890"/>
       </p:ext>
     </p:extLst>
   </p:cSld>
@@ -1269,7 +1203,7 @@
                 <a:ea typeface="+mn-ea"/>
                 <a:cs typeface="+mn-cs"/>
               </a:rPr>
-              <a:t>Without any pod security policy (</a:t>
+              <a:t>In order to make use of it, the usage of the policy has to be authorized by a (newly defined) role. Now you can attach the policy via a </a:t>
             </a:r>
             <a:r>
               <a:rPr lang="en-US" sz="1400" b="0" i="0" kern="1200" dirty="0" err="1">
@@ -1281,7 +1215,7 @@
                 <a:ea typeface="+mn-ea"/>
                 <a:cs typeface="+mn-cs"/>
               </a:rPr>
-              <a:t>psp</a:t>
+              <a:t>rolebinding</a:t>
             </a:r>
             <a:r>
               <a:rPr lang="en-US" sz="1400" b="0" i="0" kern="1200" dirty="0">
@@ -1293,8 +1227,9 @@
                 <a:ea typeface="+mn-ea"/>
                 <a:cs typeface="+mn-cs"/>
               </a:rPr>
-              <a:t>) there are no centrally enforced constraints for containers. A container may run with root capabilities on the host and even mount the host’s file system with root permissions. In this case containment &amp; isolation is impossible.</a:t>
-            </a:r>
+              <a:t> to a service account and the pods will be scheduled, if its definition matches the criteria of the policy</a:t>
+            </a:r>
+            <a:endParaRPr lang="en-US" dirty="0"/>
           </a:p>
         </p:txBody>
       </p:sp>
@@ -1316,7 +1251,7 @@
             <a:fld id="{7D8C2C35-2B8A-446E-BEC0-FD36716C29AC}" type="slidenum">
               <a:rPr lang="de-DE" smtClean="0"/>
               <a:pPr/>
-              <a:t>15</a:t>
+              <a:t>18</a:t>
             </a:fld>
             <a:endParaRPr lang="de-DE" dirty="0"/>
           </a:p>
@@ -1325,7 +1260,7 @@
     </p:spTree>
     <p:extLst>
       <p:ext uri="{BB962C8B-B14F-4D97-AF65-F5344CB8AC3E}">
-        <p14:creationId xmlns:p14="http://schemas.microsoft.com/office/powerpoint/2010/main" val="1729514601"/>
+        <p14:creationId xmlns:p14="http://schemas.microsoft.com/office/powerpoint/2010/main" val="557057072"/>
       </p:ext>
     </p:extLst>
   </p:cSld>
@@ -1389,10 +1324,10 @@
                 <a:ea typeface="+mn-ea"/>
                 <a:cs typeface="+mn-cs"/>
               </a:rPr>
-              <a:t>A </a:t>
-            </a:r>
-            <a:r>
-              <a:rPr lang="en-US" sz="1400" b="0" i="1" kern="1200" dirty="0">
+              <a:t>In order to make use of it, the usage of the policy has to be authorized by a (newly defined) role. Now you can attach the policy via a </a:t>
+            </a:r>
+            <a:r>
+              <a:rPr lang="en-US" sz="1400" b="0" i="0" kern="1200" dirty="0" err="1">
                 <a:solidFill>
                   <a:schemeClr val="tx1"/>
                 </a:solidFill>
@@ -1401,7 +1336,7 @@
                 <a:ea typeface="+mn-ea"/>
                 <a:cs typeface="+mn-cs"/>
               </a:rPr>
-              <a:t>Pod Security Policy</a:t>
+              <a:t>rolebinding</a:t>
             </a:r>
             <a:r>
               <a:rPr lang="en-US" sz="1400" b="0" i="0" kern="1200" dirty="0">
@@ -1413,75 +1348,7 @@
                 <a:ea typeface="+mn-ea"/>
                 <a:cs typeface="+mn-cs"/>
               </a:rPr>
-              <a:t> is a cluster-level resource that controls security sensitive aspects of the pod specification. The </a:t>
-            </a:r>
-            <a:r>
-              <a:rPr lang="en-US" dirty="0" err="1"/>
-              <a:t>PodSecurityPolicy</a:t>
-            </a:r>
-            <a:r>
-              <a:rPr lang="en-US" sz="1400" b="0" i="0" kern="1200" dirty="0">
-                <a:solidFill>
-                  <a:schemeClr val="tx1"/>
-                </a:solidFill>
-                <a:effectLst/>
-                <a:latin typeface="+mn-lt"/>
-                <a:ea typeface="+mn-ea"/>
-                <a:cs typeface="+mn-cs"/>
-              </a:rPr>
-              <a:t> objects define a set of conditions that a pod must run with in order to be accepted into the system, as well as defaults for the related fields. </a:t>
-            </a:r>
-          </a:p>
-          <a:p>
-            <a:endParaRPr lang="en-US" sz="1400" b="0" i="0" kern="1200" dirty="0">
-              <a:solidFill>
-                <a:schemeClr val="tx1"/>
-              </a:solidFill>
-              <a:effectLst/>
-              <a:latin typeface="+mn-lt"/>
-              <a:ea typeface="+mn-ea"/>
-              <a:cs typeface="+mn-cs"/>
-            </a:endParaRPr>
-          </a:p>
-          <a:p>
-            <a:r>
-              <a:rPr lang="en-US" sz="1400" b="0" i="0" kern="1200" dirty="0">
-                <a:solidFill>
-                  <a:schemeClr val="tx1"/>
-                </a:solidFill>
-                <a:effectLst/>
-                <a:latin typeface="+mn-lt"/>
-                <a:ea typeface="+mn-ea"/>
-                <a:cs typeface="+mn-cs"/>
-              </a:rPr>
-              <a:t>Once the controller is active, every pods needs to be associated with a policy object. We will see on the next slide, how that works.</a:t>
-            </a:r>
-          </a:p>
-          <a:p>
-            <a:r>
-              <a:rPr lang="en-US" sz="1400" b="0" i="0" kern="1200" dirty="0">
-                <a:solidFill>
-                  <a:schemeClr val="tx1"/>
-                </a:solidFill>
-                <a:effectLst/>
-                <a:latin typeface="+mn-lt"/>
-                <a:ea typeface="+mn-ea"/>
-                <a:cs typeface="+mn-cs"/>
-              </a:rPr>
-              <a:t>But as long as there is no policy, no pod will be accepted &amp;</a:t>
-            </a:r>
-            <a:r>
-              <a:rPr lang="en-US" sz="1400" b="0" i="0" kern="1200" dirty="0">
-                <a:solidFill>
-                  <a:schemeClr val="tx1"/>
-                </a:solidFill>
-                <a:effectLst/>
-                <a:latin typeface="+mn-lt"/>
-                <a:ea typeface="+mn-ea"/>
-                <a:cs typeface="+mn-cs"/>
-                <a:sym typeface="Wingdings" panose="05000000000000000000" pitchFamily="2" charset="2"/>
-              </a:rPr>
-              <a:t> scheduled in the entire cluster.</a:t>
+              <a:t> to a service account and the pods will be scheduled, if its definition matches the criteria of the policy</a:t>
             </a:r>
             <a:endParaRPr lang="en-US" dirty="0"/>
           </a:p>
@@ -1505,7 +1372,7 @@
             <a:fld id="{7D8C2C35-2B8A-446E-BEC0-FD36716C29AC}" type="slidenum">
               <a:rPr lang="de-DE" smtClean="0"/>
               <a:pPr/>
-              <a:t>16</a:t>
+              <a:t>19</a:t>
             </a:fld>
             <a:endParaRPr lang="de-DE" dirty="0"/>
           </a:p>
@@ -1514,7 +1381,7 @@
     </p:spTree>
     <p:extLst>
       <p:ext uri="{BB962C8B-B14F-4D97-AF65-F5344CB8AC3E}">
-        <p14:creationId xmlns:p14="http://schemas.microsoft.com/office/powerpoint/2010/main" val="2131175890"/>
+        <p14:creationId xmlns:p14="http://schemas.microsoft.com/office/powerpoint/2010/main" val="1643537951"/>
       </p:ext>
     </p:extLst>
   </p:cSld>
@@ -1569,42 +1436,24 @@
           <a:lstStyle/>
           <a:p>
             <a:r>
-              <a:rPr lang="en-US" sz="1400" b="0" i="0" kern="1200" dirty="0">
-                <a:solidFill>
-                  <a:schemeClr val="tx1"/>
-                </a:solidFill>
-                <a:effectLst/>
-                <a:latin typeface="+mn-lt"/>
-                <a:ea typeface="+mn-ea"/>
-                <a:cs typeface="+mn-cs"/>
-              </a:rPr>
-              <a:t>In order to make use of it, the usage of the policy has to be authorized by a (newly defined) role. Now you can attach the policy via a </a:t>
-            </a:r>
-            <a:r>
-              <a:rPr lang="en-US" sz="1400" b="0" i="0" kern="1200" dirty="0" err="1">
-                <a:solidFill>
-                  <a:schemeClr val="tx1"/>
-                </a:solidFill>
-                <a:effectLst/>
-                <a:latin typeface="+mn-lt"/>
-                <a:ea typeface="+mn-ea"/>
-                <a:cs typeface="+mn-cs"/>
-              </a:rPr>
-              <a:t>rolebinding</a:t>
-            </a:r>
-            <a:r>
-              <a:rPr lang="en-US" sz="1400" b="0" i="0" kern="1200" dirty="0">
-                <a:solidFill>
-                  <a:schemeClr val="tx1"/>
-                </a:solidFill>
-                <a:effectLst/>
-                <a:latin typeface="+mn-lt"/>
-                <a:ea typeface="+mn-ea"/>
-                <a:cs typeface="+mn-cs"/>
-              </a:rPr>
-              <a:t> to a service account and the pods will be scheduled, if its definition matches the criteria of the policy</a:t>
-            </a:r>
+              <a:rPr lang="en-US" dirty="0"/>
+              <a:t>Details: https://kubernetes.io/docs/concepts/policy/pod-security-policy/</a:t>
+            </a:r>
+          </a:p>
+          <a:p>
             <a:endParaRPr lang="en-US" dirty="0"/>
+          </a:p>
+          <a:p>
+            <a:r>
+              <a:rPr lang="en-US" dirty="0"/>
+              <a:t>This is an example of a pod security policy that basically allows everything. There are no restrictions of user IDs, privileges or file system groups. Container validated against this rule may run with root permissions.</a:t>
+            </a:r>
+          </a:p>
+          <a:p>
+            <a:r>
+              <a:rPr lang="en-US" dirty="0"/>
+              <a:t>It is also possible to access the host in almost any possible way.</a:t>
+            </a:r>
           </a:p>
         </p:txBody>
       </p:sp>
@@ -1615,7 +1464,7 @@
             <a:spLocks noGrp="1"/>
           </p:cNvSpPr>
           <p:nvPr>
-            <p:ph type="sldNum" sz="quarter" idx="10"/>
+            <p:ph type="sldNum" sz="quarter" idx="5"/>
           </p:nvPr>
         </p:nvSpPr>
         <p:spPr/>
@@ -1626,7 +1475,7 @@
             <a:fld id="{7D8C2C35-2B8A-446E-BEC0-FD36716C29AC}" type="slidenum">
               <a:rPr lang="de-DE" smtClean="0"/>
               <a:pPr/>
-              <a:t>17</a:t>
+              <a:t>20</a:t>
             </a:fld>
             <a:endParaRPr lang="de-DE" dirty="0"/>
           </a:p>
@@ -1635,7 +1484,7 @@
     </p:spTree>
     <p:extLst>
       <p:ext uri="{BB962C8B-B14F-4D97-AF65-F5344CB8AC3E}">
-        <p14:creationId xmlns:p14="http://schemas.microsoft.com/office/powerpoint/2010/main" val="557057072"/>
+        <p14:creationId xmlns:p14="http://schemas.microsoft.com/office/powerpoint/2010/main" val="2624201790"/>
       </p:ext>
     </p:extLst>
   </p:cSld>
@@ -1690,42 +1539,40 @@
           <a:lstStyle/>
           <a:p>
             <a:r>
-              <a:rPr lang="en-US" sz="1400" b="0" i="0" kern="1200" dirty="0">
-                <a:solidFill>
-                  <a:schemeClr val="tx1"/>
-                </a:solidFill>
-                <a:effectLst/>
-                <a:latin typeface="+mn-lt"/>
-                <a:ea typeface="+mn-ea"/>
-                <a:cs typeface="+mn-cs"/>
-              </a:rPr>
-              <a:t>In order to make use of it, the usage of the policy has to be authorized by a (newly defined) role. Now you can attach the policy via a </a:t>
-            </a:r>
-            <a:r>
-              <a:rPr lang="en-US" sz="1400" b="0" i="0" kern="1200" dirty="0" err="1">
-                <a:solidFill>
-                  <a:schemeClr val="tx1"/>
-                </a:solidFill>
-                <a:effectLst/>
-                <a:latin typeface="+mn-lt"/>
-                <a:ea typeface="+mn-ea"/>
-                <a:cs typeface="+mn-cs"/>
-              </a:rPr>
-              <a:t>rolebinding</a:t>
-            </a:r>
-            <a:r>
-              <a:rPr lang="en-US" sz="1400" b="0" i="0" kern="1200" dirty="0">
-                <a:solidFill>
-                  <a:schemeClr val="tx1"/>
-                </a:solidFill>
-                <a:effectLst/>
-                <a:latin typeface="+mn-lt"/>
-                <a:ea typeface="+mn-ea"/>
-                <a:cs typeface="+mn-cs"/>
-              </a:rPr>
-              <a:t> to a service account and the pods will be scheduled, if its definition matches the criteria of the policy</a:t>
-            </a:r>
+              <a:rPr lang="en-US" dirty="0"/>
+              <a:t>Details: https://kubernetes.io/docs/concepts/policy/pod-security-policy/</a:t>
+            </a:r>
+          </a:p>
+          <a:p>
             <a:endParaRPr lang="en-US" dirty="0"/>
+          </a:p>
+          <a:p>
+            <a:r>
+              <a:rPr lang="en-US" dirty="0"/>
+              <a:t>This is an example of a way more restrictive pod security policy. Pods validated against it, must not use volume types other than </a:t>
+            </a:r>
+            <a:r>
+              <a:rPr lang="en-US" dirty="0" err="1"/>
+              <a:t>configMap</a:t>
+            </a:r>
+            <a:r>
+              <a:rPr lang="en-US" dirty="0"/>
+              <a:t>, </a:t>
+            </a:r>
+            <a:r>
+              <a:rPr lang="en-US" dirty="0" err="1"/>
+              <a:t>emptyDir</a:t>
+            </a:r>
+            <a:r>
+              <a:rPr lang="en-US" dirty="0"/>
+              <a:t>, projected (project multiple info in the same directory) &amp; secret. PVC or host fs are blocked.</a:t>
+            </a:r>
+          </a:p>
+          <a:p>
+            <a:r>
+              <a:rPr lang="en-US" dirty="0"/>
+              <a:t>The usage of UID 0 is also forbidden.</a:t>
+            </a:r>
           </a:p>
         </p:txBody>
       </p:sp>
@@ -1736,7 +1583,7 @@
             <a:spLocks noGrp="1"/>
           </p:cNvSpPr>
           <p:nvPr>
-            <p:ph type="sldNum" sz="quarter" idx="10"/>
+            <p:ph type="sldNum" sz="quarter" idx="5"/>
           </p:nvPr>
         </p:nvSpPr>
         <p:spPr/>
@@ -1747,7 +1594,7 @@
             <a:fld id="{7D8C2C35-2B8A-446E-BEC0-FD36716C29AC}" type="slidenum">
               <a:rPr lang="de-DE" smtClean="0"/>
               <a:pPr/>
-              <a:t>18</a:t>
+              <a:t>21</a:t>
             </a:fld>
             <a:endParaRPr lang="de-DE" dirty="0"/>
           </a:p>
@@ -1756,7 +1603,7 @@
     </p:spTree>
     <p:extLst>
       <p:ext uri="{BB962C8B-B14F-4D97-AF65-F5344CB8AC3E}">
-        <p14:creationId xmlns:p14="http://schemas.microsoft.com/office/powerpoint/2010/main" val="1643537951"/>
+        <p14:creationId xmlns:p14="http://schemas.microsoft.com/office/powerpoint/2010/main" val="2190904761"/>
       </p:ext>
     </p:extLst>
   </p:cSld>
@@ -1807,28 +1654,49 @@
         </p:nvSpPr>
         <p:spPr/>
         <p:txBody>
-          <a:bodyPr/>
+          <a:bodyPr>
+            <a:normAutofit/>
+          </a:bodyPr>
           <a:lstStyle/>
           <a:p>
             <a:r>
-              <a:rPr lang="en-US" dirty="0"/>
-              <a:t>Details: https://kubernetes.io/docs/concepts/policy/pod-security-policy/</a:t>
-            </a:r>
-          </a:p>
-          <a:p>
-            <a:endParaRPr lang="en-US" dirty="0"/>
-          </a:p>
-          <a:p>
-            <a:r>
-              <a:rPr lang="en-US" dirty="0"/>
-              <a:t>This is an example of a pod security policy that basically allows everything. There are no restrictions of user IDs, privileges or file system groups. Container validated against this rule may run with root permissions.</a:t>
-            </a:r>
-          </a:p>
-          <a:p>
-            <a:r>
-              <a:rPr lang="en-US" dirty="0"/>
-              <a:t>It is also possible to access the host in almost any possible way.</a:t>
-            </a:r>
+              <a:rPr lang="en-US" noProof="0" dirty="0"/>
+              <a:t>Network policies are </a:t>
+            </a:r>
+            <a:r>
+              <a:rPr lang="en-US" noProof="0" dirty="0" err="1"/>
+              <a:t>kubernetes</a:t>
+            </a:r>
+            <a:r>
+              <a:rPr lang="en-US" noProof="0" dirty="0"/>
+              <a:t> object just as pods. The need an overlay network that supports the enforcement of their rules, like Calico. </a:t>
+            </a:r>
+          </a:p>
+          <a:p>
+            <a:r>
+              <a:rPr lang="en-US" noProof="0" dirty="0"/>
+              <a:t>Basically they define rules for incoming (ingress) and outgoing (egress) traffic to pods. As filter rules you can set IP addresses or use labels. Filter actions are deny or allow.</a:t>
+            </a:r>
+          </a:p>
+          <a:p>
+            <a:endParaRPr lang="en-US" noProof="0" dirty="0"/>
+          </a:p>
+          <a:p>
+            <a:r>
+              <a:rPr lang="en-US" noProof="0" dirty="0"/>
+              <a:t>In the example above, let’s assume princess Peach is at her castle (pod). She has created a service in order to be callable, but only as long as her location = castle. That works quite well, only that Bowser keeps calling her all the time. So Peach decides to allow only calls from Mario and puts a network policy in place. The policy filters incoming calls when she has her “location: castle” label and allows only those to pass, that have a label “caller: </a:t>
+            </a:r>
+            <a:r>
+              <a:rPr lang="en-US" noProof="0" dirty="0" err="1"/>
+              <a:t>mario</a:t>
+            </a:r>
+            <a:r>
+              <a:rPr lang="en-US" noProof="0" dirty="0"/>
+              <a:t>” attached. As a result Bowser is no longer able to call her.</a:t>
+            </a:r>
+          </a:p>
+          <a:p>
+            <a:endParaRPr lang="en-US" noProof="0" dirty="0"/>
           </a:p>
         </p:txBody>
       </p:sp>
@@ -1839,7 +1707,7 @@
             <a:spLocks noGrp="1"/>
           </p:cNvSpPr>
           <p:nvPr>
-            <p:ph type="sldNum" sz="quarter" idx="5"/>
+            <p:ph type="sldNum" sz="quarter" idx="10"/>
           </p:nvPr>
         </p:nvSpPr>
         <p:spPr/>
@@ -1848,18 +1716,18 @@
           <a:lstStyle/>
           <a:p>
             <a:fld id="{7D8C2C35-2B8A-446E-BEC0-FD36716C29AC}" type="slidenum">
-              <a:rPr lang="de-DE" smtClean="0"/>
+              <a:rPr lang="en-US" smtClean="0"/>
               <a:pPr/>
-              <a:t>19</a:t>
+              <a:t>22</a:t>
             </a:fld>
-            <a:endParaRPr lang="de-DE" dirty="0"/>
+            <a:endParaRPr lang="en-US" dirty="0"/>
           </a:p>
         </p:txBody>
       </p:sp>
     </p:spTree>
     <p:extLst>
       <p:ext uri="{BB962C8B-B14F-4D97-AF65-F5344CB8AC3E}">
-        <p14:creationId xmlns:p14="http://schemas.microsoft.com/office/powerpoint/2010/main" val="2624201790"/>
+        <p14:creationId xmlns:p14="http://schemas.microsoft.com/office/powerpoint/2010/main" val="325304950"/>
       </p:ext>
     </p:extLst>
   </p:cSld>
@@ -1914,40 +1782,248 @@
           <a:lstStyle/>
           <a:p>
             <a:r>
+              <a:rPr lang="en-US" noProof="0" dirty="0"/>
+              <a:t>Network policies are </a:t>
+            </a:r>
+            <a:r>
+              <a:rPr lang="en-US" noProof="0" dirty="0" err="1"/>
+              <a:t>kubernetes</a:t>
+            </a:r>
+            <a:r>
+              <a:rPr lang="en-US" noProof="0" dirty="0"/>
+              <a:t> object just as pods. The need an overlay network that supports the enforcement of their rules, like Calico. </a:t>
+            </a:r>
+          </a:p>
+          <a:p>
+            <a:r>
+              <a:rPr lang="en-US" noProof="0" dirty="0"/>
+              <a:t>Basically they define rules for incoming (ingress) and outgoing (egress) traffic to pods. As filter rules you can set IP addresses or use labels. Filter actions are deny or allow.</a:t>
+            </a:r>
+          </a:p>
+          <a:p>
+            <a:r>
+              <a:rPr lang="en-US" noProof="0" dirty="0"/>
+              <a:t>In the example above, the network policy is enforced for access to “Pod A”, determined by its label and the corresponding selector.</a:t>
+            </a:r>
+          </a:p>
+          <a:p>
+            <a:r>
+              <a:rPr lang="en-US" noProof="0" dirty="0"/>
+              <a:t>Pod B is allowed to access pod A since it has the correct label. Traffic from pod M will be blocked.</a:t>
+            </a:r>
+          </a:p>
+          <a:p>
+            <a:r>
+              <a:rPr lang="de-DE" dirty="0"/>
+              <a:t>Demo:</a:t>
+            </a:r>
+          </a:p>
+          <a:p>
+            <a:r>
+              <a:rPr lang="de-DE" dirty="0" err="1"/>
+              <a:t>kubectl</a:t>
+            </a:r>
+            <a:r>
+              <a:rPr lang="de-DE" dirty="0"/>
+              <a:t> </a:t>
+            </a:r>
+            <a:r>
+              <a:rPr lang="de-DE" dirty="0" err="1"/>
+              <a:t>run</a:t>
+            </a:r>
+            <a:r>
+              <a:rPr lang="de-DE" dirty="0"/>
+              <a:t> </a:t>
+            </a:r>
+            <a:r>
+              <a:rPr lang="de-DE" dirty="0" err="1"/>
+              <a:t>nginx</a:t>
+            </a:r>
+            <a:r>
+              <a:rPr lang="de-DE" dirty="0"/>
+              <a:t> --image</a:t>
+            </a:r>
+            <a:r>
+              <a:rPr lang="de-DE" b="1" dirty="0"/>
+              <a:t>=</a:t>
+            </a:r>
+            <a:r>
+              <a:rPr lang="de-DE" dirty="0" err="1"/>
+              <a:t>nginx</a:t>
+            </a:r>
+            <a:r>
+              <a:rPr lang="de-DE" dirty="0"/>
+              <a:t> --</a:t>
+            </a:r>
+            <a:r>
+              <a:rPr lang="de-DE" dirty="0" err="1"/>
+              <a:t>replicas</a:t>
+            </a:r>
+            <a:r>
+              <a:rPr lang="de-DE" b="1" dirty="0"/>
+              <a:t>=</a:t>
+            </a:r>
+            <a:r>
+              <a:rPr lang="de-DE" dirty="0"/>
+              <a:t>2 </a:t>
+            </a:r>
+          </a:p>
+          <a:p>
+            <a:r>
+              <a:rPr lang="de-DE" dirty="0" err="1"/>
+              <a:t>kubectl</a:t>
+            </a:r>
+            <a:r>
+              <a:rPr lang="de-DE" dirty="0"/>
+              <a:t> </a:t>
+            </a:r>
+            <a:r>
+              <a:rPr lang="de-DE" dirty="0" err="1"/>
+              <a:t>expose</a:t>
+            </a:r>
+            <a:r>
+              <a:rPr lang="de-DE" dirty="0"/>
+              <a:t> </a:t>
+            </a:r>
+            <a:r>
+              <a:rPr lang="de-DE" dirty="0" err="1"/>
+              <a:t>deployment</a:t>
+            </a:r>
+            <a:r>
+              <a:rPr lang="de-DE" dirty="0"/>
+              <a:t> </a:t>
+            </a:r>
+            <a:r>
+              <a:rPr lang="de-DE" dirty="0" err="1"/>
+              <a:t>nginx</a:t>
+            </a:r>
+            <a:r>
+              <a:rPr lang="de-DE" dirty="0"/>
+              <a:t> --</a:t>
+            </a:r>
+            <a:r>
+              <a:rPr lang="de-DE" dirty="0" err="1"/>
+              <a:t>port</a:t>
+            </a:r>
+            <a:r>
+              <a:rPr lang="de-DE" b="1" dirty="0"/>
+              <a:t>=</a:t>
+            </a:r>
+            <a:r>
+              <a:rPr lang="de-DE" dirty="0"/>
+              <a:t>80</a:t>
+            </a:r>
+          </a:p>
+          <a:p>
+            <a:r>
+              <a:rPr lang="de-DE" dirty="0" err="1"/>
+              <a:t>kubectl</a:t>
+            </a:r>
+            <a:r>
+              <a:rPr lang="de-DE" dirty="0"/>
+              <a:t> </a:t>
+            </a:r>
+            <a:r>
+              <a:rPr lang="de-DE" dirty="0" err="1"/>
+              <a:t>run</a:t>
+            </a:r>
+            <a:r>
+              <a:rPr lang="de-DE" dirty="0"/>
+              <a:t> </a:t>
+            </a:r>
+            <a:r>
+              <a:rPr lang="de-DE" dirty="0" err="1"/>
+              <a:t>busybox</a:t>
+            </a:r>
+            <a:r>
+              <a:rPr lang="de-DE" dirty="0"/>
+              <a:t> --</a:t>
+            </a:r>
+            <a:r>
+              <a:rPr lang="de-DE" dirty="0" err="1"/>
+              <a:t>rm</a:t>
+            </a:r>
+            <a:r>
+              <a:rPr lang="de-DE" dirty="0"/>
+              <a:t> -</a:t>
+            </a:r>
+            <a:r>
+              <a:rPr lang="de-DE" dirty="0" err="1"/>
+              <a:t>ti</a:t>
+            </a:r>
+            <a:r>
+              <a:rPr lang="de-DE" dirty="0"/>
+              <a:t> --image</a:t>
+            </a:r>
+            <a:r>
+              <a:rPr lang="de-DE" b="1" dirty="0"/>
+              <a:t>=</a:t>
+            </a:r>
+            <a:r>
+              <a:rPr lang="de-DE" dirty="0" err="1"/>
+              <a:t>busybox</a:t>
+            </a:r>
+            <a:r>
+              <a:rPr lang="de-DE" dirty="0"/>
+              <a:t> /bin/sh</a:t>
+            </a:r>
+          </a:p>
+          <a:p>
+            <a:r>
+              <a:rPr lang="de-DE" dirty="0"/>
+              <a:t> # </a:t>
+            </a:r>
+            <a:r>
+              <a:rPr lang="de-DE" dirty="0" err="1"/>
+              <a:t>wget</a:t>
+            </a:r>
+            <a:r>
+              <a:rPr lang="de-DE" dirty="0"/>
+              <a:t> --spider --timeout=1 </a:t>
+            </a:r>
+            <a:r>
+              <a:rPr lang="de-DE" dirty="0" err="1"/>
+              <a:t>nginx</a:t>
+            </a:r>
+            <a:endParaRPr lang="en-US" dirty="0"/>
+          </a:p>
+          <a:p>
+            <a:r>
+              <a:rPr lang="en-US" dirty="0" err="1"/>
+              <a:t>Kubectl</a:t>
+            </a:r>
+            <a:r>
               <a:rPr lang="en-US" dirty="0"/>
-              <a:t>Details: https://kubernetes.io/docs/concepts/policy/pod-security-policy/</a:t>
-            </a:r>
-          </a:p>
-          <a:p>
+              <a:t> create –f network-</a:t>
+            </a:r>
+            <a:r>
+              <a:rPr lang="en-US" dirty="0" err="1"/>
+              <a:t>policy.yaml</a:t>
+            </a:r>
             <a:endParaRPr lang="en-US" dirty="0"/>
           </a:p>
           <a:p>
             <a:r>
+              <a:rPr lang="en-US" dirty="0" err="1"/>
+              <a:t>Kubectl</a:t>
+            </a:r>
+            <a:r>
               <a:rPr lang="en-US" dirty="0"/>
-              <a:t>This is an example of a way more restrictive pod security policy. Pods validated against it, must not use volume types other than </a:t>
-            </a:r>
+              <a:t> run ..</a:t>
+            </a:r>
+          </a:p>
+          <a:p>
             <a:r>
               <a:rPr lang="en-US" dirty="0" err="1"/>
-              <a:t>configMap</a:t>
+              <a:t>Kubectl</a:t>
             </a:r>
             <a:r>
               <a:rPr lang="en-US" dirty="0"/>
-              <a:t>, </a:t>
-            </a:r>
-            <a:r>
-              <a:rPr lang="en-US" dirty="0" err="1"/>
-              <a:t>emptyDir</a:t>
-            </a:r>
-            <a:r>
-              <a:rPr lang="en-US" dirty="0"/>
-              <a:t>, projected (project multiple info in the same directory) &amp; secret. PVC or host fs are blocked.</a:t>
-            </a:r>
-          </a:p>
-          <a:p>
-            <a:r>
-              <a:rPr lang="en-US" dirty="0"/>
-              <a:t>The usage of UID 0 is also forbidden.</a:t>
-            </a:r>
+              <a:t> run … -l access=true</a:t>
+            </a:r>
+          </a:p>
+          <a:p>
+            <a:endParaRPr lang="en-US" dirty="0"/>
           </a:p>
         </p:txBody>
       </p:sp>
@@ -1958,7 +2034,7 @@
             <a:spLocks noGrp="1"/>
           </p:cNvSpPr>
           <p:nvPr>
-            <p:ph type="sldNum" sz="quarter" idx="5"/>
+            <p:ph type="sldNum" sz="quarter" idx="10"/>
           </p:nvPr>
         </p:nvSpPr>
         <p:spPr/>
@@ -1967,18 +2043,18 @@
           <a:lstStyle/>
           <a:p>
             <a:fld id="{7D8C2C35-2B8A-446E-BEC0-FD36716C29AC}" type="slidenum">
-              <a:rPr lang="de-DE" smtClean="0"/>
+              <a:rPr lang="en-US" smtClean="0"/>
               <a:pPr/>
-              <a:t>20</a:t>
+              <a:t>24</a:t>
             </a:fld>
-            <a:endParaRPr lang="de-DE" dirty="0"/>
+            <a:endParaRPr lang="en-US" dirty="0"/>
           </a:p>
         </p:txBody>
       </p:sp>
     </p:spTree>
     <p:extLst>
       <p:ext uri="{BB962C8B-B14F-4D97-AF65-F5344CB8AC3E}">
-        <p14:creationId xmlns:p14="http://schemas.microsoft.com/office/powerpoint/2010/main" val="2190904761"/>
+        <p14:creationId xmlns:p14="http://schemas.microsoft.com/office/powerpoint/2010/main" val="3747275599"/>
       </p:ext>
     </p:extLst>
   </p:cSld>
@@ -2029,9 +2105,100 @@
         </p:nvSpPr>
         <p:spPr/>
         <p:txBody>
-          <a:bodyPr/>
+          <a:bodyPr>
+            <a:normAutofit fontScale="92500"/>
+          </a:bodyPr>
           <a:lstStyle/>
           <a:p>
+            <a:r>
+              <a:rPr lang="en-US" dirty="0"/>
+              <a:t>Currently there are two types of users in </a:t>
+            </a:r>
+            <a:r>
+              <a:rPr lang="en-US" dirty="0" err="1"/>
+              <a:t>kubernetes</a:t>
+            </a:r>
+            <a:r>
+              <a:rPr lang="en-US" dirty="0"/>
+              <a:t> – technical and normal Users. Users are considered to be human (end-)users and you can fine </a:t>
+            </a:r>
+            <a:r>
+              <a:rPr lang="en-US" dirty="0" err="1"/>
+              <a:t>granularily</a:t>
+            </a:r>
+            <a:r>
+              <a:rPr lang="en-US" dirty="0"/>
+              <a:t> define what each user can. They can also (by default) be cluster admins and have access to everything in the cluster. </a:t>
+            </a:r>
+          </a:p>
+          <a:p>
+            <a:endParaRPr lang="en-US" dirty="0"/>
+          </a:p>
+          <a:p>
+            <a:r>
+              <a:rPr lang="en-US" dirty="0"/>
+              <a:t>The 2</a:t>
+            </a:r>
+            <a:r>
+              <a:rPr lang="en-US" baseline="30000" dirty="0"/>
+              <a:t>nd</a:t>
+            </a:r>
+            <a:r>
+              <a:rPr lang="en-US" dirty="0"/>
+              <a:t> type of user is a technical user, called “service account”. A service account is bound to a namespace and in every namespace there is “default” service account. Of course it is possible to create further service accounts. </a:t>
+            </a:r>
+          </a:p>
+          <a:p>
+            <a:r>
+              <a:rPr lang="en-US" dirty="0"/>
+              <a:t>Usually a service account holds an access token allowing to communicate with the cluster’s API server. The token itself is a </a:t>
+            </a:r>
+            <a:r>
+              <a:rPr lang="en-US" dirty="0" err="1"/>
+              <a:t>kubernetes</a:t>
+            </a:r>
+            <a:r>
+              <a:rPr lang="en-US" dirty="0"/>
+              <a:t> secret. Additionally you can assign an image pull secret to the service account (see slide 5 </a:t>
+            </a:r>
+            <a:r>
+              <a:rPr lang="en-US" dirty="0" err="1"/>
+              <a:t>ff</a:t>
+            </a:r>
+            <a:r>
+              <a:rPr lang="en-US" dirty="0"/>
+              <a:t> for further info).</a:t>
+            </a:r>
+          </a:p>
+          <a:p>
+            <a:endParaRPr lang="en-US" dirty="0"/>
+          </a:p>
+          <a:p>
+            <a:r>
+              <a:rPr lang="en-US" dirty="0"/>
+              <a:t>When scheduling resources like a pod, they always run in the “name” of the service account. This means, the service account’s secrets will be mounted into the pod. Hence a pod is also able to access the API server with the identity of the service account and its valid credentials.</a:t>
+            </a:r>
+          </a:p>
+          <a:p>
+            <a:r>
+              <a:rPr lang="en-US" dirty="0"/>
+              <a:t>If not specified differently, the default service account will be used. </a:t>
+            </a:r>
+          </a:p>
+          <a:p>
+            <a:endParaRPr lang="en-US" dirty="0"/>
+          </a:p>
+          <a:p>
+            <a:r>
+              <a:rPr lang="en-US" dirty="0"/>
+              <a:t>Since a pod can access the API, think about possible consequences. Could it modify the system? To avoid potential security issues, it is recommended to limit the access scope of the service account using RBAC </a:t>
+            </a:r>
+            <a:r>
+              <a:rPr lang="en-US" dirty="0">
+                <a:sym typeface="Wingdings" panose="05000000000000000000" pitchFamily="2" charset="2"/>
+              </a:rPr>
+              <a:t> see next slide</a:t>
+            </a:r>
             <a:endParaRPr lang="en-US" dirty="0"/>
           </a:p>
         </p:txBody>
@@ -2054,7 +2221,7 @@
             <a:fld id="{7D8C2C35-2B8A-446E-BEC0-FD36716C29AC}" type="slidenum">
               <a:rPr lang="en-US" smtClean="0"/>
               <a:pPr/>
-              <a:t>2</a:t>
+              <a:t>3</a:t>
             </a:fld>
             <a:endParaRPr lang="en-US" dirty="0"/>
           </a:p>
@@ -2063,7 +2230,7 @@
     </p:spTree>
     <p:extLst>
       <p:ext uri="{BB962C8B-B14F-4D97-AF65-F5344CB8AC3E}">
-        <p14:creationId xmlns:p14="http://schemas.microsoft.com/office/powerpoint/2010/main" val="564251729"/>
+        <p14:creationId xmlns:p14="http://schemas.microsoft.com/office/powerpoint/2010/main" val="561089298"/>
       </p:ext>
     </p:extLst>
   </p:cSld>
@@ -2115,48 +2282,579 @@
         <p:spPr/>
         <p:txBody>
           <a:bodyPr>
-            <a:normAutofit/>
+            <a:normAutofit fontScale="92500" lnSpcReduction="20000"/>
           </a:bodyPr>
           <a:lstStyle/>
           <a:p>
             <a:r>
-              <a:rPr lang="en-US" noProof="0" dirty="0"/>
-              <a:t>Network policies are </a:t>
-            </a:r>
-            <a:r>
-              <a:rPr lang="en-US" noProof="0" dirty="0" err="1"/>
-              <a:t>kubernetes</a:t>
-            </a:r>
-            <a:r>
-              <a:rPr lang="en-US" noProof="0" dirty="0"/>
-              <a:t> object just as pods. The need an overlay network that supports the enforcement of their rules, like Calico. </a:t>
-            </a:r>
-          </a:p>
-          <a:p>
-            <a:r>
-              <a:rPr lang="en-US" noProof="0" dirty="0"/>
-              <a:t>Basically they define rules for incoming (ingress) and outgoing (egress) traffic to pods. As filter rules you can set IP addresses or use labels. Filter actions are deny or allow.</a:t>
-            </a:r>
-          </a:p>
-          <a:p>
-            <a:endParaRPr lang="en-US" noProof="0" dirty="0"/>
-          </a:p>
-          <a:p>
-            <a:r>
-              <a:rPr lang="en-US" noProof="0" dirty="0"/>
-              <a:t>In the example above, let’s assume princess Peach is at her castle (pod). She has created a service in order to be callable, but only as long as her location = castle. That works quite well, only that Bowser keeps calling her all the time. So Peach decides to allow only calls from Mario and puts a network policy in place. The policy filters incoming calls when she has her “location: castle” label and allows only those to pass, that have a label “caller: </a:t>
-            </a:r>
-            <a:r>
-              <a:rPr lang="en-US" noProof="0" dirty="0" err="1"/>
-              <a:t>mario</a:t>
-            </a:r>
-            <a:r>
-              <a:rPr lang="en-US" noProof="0" dirty="0"/>
-              <a:t>” attached. As a result Bowser is no longer able to call her.</a:t>
-            </a:r>
-          </a:p>
-          <a:p>
-            <a:endParaRPr lang="en-US" noProof="0" dirty="0"/>
+              <a:rPr lang="de-DE" dirty="0"/>
+              <a:t>Demo:</a:t>
+            </a:r>
+          </a:p>
+          <a:p>
+            <a:pPr marL="285750" indent="-285750">
+              <a:buFont typeface="Symbol" panose="05050102010706020507" pitchFamily="18" charset="2"/>
+              <a:buChar char="-"/>
+            </a:pPr>
+            <a:r>
+              <a:rPr lang="de-DE" dirty="0"/>
+              <a:t>Create a </a:t>
+            </a:r>
+            <a:r>
+              <a:rPr lang="de-DE" dirty="0" err="1"/>
+              <a:t>deployment</a:t>
+            </a:r>
+            <a:r>
+              <a:rPr lang="de-DE" dirty="0"/>
+              <a:t> &amp; a </a:t>
+            </a:r>
+            <a:r>
+              <a:rPr lang="de-DE" dirty="0" err="1"/>
+              <a:t>corresponding</a:t>
+            </a:r>
+            <a:r>
+              <a:rPr lang="de-DE" dirty="0"/>
+              <a:t> </a:t>
+            </a:r>
+            <a:r>
+              <a:rPr lang="de-DE" dirty="0" err="1"/>
+              <a:t>service</a:t>
+            </a:r>
+            <a:r>
+              <a:rPr lang="de-DE" dirty="0"/>
+              <a:t> (</a:t>
+            </a:r>
+            <a:r>
+              <a:rPr lang="de-DE" dirty="0" err="1"/>
+              <a:t>if</a:t>
+            </a:r>
+            <a:r>
+              <a:rPr lang="de-DE" dirty="0"/>
+              <a:t> not </a:t>
+            </a:r>
+            <a:r>
+              <a:rPr lang="de-DE" dirty="0" err="1"/>
+              <a:t>yet</a:t>
+            </a:r>
+            <a:r>
+              <a:rPr lang="de-DE" dirty="0"/>
+              <a:t> </a:t>
+            </a:r>
+            <a:r>
+              <a:rPr lang="de-DE" dirty="0" err="1"/>
+              <a:t>done</a:t>
+            </a:r>
+            <a:r>
+              <a:rPr lang="de-DE" dirty="0"/>
+              <a:t>)</a:t>
+            </a:r>
+          </a:p>
+          <a:p>
+            <a:pPr marL="465750" lvl="1" indent="-285750">
+              <a:buFont typeface="Symbol" panose="05050102010706020507" pitchFamily="18" charset="2"/>
+              <a:buChar char="-"/>
+            </a:pPr>
+            <a:r>
+              <a:rPr lang="de-DE" dirty="0" err="1"/>
+              <a:t>kubectl</a:t>
+            </a:r>
+            <a:r>
+              <a:rPr lang="de-DE" dirty="0"/>
+              <a:t> </a:t>
+            </a:r>
+            <a:r>
+              <a:rPr lang="de-DE" dirty="0" err="1"/>
+              <a:t>run</a:t>
+            </a:r>
+            <a:r>
+              <a:rPr lang="de-DE" dirty="0"/>
+              <a:t> </a:t>
+            </a:r>
+            <a:r>
+              <a:rPr lang="de-DE" dirty="0" err="1"/>
+              <a:t>nginx</a:t>
+            </a:r>
+            <a:r>
+              <a:rPr lang="de-DE" dirty="0"/>
+              <a:t> --image</a:t>
+            </a:r>
+            <a:r>
+              <a:rPr lang="de-DE" b="1" dirty="0"/>
+              <a:t>=</a:t>
+            </a:r>
+            <a:r>
+              <a:rPr lang="de-DE" dirty="0" err="1"/>
+              <a:t>nginx</a:t>
+            </a:r>
+            <a:r>
+              <a:rPr lang="de-DE" dirty="0"/>
+              <a:t> --</a:t>
+            </a:r>
+            <a:r>
+              <a:rPr lang="de-DE" dirty="0" err="1"/>
+              <a:t>replicas</a:t>
+            </a:r>
+            <a:r>
+              <a:rPr lang="de-DE" b="1" dirty="0"/>
+              <a:t>=</a:t>
+            </a:r>
+            <a:r>
+              <a:rPr lang="de-DE" dirty="0"/>
+              <a:t>2 </a:t>
+            </a:r>
+          </a:p>
+          <a:p>
+            <a:pPr marL="465750" lvl="1" indent="-285750">
+              <a:buFont typeface="Symbol" panose="05050102010706020507" pitchFamily="18" charset="2"/>
+              <a:buChar char="-"/>
+            </a:pPr>
+            <a:r>
+              <a:rPr lang="de-DE" dirty="0" err="1"/>
+              <a:t>kubectl</a:t>
+            </a:r>
+            <a:r>
+              <a:rPr lang="de-DE" dirty="0"/>
+              <a:t> </a:t>
+            </a:r>
+            <a:r>
+              <a:rPr lang="de-DE" dirty="0" err="1"/>
+              <a:t>expose</a:t>
+            </a:r>
+            <a:r>
+              <a:rPr lang="de-DE" dirty="0"/>
+              <a:t> </a:t>
+            </a:r>
+            <a:r>
+              <a:rPr lang="de-DE" dirty="0" err="1"/>
+              <a:t>deployment</a:t>
+            </a:r>
+            <a:r>
+              <a:rPr lang="de-DE" dirty="0"/>
+              <a:t> </a:t>
+            </a:r>
+            <a:r>
+              <a:rPr lang="de-DE" dirty="0" err="1"/>
+              <a:t>nginx</a:t>
+            </a:r>
+            <a:r>
+              <a:rPr lang="de-DE" dirty="0"/>
+              <a:t> --</a:t>
+            </a:r>
+            <a:r>
+              <a:rPr lang="de-DE" dirty="0" err="1"/>
+              <a:t>port</a:t>
+            </a:r>
+            <a:r>
+              <a:rPr lang="de-DE" b="1" dirty="0"/>
+              <a:t>=</a:t>
+            </a:r>
+            <a:r>
+              <a:rPr lang="de-DE" dirty="0"/>
+              <a:t>80</a:t>
+            </a:r>
+          </a:p>
+          <a:p>
+            <a:pPr marL="285750" indent="-285750">
+              <a:buFont typeface="Symbol" panose="05050102010706020507" pitchFamily="18" charset="2"/>
+              <a:buChar char="-"/>
+            </a:pPr>
+            <a:endParaRPr lang="de-DE" dirty="0"/>
+          </a:p>
+          <a:p>
+            <a:pPr marL="285750" indent="-285750">
+              <a:buFont typeface="Symbol" panose="05050102010706020507" pitchFamily="18" charset="2"/>
+              <a:buChar char="-"/>
+            </a:pPr>
+            <a:r>
+              <a:rPr lang="de-DE" dirty="0"/>
+              <a:t>Create a </a:t>
+            </a:r>
+            <a:r>
+              <a:rPr lang="de-DE" dirty="0" err="1"/>
+              <a:t>helper</a:t>
+            </a:r>
+            <a:r>
+              <a:rPr lang="de-DE" dirty="0"/>
+              <a:t> </a:t>
+            </a:r>
+            <a:r>
+              <a:rPr lang="de-DE" dirty="0" err="1"/>
+              <a:t>pod</a:t>
+            </a:r>
+            <a:r>
+              <a:rPr lang="de-DE" dirty="0"/>
+              <a:t>, </a:t>
+            </a:r>
+            <a:r>
+              <a:rPr lang="de-DE" dirty="0" err="1"/>
+              <a:t>logon</a:t>
+            </a:r>
+            <a:r>
+              <a:rPr lang="de-DE" dirty="0"/>
+              <a:t> </a:t>
+            </a:r>
+            <a:r>
+              <a:rPr lang="de-DE" dirty="0" err="1"/>
+              <a:t>to</a:t>
+            </a:r>
+            <a:r>
+              <a:rPr lang="de-DE" dirty="0"/>
+              <a:t> </a:t>
+            </a:r>
+            <a:r>
+              <a:rPr lang="de-DE" dirty="0" err="1"/>
+              <a:t>it</a:t>
+            </a:r>
+            <a:r>
+              <a:rPr lang="de-DE" dirty="0"/>
+              <a:t> and </a:t>
+            </a:r>
+            <a:r>
+              <a:rPr lang="de-DE" dirty="0" err="1"/>
+              <a:t>get</a:t>
+            </a:r>
+            <a:r>
+              <a:rPr lang="de-DE" dirty="0"/>
+              <a:t> </a:t>
+            </a:r>
+            <a:r>
+              <a:rPr lang="de-DE" dirty="0" err="1"/>
+              <a:t>the</a:t>
+            </a:r>
+            <a:r>
+              <a:rPr lang="de-DE" dirty="0"/>
+              <a:t> index.html </a:t>
+            </a:r>
+            <a:r>
+              <a:rPr lang="de-DE" dirty="0" err="1"/>
+              <a:t>page</a:t>
+            </a:r>
+            <a:r>
+              <a:rPr lang="de-DE" dirty="0"/>
+              <a:t> </a:t>
+            </a:r>
+            <a:r>
+              <a:rPr lang="de-DE" dirty="0" err="1"/>
+              <a:t>from</a:t>
+            </a:r>
+            <a:r>
+              <a:rPr lang="de-DE" dirty="0"/>
+              <a:t> </a:t>
+            </a:r>
+            <a:r>
+              <a:rPr lang="de-DE" dirty="0" err="1"/>
+              <a:t>the</a:t>
+            </a:r>
+            <a:r>
+              <a:rPr lang="de-DE" dirty="0"/>
+              <a:t> </a:t>
+            </a:r>
+            <a:r>
+              <a:rPr lang="de-DE" dirty="0" err="1"/>
+              <a:t>nginx</a:t>
+            </a:r>
+            <a:r>
+              <a:rPr lang="de-DE" dirty="0"/>
+              <a:t> backend.</a:t>
+            </a:r>
+          </a:p>
+          <a:p>
+            <a:pPr marL="465750" lvl="1" indent="-285750">
+              <a:buFont typeface="Symbol" panose="05050102010706020507" pitchFamily="18" charset="2"/>
+              <a:buChar char="-"/>
+            </a:pPr>
+            <a:r>
+              <a:rPr lang="de-DE" dirty="0" err="1"/>
+              <a:t>kubectl</a:t>
+            </a:r>
+            <a:r>
+              <a:rPr lang="de-DE" dirty="0"/>
+              <a:t> </a:t>
+            </a:r>
+            <a:r>
+              <a:rPr lang="de-DE" dirty="0" err="1"/>
+              <a:t>run</a:t>
+            </a:r>
+            <a:r>
+              <a:rPr lang="de-DE" dirty="0"/>
+              <a:t> </a:t>
+            </a:r>
+            <a:r>
+              <a:rPr lang="de-DE" dirty="0" err="1"/>
+              <a:t>connector</a:t>
+            </a:r>
+            <a:r>
+              <a:rPr lang="de-DE" dirty="0"/>
+              <a:t> --</a:t>
+            </a:r>
+            <a:r>
+              <a:rPr lang="de-DE" dirty="0" err="1"/>
+              <a:t>rm</a:t>
+            </a:r>
+            <a:r>
+              <a:rPr lang="de-DE" dirty="0"/>
+              <a:t> -</a:t>
+            </a:r>
+            <a:r>
+              <a:rPr lang="de-DE" dirty="0" err="1"/>
+              <a:t>ti</a:t>
+            </a:r>
+            <a:r>
+              <a:rPr lang="de-DE" dirty="0"/>
+              <a:t> --</a:t>
+            </a:r>
+            <a:r>
+              <a:rPr lang="de-DE" dirty="0" err="1"/>
+              <a:t>restart</a:t>
+            </a:r>
+            <a:r>
+              <a:rPr lang="de-DE" dirty="0"/>
+              <a:t>=Never --image</a:t>
+            </a:r>
+            <a:r>
+              <a:rPr lang="de-DE" b="1" dirty="0"/>
+              <a:t>=</a:t>
+            </a:r>
+            <a:r>
+              <a:rPr lang="de-DE" dirty="0"/>
+              <a:t>alpine:3.8</a:t>
+            </a:r>
+          </a:p>
+          <a:p>
+            <a:pPr marL="465750" lvl="1" indent="-285750">
+              <a:buFont typeface="Symbol" panose="05050102010706020507" pitchFamily="18" charset="2"/>
+              <a:buChar char="-"/>
+            </a:pPr>
+            <a:r>
+              <a:rPr lang="de-DE" dirty="0"/>
+              <a:t># </a:t>
+            </a:r>
+            <a:r>
+              <a:rPr lang="de-DE" dirty="0" err="1"/>
+              <a:t>wget</a:t>
+            </a:r>
+            <a:r>
+              <a:rPr lang="de-DE" dirty="0"/>
+              <a:t> --timeout=1 </a:t>
+            </a:r>
+            <a:r>
+              <a:rPr lang="de-DE" dirty="0" err="1"/>
+              <a:t>nginx</a:t>
+            </a:r>
+            <a:endParaRPr lang="de-DE" dirty="0"/>
+          </a:p>
+          <a:p>
+            <a:pPr marL="465750" lvl="1" indent="-285750">
+              <a:buFont typeface="Symbol" panose="05050102010706020507" pitchFamily="18" charset="2"/>
+              <a:buChar char="-"/>
+            </a:pPr>
+            <a:r>
+              <a:rPr lang="en-US" dirty="0"/>
+              <a:t>Remove the index.html page &amp; stay connected to the shell session</a:t>
+            </a:r>
+          </a:p>
+          <a:p>
+            <a:pPr marL="285750" indent="-285750">
+              <a:buFont typeface="Symbol" panose="05050102010706020507" pitchFamily="18" charset="2"/>
+              <a:buChar char="-"/>
+            </a:pPr>
+            <a:endParaRPr lang="en-US" dirty="0"/>
+          </a:p>
+          <a:p>
+            <a:pPr marL="285750" indent="-285750">
+              <a:buFont typeface="Symbol" panose="05050102010706020507" pitchFamily="18" charset="2"/>
+              <a:buChar char="-"/>
+            </a:pPr>
+            <a:r>
+              <a:rPr lang="en-US" dirty="0"/>
+              <a:t>Create the network policy in a 2</a:t>
+            </a:r>
+            <a:r>
+              <a:rPr lang="en-US" baseline="30000" dirty="0"/>
+              <a:t>nd</a:t>
+            </a:r>
+            <a:r>
+              <a:rPr lang="en-US" dirty="0"/>
+              <a:t> shell:</a:t>
+            </a:r>
+          </a:p>
+          <a:p>
+            <a:pPr marL="465750" lvl="1" indent="-285750">
+              <a:buFont typeface="Symbol" panose="05050102010706020507" pitchFamily="18" charset="2"/>
+              <a:buChar char="-"/>
+            </a:pPr>
+            <a:r>
+              <a:rPr lang="en-US" dirty="0" err="1"/>
+              <a:t>kubectl</a:t>
+            </a:r>
+            <a:r>
+              <a:rPr lang="en-US" dirty="0"/>
+              <a:t> create –f network-</a:t>
+            </a:r>
+            <a:r>
+              <a:rPr lang="en-US" dirty="0" err="1"/>
+              <a:t>policy.yaml</a:t>
+            </a:r>
+            <a:endParaRPr lang="en-US" dirty="0"/>
+          </a:p>
+          <a:p>
+            <a:pPr marL="465750" lvl="1" indent="-285750">
+              <a:buFont typeface="Symbol" panose="05050102010706020507" pitchFamily="18" charset="2"/>
+              <a:buChar char="-"/>
+            </a:pPr>
+            <a:r>
+              <a:rPr lang="en-US" dirty="0"/>
+              <a:t>Show the network policy definition and explain:</a:t>
+            </a:r>
+          </a:p>
+          <a:p>
+            <a:pPr marL="645750" lvl="2" indent="-285750">
+              <a:buFont typeface="Symbol" panose="05050102010706020507" pitchFamily="18" charset="2"/>
+              <a:buChar char="-"/>
+            </a:pPr>
+            <a:r>
+              <a:rPr lang="en-US" dirty="0"/>
+              <a:t>it’s implicitly a whitelisting</a:t>
+            </a:r>
+          </a:p>
+          <a:p>
+            <a:pPr marL="645750" lvl="2" indent="-285750">
+              <a:buFont typeface="Symbol" panose="05050102010706020507" pitchFamily="18" charset="2"/>
+              <a:buChar char="-"/>
+            </a:pPr>
+            <a:r>
+              <a:rPr lang="en-US" dirty="0"/>
+              <a:t>network policy can handle egress and ingress traffic. However the example is only of incoming (ingress) traffic.</a:t>
+            </a:r>
+          </a:p>
+          <a:p>
+            <a:pPr marL="645750" lvl="2" indent="-285750">
+              <a:buFont typeface="Symbol" panose="05050102010706020507" pitchFamily="18" charset="2"/>
+              <a:buChar char="-"/>
+            </a:pPr>
+            <a:r>
+              <a:rPr lang="en-US" dirty="0"/>
+              <a:t>The </a:t>
+            </a:r>
+            <a:r>
+              <a:rPr lang="en-US" dirty="0" err="1"/>
+              <a:t>cidr</a:t>
+            </a:r>
+            <a:r>
+              <a:rPr lang="en-US" dirty="0"/>
+              <a:t> block are required, if you want to access your service later from SAP networks. Otherwise all requested without the label (i.e. not cluster internal) will be blocked too.</a:t>
+            </a:r>
+          </a:p>
+          <a:p>
+            <a:pPr marL="465750" lvl="1" indent="-285750">
+              <a:buFont typeface="Symbol" panose="05050102010706020507" pitchFamily="18" charset="2"/>
+              <a:buChar char="-"/>
+            </a:pPr>
+            <a:endParaRPr lang="en-US" dirty="0"/>
+          </a:p>
+          <a:p>
+            <a:pPr marL="285750" indent="-285750">
+              <a:buFont typeface="Symbol" panose="05050102010706020507" pitchFamily="18" charset="2"/>
+              <a:buChar char="-"/>
+            </a:pPr>
+            <a:r>
+              <a:rPr lang="en-US" dirty="0"/>
+              <a:t>Switch back to the helper pod and re-run the </a:t>
+            </a:r>
+            <a:r>
+              <a:rPr lang="en-US" dirty="0" err="1"/>
+              <a:t>wget</a:t>
+            </a:r>
+            <a:r>
+              <a:rPr lang="en-US" dirty="0"/>
+              <a:t> command </a:t>
+            </a:r>
+            <a:r>
+              <a:rPr lang="en-US" dirty="0">
+                <a:sym typeface="Wingdings" panose="05000000000000000000" pitchFamily="2" charset="2"/>
+              </a:rPr>
+              <a:t> expected result: failure due to the missing label</a:t>
+            </a:r>
+            <a:endParaRPr lang="en-US" dirty="0"/>
+          </a:p>
+          <a:p>
+            <a:pPr marL="285750" indent="-285750">
+              <a:buFont typeface="Symbol" panose="05050102010706020507" pitchFamily="18" charset="2"/>
+              <a:buChar char="-"/>
+            </a:pPr>
+            <a:r>
+              <a:rPr lang="en-US" dirty="0"/>
+              <a:t>Label you helper pod accordingly (can be done from the 2</a:t>
+            </a:r>
+            <a:r>
+              <a:rPr lang="en-US" baseline="30000" dirty="0"/>
+              <a:t>nd</a:t>
+            </a:r>
+            <a:r>
+              <a:rPr lang="en-US" dirty="0"/>
+              <a:t> shell session, so stay connected to your helper pod)</a:t>
+            </a:r>
+          </a:p>
+          <a:p>
+            <a:pPr marL="465750" lvl="1" indent="-285750">
+              <a:buFont typeface="Symbol" panose="05050102010706020507" pitchFamily="18" charset="2"/>
+              <a:buChar char="-"/>
+            </a:pPr>
+            <a:r>
+              <a:rPr lang="en-US" dirty="0" err="1"/>
+              <a:t>kubectl</a:t>
+            </a:r>
+            <a:r>
+              <a:rPr lang="en-US" dirty="0"/>
+              <a:t> label pod connector access=true</a:t>
+            </a:r>
+          </a:p>
+          <a:p>
+            <a:pPr marL="285750" lvl="0" indent="-285750">
+              <a:buFont typeface="Symbol" panose="05050102010706020507" pitchFamily="18" charset="2"/>
+              <a:buChar char="-"/>
+            </a:pPr>
+            <a:endParaRPr lang="en-US" dirty="0"/>
+          </a:p>
+          <a:p>
+            <a:pPr marL="285750" lvl="0" indent="-285750">
+              <a:buFont typeface="Symbol" panose="05050102010706020507" pitchFamily="18" charset="2"/>
+              <a:buChar char="-"/>
+            </a:pPr>
+            <a:r>
+              <a:rPr lang="en-US" dirty="0"/>
+              <a:t>Re-run the </a:t>
+            </a:r>
+            <a:r>
+              <a:rPr lang="en-US" dirty="0" err="1"/>
+              <a:t>wget</a:t>
+            </a:r>
+            <a:r>
+              <a:rPr lang="en-US" dirty="0"/>
+              <a:t> command </a:t>
+            </a:r>
+            <a:r>
+              <a:rPr lang="en-US" dirty="0">
+                <a:sym typeface="Wingdings" panose="05000000000000000000" pitchFamily="2" charset="2"/>
+              </a:rPr>
+              <a:t> expected result: works again</a:t>
+            </a:r>
+          </a:p>
+          <a:p>
+            <a:pPr marL="285750" lvl="0" indent="-285750">
+              <a:buFont typeface="Symbol" panose="05050102010706020507" pitchFamily="18" charset="2"/>
+              <a:buChar char="-"/>
+            </a:pPr>
+            <a:endParaRPr lang="en-US" dirty="0">
+              <a:sym typeface="Wingdings" panose="05000000000000000000" pitchFamily="2" charset="2"/>
+            </a:endParaRPr>
+          </a:p>
+          <a:p>
+            <a:pPr marL="0" lvl="0" indent="0">
+              <a:buFont typeface="Symbol" panose="05050102010706020507" pitchFamily="18" charset="2"/>
+              <a:buNone/>
+            </a:pPr>
+            <a:endParaRPr lang="en-US" dirty="0"/>
           </a:p>
         </p:txBody>
       </p:sp>
@@ -2176,18 +2874,18 @@
           <a:lstStyle/>
           <a:p>
             <a:fld id="{7D8C2C35-2B8A-446E-BEC0-FD36716C29AC}" type="slidenum">
-              <a:rPr lang="en-US" smtClean="0"/>
+              <a:rPr lang="de-DE" smtClean="0"/>
               <a:pPr/>
-              <a:t>21</a:t>
+              <a:t>25</a:t>
             </a:fld>
-            <a:endParaRPr lang="en-US" dirty="0"/>
+            <a:endParaRPr lang="de-DE" dirty="0"/>
           </a:p>
         </p:txBody>
       </p:sp>
     </p:spTree>
     <p:extLst>
       <p:ext uri="{BB962C8B-B14F-4D97-AF65-F5344CB8AC3E}">
-        <p14:creationId xmlns:p14="http://schemas.microsoft.com/office/powerpoint/2010/main" val="325304950"/>
+        <p14:creationId xmlns:p14="http://schemas.microsoft.com/office/powerpoint/2010/main" val="2053658473"/>
       </p:ext>
     </p:extLst>
   </p:cSld>
@@ -2242,248 +2940,56 @@
           <a:lstStyle/>
           <a:p>
             <a:r>
-              <a:rPr lang="en-US" noProof="0" dirty="0"/>
-              <a:t>Network policies are </a:t>
-            </a:r>
-            <a:r>
-              <a:rPr lang="en-US" noProof="0" dirty="0" err="1"/>
+              <a:rPr lang="en-US" dirty="0"/>
+              <a:t>Here’s our setup for the security discussion:</a:t>
+            </a:r>
+          </a:p>
+          <a:p>
+            <a:endParaRPr lang="en-US" dirty="0"/>
+          </a:p>
+          <a:p>
+            <a:r>
+              <a:rPr lang="en-US" dirty="0"/>
+              <a:t>A </a:t>
+            </a:r>
+            <a:r>
+              <a:rPr lang="en-US" dirty="0" err="1"/>
               <a:t>kubernetes</a:t>
             </a:r>
             <a:r>
-              <a:rPr lang="en-US" noProof="0" dirty="0"/>
-              <a:t> object just as pods. The need an overlay network that supports the enforcement of their rules, like Calico. </a:t>
-            </a:r>
-          </a:p>
-          <a:p>
-            <a:r>
-              <a:rPr lang="en-US" noProof="0" dirty="0"/>
-              <a:t>Basically they define rules for incoming (ingress) and outgoing (egress) traffic to pods. As filter rules you can set IP addresses or use labels. Filter actions are deny or allow.</a:t>
-            </a:r>
-          </a:p>
-          <a:p>
-            <a:r>
-              <a:rPr lang="en-US" noProof="0" dirty="0"/>
-              <a:t>In the example above, the network policy is enforced for access to “Pod A”, determined by its label and the corresponding selector.</a:t>
-            </a:r>
-          </a:p>
-          <a:p>
-            <a:r>
-              <a:rPr lang="en-US" noProof="0" dirty="0"/>
-              <a:t>Pod B is allowed to access pod A since it has the correct label. Traffic from pod M will be blocked.</a:t>
-            </a:r>
-          </a:p>
-          <a:p>
-            <a:r>
-              <a:rPr lang="de-DE" dirty="0"/>
-              <a:t>Demo:</a:t>
-            </a:r>
-          </a:p>
-          <a:p>
-            <a:r>
-              <a:rPr lang="de-DE" dirty="0" err="1"/>
-              <a:t>kubectl</a:t>
-            </a:r>
-            <a:r>
-              <a:rPr lang="de-DE" dirty="0"/>
-              <a:t> </a:t>
-            </a:r>
-            <a:r>
-              <a:rPr lang="de-DE" dirty="0" err="1"/>
-              <a:t>run</a:t>
-            </a:r>
-            <a:r>
-              <a:rPr lang="de-DE" dirty="0"/>
-              <a:t> </a:t>
-            </a:r>
-            <a:r>
-              <a:rPr lang="de-DE" dirty="0" err="1"/>
-              <a:t>nginx</a:t>
-            </a:r>
-            <a:r>
-              <a:rPr lang="de-DE" dirty="0"/>
-              <a:t> --image</a:t>
-            </a:r>
-            <a:r>
-              <a:rPr lang="de-DE" b="1" dirty="0"/>
-              <a:t>=</a:t>
-            </a:r>
-            <a:r>
-              <a:rPr lang="de-DE" dirty="0" err="1"/>
-              <a:t>nginx</a:t>
-            </a:r>
-            <a:r>
-              <a:rPr lang="de-DE" dirty="0"/>
-              <a:t> --</a:t>
-            </a:r>
-            <a:r>
-              <a:rPr lang="de-DE" dirty="0" err="1"/>
-              <a:t>replicas</a:t>
-            </a:r>
-            <a:r>
-              <a:rPr lang="de-DE" b="1" dirty="0"/>
-              <a:t>=</a:t>
-            </a:r>
-            <a:r>
-              <a:rPr lang="de-DE" dirty="0"/>
-              <a:t>2 </a:t>
-            </a:r>
-          </a:p>
-          <a:p>
-            <a:r>
-              <a:rPr lang="de-DE" dirty="0" err="1"/>
-              <a:t>kubectl</a:t>
-            </a:r>
-            <a:r>
-              <a:rPr lang="de-DE" dirty="0"/>
-              <a:t> </a:t>
-            </a:r>
-            <a:r>
-              <a:rPr lang="de-DE" dirty="0" err="1"/>
-              <a:t>expose</a:t>
-            </a:r>
-            <a:r>
-              <a:rPr lang="de-DE" dirty="0"/>
-              <a:t> </a:t>
-            </a:r>
-            <a:r>
-              <a:rPr lang="de-DE" dirty="0" err="1"/>
-              <a:t>deployment</a:t>
-            </a:r>
-            <a:r>
-              <a:rPr lang="de-DE" dirty="0"/>
-              <a:t> </a:t>
-            </a:r>
-            <a:r>
-              <a:rPr lang="de-DE" dirty="0" err="1"/>
-              <a:t>nginx</a:t>
-            </a:r>
-            <a:r>
-              <a:rPr lang="de-DE" dirty="0"/>
-              <a:t> --</a:t>
-            </a:r>
-            <a:r>
-              <a:rPr lang="de-DE" dirty="0" err="1"/>
-              <a:t>port</a:t>
-            </a:r>
-            <a:r>
-              <a:rPr lang="de-DE" b="1" dirty="0"/>
-              <a:t>=</a:t>
-            </a:r>
-            <a:r>
-              <a:rPr lang="de-DE" dirty="0"/>
-              <a:t>80</a:t>
-            </a:r>
-          </a:p>
-          <a:p>
-            <a:r>
-              <a:rPr lang="de-DE" dirty="0" err="1"/>
-              <a:t>kubectl</a:t>
-            </a:r>
-            <a:r>
-              <a:rPr lang="de-DE" dirty="0"/>
-              <a:t> </a:t>
-            </a:r>
-            <a:r>
-              <a:rPr lang="de-DE" dirty="0" err="1"/>
-              <a:t>run</a:t>
-            </a:r>
-            <a:r>
-              <a:rPr lang="de-DE" dirty="0"/>
-              <a:t> </a:t>
-            </a:r>
-            <a:r>
-              <a:rPr lang="de-DE" dirty="0" err="1"/>
-              <a:t>busybox</a:t>
-            </a:r>
-            <a:r>
-              <a:rPr lang="de-DE" dirty="0"/>
-              <a:t> --</a:t>
-            </a:r>
-            <a:r>
-              <a:rPr lang="de-DE" dirty="0" err="1"/>
-              <a:t>rm</a:t>
-            </a:r>
-            <a:r>
-              <a:rPr lang="de-DE" dirty="0"/>
-              <a:t> -</a:t>
-            </a:r>
-            <a:r>
-              <a:rPr lang="de-DE" dirty="0" err="1"/>
-              <a:t>ti</a:t>
-            </a:r>
-            <a:r>
-              <a:rPr lang="de-DE" dirty="0"/>
-              <a:t> --image</a:t>
-            </a:r>
-            <a:r>
-              <a:rPr lang="de-DE" b="1" dirty="0"/>
-              <a:t>=</a:t>
-            </a:r>
-            <a:r>
-              <a:rPr lang="de-DE" dirty="0" err="1"/>
-              <a:t>busybox</a:t>
-            </a:r>
-            <a:r>
-              <a:rPr lang="de-DE" dirty="0"/>
-              <a:t> /bin/sh</a:t>
-            </a:r>
-          </a:p>
-          <a:p>
-            <a:r>
-              <a:rPr lang="de-DE" dirty="0"/>
-              <a:t> # </a:t>
-            </a:r>
-            <a:r>
-              <a:rPr lang="de-DE" dirty="0" err="1"/>
-              <a:t>wget</a:t>
-            </a:r>
-            <a:r>
-              <a:rPr lang="de-DE" dirty="0"/>
-              <a:t> --spider --timeout=1 </a:t>
-            </a:r>
-            <a:r>
-              <a:rPr lang="de-DE" dirty="0" err="1"/>
-              <a:t>nginx</a:t>
-            </a:r>
-            <a:endParaRPr lang="en-US" dirty="0"/>
-          </a:p>
-          <a:p>
+              <a:rPr lang="en-US" dirty="0"/>
+              <a:t> cluster runs as usual with one to many nodes. Each node is a </a:t>
+            </a:r>
             <a:r>
               <a:rPr lang="en-US" dirty="0" err="1"/>
-              <a:t>Kubectl</a:t>
+              <a:t>linux</a:t>
             </a:r>
             <a:r>
               <a:rPr lang="en-US" dirty="0"/>
-              <a:t> create –f network-</a:t>
+              <a:t> host with a kernel, docker daemon and </a:t>
             </a:r>
             <a:r>
               <a:rPr lang="en-US" dirty="0" err="1"/>
-              <a:t>policy.yaml</a:t>
-            </a:r>
-            <a:endParaRPr lang="en-US" dirty="0"/>
-          </a:p>
-          <a:p>
+              <a:t>kubelet</a:t>
+            </a:r>
+            <a:r>
+              <a:rPr lang="en-US" dirty="0"/>
+              <a:t>. We also have the master with API server and </a:t>
+            </a:r>
             <a:r>
               <a:rPr lang="en-US" dirty="0" err="1"/>
-              <a:t>Kubectl</a:t>
+              <a:t>etcd</a:t>
             </a:r>
             <a:r>
               <a:rPr lang="en-US" dirty="0"/>
-              <a:t> run ..</a:t>
-            </a:r>
-          </a:p>
-          <a:p>
-            <a:r>
-              <a:rPr lang="en-US" dirty="0" err="1"/>
-              <a:t>Kubectl</a:t>
-            </a:r>
+              <a:t> where configuration, some passwords and the cluster state is stored.</a:t>
+            </a:r>
+          </a:p>
+          <a:p>
             <a:r>
               <a:rPr lang="en-US" dirty="0"/>
-              <a:t> run … -l access=true</a:t>
-            </a:r>
-          </a:p>
-          <a:p>
-            <a:endParaRPr lang="en-US" dirty="0"/>
+              <a:t>On the host we see here, there is a container running which was taken over by an attacker (i.e. us). The attacker is connected to a shell session within the container now.</a:t>
+            </a:r>
           </a:p>
         </p:txBody>
       </p:sp>
@@ -2503,18 +3009,18 @@
           <a:lstStyle/>
           <a:p>
             <a:fld id="{7D8C2C35-2B8A-446E-BEC0-FD36716C29AC}" type="slidenum">
-              <a:rPr lang="en-US" smtClean="0"/>
+              <a:rPr lang="de-DE" smtClean="0"/>
               <a:pPr/>
-              <a:t>23</a:t>
+              <a:t>28</a:t>
             </a:fld>
-            <a:endParaRPr lang="en-US" dirty="0"/>
+            <a:endParaRPr lang="de-DE" dirty="0"/>
           </a:p>
         </p:txBody>
       </p:sp>
     </p:spTree>
     <p:extLst>
       <p:ext uri="{BB962C8B-B14F-4D97-AF65-F5344CB8AC3E}">
-        <p14:creationId xmlns:p14="http://schemas.microsoft.com/office/powerpoint/2010/main" val="3747275599"/>
+        <p14:creationId xmlns:p14="http://schemas.microsoft.com/office/powerpoint/2010/main" val="3474895374"/>
       </p:ext>
     </p:extLst>
   </p:cSld>
@@ -2565,580 +3071,13 @@
         </p:nvSpPr>
         <p:spPr/>
         <p:txBody>
-          <a:bodyPr>
-            <a:normAutofit fontScale="92500" lnSpcReduction="20000"/>
-          </a:bodyPr>
+          <a:bodyPr/>
           <a:lstStyle/>
           <a:p>
             <a:r>
-              <a:rPr lang="de-DE" dirty="0"/>
-              <a:t>Demo:</a:t>
-            </a:r>
-          </a:p>
-          <a:p>
-            <a:pPr marL="285750" indent="-285750">
-              <a:buFont typeface="Symbol" panose="05050102010706020507" pitchFamily="18" charset="2"/>
-              <a:buChar char="-"/>
-            </a:pPr>
-            <a:r>
-              <a:rPr lang="de-DE" dirty="0"/>
-              <a:t>Create a </a:t>
-            </a:r>
-            <a:r>
-              <a:rPr lang="de-DE" dirty="0" err="1"/>
-              <a:t>deployment</a:t>
-            </a:r>
-            <a:r>
-              <a:rPr lang="de-DE" dirty="0"/>
-              <a:t> &amp; a </a:t>
-            </a:r>
-            <a:r>
-              <a:rPr lang="de-DE" dirty="0" err="1"/>
-              <a:t>corresponding</a:t>
-            </a:r>
-            <a:r>
-              <a:rPr lang="de-DE" dirty="0"/>
-              <a:t> </a:t>
-            </a:r>
-            <a:r>
-              <a:rPr lang="de-DE" dirty="0" err="1"/>
-              <a:t>service</a:t>
-            </a:r>
-            <a:r>
-              <a:rPr lang="de-DE" dirty="0"/>
-              <a:t> (</a:t>
-            </a:r>
-            <a:r>
-              <a:rPr lang="de-DE" dirty="0" err="1"/>
-              <a:t>if</a:t>
-            </a:r>
-            <a:r>
-              <a:rPr lang="de-DE" dirty="0"/>
-              <a:t> not </a:t>
-            </a:r>
-            <a:r>
-              <a:rPr lang="de-DE" dirty="0" err="1"/>
-              <a:t>yet</a:t>
-            </a:r>
-            <a:r>
-              <a:rPr lang="de-DE" dirty="0"/>
-              <a:t> </a:t>
-            </a:r>
-            <a:r>
-              <a:rPr lang="de-DE" dirty="0" err="1"/>
-              <a:t>done</a:t>
-            </a:r>
-            <a:r>
-              <a:rPr lang="de-DE" dirty="0"/>
-              <a:t>)</a:t>
-            </a:r>
-          </a:p>
-          <a:p>
-            <a:pPr marL="465750" lvl="1" indent="-285750">
-              <a:buFont typeface="Symbol" panose="05050102010706020507" pitchFamily="18" charset="2"/>
-              <a:buChar char="-"/>
-            </a:pPr>
-            <a:r>
-              <a:rPr lang="de-DE" dirty="0" err="1"/>
-              <a:t>kubectl</a:t>
-            </a:r>
-            <a:r>
-              <a:rPr lang="de-DE" dirty="0"/>
-              <a:t> </a:t>
-            </a:r>
-            <a:r>
-              <a:rPr lang="de-DE" dirty="0" err="1"/>
-              <a:t>run</a:t>
-            </a:r>
-            <a:r>
-              <a:rPr lang="de-DE" dirty="0"/>
-              <a:t> </a:t>
-            </a:r>
-            <a:r>
-              <a:rPr lang="de-DE" dirty="0" err="1"/>
-              <a:t>nginx</a:t>
-            </a:r>
-            <a:r>
-              <a:rPr lang="de-DE" dirty="0"/>
-              <a:t> --image</a:t>
-            </a:r>
-            <a:r>
-              <a:rPr lang="de-DE" b="1" dirty="0"/>
-              <a:t>=</a:t>
-            </a:r>
-            <a:r>
-              <a:rPr lang="de-DE" dirty="0" err="1"/>
-              <a:t>nginx</a:t>
-            </a:r>
-            <a:r>
-              <a:rPr lang="de-DE" dirty="0"/>
-              <a:t> --</a:t>
-            </a:r>
-            <a:r>
-              <a:rPr lang="de-DE" dirty="0" err="1"/>
-              <a:t>replicas</a:t>
-            </a:r>
-            <a:r>
-              <a:rPr lang="de-DE" b="1" dirty="0"/>
-              <a:t>=</a:t>
-            </a:r>
-            <a:r>
-              <a:rPr lang="de-DE" dirty="0"/>
-              <a:t>2 </a:t>
-            </a:r>
-          </a:p>
-          <a:p>
-            <a:pPr marL="465750" lvl="1" indent="-285750">
-              <a:buFont typeface="Symbol" panose="05050102010706020507" pitchFamily="18" charset="2"/>
-              <a:buChar char="-"/>
-            </a:pPr>
-            <a:r>
-              <a:rPr lang="de-DE" dirty="0" err="1"/>
-              <a:t>kubectl</a:t>
-            </a:r>
-            <a:r>
-              <a:rPr lang="de-DE" dirty="0"/>
-              <a:t> </a:t>
-            </a:r>
-            <a:r>
-              <a:rPr lang="de-DE" dirty="0" err="1"/>
-              <a:t>expose</a:t>
-            </a:r>
-            <a:r>
-              <a:rPr lang="de-DE" dirty="0"/>
-              <a:t> </a:t>
-            </a:r>
-            <a:r>
-              <a:rPr lang="de-DE" dirty="0" err="1"/>
-              <a:t>deployment</a:t>
-            </a:r>
-            <a:r>
-              <a:rPr lang="de-DE" dirty="0"/>
-              <a:t> </a:t>
-            </a:r>
-            <a:r>
-              <a:rPr lang="de-DE" dirty="0" err="1"/>
-              <a:t>nginx</a:t>
-            </a:r>
-            <a:r>
-              <a:rPr lang="de-DE" dirty="0"/>
-              <a:t> --</a:t>
-            </a:r>
-            <a:r>
-              <a:rPr lang="de-DE" dirty="0" err="1"/>
-              <a:t>port</a:t>
-            </a:r>
-            <a:r>
-              <a:rPr lang="de-DE" b="1" dirty="0"/>
-              <a:t>=</a:t>
-            </a:r>
-            <a:r>
-              <a:rPr lang="de-DE" dirty="0"/>
-              <a:t>80</a:t>
-            </a:r>
-          </a:p>
-          <a:p>
-            <a:pPr marL="285750" indent="-285750">
-              <a:buFont typeface="Symbol" panose="05050102010706020507" pitchFamily="18" charset="2"/>
-              <a:buChar char="-"/>
-            </a:pPr>
-            <a:endParaRPr lang="de-DE" dirty="0"/>
-          </a:p>
-          <a:p>
-            <a:pPr marL="285750" indent="-285750">
-              <a:buFont typeface="Symbol" panose="05050102010706020507" pitchFamily="18" charset="2"/>
-              <a:buChar char="-"/>
-            </a:pPr>
-            <a:r>
-              <a:rPr lang="de-DE" dirty="0"/>
-              <a:t>Create a </a:t>
-            </a:r>
-            <a:r>
-              <a:rPr lang="de-DE" dirty="0" err="1"/>
-              <a:t>helper</a:t>
-            </a:r>
-            <a:r>
-              <a:rPr lang="de-DE" dirty="0"/>
-              <a:t> </a:t>
-            </a:r>
-            <a:r>
-              <a:rPr lang="de-DE" dirty="0" err="1"/>
-              <a:t>pod</a:t>
-            </a:r>
-            <a:r>
-              <a:rPr lang="de-DE" dirty="0"/>
-              <a:t>, </a:t>
-            </a:r>
-            <a:r>
-              <a:rPr lang="de-DE" dirty="0" err="1"/>
-              <a:t>logon</a:t>
-            </a:r>
-            <a:r>
-              <a:rPr lang="de-DE" dirty="0"/>
-              <a:t> </a:t>
-            </a:r>
-            <a:r>
-              <a:rPr lang="de-DE" dirty="0" err="1"/>
-              <a:t>to</a:t>
-            </a:r>
-            <a:r>
-              <a:rPr lang="de-DE" dirty="0"/>
-              <a:t> </a:t>
-            </a:r>
-            <a:r>
-              <a:rPr lang="de-DE" dirty="0" err="1"/>
-              <a:t>it</a:t>
-            </a:r>
-            <a:r>
-              <a:rPr lang="de-DE" dirty="0"/>
-              <a:t> and </a:t>
-            </a:r>
-            <a:r>
-              <a:rPr lang="de-DE" dirty="0" err="1"/>
-              <a:t>get</a:t>
-            </a:r>
-            <a:r>
-              <a:rPr lang="de-DE" dirty="0"/>
-              <a:t> </a:t>
-            </a:r>
-            <a:r>
-              <a:rPr lang="de-DE" dirty="0" err="1"/>
-              <a:t>the</a:t>
-            </a:r>
-            <a:r>
-              <a:rPr lang="de-DE" dirty="0"/>
-              <a:t> index.html </a:t>
-            </a:r>
-            <a:r>
-              <a:rPr lang="de-DE" dirty="0" err="1"/>
-              <a:t>page</a:t>
-            </a:r>
-            <a:r>
-              <a:rPr lang="de-DE" dirty="0"/>
-              <a:t> </a:t>
-            </a:r>
-            <a:r>
-              <a:rPr lang="de-DE" dirty="0" err="1"/>
-              <a:t>from</a:t>
-            </a:r>
-            <a:r>
-              <a:rPr lang="de-DE" dirty="0"/>
-              <a:t> </a:t>
-            </a:r>
-            <a:r>
-              <a:rPr lang="de-DE" dirty="0" err="1"/>
-              <a:t>the</a:t>
-            </a:r>
-            <a:r>
-              <a:rPr lang="de-DE" dirty="0"/>
-              <a:t> </a:t>
-            </a:r>
-            <a:r>
-              <a:rPr lang="de-DE" dirty="0" err="1"/>
-              <a:t>nginx</a:t>
-            </a:r>
-            <a:r>
-              <a:rPr lang="de-DE" dirty="0"/>
-              <a:t> backend.</a:t>
-            </a:r>
-          </a:p>
-          <a:p>
-            <a:pPr marL="465750" lvl="1" indent="-285750">
-              <a:buFont typeface="Symbol" panose="05050102010706020507" pitchFamily="18" charset="2"/>
-              <a:buChar char="-"/>
-            </a:pPr>
-            <a:r>
-              <a:rPr lang="de-DE" dirty="0" err="1"/>
-              <a:t>kubectl</a:t>
-            </a:r>
-            <a:r>
-              <a:rPr lang="de-DE" dirty="0"/>
-              <a:t> </a:t>
-            </a:r>
-            <a:r>
-              <a:rPr lang="de-DE" dirty="0" err="1"/>
-              <a:t>run</a:t>
-            </a:r>
-            <a:r>
-              <a:rPr lang="de-DE" dirty="0"/>
-              <a:t> </a:t>
-            </a:r>
-            <a:r>
-              <a:rPr lang="de-DE" dirty="0" err="1"/>
-              <a:t>connector</a:t>
-            </a:r>
-            <a:r>
-              <a:rPr lang="de-DE" dirty="0"/>
-              <a:t> --</a:t>
-            </a:r>
-            <a:r>
-              <a:rPr lang="de-DE" dirty="0" err="1"/>
-              <a:t>rm</a:t>
-            </a:r>
-            <a:r>
-              <a:rPr lang="de-DE" dirty="0"/>
-              <a:t> -</a:t>
-            </a:r>
-            <a:r>
-              <a:rPr lang="de-DE" dirty="0" err="1"/>
-              <a:t>ti</a:t>
-            </a:r>
-            <a:r>
-              <a:rPr lang="de-DE" dirty="0"/>
-              <a:t> --</a:t>
-            </a:r>
-            <a:r>
-              <a:rPr lang="de-DE" dirty="0" err="1"/>
-              <a:t>restart</a:t>
-            </a:r>
-            <a:r>
-              <a:rPr lang="de-DE" dirty="0"/>
-              <a:t>=Never --image</a:t>
-            </a:r>
-            <a:r>
-              <a:rPr lang="de-DE" b="1" dirty="0"/>
-              <a:t>=</a:t>
-            </a:r>
-            <a:r>
-              <a:rPr lang="de-DE" dirty="0"/>
-              <a:t>alpine:3.8</a:t>
-            </a:r>
-          </a:p>
-          <a:p>
-            <a:pPr marL="465750" lvl="1" indent="-285750">
-              <a:buFont typeface="Symbol" panose="05050102010706020507" pitchFamily="18" charset="2"/>
-              <a:buChar char="-"/>
-            </a:pPr>
-            <a:r>
-              <a:rPr lang="de-DE" dirty="0"/>
-              <a:t># </a:t>
-            </a:r>
-            <a:r>
-              <a:rPr lang="de-DE" dirty="0" err="1"/>
-              <a:t>wget</a:t>
-            </a:r>
-            <a:r>
-              <a:rPr lang="de-DE" dirty="0"/>
-              <a:t> --timeout=1 </a:t>
-            </a:r>
-            <a:r>
-              <a:rPr lang="de-DE" dirty="0" err="1"/>
-              <a:t>nginx</a:t>
-            </a:r>
-            <a:endParaRPr lang="de-DE" dirty="0"/>
-          </a:p>
-          <a:p>
-            <a:pPr marL="465750" lvl="1" indent="-285750">
-              <a:buFont typeface="Symbol" panose="05050102010706020507" pitchFamily="18" charset="2"/>
-              <a:buChar char="-"/>
-            </a:pPr>
-            <a:r>
               <a:rPr lang="en-US" dirty="0"/>
-              <a:t>Remove the index.html page &amp; stay connected to the shell session</a:t>
-            </a:r>
-          </a:p>
-          <a:p>
-            <a:pPr marL="285750" indent="-285750">
-              <a:buFont typeface="Symbol" panose="05050102010706020507" pitchFamily="18" charset="2"/>
-              <a:buChar char="-"/>
-            </a:pPr>
-            <a:endParaRPr lang="en-US" dirty="0"/>
-          </a:p>
-          <a:p>
-            <a:pPr marL="285750" indent="-285750">
-              <a:buFont typeface="Symbol" panose="05050102010706020507" pitchFamily="18" charset="2"/>
-              <a:buChar char="-"/>
-            </a:pPr>
-            <a:r>
-              <a:rPr lang="en-US" dirty="0"/>
-              <a:t>Create the network policy in a 2</a:t>
-            </a:r>
-            <a:r>
-              <a:rPr lang="en-US" baseline="30000" dirty="0"/>
-              <a:t>nd</a:t>
-            </a:r>
-            <a:r>
-              <a:rPr lang="en-US" dirty="0"/>
-              <a:t> shell:</a:t>
-            </a:r>
-          </a:p>
-          <a:p>
-            <a:pPr marL="465750" lvl="1" indent="-285750">
-              <a:buFont typeface="Symbol" panose="05050102010706020507" pitchFamily="18" charset="2"/>
-              <a:buChar char="-"/>
-            </a:pPr>
-            <a:r>
-              <a:rPr lang="en-US" dirty="0" err="1"/>
-              <a:t>kubectl</a:t>
-            </a:r>
-            <a:r>
-              <a:rPr lang="en-US" dirty="0"/>
-              <a:t> create –f network-</a:t>
-            </a:r>
-            <a:r>
-              <a:rPr lang="en-US" dirty="0" err="1"/>
-              <a:t>policy.yaml</a:t>
-            </a:r>
-            <a:endParaRPr lang="en-US" dirty="0"/>
-          </a:p>
-          <a:p>
-            <a:pPr marL="465750" lvl="1" indent="-285750">
-              <a:buFont typeface="Symbol" panose="05050102010706020507" pitchFamily="18" charset="2"/>
-              <a:buChar char="-"/>
-            </a:pPr>
-            <a:r>
-              <a:rPr lang="en-US" dirty="0"/>
-              <a:t>Show the network policy definition and explain:</a:t>
-            </a:r>
-          </a:p>
-          <a:p>
-            <a:pPr marL="645750" lvl="2" indent="-285750">
-              <a:buFont typeface="Symbol" panose="05050102010706020507" pitchFamily="18" charset="2"/>
-              <a:buChar char="-"/>
-            </a:pPr>
-            <a:r>
-              <a:rPr lang="en-US" dirty="0"/>
-              <a:t>it’s implicitly a whitelisting</a:t>
-            </a:r>
-          </a:p>
-          <a:p>
-            <a:pPr marL="645750" lvl="2" indent="-285750">
-              <a:buFont typeface="Symbol" panose="05050102010706020507" pitchFamily="18" charset="2"/>
-              <a:buChar char="-"/>
-            </a:pPr>
-            <a:r>
-              <a:rPr lang="en-US" dirty="0"/>
-              <a:t>network policy can handle egress and ingress traffic. However the example is only of incoming (ingress) traffic.</a:t>
-            </a:r>
-          </a:p>
-          <a:p>
-            <a:pPr marL="645750" lvl="2" indent="-285750">
-              <a:buFont typeface="Symbol" panose="05050102010706020507" pitchFamily="18" charset="2"/>
-              <a:buChar char="-"/>
-            </a:pPr>
-            <a:r>
-              <a:rPr lang="en-US" dirty="0"/>
-              <a:t>The </a:t>
-            </a:r>
-            <a:r>
-              <a:rPr lang="en-US" dirty="0" err="1"/>
-              <a:t>cidr</a:t>
-            </a:r>
-            <a:r>
-              <a:rPr lang="en-US" dirty="0"/>
-              <a:t> block are required, if you want to access your service later from SAP networks. Otherwise all requested without the label (i.e. not cluster internal) will be blocked too.</a:t>
-            </a:r>
-          </a:p>
-          <a:p>
-            <a:pPr marL="465750" lvl="1" indent="-285750">
-              <a:buFont typeface="Symbol" panose="05050102010706020507" pitchFamily="18" charset="2"/>
-              <a:buChar char="-"/>
-            </a:pPr>
-            <a:endParaRPr lang="en-US" dirty="0"/>
-          </a:p>
-          <a:p>
-            <a:pPr marL="285750" indent="-285750">
-              <a:buFont typeface="Symbol" panose="05050102010706020507" pitchFamily="18" charset="2"/>
-              <a:buChar char="-"/>
-            </a:pPr>
-            <a:r>
-              <a:rPr lang="en-US" dirty="0"/>
-              <a:t>Switch back to the helper pod and re-run the </a:t>
-            </a:r>
-            <a:r>
-              <a:rPr lang="en-US" dirty="0" err="1"/>
-              <a:t>wget</a:t>
-            </a:r>
-            <a:r>
-              <a:rPr lang="en-US" dirty="0"/>
-              <a:t> command </a:t>
-            </a:r>
-            <a:r>
-              <a:rPr lang="en-US" dirty="0">
-                <a:sym typeface="Wingdings" panose="05000000000000000000" pitchFamily="2" charset="2"/>
-              </a:rPr>
-              <a:t> expected result: failure due to the missing label</a:t>
-            </a:r>
-            <a:endParaRPr lang="en-US" dirty="0"/>
-          </a:p>
-          <a:p>
-            <a:pPr marL="285750" indent="-285750">
-              <a:buFont typeface="Symbol" panose="05050102010706020507" pitchFamily="18" charset="2"/>
-              <a:buChar char="-"/>
-            </a:pPr>
-            <a:r>
-              <a:rPr lang="en-US" dirty="0"/>
-              <a:t>Label you helper pod accordingly (can be done from the 2</a:t>
-            </a:r>
-            <a:r>
-              <a:rPr lang="en-US" baseline="30000" dirty="0"/>
-              <a:t>nd</a:t>
-            </a:r>
-            <a:r>
-              <a:rPr lang="en-US" dirty="0"/>
-              <a:t> shell session, so stay connected to your helper pod)</a:t>
-            </a:r>
-          </a:p>
-          <a:p>
-            <a:pPr marL="465750" lvl="1" indent="-285750">
-              <a:buFont typeface="Symbol" panose="05050102010706020507" pitchFamily="18" charset="2"/>
-              <a:buChar char="-"/>
-            </a:pPr>
-            <a:r>
-              <a:rPr lang="en-US" dirty="0" err="1"/>
-              <a:t>kubectl</a:t>
-            </a:r>
-            <a:r>
-              <a:rPr lang="en-US" dirty="0"/>
-              <a:t> label pod connector access=true</a:t>
-            </a:r>
-          </a:p>
-          <a:p>
-            <a:pPr marL="285750" lvl="0" indent="-285750">
-              <a:buFont typeface="Symbol" panose="05050102010706020507" pitchFamily="18" charset="2"/>
-              <a:buChar char="-"/>
-            </a:pPr>
-            <a:endParaRPr lang="en-US" dirty="0"/>
-          </a:p>
-          <a:p>
-            <a:pPr marL="285750" lvl="0" indent="-285750">
-              <a:buFont typeface="Symbol" panose="05050102010706020507" pitchFamily="18" charset="2"/>
-              <a:buChar char="-"/>
-            </a:pPr>
-            <a:r>
-              <a:rPr lang="en-US" dirty="0"/>
-              <a:t>Re-run the </a:t>
-            </a:r>
-            <a:r>
-              <a:rPr lang="en-US" dirty="0" err="1"/>
-              <a:t>wget</a:t>
-            </a:r>
-            <a:r>
-              <a:rPr lang="en-US" dirty="0"/>
-              <a:t> command </a:t>
-            </a:r>
-            <a:r>
-              <a:rPr lang="en-US" dirty="0">
-                <a:sym typeface="Wingdings" panose="05000000000000000000" pitchFamily="2" charset="2"/>
-              </a:rPr>
-              <a:t> expected result: works again</a:t>
-            </a:r>
-          </a:p>
-          <a:p>
-            <a:pPr marL="285750" lvl="0" indent="-285750">
-              <a:buFont typeface="Symbol" panose="05050102010706020507" pitchFamily="18" charset="2"/>
-              <a:buChar char="-"/>
-            </a:pPr>
-            <a:endParaRPr lang="en-US" dirty="0">
-              <a:sym typeface="Wingdings" panose="05000000000000000000" pitchFamily="2" charset="2"/>
-            </a:endParaRPr>
-          </a:p>
-          <a:p>
-            <a:pPr marL="0" lvl="0" indent="0">
-              <a:buFont typeface="Symbol" panose="05050102010706020507" pitchFamily="18" charset="2"/>
-              <a:buNone/>
-            </a:pPr>
-            <a:endParaRPr lang="en-US" dirty="0"/>
+              <a:t>The easiest thing we can do as an attacker is to abuse the compute power by doing some crypto mining. All we need, is to download mining software from the internet, connect it to some anonymous mining pool and wait.</a:t>
+            </a:r>
           </a:p>
         </p:txBody>
       </p:sp>
@@ -3160,7 +3099,7 @@
             <a:fld id="{7D8C2C35-2B8A-446E-BEC0-FD36716C29AC}" type="slidenum">
               <a:rPr lang="de-DE" smtClean="0"/>
               <a:pPr/>
-              <a:t>24</a:t>
+              <a:t>29</a:t>
             </a:fld>
             <a:endParaRPr lang="de-DE" dirty="0"/>
           </a:p>
@@ -3169,7 +3108,7 @@
     </p:spTree>
     <p:extLst>
       <p:ext uri="{BB962C8B-B14F-4D97-AF65-F5344CB8AC3E}">
-        <p14:creationId xmlns:p14="http://schemas.microsoft.com/office/powerpoint/2010/main" val="2053658473"/>
+        <p14:creationId xmlns:p14="http://schemas.microsoft.com/office/powerpoint/2010/main" val="1116058420"/>
       </p:ext>
     </p:extLst>
   </p:cSld>
@@ -3225,63 +3164,66 @@
           <a:p>
             <a:r>
               <a:rPr lang="en-US" dirty="0"/>
-              <a:t>Here’s our setup for the security discussion:</a:t>
+              <a:t>What could be done to limit the impact of such an attack or to prevent parts of it?</a:t>
             </a:r>
           </a:p>
           <a:p>
             <a:endParaRPr lang="en-US" dirty="0"/>
           </a:p>
           <a:p>
+            <a:pPr marL="342900" indent="-342900">
+              <a:buAutoNum type="arabicParenR"/>
+            </a:pPr>
             <a:r>
               <a:rPr lang="en-US" dirty="0"/>
-              <a:t>A </a:t>
+              <a:t>Why should everyone be able to communicate with the internet by default? Blocking any egress traffic by default (with a network policy) and explicitly allow dedicated outbound connections will increase your cluster security significantly. </a:t>
+            </a:r>
+          </a:p>
+          <a:p>
+            <a:pPr marL="342900" indent="-342900">
+              <a:buAutoNum type="arabicParenR"/>
+            </a:pPr>
+            <a:r>
+              <a:rPr lang="en-US" dirty="0"/>
+              <a:t>Apply resource constraints that fit your app.</a:t>
+            </a:r>
+          </a:p>
+          <a:p>
+            <a:pPr marL="342900" indent="-342900">
+              <a:buAutoNum type="arabicParenR"/>
+            </a:pPr>
+            <a:r>
+              <a:rPr lang="en-US" dirty="0"/>
+              <a:t>Build (docker) images without curl, </a:t>
             </a:r>
             <a:r>
               <a:rPr lang="en-US" dirty="0" err="1"/>
-              <a:t>kubernetes</a:t>
+              <a:t>wget</a:t>
             </a:r>
             <a:r>
               <a:rPr lang="en-US" dirty="0"/>
-              <a:t> cluster runs as usual with one to many nodes. Each node is a </a:t>
+              <a:t> or similar tools (ideally also without apt/</a:t>
             </a:r>
             <a:r>
               <a:rPr lang="en-US" dirty="0" err="1"/>
-              <a:t>linux</a:t>
+              <a:t>apk</a:t>
             </a:r>
             <a:r>
               <a:rPr lang="en-US" dirty="0"/>
-              <a:t> host with a kernel, docker daemon and </a:t>
-            </a:r>
-            <a:r>
-              <a:rPr lang="en-US" dirty="0" err="1"/>
-              <a:t>kubelet</a:t>
-            </a:r>
-            <a:r>
-              <a:rPr lang="en-US" dirty="0"/>
-              <a:t>. We also have the master with API server and </a:t>
-            </a:r>
-            <a:r>
-              <a:rPr lang="en-US" dirty="0" err="1"/>
-              <a:t>etcd</a:t>
-            </a:r>
-            <a:r>
-              <a:rPr lang="en-US" dirty="0"/>
-              <a:t> where configuration, some passwords and the cluster state is stored.</a:t>
-            </a:r>
-          </a:p>
-          <a:p>
-            <a:r>
-              <a:rPr lang="en-US" dirty="0"/>
-              <a:t>On the host we see here, there is one container running (of course managed by </a:t>
-            </a:r>
-            <a:r>
-              <a:rPr lang="en-US" dirty="0" err="1"/>
-              <a:t>kubernetes</a:t>
-            </a:r>
-            <a:r>
-              <a:rPr lang="en-US" dirty="0"/>
-              <a:t> as a pod, deployment, …). The attacker (i.e. we) is connected to a shell session within the container.</a:t>
-            </a:r>
+              <a:t>). </a:t>
+            </a:r>
+          </a:p>
+          <a:p>
+            <a:pPr marL="342900" indent="-342900">
+              <a:buAutoNum type="arabicParenR"/>
+            </a:pPr>
+            <a:endParaRPr lang="en-US" dirty="0"/>
+          </a:p>
+          <a:p>
+            <a:pPr marL="342900" indent="-342900">
+              <a:buAutoNum type="arabicParenR"/>
+            </a:pPr>
+            <a:endParaRPr lang="en-US" dirty="0"/>
           </a:p>
         </p:txBody>
       </p:sp>
@@ -3303,7 +3245,7 @@
             <a:fld id="{7D8C2C35-2B8A-446E-BEC0-FD36716C29AC}" type="slidenum">
               <a:rPr lang="de-DE" smtClean="0"/>
               <a:pPr/>
-              <a:t>27</a:t>
+              <a:t>30</a:t>
             </a:fld>
             <a:endParaRPr lang="de-DE" dirty="0"/>
           </a:p>
@@ -3312,7 +3254,7 @@
     </p:spTree>
     <p:extLst>
       <p:ext uri="{BB962C8B-B14F-4D97-AF65-F5344CB8AC3E}">
-        <p14:creationId xmlns:p14="http://schemas.microsoft.com/office/powerpoint/2010/main" val="3474895374"/>
+        <p14:creationId xmlns:p14="http://schemas.microsoft.com/office/powerpoint/2010/main" val="1285528213"/>
       </p:ext>
     </p:extLst>
   </p:cSld>
@@ -3366,6 +3308,94 @@
           <a:bodyPr/>
           <a:lstStyle/>
           <a:p>
+            <a:r>
+              <a:rPr lang="en-US" dirty="0"/>
+              <a:t>Instead of abusing the compute power of a single container, an attacker could also try to move forward and gain access to more parts of the infrastructure. Unfortunately, Kubernetes makes our life easy here.</a:t>
+            </a:r>
+          </a:p>
+          <a:p>
+            <a:endParaRPr lang="en-US" dirty="0"/>
+          </a:p>
+          <a:p>
+            <a:pPr marL="342900" indent="-342900">
+              <a:buAutoNum type="arabicParenR"/>
+            </a:pPr>
+            <a:r>
+              <a:rPr lang="en-US" dirty="0"/>
+              <a:t>Try to become aware of the environment. Check the content of /proc/self/</a:t>
+            </a:r>
+            <a:r>
+              <a:rPr lang="en-US" dirty="0" err="1"/>
+              <a:t>cgroup</a:t>
+            </a:r>
+            <a:r>
+              <a:rPr lang="en-US" dirty="0"/>
+              <a:t> – does it contain a “</a:t>
+            </a:r>
+            <a:r>
+              <a:rPr lang="en-US" dirty="0" err="1"/>
+              <a:t>kube</a:t>
+            </a:r>
+            <a:r>
+              <a:rPr lang="en-US" dirty="0"/>
+              <a:t>” string? </a:t>
+            </a:r>
+          </a:p>
+          <a:p>
+            <a:pPr marL="342900" indent="-342900">
+              <a:buAutoNum type="arabicParenR"/>
+            </a:pPr>
+            <a:r>
+              <a:rPr lang="en-US" dirty="0"/>
+              <a:t>Check, if there is a service account access token mounted to the default location /var/run/secrets/kubernetes.io/</a:t>
+            </a:r>
+            <a:r>
+              <a:rPr lang="en-US" dirty="0" err="1"/>
+              <a:t>serviceaccount</a:t>
+            </a:r>
+            <a:r>
+              <a:rPr lang="en-US" dirty="0"/>
+              <a:t>/token</a:t>
+            </a:r>
+          </a:p>
+          <a:p>
+            <a:pPr marL="342900" indent="-342900">
+              <a:buAutoNum type="arabicParenR"/>
+            </a:pPr>
+            <a:r>
+              <a:rPr lang="en-US" dirty="0"/>
+              <a:t>Try to abuse the token to talk to the cluster’s API server. Use the FQDN of the </a:t>
+            </a:r>
+            <a:r>
+              <a:rPr lang="en-US" dirty="0" err="1"/>
+              <a:t>kubernetes</a:t>
+            </a:r>
+            <a:r>
+              <a:rPr lang="en-US" dirty="0"/>
+              <a:t> service in the default namespace for it. Note – this part requires curl or a similar tool.</a:t>
+            </a:r>
+          </a:p>
+          <a:p>
+            <a:pPr marL="342900" indent="-342900">
+              <a:buAutoNum type="arabicParenR"/>
+            </a:pPr>
+            <a:r>
+              <a:rPr lang="en-US" dirty="0"/>
+              <a:t>If you’re able to access the API server, try to do something more meaningful – inject a sidecar container to all deployments or schedule a </a:t>
+            </a:r>
+            <a:r>
+              <a:rPr lang="en-US" dirty="0" err="1"/>
+              <a:t>daemonset</a:t>
+            </a:r>
+            <a:r>
+              <a:rPr lang="en-US" dirty="0"/>
+              <a:t> that mounts the host file system of each node. Try to write something as user root the node.</a:t>
+            </a:r>
+          </a:p>
+          <a:p>
+            <a:pPr marL="342900" indent="-342900">
+              <a:buAutoNum type="arabicParenR"/>
+            </a:pPr>
             <a:endParaRPr lang="en-US" dirty="0"/>
           </a:p>
         </p:txBody>
@@ -3388,7 +3418,7 @@
             <a:fld id="{7D8C2C35-2B8A-446E-BEC0-FD36716C29AC}" type="slidenum">
               <a:rPr lang="de-DE" smtClean="0"/>
               <a:pPr/>
-              <a:t>28</a:t>
+              <a:t>31</a:t>
             </a:fld>
             <a:endParaRPr lang="de-DE" dirty="0"/>
           </a:p>
@@ -3397,7 +3427,7 @@
     </p:spTree>
     <p:extLst>
       <p:ext uri="{BB962C8B-B14F-4D97-AF65-F5344CB8AC3E}">
-        <p14:creationId xmlns:p14="http://schemas.microsoft.com/office/powerpoint/2010/main" val="1116058420"/>
+        <p14:creationId xmlns:p14="http://schemas.microsoft.com/office/powerpoint/2010/main" val="764582815"/>
       </p:ext>
     </p:extLst>
   </p:cSld>
@@ -3451,7 +3481,41 @@
           <a:bodyPr/>
           <a:lstStyle/>
           <a:p>
+            <a:r>
+              <a:rPr lang="en-US" dirty="0"/>
+              <a:t>The first and probably most important part: </a:t>
+            </a:r>
+            <a:r>
+              <a:rPr lang="en-US" b="1" dirty="0"/>
+              <a:t>disable </a:t>
+            </a:r>
+            <a:r>
+              <a:rPr lang="en-US" dirty="0"/>
+              <a:t>the automount option for the service account access token. There are very few container which would require permissions to talk to the </a:t>
+            </a:r>
+            <a:r>
+              <a:rPr lang="en-US" dirty="0" err="1"/>
+              <a:t>api</a:t>
+            </a:r>
+            <a:r>
+              <a:rPr lang="en-US" dirty="0"/>
+              <a:t> server. For these the mount option can be enabled explicitly or you run them with a different service account.</a:t>
+            </a:r>
+          </a:p>
+          <a:p>
+            <a:r>
+              <a:rPr lang="en-US" dirty="0"/>
+              <a:t>To disable the mount option, you should edit the service account object itself. </a:t>
+            </a:r>
+          </a:p>
+          <a:p>
             <a:endParaRPr lang="en-US" dirty="0"/>
+          </a:p>
+          <a:p>
+            <a:r>
+              <a:rPr lang="en-US" dirty="0"/>
+              <a:t>Also the access scope to the API should be limited via an RBAC role(binding). Does the service account really need to modify something or is viewing a few dedicated resources sufficient?</a:t>
+            </a:r>
           </a:p>
         </p:txBody>
       </p:sp>
@@ -3473,7 +3537,7 @@
             <a:fld id="{7D8C2C35-2B8A-446E-BEC0-FD36716C29AC}" type="slidenum">
               <a:rPr lang="de-DE" smtClean="0"/>
               <a:pPr/>
-              <a:t>29</a:t>
+              <a:t>32</a:t>
             </a:fld>
             <a:endParaRPr lang="de-DE" dirty="0"/>
           </a:p>
@@ -3482,7 +3546,7 @@
     </p:spTree>
     <p:extLst>
       <p:ext uri="{BB962C8B-B14F-4D97-AF65-F5344CB8AC3E}">
-        <p14:creationId xmlns:p14="http://schemas.microsoft.com/office/powerpoint/2010/main" val="1285528213"/>
+        <p14:creationId xmlns:p14="http://schemas.microsoft.com/office/powerpoint/2010/main" val="3895842541"/>
       </p:ext>
     </p:extLst>
   </p:cSld>
@@ -3536,7 +3600,16 @@
           <a:bodyPr/>
           <a:lstStyle/>
           <a:p>
-            <a:endParaRPr lang="en-US" dirty="0"/>
+            <a:r>
+              <a:rPr lang="en-US" dirty="0"/>
+              <a:t>Finally, pod security policies can prevent usage of the host’s file system or network. </a:t>
+            </a:r>
+          </a:p>
+          <a:p>
+            <a:r>
+              <a:rPr lang="en-US" dirty="0"/>
+              <a:t>Pods attempting to mount the host file system or run as user root will be rejected.</a:t>
+            </a:r>
           </a:p>
         </p:txBody>
       </p:sp>
@@ -3558,7 +3631,7 @@
             <a:fld id="{7D8C2C35-2B8A-446E-BEC0-FD36716C29AC}" type="slidenum">
               <a:rPr lang="de-DE" smtClean="0"/>
               <a:pPr/>
-              <a:t>30</a:t>
+              <a:t>33</a:t>
             </a:fld>
             <a:endParaRPr lang="de-DE" dirty="0"/>
           </a:p>
@@ -3567,7 +3640,7 @@
     </p:spTree>
     <p:extLst>
       <p:ext uri="{BB962C8B-B14F-4D97-AF65-F5344CB8AC3E}">
-        <p14:creationId xmlns:p14="http://schemas.microsoft.com/office/powerpoint/2010/main" val="764582815"/>
+        <p14:creationId xmlns:p14="http://schemas.microsoft.com/office/powerpoint/2010/main" val="2953500110"/>
       </p:ext>
     </p:extLst>
   </p:cSld>
@@ -3618,10 +3691,633 @@
         </p:nvSpPr>
         <p:spPr/>
         <p:txBody>
-          <a:bodyPr/>
+          <a:bodyPr>
+            <a:normAutofit/>
+          </a:bodyPr>
           <a:lstStyle/>
           <a:p>
+            <a:pPr marL="0" lvl="0" indent="0">
+              <a:buFont typeface="Symbol" panose="05050102010706020507" pitchFamily="18" charset="2"/>
+              <a:buNone/>
+            </a:pPr>
+            <a:r>
+              <a:rPr lang="en-US" dirty="0"/>
+              <a:t>To demonstrate scenario #2, we prepared a separate repo: https://github.wdf.sap.corp/ps-container/host-fs-access-hack </a:t>
+            </a:r>
+          </a:p>
+          <a:p>
+            <a:pPr marL="0" lvl="0" indent="0">
+              <a:buFont typeface="Symbol" panose="05050102010706020507" pitchFamily="18" charset="2"/>
+              <a:buNone/>
+            </a:pPr>
+            <a:r>
+              <a:rPr lang="en-US" dirty="0"/>
+              <a:t>It contains a </a:t>
+            </a:r>
+            <a:r>
+              <a:rPr lang="en-US" dirty="0" err="1"/>
+              <a:t>Dockerfile</a:t>
+            </a:r>
+            <a:r>
+              <a:rPr lang="en-US" dirty="0"/>
+              <a:t> as well as some scripts &amp; descriptions / explanations. </a:t>
+            </a:r>
+          </a:p>
+          <a:p>
+            <a:pPr marL="0" lvl="0" indent="0">
+              <a:buFont typeface="Symbol" panose="05050102010706020507" pitchFamily="18" charset="2"/>
+              <a:buNone/>
+            </a:pPr>
             <a:endParaRPr lang="en-US" dirty="0"/>
+          </a:p>
+          <a:p>
+            <a:pPr marL="0" lvl="0" indent="0">
+              <a:buFont typeface="Symbol" panose="05050102010706020507" pitchFamily="18" charset="2"/>
+              <a:buNone/>
+            </a:pPr>
+            <a:r>
+              <a:rPr lang="en-US" dirty="0"/>
+              <a:t>The attack will look like this:</a:t>
+            </a:r>
+          </a:p>
+          <a:p>
+            <a:pPr marL="0" lvl="0" indent="0">
+              <a:buFont typeface="Symbol" panose="05050102010706020507" pitchFamily="18" charset="2"/>
+              <a:buNone/>
+            </a:pPr>
+            <a:r>
+              <a:rPr lang="en-US" dirty="0"/>
+              <a:t>You want to schedule an </a:t>
+            </a:r>
+            <a:r>
+              <a:rPr lang="en-US" dirty="0" err="1"/>
+              <a:t>nginx</a:t>
+            </a:r>
+            <a:r>
+              <a:rPr lang="en-US" dirty="0"/>
+              <a:t> image and found this super fancy fork of </a:t>
+            </a:r>
+            <a:r>
+              <a:rPr lang="en-US" dirty="0" err="1"/>
+              <a:t>nginx</a:t>
+            </a:r>
+            <a:r>
+              <a:rPr lang="en-US" dirty="0"/>
+              <a:t> (something comparable happened to Tesla with a crypto miner). Now the </a:t>
+            </a:r>
+            <a:r>
+              <a:rPr lang="en-US" dirty="0" err="1"/>
+              <a:t>nginx</a:t>
+            </a:r>
+            <a:r>
+              <a:rPr lang="en-US" dirty="0"/>
+              <a:t> image is a little bit extended – it has curl and a special run_nginx.sh script. The script checks, if a service account access token is available and if the answer is yes, it will be abused to schedule a daemon set with host fs access. Check the logs of the daemon set pods to see, if it worked. </a:t>
+            </a:r>
+          </a:p>
+          <a:p>
+            <a:pPr marL="0" lvl="0" indent="0">
+              <a:buFont typeface="Symbol" panose="05050102010706020507" pitchFamily="18" charset="2"/>
+              <a:buNone/>
+            </a:pPr>
+            <a:r>
+              <a:rPr lang="en-US" dirty="0"/>
+              <a:t>Of course, after the script ran, </a:t>
+            </a:r>
+            <a:r>
+              <a:rPr lang="en-US" dirty="0" err="1"/>
+              <a:t>nginx</a:t>
+            </a:r>
+            <a:r>
+              <a:rPr lang="en-US" dirty="0"/>
+              <a:t> will be started too ;)</a:t>
+            </a:r>
+          </a:p>
+          <a:p>
+            <a:pPr marL="0" lvl="0" indent="0">
+              <a:buFont typeface="Symbol" panose="05050102010706020507" pitchFamily="18" charset="2"/>
+              <a:buNone/>
+            </a:pPr>
+            <a:endParaRPr lang="en-US" dirty="0"/>
+          </a:p>
+          <a:p>
+            <a:pPr marL="0" lvl="0" indent="0">
+              <a:buFont typeface="Symbol" panose="05050102010706020507" pitchFamily="18" charset="2"/>
+              <a:buNone/>
+            </a:pPr>
+            <a:r>
+              <a:rPr lang="en-US" dirty="0"/>
+              <a:t>To make life easier, the Docker image has already been build &amp; uploaded to </a:t>
+            </a:r>
+            <a:r>
+              <a:rPr lang="en-US" dirty="0" err="1"/>
+              <a:t>artifactory</a:t>
+            </a:r>
+            <a:r>
+              <a:rPr lang="en-US" dirty="0"/>
+              <a:t> in DMZ. All you need to do, is to create an </a:t>
+            </a:r>
+            <a:r>
+              <a:rPr lang="en-US" dirty="0" err="1"/>
+              <a:t>imagepullsecret</a:t>
+            </a:r>
+            <a:r>
+              <a:rPr lang="en-US" dirty="0"/>
+              <a:t> with name “</a:t>
+            </a:r>
+            <a:r>
+              <a:rPr lang="en-US" dirty="0" err="1"/>
+              <a:t>artifactory</a:t>
+            </a:r>
+            <a:r>
+              <a:rPr lang="en-US" dirty="0"/>
+              <a:t>” and read access to </a:t>
+            </a:r>
+            <a:r>
+              <a:rPr lang="de-DE" sz="1400" b="0" i="0" kern="1200" dirty="0">
+                <a:solidFill>
+                  <a:schemeClr val="tx1"/>
+                </a:solidFill>
+                <a:effectLst/>
+                <a:latin typeface="+mn-lt"/>
+                <a:ea typeface="+mn-ea"/>
+                <a:cs typeface="+mn-cs"/>
+              </a:rPr>
+              <a:t>cc-k8s-course.docker.repositories.sap.ondemand.com/</a:t>
+            </a:r>
+            <a:r>
+              <a:rPr lang="de-DE" sz="1400" b="0" i="0" kern="1200" dirty="0" err="1">
+                <a:solidFill>
+                  <a:schemeClr val="tx1"/>
+                </a:solidFill>
+                <a:effectLst/>
+                <a:latin typeface="+mn-lt"/>
+                <a:ea typeface="+mn-ea"/>
+                <a:cs typeface="+mn-cs"/>
+              </a:rPr>
+              <a:t>security-examples</a:t>
+            </a:r>
+            <a:r>
+              <a:rPr lang="de-DE" sz="1400" b="0" i="0" kern="1200" dirty="0">
+                <a:solidFill>
+                  <a:schemeClr val="tx1"/>
+                </a:solidFill>
+                <a:effectLst/>
+                <a:latin typeface="+mn-lt"/>
+                <a:ea typeface="+mn-ea"/>
+                <a:cs typeface="+mn-cs"/>
+              </a:rPr>
+              <a:t>/</a:t>
+            </a:r>
+            <a:r>
+              <a:rPr lang="de-DE" sz="1400" b="0" i="0" kern="1200" dirty="0" err="1">
+                <a:solidFill>
+                  <a:schemeClr val="tx1"/>
+                </a:solidFill>
+                <a:effectLst/>
+                <a:latin typeface="+mn-lt"/>
+                <a:ea typeface="+mn-ea"/>
+                <a:cs typeface="+mn-cs"/>
+              </a:rPr>
+              <a:t>nginx</a:t>
+            </a:r>
+            <a:r>
+              <a:rPr lang="de-DE" sz="1400" b="0" i="0" kern="1200" dirty="0">
+                <a:solidFill>
+                  <a:schemeClr val="tx1"/>
+                </a:solidFill>
+                <a:effectLst/>
+                <a:latin typeface="+mn-lt"/>
+                <a:ea typeface="+mn-ea"/>
+                <a:cs typeface="+mn-cs"/>
+              </a:rPr>
+              <a:t>-host-</a:t>
+            </a:r>
+            <a:r>
+              <a:rPr lang="de-DE" sz="1400" b="0" i="0" kern="1200" dirty="0" err="1">
+                <a:solidFill>
+                  <a:schemeClr val="tx1"/>
+                </a:solidFill>
+                <a:effectLst/>
+                <a:latin typeface="+mn-lt"/>
+                <a:ea typeface="+mn-ea"/>
+                <a:cs typeface="+mn-cs"/>
+              </a:rPr>
+              <a:t>fs</a:t>
+            </a:r>
+            <a:r>
+              <a:rPr lang="de-DE" sz="1400" b="0" i="0" kern="1200" dirty="0">
+                <a:solidFill>
+                  <a:schemeClr val="tx1"/>
+                </a:solidFill>
+                <a:effectLst/>
+                <a:latin typeface="+mn-lt"/>
+                <a:ea typeface="+mn-ea"/>
+                <a:cs typeface="+mn-cs"/>
+              </a:rPr>
+              <a:t>-hack. As </a:t>
+            </a:r>
+            <a:r>
+              <a:rPr lang="de-DE" sz="1400" b="0" i="0" kern="1200" dirty="0" err="1">
+                <a:solidFill>
+                  <a:schemeClr val="tx1"/>
+                </a:solidFill>
+                <a:effectLst/>
+                <a:latin typeface="+mn-lt"/>
+                <a:ea typeface="+mn-ea"/>
+                <a:cs typeface="+mn-cs"/>
+              </a:rPr>
+              <a:t>it</a:t>
+            </a:r>
+            <a:r>
+              <a:rPr lang="de-DE" sz="1400" b="0" i="0" kern="1200" dirty="0">
+                <a:solidFill>
+                  <a:schemeClr val="tx1"/>
+                </a:solidFill>
+                <a:effectLst/>
+                <a:latin typeface="+mn-lt"/>
+                <a:ea typeface="+mn-ea"/>
+                <a:cs typeface="+mn-cs"/>
+              </a:rPr>
+              <a:t> </a:t>
+            </a:r>
+            <a:r>
+              <a:rPr lang="de-DE" sz="1400" b="0" i="0" kern="1200" dirty="0" err="1">
+                <a:solidFill>
+                  <a:schemeClr val="tx1"/>
+                </a:solidFill>
+                <a:effectLst/>
+                <a:latin typeface="+mn-lt"/>
+                <a:ea typeface="+mn-ea"/>
+                <a:cs typeface="+mn-cs"/>
+              </a:rPr>
+              <a:t>is</a:t>
+            </a:r>
+            <a:r>
+              <a:rPr lang="de-DE" sz="1400" b="0" i="0" kern="1200" dirty="0">
+                <a:solidFill>
+                  <a:schemeClr val="tx1"/>
+                </a:solidFill>
+                <a:effectLst/>
+                <a:latin typeface="+mn-lt"/>
+                <a:ea typeface="+mn-ea"/>
+                <a:cs typeface="+mn-cs"/>
+              </a:rPr>
+              <a:t> </a:t>
+            </a:r>
+            <a:r>
+              <a:rPr lang="de-DE" sz="1400" b="0" i="0" kern="1200" dirty="0" err="1">
+                <a:solidFill>
+                  <a:schemeClr val="tx1"/>
+                </a:solidFill>
+                <a:effectLst/>
+                <a:latin typeface="+mn-lt"/>
+                <a:ea typeface="+mn-ea"/>
+                <a:cs typeface="+mn-cs"/>
+              </a:rPr>
+              <a:t>the</a:t>
+            </a:r>
+            <a:r>
+              <a:rPr lang="de-DE" sz="1400" b="0" i="0" kern="1200" dirty="0">
+                <a:solidFill>
+                  <a:schemeClr val="tx1"/>
+                </a:solidFill>
+                <a:effectLst/>
+                <a:latin typeface="+mn-lt"/>
+                <a:ea typeface="+mn-ea"/>
+                <a:cs typeface="+mn-cs"/>
+              </a:rPr>
+              <a:t> same </a:t>
+            </a:r>
+            <a:r>
+              <a:rPr lang="de-DE" sz="1400" b="0" i="0" kern="1200" dirty="0" err="1">
+                <a:solidFill>
+                  <a:schemeClr val="tx1"/>
+                </a:solidFill>
+                <a:effectLst/>
+                <a:latin typeface="+mn-lt"/>
+                <a:ea typeface="+mn-ea"/>
+                <a:cs typeface="+mn-cs"/>
+              </a:rPr>
+              <a:t>org</a:t>
+            </a:r>
+            <a:r>
+              <a:rPr lang="de-DE" sz="1400" b="0" i="0" kern="1200" dirty="0">
+                <a:solidFill>
+                  <a:schemeClr val="tx1"/>
+                </a:solidFill>
+                <a:effectLst/>
+                <a:latin typeface="+mn-lt"/>
+                <a:ea typeface="+mn-ea"/>
+                <a:cs typeface="+mn-cs"/>
+              </a:rPr>
+              <a:t> </a:t>
+            </a:r>
+            <a:r>
+              <a:rPr lang="de-DE" sz="1400" b="0" i="0" kern="1200" dirty="0" err="1">
+                <a:solidFill>
+                  <a:schemeClr val="tx1"/>
+                </a:solidFill>
+                <a:effectLst/>
+                <a:latin typeface="+mn-lt"/>
+                <a:ea typeface="+mn-ea"/>
+                <a:cs typeface="+mn-cs"/>
+              </a:rPr>
+              <a:t>as</a:t>
+            </a:r>
+            <a:r>
+              <a:rPr lang="de-DE" sz="1400" b="0" i="0" kern="1200" dirty="0">
+                <a:solidFill>
+                  <a:schemeClr val="tx1"/>
+                </a:solidFill>
+                <a:effectLst/>
+                <a:latin typeface="+mn-lt"/>
+                <a:ea typeface="+mn-ea"/>
+                <a:cs typeface="+mn-cs"/>
+              </a:rPr>
+              <a:t> </a:t>
+            </a:r>
+            <a:r>
+              <a:rPr lang="de-DE" sz="1400" b="0" i="0" kern="1200" dirty="0" err="1">
+                <a:solidFill>
+                  <a:schemeClr val="tx1"/>
+                </a:solidFill>
+                <a:effectLst/>
+                <a:latin typeface="+mn-lt"/>
+                <a:ea typeface="+mn-ea"/>
+                <a:cs typeface="+mn-cs"/>
+              </a:rPr>
+              <a:t>we</a:t>
+            </a:r>
+            <a:r>
+              <a:rPr lang="de-DE" sz="1400" b="0" i="0" kern="1200" dirty="0">
+                <a:solidFill>
+                  <a:schemeClr val="tx1"/>
+                </a:solidFill>
+                <a:effectLst/>
+                <a:latin typeface="+mn-lt"/>
+                <a:ea typeface="+mn-ea"/>
+                <a:cs typeface="+mn-cs"/>
+              </a:rPr>
+              <a:t> </a:t>
+            </a:r>
+            <a:r>
+              <a:rPr lang="de-DE" sz="1400" b="0" i="0" kern="1200" dirty="0" err="1">
+                <a:solidFill>
+                  <a:schemeClr val="tx1"/>
+                </a:solidFill>
+                <a:effectLst/>
+                <a:latin typeface="+mn-lt"/>
+                <a:ea typeface="+mn-ea"/>
+                <a:cs typeface="+mn-cs"/>
+              </a:rPr>
+              <a:t>use</a:t>
+            </a:r>
+            <a:r>
+              <a:rPr lang="de-DE" sz="1400" b="0" i="0" kern="1200" dirty="0">
+                <a:solidFill>
+                  <a:schemeClr val="tx1"/>
+                </a:solidFill>
+                <a:effectLst/>
+                <a:latin typeface="+mn-lt"/>
+                <a:ea typeface="+mn-ea"/>
+                <a:cs typeface="+mn-cs"/>
+              </a:rPr>
+              <a:t> on </a:t>
+            </a:r>
+            <a:r>
+              <a:rPr lang="de-DE" sz="1400" b="0" i="0" kern="1200" dirty="0" err="1">
+                <a:solidFill>
+                  <a:schemeClr val="tx1"/>
+                </a:solidFill>
+                <a:effectLst/>
+                <a:latin typeface="+mn-lt"/>
+                <a:ea typeface="+mn-ea"/>
+                <a:cs typeface="+mn-cs"/>
+              </a:rPr>
+              <a:t>day</a:t>
+            </a:r>
+            <a:r>
+              <a:rPr lang="de-DE" sz="1400" b="0" i="0" kern="1200" dirty="0">
+                <a:solidFill>
+                  <a:schemeClr val="tx1"/>
+                </a:solidFill>
+                <a:effectLst/>
+                <a:latin typeface="+mn-lt"/>
+                <a:ea typeface="+mn-ea"/>
+                <a:cs typeface="+mn-cs"/>
+              </a:rPr>
+              <a:t> 4, </a:t>
+            </a:r>
+            <a:r>
+              <a:rPr lang="de-DE" sz="1400" b="0" i="0" kern="1200" dirty="0" err="1">
+                <a:solidFill>
+                  <a:schemeClr val="tx1"/>
+                </a:solidFill>
+                <a:effectLst/>
+                <a:latin typeface="+mn-lt"/>
+                <a:ea typeface="+mn-ea"/>
+                <a:cs typeface="+mn-cs"/>
+              </a:rPr>
+              <a:t>you</a:t>
+            </a:r>
+            <a:r>
+              <a:rPr lang="de-DE" sz="1400" b="0" i="0" kern="1200" dirty="0">
+                <a:solidFill>
+                  <a:schemeClr val="tx1"/>
+                </a:solidFill>
+                <a:effectLst/>
+                <a:latin typeface="+mn-lt"/>
+                <a:ea typeface="+mn-ea"/>
+                <a:cs typeface="+mn-cs"/>
+              </a:rPr>
+              <a:t> </a:t>
+            </a:r>
+            <a:r>
+              <a:rPr lang="de-DE" sz="1400" b="0" i="0" kern="1200" dirty="0" err="1">
+                <a:solidFill>
+                  <a:schemeClr val="tx1"/>
+                </a:solidFill>
+                <a:effectLst/>
+                <a:latin typeface="+mn-lt"/>
+                <a:ea typeface="+mn-ea"/>
+                <a:cs typeface="+mn-cs"/>
+              </a:rPr>
+              <a:t>can</a:t>
+            </a:r>
+            <a:r>
+              <a:rPr lang="de-DE" sz="1400" b="0" i="0" kern="1200" dirty="0">
+                <a:solidFill>
+                  <a:schemeClr val="tx1"/>
+                </a:solidFill>
+                <a:effectLst/>
+                <a:latin typeface="+mn-lt"/>
+                <a:ea typeface="+mn-ea"/>
+                <a:cs typeface="+mn-cs"/>
+              </a:rPr>
+              <a:t> also </a:t>
+            </a:r>
+            <a:r>
+              <a:rPr lang="de-DE" sz="1400" b="0" i="0" kern="1200" dirty="0" err="1">
+                <a:solidFill>
+                  <a:schemeClr val="tx1"/>
+                </a:solidFill>
+                <a:effectLst/>
+                <a:latin typeface="+mn-lt"/>
+                <a:ea typeface="+mn-ea"/>
+                <a:cs typeface="+mn-cs"/>
+              </a:rPr>
+              <a:t>use</a:t>
+            </a:r>
+            <a:r>
+              <a:rPr lang="de-DE" sz="1400" b="0" i="0" kern="1200" dirty="0">
+                <a:solidFill>
+                  <a:schemeClr val="tx1"/>
+                </a:solidFill>
+                <a:effectLst/>
+                <a:latin typeface="+mn-lt"/>
+                <a:ea typeface="+mn-ea"/>
+                <a:cs typeface="+mn-cs"/>
+              </a:rPr>
+              <a:t> </a:t>
+            </a:r>
+            <a:r>
+              <a:rPr lang="de-DE" sz="1400" b="0" i="0" kern="1200" dirty="0" err="1">
+                <a:solidFill>
+                  <a:schemeClr val="tx1"/>
+                </a:solidFill>
+                <a:effectLst/>
+                <a:latin typeface="+mn-lt"/>
+                <a:ea typeface="+mn-ea"/>
+                <a:cs typeface="+mn-cs"/>
+              </a:rPr>
+              <a:t>the</a:t>
+            </a:r>
+            <a:r>
+              <a:rPr lang="de-DE" sz="1400" b="0" i="0" kern="1200" dirty="0">
+                <a:solidFill>
+                  <a:schemeClr val="tx1"/>
+                </a:solidFill>
+                <a:effectLst/>
+                <a:latin typeface="+mn-lt"/>
+                <a:ea typeface="+mn-ea"/>
+                <a:cs typeface="+mn-cs"/>
+              </a:rPr>
+              <a:t> same </a:t>
+            </a:r>
+            <a:r>
+              <a:rPr lang="de-DE" sz="1400" b="0" i="0" kern="1200" dirty="0" err="1">
+                <a:solidFill>
+                  <a:schemeClr val="tx1"/>
+                </a:solidFill>
+                <a:effectLst/>
+                <a:latin typeface="+mn-lt"/>
+                <a:ea typeface="+mn-ea"/>
+                <a:cs typeface="+mn-cs"/>
+              </a:rPr>
+              <a:t>username</a:t>
+            </a:r>
+            <a:r>
+              <a:rPr lang="de-DE" sz="1400" b="0" i="0" kern="1200" dirty="0">
+                <a:solidFill>
+                  <a:schemeClr val="tx1"/>
+                </a:solidFill>
+                <a:effectLst/>
+                <a:latin typeface="+mn-lt"/>
+                <a:ea typeface="+mn-ea"/>
+                <a:cs typeface="+mn-cs"/>
+              </a:rPr>
+              <a:t> / </a:t>
+            </a:r>
+            <a:r>
+              <a:rPr lang="de-DE" sz="1400" b="0" i="0" kern="1200" dirty="0" err="1">
+                <a:solidFill>
+                  <a:schemeClr val="tx1"/>
+                </a:solidFill>
+                <a:effectLst/>
+                <a:latin typeface="+mn-lt"/>
+                <a:ea typeface="+mn-ea"/>
+                <a:cs typeface="+mn-cs"/>
+              </a:rPr>
+              <a:t>password</a:t>
+            </a:r>
+            <a:r>
+              <a:rPr lang="de-DE" sz="1400" b="0" i="0" kern="1200" dirty="0">
+                <a:solidFill>
+                  <a:schemeClr val="tx1"/>
+                </a:solidFill>
+                <a:effectLst/>
+                <a:latin typeface="+mn-lt"/>
+                <a:ea typeface="+mn-ea"/>
+                <a:cs typeface="+mn-cs"/>
+              </a:rPr>
+              <a:t> </a:t>
+            </a:r>
+            <a:r>
+              <a:rPr lang="de-DE" sz="1400" b="0" i="0" kern="1200" dirty="0" err="1">
+                <a:solidFill>
+                  <a:schemeClr val="tx1"/>
+                </a:solidFill>
+                <a:effectLst/>
+                <a:latin typeface="+mn-lt"/>
+                <a:ea typeface="+mn-ea"/>
+                <a:cs typeface="+mn-cs"/>
+              </a:rPr>
+              <a:t>for</a:t>
+            </a:r>
+            <a:r>
+              <a:rPr lang="de-DE" sz="1400" b="0" i="0" kern="1200" dirty="0">
+                <a:solidFill>
+                  <a:schemeClr val="tx1"/>
+                </a:solidFill>
+                <a:effectLst/>
+                <a:latin typeface="+mn-lt"/>
+                <a:ea typeface="+mn-ea"/>
+                <a:cs typeface="+mn-cs"/>
+              </a:rPr>
+              <a:t> </a:t>
+            </a:r>
+            <a:r>
+              <a:rPr lang="de-DE" sz="1400" b="0" i="0" kern="1200" dirty="0" err="1">
+                <a:solidFill>
+                  <a:schemeClr val="tx1"/>
+                </a:solidFill>
+                <a:effectLst/>
+                <a:latin typeface="+mn-lt"/>
+                <a:ea typeface="+mn-ea"/>
+                <a:cs typeface="+mn-cs"/>
+              </a:rPr>
+              <a:t>it</a:t>
+            </a:r>
+            <a:r>
+              <a:rPr lang="de-DE" sz="1400" b="0" i="0" kern="1200" dirty="0">
+                <a:solidFill>
+                  <a:schemeClr val="tx1"/>
+                </a:solidFill>
+                <a:effectLst/>
+                <a:latin typeface="+mn-lt"/>
+                <a:ea typeface="+mn-ea"/>
+                <a:cs typeface="+mn-cs"/>
+              </a:rPr>
+              <a:t> (check https://github.wdf.sap.corp/slvi/docker-k8s-training/blob/master/kubernetes/k8s-bulletinboard/exercise_02_ads_app.md#step-0-imagepullsecret-for-sap-artifactory-repo-cc-k8s-course).</a:t>
+            </a:r>
+            <a:endParaRPr lang="en-US" dirty="0"/>
+          </a:p>
+          <a:p>
+            <a:pPr marL="0" lvl="0" indent="0">
+              <a:buFont typeface="Symbol" panose="05050102010706020507" pitchFamily="18" charset="2"/>
+              <a:buNone/>
+            </a:pPr>
+            <a:endParaRPr lang="en-US" dirty="0"/>
+          </a:p>
+          <a:p>
+            <a:pPr marL="0" lvl="0" indent="0">
+              <a:buFont typeface="Symbol" panose="05050102010706020507" pitchFamily="18" charset="2"/>
+              <a:buNone/>
+            </a:pPr>
+            <a:r>
+              <a:rPr lang="en-US" dirty="0"/>
+              <a:t>To run the attack, you may use this deployment: https://github.wdf.sap.corp/ps-container/host-fs-access-hack/blob/master/host-fs-deployment.yaml</a:t>
+            </a:r>
           </a:p>
         </p:txBody>
       </p:sp>
@@ -3643,7 +4339,7 @@
             <a:fld id="{7D8C2C35-2B8A-446E-BEC0-FD36716C29AC}" type="slidenum">
               <a:rPr lang="de-DE" smtClean="0"/>
               <a:pPr/>
-              <a:t>31</a:t>
+              <a:t>34</a:t>
             </a:fld>
             <a:endParaRPr lang="de-DE" dirty="0"/>
           </a:p>
@@ -3652,7 +4348,7 @@
     </p:spTree>
     <p:extLst>
       <p:ext uri="{BB962C8B-B14F-4D97-AF65-F5344CB8AC3E}">
-        <p14:creationId xmlns:p14="http://schemas.microsoft.com/office/powerpoint/2010/main" val="3895842541"/>
+        <p14:creationId xmlns:p14="http://schemas.microsoft.com/office/powerpoint/2010/main" val="3384471080"/>
       </p:ext>
     </p:extLst>
   </p:cSld>
@@ -3663,91 +4359,6 @@
 </file>
 
 <file path=ppt/notesSlides/notesSlide28.xml><?xml version="1.0" encoding="utf-8"?>
-<p:notes xmlns:a="http://schemas.openxmlformats.org/drawingml/2006/main" xmlns:r="http://schemas.openxmlformats.org/officeDocument/2006/relationships" xmlns:p="http://schemas.openxmlformats.org/presentationml/2006/main">
-  <p:cSld>
-    <p:spTree>
-      <p:nvGrpSpPr>
-        <p:cNvPr id="1" name=""/>
-        <p:cNvGrpSpPr/>
-        <p:nvPr/>
-      </p:nvGrpSpPr>
-      <p:grpSpPr>
-        <a:xfrm>
-          <a:off x="0" y="0"/>
-          <a:ext cx="0" cy="0"/>
-          <a:chOff x="0" y="0"/>
-          <a:chExt cx="0" cy="0"/>
-        </a:xfrm>
-      </p:grpSpPr>
-      <p:sp>
-        <p:nvSpPr>
-          <p:cNvPr id="2" name="Slide Image Placeholder 1"/>
-          <p:cNvSpPr>
-            <a:spLocks noGrp="1" noRot="1" noChangeAspect="1"/>
-          </p:cNvSpPr>
-          <p:nvPr>
-            <p:ph type="sldImg"/>
-          </p:nvPr>
-        </p:nvSpPr>
-        <p:spPr/>
-      </p:sp>
-      <p:sp>
-        <p:nvSpPr>
-          <p:cNvPr id="3" name="Notes Placeholder 2"/>
-          <p:cNvSpPr>
-            <a:spLocks noGrp="1"/>
-          </p:cNvSpPr>
-          <p:nvPr>
-            <p:ph type="body" idx="1"/>
-          </p:nvPr>
-        </p:nvSpPr>
-        <p:spPr/>
-        <p:txBody>
-          <a:bodyPr/>
-          <a:lstStyle/>
-          <a:p>
-            <a:endParaRPr lang="en-US" dirty="0"/>
-          </a:p>
-        </p:txBody>
-      </p:sp>
-      <p:sp>
-        <p:nvSpPr>
-          <p:cNvPr id="4" name="Slide Number Placeholder 3"/>
-          <p:cNvSpPr>
-            <a:spLocks noGrp="1"/>
-          </p:cNvSpPr>
-          <p:nvPr>
-            <p:ph type="sldNum" sz="quarter" idx="10"/>
-          </p:nvPr>
-        </p:nvSpPr>
-        <p:spPr/>
-        <p:txBody>
-          <a:bodyPr/>
-          <a:lstStyle/>
-          <a:p>
-            <a:fld id="{7D8C2C35-2B8A-446E-BEC0-FD36716C29AC}" type="slidenum">
-              <a:rPr lang="de-DE" smtClean="0"/>
-              <a:pPr/>
-              <a:t>32</a:t>
-            </a:fld>
-            <a:endParaRPr lang="de-DE" dirty="0"/>
-          </a:p>
-        </p:txBody>
-      </p:sp>
-    </p:spTree>
-    <p:extLst>
-      <p:ext uri="{BB962C8B-B14F-4D97-AF65-F5344CB8AC3E}">
-        <p14:creationId xmlns:p14="http://schemas.microsoft.com/office/powerpoint/2010/main" val="2953500110"/>
-      </p:ext>
-    </p:extLst>
-  </p:cSld>
-  <p:clrMapOvr>
-    <a:masterClrMapping/>
-  </p:clrMapOvr>
-</p:notes>
-</file>
-
-<file path=ppt/notesSlides/notesSlide29.xml><?xml version="1.0" encoding="utf-8"?>
 <p:notes xmlns:a="http://schemas.openxmlformats.org/drawingml/2006/main" xmlns:r="http://schemas.openxmlformats.org/officeDocument/2006/relationships" xmlns:p="http://schemas.openxmlformats.org/presentationml/2006/main">
   <p:cSld>
     <p:spTree>
@@ -3782,7 +4393,7 @@
             <a:fld id="{7D8C2C35-2B8A-446E-BEC0-FD36716C29AC}" type="slidenum">
               <a:rPr lang="en-US" smtClean="0"/>
               <a:pPr/>
-              <a:t>33</a:t>
+              <a:t>35</a:t>
             </a:fld>
             <a:endParaRPr lang="en-US" dirty="0"/>
           </a:p>
@@ -3880,101 +4491,75 @@
         </p:nvSpPr>
         <p:spPr/>
         <p:txBody>
-          <a:bodyPr>
-            <a:normAutofit fontScale="92500"/>
-          </a:bodyPr>
+          <a:bodyPr/>
           <a:lstStyle/>
           <a:p>
             <a:r>
               <a:rPr lang="en-US" dirty="0"/>
-              <a:t>Currently there are two types of users in </a:t>
-            </a:r>
-            <a:r>
-              <a:rPr lang="en-US" dirty="0" err="1"/>
-              <a:t>kubernetes</a:t>
-            </a:r>
+              <a:t>The tokens to access the API server deserve some extra thoughts. Every service account comes with such a token and by default, all pods mount the token of their respective service account. So basically we allow each and every application running in our cluster to talk to the API server and potentially read secrets or modify objects. </a:t>
+            </a:r>
+          </a:p>
+          <a:p>
             <a:r>
               <a:rPr lang="en-US" dirty="0"/>
-              <a:t> – technical and normal Users. Users are considered to be human (end-)users and you can fine </a:t>
-            </a:r>
-            <a:r>
-              <a:rPr lang="en-US" dirty="0" err="1"/>
-              <a:t>granularily</a:t>
-            </a:r>
+              <a:t> </a:t>
+            </a:r>
+          </a:p>
+          <a:p>
+            <a:pPr marL="0" marR="0" lvl="0" indent="0" algn="l" defTabSz="1088776" rtl="0" eaLnBrk="1" fontAlgn="auto" latinLnBrk="0" hangingPunct="1">
+              <a:lnSpc>
+                <a:spcPct val="100000"/>
+              </a:lnSpc>
+              <a:spcBef>
+                <a:spcPts val="0"/>
+              </a:spcBef>
+              <a:spcAft>
+                <a:spcPts val="0"/>
+              </a:spcAft>
+              <a:buClrTx/>
+              <a:buSzTx/>
+              <a:buFontTx/>
+              <a:buNone/>
+              <a:tabLst/>
+              <a:defRPr/>
+            </a:pPr>
             <a:r>
               <a:rPr lang="en-US" dirty="0"/>
-              <a:t> define what each user can. They can also (by default) be cluster admins and have access to everything in the cluster. </a:t>
-            </a:r>
-          </a:p>
-          <a:p>
-            <a:endParaRPr lang="en-US" dirty="0"/>
-          </a:p>
-          <a:p>
-            <a:r>
-              <a:rPr lang="en-US" dirty="0"/>
-              <a:t>The 2</a:t>
-            </a:r>
-            <a:r>
-              <a:rPr lang="en-US" baseline="30000" dirty="0"/>
-              <a:t>nd</a:t>
-            </a:r>
-            <a:r>
-              <a:rPr lang="en-US" dirty="0"/>
-              <a:t> type of user is a technical user, called “service account”. A service account is bound to a namespace and in every namespace there is “default” service account. Of course it is possible to create further service accounts. </a:t>
-            </a:r>
-          </a:p>
-          <a:p>
-            <a:r>
-              <a:rPr lang="en-US" dirty="0"/>
-              <a:t>Usually a service account holds an access token allowing to communicate with the cluster’s API server. The token itself is a </a:t>
-            </a:r>
-            <a:r>
-              <a:rPr lang="en-US" dirty="0" err="1"/>
-              <a:t>kubernetes</a:t>
-            </a:r>
-            <a:r>
-              <a:rPr lang="en-US" dirty="0"/>
-              <a:t> secret. Additionally you can assign an image pull secret to the service account (see slide 5 </a:t>
-            </a:r>
-            <a:r>
-              <a:rPr lang="en-US" dirty="0" err="1"/>
-              <a:t>ff</a:t>
-            </a:r>
-            <a:r>
-              <a:rPr lang="en-US" dirty="0"/>
-              <a:t> for further info).</a:t>
-            </a:r>
-          </a:p>
-          <a:p>
-            <a:endParaRPr lang="en-US" dirty="0"/>
-          </a:p>
-          <a:p>
-            <a:r>
-              <a:rPr lang="en-US" dirty="0"/>
-              <a:t>When scheduling resources like a pod, they always run in the “name” of the service account. This means, the service account’s secrets will be mounted into the pod. Hence a pod is also able to access the API server with the identity of the service account and its valid credentials.</a:t>
-            </a:r>
-          </a:p>
-          <a:p>
-            <a:r>
-              <a:rPr lang="en-US" dirty="0"/>
-              <a:t>If not specified differently, the default service account will be used. </a:t>
-            </a:r>
-          </a:p>
-          <a:p>
-            <a:endParaRPr lang="en-US" dirty="0"/>
-          </a:p>
-          <a:p>
-            <a:r>
-              <a:rPr lang="en-US" dirty="0"/>
-              <a:t>Since a pod can access the API, think about possible consequences. Could it modify the system? To avoid potential security issues, it is recommended to limit the access scope of the service account using RBAC </a:t>
-            </a:r>
-            <a:r>
-              <a:rPr lang="en-US" dirty="0">
-                <a:sym typeface="Wingdings" panose="05000000000000000000" pitchFamily="2" charset="2"/>
-              </a:rPr>
-              <a:t> see next slide</a:t>
-            </a:r>
-            <a:endParaRPr lang="en-US" dirty="0"/>
+              <a:t>Though there are some applications that require this access, most of our workloads don’t. Hence it is recommended to switch off this feature and explicitly mount the tokens when needed. The service account object has a field “</a:t>
+            </a:r>
+            <a:r>
+              <a:rPr lang="de-DE" sz="1400" b="0" kern="1200" dirty="0" err="1">
+                <a:solidFill>
+                  <a:schemeClr val="tx1"/>
+                </a:solidFill>
+                <a:effectLst/>
+                <a:latin typeface="+mn-lt"/>
+                <a:ea typeface="+mn-ea"/>
+                <a:cs typeface="+mn-cs"/>
+              </a:rPr>
+              <a:t>automountServiceAccountToken</a:t>
+            </a:r>
+            <a:r>
+              <a:rPr lang="en-US" sz="1400" b="0" kern="1200" dirty="0">
+                <a:solidFill>
+                  <a:schemeClr val="tx1"/>
+                </a:solidFill>
+                <a:effectLst/>
+                <a:latin typeface="+mn-lt"/>
+                <a:ea typeface="+mn-ea"/>
+                <a:cs typeface="+mn-cs"/>
+              </a:rPr>
+              <a:t>” which should be set to false.</a:t>
+            </a:r>
+            <a:endParaRPr lang="de-DE" sz="1400" b="0" kern="1200" dirty="0">
+              <a:solidFill>
+                <a:schemeClr val="tx1"/>
+              </a:solidFill>
+              <a:effectLst/>
+              <a:latin typeface="+mn-lt"/>
+              <a:ea typeface="+mn-ea"/>
+              <a:cs typeface="+mn-cs"/>
+            </a:endParaRPr>
           </a:p>
         </p:txBody>
       </p:sp>
@@ -3994,18 +4579,18 @@
           <a:lstStyle/>
           <a:p>
             <a:fld id="{7D8C2C35-2B8A-446E-BEC0-FD36716C29AC}" type="slidenum">
-              <a:rPr lang="en-US" smtClean="0"/>
+              <a:rPr lang="de-DE" smtClean="0"/>
               <a:pPr/>
-              <a:t>3</a:t>
+              <a:t>4</a:t>
             </a:fld>
-            <a:endParaRPr lang="en-US" dirty="0"/>
+            <a:endParaRPr lang="de-DE" dirty="0"/>
           </a:p>
         </p:txBody>
       </p:sp>
     </p:spTree>
     <p:extLst>
       <p:ext uri="{BB962C8B-B14F-4D97-AF65-F5344CB8AC3E}">
-        <p14:creationId xmlns:p14="http://schemas.microsoft.com/office/powerpoint/2010/main" val="561089298"/>
+        <p14:creationId xmlns:p14="http://schemas.microsoft.com/office/powerpoint/2010/main" val="3148014093"/>
       </p:ext>
     </p:extLst>
   </p:cSld>
@@ -4061,70 +4646,42 @@
           <a:p>
             <a:r>
               <a:rPr lang="en-US" dirty="0"/>
-              <a:t>The tokens to access the API server deserve some extra thoughts. Every service account comes with such a token and by default, all pods mount the token of their respective service account. So basically we allow each and every application running in our cluster to talk to the API server and potentially read secrets or modify objects. </a:t>
-            </a:r>
+              <a:t>To limit the access scope of a service account, you can use existing roles or create your own. These roles are bound to the respective service account.</a:t>
+            </a:r>
+          </a:p>
+          <a:p>
+            <a:endParaRPr lang="en-US" dirty="0"/>
           </a:p>
           <a:p>
             <a:r>
               <a:rPr lang="en-US" dirty="0"/>
-              <a:t> </a:t>
-            </a:r>
-          </a:p>
-          <a:p>
-            <a:pPr marL="0" marR="0" lvl="0" indent="0" algn="l" defTabSz="1088776" rtl="0" eaLnBrk="1" fontAlgn="auto" latinLnBrk="0" hangingPunct="1">
-              <a:lnSpc>
-                <a:spcPct val="100000"/>
-              </a:lnSpc>
-              <a:spcBef>
-                <a:spcPts val="0"/>
-              </a:spcBef>
-              <a:spcAft>
-                <a:spcPts val="0"/>
-              </a:spcAft>
-              <a:buClrTx/>
-              <a:buSzTx/>
-              <a:buFontTx/>
-              <a:buNone/>
-              <a:tabLst/>
-              <a:defRPr/>
-            </a:pPr>
+              <a:t>Roles define which resources of which </a:t>
+            </a:r>
+            <a:r>
+              <a:rPr lang="en-US" dirty="0" err="1"/>
+              <a:t>api</a:t>
+            </a:r>
             <a:r>
               <a:rPr lang="en-US" dirty="0"/>
-              <a:t>Though there are some applications that require this access, most of our workloads don’t. Hence it is recommended to switch off this feature and explicitly mount the tokens when needed. The service account object has a field “</a:t>
-            </a:r>
-            <a:r>
-              <a:rPr lang="de-DE" sz="1400" b="0" kern="1200" dirty="0" err="1">
-                <a:solidFill>
-                  <a:schemeClr val="tx1"/>
-                </a:solidFill>
-                <a:effectLst/>
-                <a:latin typeface="+mn-lt"/>
-                <a:ea typeface="+mn-ea"/>
-                <a:cs typeface="+mn-cs"/>
-              </a:rPr>
-              <a:t>automountServiceAccountToken</a:t>
-            </a:r>
-            <a:r>
-              <a:rPr lang="en-US" sz="1400" b="0" kern="1200" dirty="0">
-                <a:solidFill>
-                  <a:schemeClr val="tx1"/>
-                </a:solidFill>
-                <a:effectLst/>
-                <a:latin typeface="+mn-lt"/>
-                <a:ea typeface="+mn-ea"/>
-                <a:cs typeface="+mn-cs"/>
-              </a:rPr>
-              <a:t>” which should be set to false.</a:t>
-            </a:r>
-            <a:endParaRPr lang="de-DE" sz="1400" b="0" kern="1200" dirty="0">
-              <a:solidFill>
-                <a:schemeClr val="tx1"/>
-              </a:solidFill>
-              <a:effectLst/>
-              <a:latin typeface="+mn-lt"/>
-              <a:ea typeface="+mn-ea"/>
-              <a:cs typeface="+mn-cs"/>
-            </a:endParaRPr>
+              <a:t> group are allowed to access with a certain set of actions. The example shown in the screenshot allows the actions “get”, “list” and “watch” for “</a:t>
+            </a:r>
+            <a:r>
+              <a:rPr lang="en-US" dirty="0" err="1"/>
+              <a:t>configmaps</a:t>
+            </a:r>
+            <a:r>
+              <a:rPr lang="en-US" dirty="0"/>
+              <a:t>”. Everything else would be blocked. </a:t>
+            </a:r>
+          </a:p>
+          <a:p>
+            <a:endParaRPr lang="en-US" dirty="0"/>
+          </a:p>
+          <a:p>
+            <a:r>
+              <a:rPr lang="en-US" dirty="0"/>
+              <a:t>To assign the role to a user, you can create a role binding.</a:t>
+            </a:r>
           </a:p>
         </p:txBody>
       </p:sp>
@@ -4144,18 +4701,18 @@
           <a:lstStyle/>
           <a:p>
             <a:fld id="{7D8C2C35-2B8A-446E-BEC0-FD36716C29AC}" type="slidenum">
-              <a:rPr lang="de-DE" smtClean="0"/>
+              <a:rPr lang="en-US" smtClean="0"/>
               <a:pPr/>
-              <a:t>4</a:t>
+              <a:t>5</a:t>
             </a:fld>
-            <a:endParaRPr lang="de-DE" dirty="0"/>
+            <a:endParaRPr lang="en-US" dirty="0"/>
           </a:p>
         </p:txBody>
       </p:sp>
     </p:spTree>
     <p:extLst>
       <p:ext uri="{BB962C8B-B14F-4D97-AF65-F5344CB8AC3E}">
-        <p14:creationId xmlns:p14="http://schemas.microsoft.com/office/powerpoint/2010/main" val="3148014093"/>
+        <p14:creationId xmlns:p14="http://schemas.microsoft.com/office/powerpoint/2010/main" val="4057303231"/>
       </p:ext>
     </p:extLst>
   </p:cSld>
@@ -4206,29 +4763,178 @@
         </p:nvSpPr>
         <p:spPr/>
         <p:txBody>
-          <a:bodyPr/>
+          <a:bodyPr>
+            <a:normAutofit fontScale="85000" lnSpcReduction="20000"/>
+          </a:bodyPr>
           <a:lstStyle/>
           <a:p>
+            <a:pPr marL="285750" indent="-285750">
+              <a:buFontTx/>
+              <a:buChar char="-"/>
+            </a:pPr>
             <a:r>
               <a:rPr lang="en-US" dirty="0"/>
-              <a:t>To limit the access scope of a service account, you can use existing roles or create your own. These roles are bound to the respective service account.</a:t>
-            </a:r>
-          </a:p>
-          <a:p>
+              <a:t>Show the default service account associate with any namespace (</a:t>
+            </a:r>
+            <a:r>
+              <a:rPr lang="en-US" dirty="0" err="1"/>
+              <a:t>kubectl</a:t>
+            </a:r>
+            <a:r>
+              <a:rPr lang="en-US" dirty="0"/>
+              <a:t> get </a:t>
+            </a:r>
+            <a:r>
+              <a:rPr lang="en-US" dirty="0" err="1"/>
+              <a:t>sa</a:t>
+            </a:r>
+            <a:r>
+              <a:rPr lang="en-US" dirty="0"/>
+              <a:t>)</a:t>
+            </a:r>
+          </a:p>
+          <a:p>
+            <a:pPr marL="285750" indent="-285750">
+              <a:buFontTx/>
+              <a:buChar char="-"/>
+            </a:pPr>
+            <a:r>
+              <a:rPr lang="en-US" dirty="0"/>
+              <a:t>Show the token that is associated with the service account (</a:t>
+            </a:r>
+            <a:r>
+              <a:rPr lang="en-US" dirty="0" err="1"/>
+              <a:t>kubectl</a:t>
+            </a:r>
+            <a:r>
+              <a:rPr lang="en-US" dirty="0"/>
+              <a:t> get secret)</a:t>
+            </a:r>
+          </a:p>
+          <a:p>
+            <a:pPr marL="285750" indent="-285750">
+              <a:buFontTx/>
+              <a:buChar char="-"/>
+            </a:pPr>
+            <a:r>
+              <a:rPr lang="en-US" dirty="0"/>
+              <a:t>Show the </a:t>
+            </a:r>
+            <a:r>
+              <a:rPr lang="en-US" dirty="0" err="1"/>
+              <a:t>clusterrolebinding</a:t>
+            </a:r>
+            <a:r>
+              <a:rPr lang="en-US" dirty="0"/>
+              <a:t>, that makes the participants cluster admin (</a:t>
+            </a:r>
+            <a:r>
+              <a:rPr lang="en-US" dirty="0" err="1"/>
+              <a:t>kubectl</a:t>
+            </a:r>
+            <a:r>
+              <a:rPr lang="en-US" dirty="0"/>
+              <a:t> get </a:t>
+            </a:r>
+            <a:r>
+              <a:rPr lang="en-US" dirty="0" err="1"/>
+              <a:t>clusterrolebinding</a:t>
+            </a:r>
+            <a:r>
+              <a:rPr lang="en-US" dirty="0"/>
+              <a:t>)</a:t>
+            </a:r>
+          </a:p>
+          <a:p>
+            <a:pPr marL="0" indent="0">
+              <a:buFontTx/>
+              <a:buNone/>
+            </a:pPr>
             <a:endParaRPr lang="en-US" dirty="0"/>
           </a:p>
           <a:p>
+            <a:pPr marL="285750" indent="-285750">
+              <a:buFontTx/>
+              <a:buChar char="-"/>
+            </a:pPr>
             <a:r>
               <a:rPr lang="en-US" dirty="0"/>
-              <a:t>Roles define which resources of which </a:t>
-            </a:r>
-            <a:r>
-              <a:rPr lang="en-US" dirty="0" err="1"/>
-              <a:t>api</a:t>
-            </a:r>
+              <a:t>Create a custom role:</a:t>
+            </a:r>
+          </a:p>
+          <a:p>
+            <a:pPr marL="465750" marR="0" lvl="1" indent="-285750" algn="l" defTabSz="1088776" rtl="0" eaLnBrk="1" fontAlgn="auto" latinLnBrk="0" hangingPunct="1">
+              <a:lnSpc>
+                <a:spcPct val="100000"/>
+              </a:lnSpc>
+              <a:spcBef>
+                <a:spcPts val="0"/>
+              </a:spcBef>
+              <a:spcAft>
+                <a:spcPts val="0"/>
+              </a:spcAft>
+              <a:buClr>
+                <a:schemeClr val="accent1"/>
+              </a:buClr>
+              <a:buSzPct val="100000"/>
+              <a:buFontTx/>
+              <a:buChar char="-"/>
+              <a:tabLst/>
+              <a:defRPr/>
+            </a:pPr>
             <a:r>
               <a:rPr lang="en-US" dirty="0"/>
-              <a:t> group are allowed to access with a certain set of actions. The example shown in the screenshot allows the actions “get”, “list” and “watch” for “</a:t>
+              <a:t>In the demo folder, have a look at 11a_rbac.yaml</a:t>
+            </a:r>
+          </a:p>
+          <a:p>
+            <a:pPr marL="645750" marR="0" lvl="2" indent="-285750" algn="l" defTabSz="1088776" rtl="0" eaLnBrk="1" fontAlgn="auto" latinLnBrk="0" hangingPunct="1">
+              <a:lnSpc>
+                <a:spcPct val="100000"/>
+              </a:lnSpc>
+              <a:spcBef>
+                <a:spcPts val="0"/>
+              </a:spcBef>
+              <a:spcAft>
+                <a:spcPts val="0"/>
+              </a:spcAft>
+              <a:buClr>
+                <a:schemeClr val="accent1"/>
+              </a:buClr>
+              <a:buSzPct val="100000"/>
+              <a:buFontTx/>
+              <a:buChar char="-"/>
+              <a:tabLst/>
+              <a:defRPr/>
+            </a:pPr>
+            <a:r>
+              <a:rPr lang="en-US" dirty="0"/>
+              <a:t>explain the access to the different API groups &amp; objects within</a:t>
+            </a:r>
+          </a:p>
+          <a:p>
+            <a:pPr marL="645750" marR="0" lvl="2" indent="-285750" algn="l" defTabSz="1088776" rtl="0" eaLnBrk="1" fontAlgn="auto" latinLnBrk="0" hangingPunct="1">
+              <a:lnSpc>
+                <a:spcPct val="100000"/>
+              </a:lnSpc>
+              <a:spcBef>
+                <a:spcPts val="0"/>
+              </a:spcBef>
+              <a:spcAft>
+                <a:spcPts val="0"/>
+              </a:spcAft>
+              <a:buClr>
+                <a:schemeClr val="accent1"/>
+              </a:buClr>
+              <a:buSzPct val="100000"/>
+              <a:buFontTx/>
+              <a:buChar char="-"/>
+              <a:tabLst/>
+              <a:defRPr/>
+            </a:pPr>
+            <a:r>
+              <a:rPr lang="en-US" dirty="0"/>
+              <a:t>The role "pod-master" gives you full access to pods, read access to </a:t>
             </a:r>
             <a:r>
               <a:rPr lang="en-US" dirty="0" err="1"/>
@@ -4236,17 +4942,321 @@
             </a:r>
             <a:r>
               <a:rPr lang="en-US" dirty="0"/>
-              <a:t>”. Everything else would be blocked. </a:t>
-            </a:r>
-          </a:p>
-          <a:p>
+              <a:t> and no access to anything else</a:t>
+            </a:r>
+          </a:p>
+          <a:p>
+            <a:pPr marL="645750" marR="0" lvl="2" indent="-285750" algn="l" defTabSz="1088776" rtl="0" eaLnBrk="1" fontAlgn="auto" latinLnBrk="0" hangingPunct="1">
+              <a:lnSpc>
+                <a:spcPct val="100000"/>
+              </a:lnSpc>
+              <a:spcBef>
+                <a:spcPts val="0"/>
+              </a:spcBef>
+              <a:spcAft>
+                <a:spcPts val="0"/>
+              </a:spcAft>
+              <a:buClr>
+                <a:schemeClr val="accent1"/>
+              </a:buClr>
+              <a:buSzPct val="100000"/>
+              <a:buFontTx/>
+              <a:buChar char="-"/>
+              <a:tabLst/>
+              <a:defRPr/>
+            </a:pPr>
+            <a:r>
+              <a:rPr lang="en-US" dirty="0"/>
+              <a:t>the YAML creates a service account "pod-master"</a:t>
+            </a:r>
+          </a:p>
+          <a:p>
+            <a:pPr marL="645750" marR="0" lvl="2" indent="-285750" algn="l" defTabSz="1088776" rtl="0" eaLnBrk="1" fontAlgn="auto" latinLnBrk="0" hangingPunct="1">
+              <a:lnSpc>
+                <a:spcPct val="100000"/>
+              </a:lnSpc>
+              <a:spcBef>
+                <a:spcPts val="0"/>
+              </a:spcBef>
+              <a:spcAft>
+                <a:spcPts val="0"/>
+              </a:spcAft>
+              <a:buClr>
+                <a:schemeClr val="accent1"/>
+              </a:buClr>
+              <a:buSzPct val="100000"/>
+              <a:buFontTx/>
+              <a:buChar char="-"/>
+              <a:tabLst/>
+              <a:defRPr/>
+            </a:pPr>
+            <a:r>
+              <a:rPr lang="en-US" dirty="0"/>
+              <a:t>The role gets bound to the service account by the </a:t>
+            </a:r>
+            <a:r>
+              <a:rPr lang="en-US" dirty="0" err="1"/>
+              <a:t>rolebinding</a:t>
+            </a:r>
+            <a:r>
+              <a:rPr lang="en-US" dirty="0"/>
+              <a:t> "pod-master"</a:t>
+            </a:r>
+          </a:p>
+          <a:p>
+            <a:pPr marL="465750" lvl="1" indent="-285750">
+              <a:buFontTx/>
+              <a:buChar char="-"/>
+            </a:pPr>
+            <a:r>
+              <a:rPr lang="en-US" dirty="0"/>
+              <a:t>Before you switch the </a:t>
+            </a:r>
+            <a:r>
+              <a:rPr lang="en-US" dirty="0" err="1"/>
+              <a:t>kubeconfig</a:t>
+            </a:r>
+            <a:r>
+              <a:rPr lang="en-US" dirty="0"/>
+              <a:t> context, check, if the secret </a:t>
+            </a:r>
+            <a:r>
+              <a:rPr lang="en-US"/>
+              <a:t>“admin-access” </a:t>
+            </a:r>
+            <a:r>
+              <a:rPr lang="en-US" dirty="0"/>
+              <a:t>described in file 07c_demo_secret.yaml is present in your namespace. If not, re-create it (</a:t>
+            </a:r>
+            <a:r>
+              <a:rPr lang="en-US" dirty="0" err="1"/>
+              <a:t>kubectl</a:t>
+            </a:r>
+            <a:r>
+              <a:rPr lang="en-US" dirty="0"/>
+              <a:t> create –f 07c_demo_secret.yaml)</a:t>
+            </a:r>
+          </a:p>
+          <a:p>
+            <a:pPr marL="465750" lvl="1" indent="-285750">
+              <a:buFontTx/>
+              <a:buChar char="-"/>
+            </a:pPr>
+            <a:r>
+              <a:rPr lang="en-US" dirty="0"/>
+              <a:t>In the demo folder, run the script 11b_rbac-demo-shell.sh</a:t>
+            </a:r>
+          </a:p>
+          <a:p>
+            <a:pPr marL="645750" lvl="2" indent="-285750">
+              <a:buFontTx/>
+              <a:buChar char="-"/>
+            </a:pPr>
+            <a:r>
+              <a:rPr lang="en-US" dirty="0"/>
+              <a:t>This script will start a new shell with a temporary </a:t>
+            </a:r>
+            <a:r>
+              <a:rPr lang="en-US" dirty="0" err="1"/>
+              <a:t>kube.config</a:t>
+            </a:r>
+            <a:r>
+              <a:rPr lang="en-US" dirty="0"/>
+              <a:t> that accesses the cluster as service account pod-master</a:t>
+            </a:r>
+          </a:p>
+          <a:p>
+            <a:pPr marL="645750" lvl="2" indent="-285750">
+              <a:buFontTx/>
+              <a:buChar char="-"/>
+            </a:pPr>
+            <a:r>
+              <a:rPr lang="en-US" dirty="0"/>
+              <a:t>In this shell, try to get the running pods and the </a:t>
+            </a:r>
+            <a:r>
+              <a:rPr lang="en-US" dirty="0" err="1"/>
+              <a:t>configmaps</a:t>
+            </a:r>
             <a:endParaRPr lang="en-US" dirty="0"/>
           </a:p>
           <a:p>
+            <a:pPr marL="645750" lvl="2" indent="-285750">
+              <a:buFontTx/>
+              <a:buChar char="-"/>
+            </a:pPr>
             <a:r>
               <a:rPr lang="en-US" dirty="0"/>
-              <a:t>To assign the role to a user, you can create a role binding.</a:t>
-            </a:r>
+              <a:t>Try to get the secrets</a:t>
+            </a:r>
+          </a:p>
+          <a:p>
+            <a:pPr marL="645750" lvl="2" indent="-285750">
+              <a:buFontTx/>
+              <a:buChar char="-"/>
+            </a:pPr>
+            <a:r>
+              <a:rPr lang="en-US" dirty="0"/>
+              <a:t>Create a pod using the secret “admin-access” with "</a:t>
+            </a:r>
+            <a:r>
+              <a:rPr lang="en-US" dirty="0" err="1"/>
+              <a:t>kubectl</a:t>
+            </a:r>
+            <a:r>
+              <a:rPr lang="en-US" dirty="0"/>
+              <a:t> create –f 07d_demo_pod_with_secret.yaml" and have a look at its logs to show that secrets are still visible from within the pod although we do not have access to the secrets through the role (potential security leak)</a:t>
+            </a:r>
+          </a:p>
+          <a:p>
+            <a:pPr marL="465750" lvl="1" indent="-285750">
+              <a:buFontTx/>
+              <a:buChar char="-"/>
+            </a:pPr>
+            <a:endParaRPr lang="en-US" dirty="0"/>
+          </a:p>
+          <a:p>
+            <a:pPr marL="285750" lvl="0" indent="-285750">
+              <a:buFontTx/>
+              <a:buChar char="-"/>
+            </a:pPr>
+            <a:r>
+              <a:rPr lang="en-US" dirty="0"/>
+              <a:t>Use the role binding "pod-master" and use </a:t>
+            </a:r>
+            <a:r>
+              <a:rPr lang="en-US" dirty="0" err="1"/>
+              <a:t>kubectl</a:t>
+            </a:r>
+            <a:r>
+              <a:rPr lang="en-US" dirty="0"/>
+              <a:t> </a:t>
+            </a:r>
+            <a:r>
+              <a:rPr lang="en-US" dirty="0" err="1"/>
+              <a:t>auth</a:t>
+            </a:r>
+            <a:r>
+              <a:rPr lang="en-US" dirty="0"/>
+              <a:t> can-</a:t>
+            </a:r>
+            <a:r>
+              <a:rPr lang="en-US" dirty="0" err="1"/>
+              <a:t>i</a:t>
+            </a:r>
+            <a:r>
+              <a:rPr lang="en-US" dirty="0"/>
+              <a:t> … to demo its function. </a:t>
+            </a:r>
+          </a:p>
+          <a:p>
+            <a:pPr marL="465750" lvl="1" indent="-285750">
+              <a:buFontTx/>
+              <a:buChar char="-"/>
+            </a:pPr>
+            <a:r>
+              <a:rPr lang="en-US" dirty="0" err="1"/>
+              <a:t>kubectl</a:t>
+            </a:r>
+            <a:r>
+              <a:rPr lang="en-US" dirty="0"/>
+              <a:t> </a:t>
+            </a:r>
+            <a:r>
+              <a:rPr lang="en-US" dirty="0" err="1"/>
+              <a:t>auth</a:t>
+            </a:r>
+            <a:r>
+              <a:rPr lang="en-US" dirty="0"/>
+              <a:t> can-</a:t>
+            </a:r>
+            <a:r>
+              <a:rPr lang="en-US" dirty="0" err="1"/>
+              <a:t>i</a:t>
+            </a:r>
+            <a:r>
+              <a:rPr lang="en-US" dirty="0"/>
+              <a:t> get nodes --as </a:t>
+            </a:r>
+            <a:r>
+              <a:rPr lang="en-US" dirty="0" err="1"/>
+              <a:t>system:serviceaccount:default:default</a:t>
+            </a:r>
+            <a:r>
+              <a:rPr lang="en-US" dirty="0"/>
+              <a:t>  </a:t>
+            </a:r>
+            <a:r>
+              <a:rPr lang="en-US" dirty="0">
+                <a:sym typeface="Wingdings" panose="05000000000000000000" pitchFamily="2" charset="2"/>
+              </a:rPr>
+              <a:t> expected result: no</a:t>
+            </a:r>
+            <a:endParaRPr lang="en-US" dirty="0"/>
+          </a:p>
+          <a:p>
+            <a:pPr marL="465750" lvl="1" indent="-285750">
+              <a:buFontTx/>
+              <a:buChar char="-"/>
+            </a:pPr>
+            <a:r>
+              <a:rPr lang="en-US" dirty="0" err="1"/>
+              <a:t>kubectl</a:t>
+            </a:r>
+            <a:r>
+              <a:rPr lang="en-US" dirty="0"/>
+              <a:t> </a:t>
+            </a:r>
+            <a:r>
+              <a:rPr lang="en-US" dirty="0" err="1"/>
+              <a:t>auth</a:t>
+            </a:r>
+            <a:r>
+              <a:rPr lang="en-US" dirty="0"/>
+              <a:t> can-</a:t>
+            </a:r>
+            <a:r>
+              <a:rPr lang="en-US" dirty="0" err="1"/>
+              <a:t>i</a:t>
+            </a:r>
+            <a:r>
+              <a:rPr lang="en-US" dirty="0"/>
+              <a:t> get nodes --as </a:t>
+            </a:r>
+            <a:r>
+              <a:rPr lang="en-US" dirty="0" err="1"/>
+              <a:t>system:serviceaccount:part</a:t>
+            </a:r>
+            <a:r>
+              <a:rPr lang="en-US" dirty="0"/>
+              <a:t>-&lt;id&gt;:default </a:t>
+            </a:r>
+            <a:r>
+              <a:rPr lang="en-US" dirty="0">
+                <a:sym typeface="Wingdings" panose="05000000000000000000" pitchFamily="2" charset="2"/>
+              </a:rPr>
+              <a:t> expected result: yes (due to the </a:t>
+            </a:r>
+            <a:r>
+              <a:rPr lang="en-US" dirty="0" err="1">
+                <a:sym typeface="Wingdings" panose="05000000000000000000" pitchFamily="2" charset="2"/>
+              </a:rPr>
+              <a:t>clusterrolebinding</a:t>
+            </a:r>
+            <a:r>
+              <a:rPr lang="en-US" dirty="0">
+                <a:sym typeface="Wingdings" panose="05000000000000000000" pitchFamily="2" charset="2"/>
+              </a:rPr>
+              <a:t>)</a:t>
+            </a:r>
+            <a:endParaRPr lang="en-US" dirty="0"/>
+          </a:p>
+          <a:p>
+            <a:pPr marL="285750" lvl="0" indent="-285750">
+              <a:buFontTx/>
+              <a:buChar char="-"/>
+            </a:pPr>
+            <a:endParaRPr lang="en-US" dirty="0"/>
           </a:p>
         </p:txBody>
       </p:sp>
@@ -4266,18 +5276,18 @@
           <a:lstStyle/>
           <a:p>
             <a:fld id="{7D8C2C35-2B8A-446E-BEC0-FD36716C29AC}" type="slidenum">
-              <a:rPr lang="en-US" smtClean="0"/>
+              <a:rPr lang="de-DE" smtClean="0"/>
               <a:pPr/>
-              <a:t>5</a:t>
+              <a:t>6</a:t>
             </a:fld>
-            <a:endParaRPr lang="en-US" dirty="0"/>
+            <a:endParaRPr lang="de-DE" dirty="0"/>
           </a:p>
         </p:txBody>
       </p:sp>
     </p:spTree>
     <p:extLst>
       <p:ext uri="{BB962C8B-B14F-4D97-AF65-F5344CB8AC3E}">
-        <p14:creationId xmlns:p14="http://schemas.microsoft.com/office/powerpoint/2010/main" val="4057303231"/>
+        <p14:creationId xmlns:p14="http://schemas.microsoft.com/office/powerpoint/2010/main" val="2560076381"/>
       </p:ext>
     </p:extLst>
   </p:cSld>
@@ -4328,500 +5338,31 @@
         </p:nvSpPr>
         <p:spPr/>
         <p:txBody>
-          <a:bodyPr>
-            <a:normAutofit fontScale="85000" lnSpcReduction="20000"/>
-          </a:bodyPr>
+          <a:bodyPr/>
           <a:lstStyle/>
           <a:p>
-            <a:pPr marL="285750" indent="-285750">
-              <a:buFontTx/>
-              <a:buChar char="-"/>
-            </a:pPr>
             <a:r>
               <a:rPr lang="en-US" dirty="0"/>
-              <a:t>Show the default service account associate with any namespace (</a:t>
-            </a:r>
-            <a:r>
-              <a:rPr lang="en-US" dirty="0" err="1"/>
-              <a:t>kubectl</a:t>
-            </a:r>
+              <a:t>The pod &amp; container spec provide several options to prevent security issues.</a:t>
+            </a:r>
+          </a:p>
+          <a:p>
+            <a:endParaRPr lang="en-US" dirty="0"/>
+          </a:p>
+          <a:p>
             <a:r>
               <a:rPr lang="en-US" dirty="0"/>
-              <a:t> get </a:t>
-            </a:r>
-            <a:r>
-              <a:rPr lang="en-US" dirty="0" err="1"/>
-              <a:t>sa</a:t>
-            </a:r>
+              <a:t>Firstly, it is possible to limit the resource consumption of each container. This way it is not possible to consume all the resources of a host.</a:t>
+            </a:r>
+          </a:p>
+          <a:p>
+            <a:endParaRPr lang="en-US" dirty="0"/>
+          </a:p>
+          <a:p>
             <a:r>
               <a:rPr lang="en-US" dirty="0"/>
-              <a:t>)</a:t>
-            </a:r>
-          </a:p>
-          <a:p>
-            <a:pPr marL="285750" indent="-285750">
-              <a:buFontTx/>
-              <a:buChar char="-"/>
-            </a:pPr>
-            <a:r>
-              <a:rPr lang="en-US" dirty="0"/>
-              <a:t>Show the token that is associated with the service account (</a:t>
-            </a:r>
-            <a:r>
-              <a:rPr lang="en-US" dirty="0" err="1"/>
-              <a:t>kubectl</a:t>
-            </a:r>
-            <a:r>
-              <a:rPr lang="en-US" dirty="0"/>
-              <a:t> get secret)</a:t>
-            </a:r>
-          </a:p>
-          <a:p>
-            <a:pPr marL="285750" indent="-285750">
-              <a:buFontTx/>
-              <a:buChar char="-"/>
-            </a:pPr>
-            <a:r>
-              <a:rPr lang="en-US" dirty="0"/>
-              <a:t>Show the </a:t>
-            </a:r>
-            <a:r>
-              <a:rPr lang="en-US" dirty="0" err="1"/>
-              <a:t>clusterrolebinding</a:t>
-            </a:r>
-            <a:r>
-              <a:rPr lang="en-US" dirty="0"/>
-              <a:t>, that makes the participants cluster admin (</a:t>
-            </a:r>
-            <a:r>
-              <a:rPr lang="en-US" dirty="0" err="1"/>
-              <a:t>kubectl</a:t>
-            </a:r>
-            <a:r>
-              <a:rPr lang="en-US" dirty="0"/>
-              <a:t> get </a:t>
-            </a:r>
-            <a:r>
-              <a:rPr lang="en-US" dirty="0" err="1"/>
-              <a:t>clusterrolebinding</a:t>
-            </a:r>
-            <a:r>
-              <a:rPr lang="en-US" dirty="0"/>
-              <a:t>)</a:t>
-            </a:r>
-          </a:p>
-          <a:p>
-            <a:pPr marL="0" indent="0">
-              <a:buFontTx/>
-              <a:buNone/>
-            </a:pPr>
-            <a:endParaRPr lang="en-US" dirty="0"/>
-          </a:p>
-          <a:p>
-            <a:pPr marL="285750" indent="-285750">
-              <a:buFontTx/>
-              <a:buChar char="-"/>
-            </a:pPr>
-            <a:r>
-              <a:rPr lang="en-US" dirty="0"/>
-              <a:t>Create a custom role:</a:t>
-            </a:r>
-          </a:p>
-          <a:p>
-            <a:pPr marL="465750" marR="0" lvl="1" indent="-285750" algn="l" defTabSz="1088776" rtl="0" eaLnBrk="1" fontAlgn="auto" latinLnBrk="0" hangingPunct="1">
-              <a:lnSpc>
-                <a:spcPct val="100000"/>
-              </a:lnSpc>
-              <a:spcBef>
-                <a:spcPts val="0"/>
-              </a:spcBef>
-              <a:spcAft>
-                <a:spcPts val="0"/>
-              </a:spcAft>
-              <a:buClr>
-                <a:schemeClr val="accent1"/>
-              </a:buClr>
-              <a:buSzPct val="100000"/>
-              <a:buFontTx/>
-              <a:buChar char="-"/>
-              <a:tabLst/>
-              <a:defRPr/>
-            </a:pPr>
-            <a:r>
-              <a:rPr lang="en-US" dirty="0"/>
-              <a:t>In the demo folder, have a look at 11a_rbac.yaml</a:t>
-            </a:r>
-          </a:p>
-          <a:p>
-            <a:pPr marL="645750" marR="0" lvl="2" indent="-285750" algn="l" defTabSz="1088776" rtl="0" eaLnBrk="1" fontAlgn="auto" latinLnBrk="0" hangingPunct="1">
-              <a:lnSpc>
-                <a:spcPct val="100000"/>
-              </a:lnSpc>
-              <a:spcBef>
-                <a:spcPts val="0"/>
-              </a:spcBef>
-              <a:spcAft>
-                <a:spcPts val="0"/>
-              </a:spcAft>
-              <a:buClr>
-                <a:schemeClr val="accent1"/>
-              </a:buClr>
-              <a:buSzPct val="100000"/>
-              <a:buFontTx/>
-              <a:buChar char="-"/>
-              <a:tabLst/>
-              <a:defRPr/>
-            </a:pPr>
-            <a:r>
-              <a:rPr lang="en-US" dirty="0"/>
-              <a:t>explain the access to the different API groups &amp; objects within</a:t>
-            </a:r>
-          </a:p>
-          <a:p>
-            <a:pPr marL="645750" marR="0" lvl="2" indent="-285750" algn="l" defTabSz="1088776" rtl="0" eaLnBrk="1" fontAlgn="auto" latinLnBrk="0" hangingPunct="1">
-              <a:lnSpc>
-                <a:spcPct val="100000"/>
-              </a:lnSpc>
-              <a:spcBef>
-                <a:spcPts val="0"/>
-              </a:spcBef>
-              <a:spcAft>
-                <a:spcPts val="0"/>
-              </a:spcAft>
-              <a:buClr>
-                <a:schemeClr val="accent1"/>
-              </a:buClr>
-              <a:buSzPct val="100000"/>
-              <a:buFontTx/>
-              <a:buChar char="-"/>
-              <a:tabLst/>
-              <a:defRPr/>
-            </a:pPr>
-            <a:r>
-              <a:rPr lang="en-US" dirty="0"/>
-              <a:t>The role "pod-master" gives you full access to pods, read access to </a:t>
-            </a:r>
-            <a:r>
-              <a:rPr lang="en-US" dirty="0" err="1"/>
-              <a:t>configmaps</a:t>
-            </a:r>
-            <a:r>
-              <a:rPr lang="en-US" dirty="0"/>
-              <a:t> and no access to anything else</a:t>
-            </a:r>
-          </a:p>
-          <a:p>
-            <a:pPr marL="645750" marR="0" lvl="2" indent="-285750" algn="l" defTabSz="1088776" rtl="0" eaLnBrk="1" fontAlgn="auto" latinLnBrk="0" hangingPunct="1">
-              <a:lnSpc>
-                <a:spcPct val="100000"/>
-              </a:lnSpc>
-              <a:spcBef>
-                <a:spcPts val="0"/>
-              </a:spcBef>
-              <a:spcAft>
-                <a:spcPts val="0"/>
-              </a:spcAft>
-              <a:buClr>
-                <a:schemeClr val="accent1"/>
-              </a:buClr>
-              <a:buSzPct val="100000"/>
-              <a:buFontTx/>
-              <a:buChar char="-"/>
-              <a:tabLst/>
-              <a:defRPr/>
-            </a:pPr>
-            <a:r>
-              <a:rPr lang="en-US" dirty="0"/>
-              <a:t>the YAML creates a service account "pod-master"</a:t>
-            </a:r>
-          </a:p>
-          <a:p>
-            <a:pPr marL="645750" marR="0" lvl="2" indent="-285750" algn="l" defTabSz="1088776" rtl="0" eaLnBrk="1" fontAlgn="auto" latinLnBrk="0" hangingPunct="1">
-              <a:lnSpc>
-                <a:spcPct val="100000"/>
-              </a:lnSpc>
-              <a:spcBef>
-                <a:spcPts val="0"/>
-              </a:spcBef>
-              <a:spcAft>
-                <a:spcPts val="0"/>
-              </a:spcAft>
-              <a:buClr>
-                <a:schemeClr val="accent1"/>
-              </a:buClr>
-              <a:buSzPct val="100000"/>
-              <a:buFontTx/>
-              <a:buChar char="-"/>
-              <a:tabLst/>
-              <a:defRPr/>
-            </a:pPr>
-            <a:r>
-              <a:rPr lang="en-US" dirty="0"/>
-              <a:t>The role gets bound to the service account by the </a:t>
-            </a:r>
-            <a:r>
-              <a:rPr lang="en-US" dirty="0" err="1"/>
-              <a:t>rolebinding</a:t>
-            </a:r>
-            <a:r>
-              <a:rPr lang="en-US" dirty="0"/>
-              <a:t> "pod-master"</a:t>
-            </a:r>
-          </a:p>
-          <a:p>
-            <a:pPr marL="465750" lvl="1" indent="-285750">
-              <a:buFontTx/>
-              <a:buChar char="-"/>
-            </a:pPr>
-            <a:r>
-              <a:rPr lang="en-US" dirty="0"/>
-              <a:t>Before you switch the </a:t>
-            </a:r>
-            <a:r>
-              <a:rPr lang="en-US" dirty="0" err="1"/>
-              <a:t>kubeconfig</a:t>
-            </a:r>
-            <a:r>
-              <a:rPr lang="en-US" dirty="0"/>
-              <a:t> context, check, if the secret </a:t>
-            </a:r>
-            <a:r>
-              <a:rPr lang="en-US"/>
-              <a:t>“admin-access” </a:t>
-            </a:r>
-            <a:r>
-              <a:rPr lang="en-US" dirty="0"/>
-              <a:t>described in file 07c_demo_secret.yaml is present in your namespace. If not, re-create it (</a:t>
-            </a:r>
-            <a:r>
-              <a:rPr lang="en-US" dirty="0" err="1"/>
-              <a:t>kubectl</a:t>
-            </a:r>
-            <a:r>
-              <a:rPr lang="en-US" dirty="0"/>
-              <a:t> create –f 07c_demo_secret.yaml)</a:t>
-            </a:r>
-          </a:p>
-          <a:p>
-            <a:pPr marL="465750" lvl="1" indent="-285750">
-              <a:buFontTx/>
-              <a:buChar char="-"/>
-            </a:pPr>
-            <a:r>
-              <a:rPr lang="en-US" dirty="0"/>
-              <a:t>In the demo folder, run the script 11b_rbac-demo-shell.sh</a:t>
-            </a:r>
-          </a:p>
-          <a:p>
-            <a:pPr marL="645750" lvl="2" indent="-285750">
-              <a:buFontTx/>
-              <a:buChar char="-"/>
-            </a:pPr>
-            <a:r>
-              <a:rPr lang="en-US" dirty="0"/>
-              <a:t>This script will start a new shell with a temporary </a:t>
-            </a:r>
-            <a:r>
-              <a:rPr lang="en-US" dirty="0" err="1"/>
-              <a:t>kube.config</a:t>
-            </a:r>
-            <a:r>
-              <a:rPr lang="en-US" dirty="0"/>
-              <a:t> that accesses the cluster as service account pod-master</a:t>
-            </a:r>
-          </a:p>
-          <a:p>
-            <a:pPr marL="645750" lvl="2" indent="-285750">
-              <a:buFontTx/>
-              <a:buChar char="-"/>
-            </a:pPr>
-            <a:r>
-              <a:rPr lang="en-US" dirty="0"/>
-              <a:t>In this shell, try to get the running pods and the </a:t>
-            </a:r>
-            <a:r>
-              <a:rPr lang="en-US" dirty="0" err="1"/>
-              <a:t>configmaps</a:t>
-            </a:r>
-            <a:endParaRPr lang="en-US" dirty="0"/>
-          </a:p>
-          <a:p>
-            <a:pPr marL="645750" lvl="2" indent="-285750">
-              <a:buFontTx/>
-              <a:buChar char="-"/>
-            </a:pPr>
-            <a:r>
-              <a:rPr lang="en-US" dirty="0"/>
-              <a:t>Try to get the secrets</a:t>
-            </a:r>
-          </a:p>
-          <a:p>
-            <a:pPr marL="645750" lvl="2" indent="-285750">
-              <a:buFontTx/>
-              <a:buChar char="-"/>
-            </a:pPr>
-            <a:r>
-              <a:rPr lang="en-US" dirty="0"/>
-              <a:t>Create a pod using the secret “admin-access” with "</a:t>
-            </a:r>
-            <a:r>
-              <a:rPr lang="en-US" dirty="0" err="1"/>
-              <a:t>kubectl</a:t>
-            </a:r>
-            <a:r>
-              <a:rPr lang="en-US" dirty="0"/>
-              <a:t> create –f 07d_demo_pod_with_secret.yaml" and have a look at its logs to show that secrets are still visible from within the pod although we do not have access to the secrets through the role (potential security leak)</a:t>
-            </a:r>
-          </a:p>
-          <a:p>
-            <a:pPr marL="465750" lvl="1" indent="-285750">
-              <a:buFontTx/>
-              <a:buChar char="-"/>
-            </a:pPr>
-            <a:endParaRPr lang="en-US" dirty="0"/>
-          </a:p>
-          <a:p>
-            <a:pPr marL="285750" lvl="0" indent="-285750">
-              <a:buFontTx/>
-              <a:buChar char="-"/>
-            </a:pPr>
-            <a:r>
-              <a:rPr lang="en-US" dirty="0"/>
-              <a:t>Use the role binding "pod-master" and use </a:t>
-            </a:r>
-            <a:r>
-              <a:rPr lang="en-US" dirty="0" err="1"/>
-              <a:t>kubectl</a:t>
-            </a:r>
-            <a:r>
-              <a:rPr lang="en-US" dirty="0"/>
-              <a:t> </a:t>
-            </a:r>
-            <a:r>
-              <a:rPr lang="en-US" dirty="0" err="1"/>
-              <a:t>auth</a:t>
-            </a:r>
-            <a:r>
-              <a:rPr lang="en-US" dirty="0"/>
-              <a:t> can-</a:t>
-            </a:r>
-            <a:r>
-              <a:rPr lang="en-US" dirty="0" err="1"/>
-              <a:t>i</a:t>
-            </a:r>
-            <a:r>
-              <a:rPr lang="en-US" dirty="0"/>
-              <a:t> … to demo its function. </a:t>
-            </a:r>
-          </a:p>
-          <a:p>
-            <a:pPr marL="465750" lvl="1" indent="-285750">
-              <a:buFontTx/>
-              <a:buChar char="-"/>
-            </a:pPr>
-            <a:r>
-              <a:rPr lang="en-US" dirty="0" err="1"/>
-              <a:t>kubectl</a:t>
-            </a:r>
-            <a:r>
-              <a:rPr lang="en-US" dirty="0"/>
-              <a:t> </a:t>
-            </a:r>
-            <a:r>
-              <a:rPr lang="en-US" dirty="0" err="1"/>
-              <a:t>auth</a:t>
-            </a:r>
-            <a:r>
-              <a:rPr lang="en-US" dirty="0"/>
-              <a:t> can-</a:t>
-            </a:r>
-            <a:r>
-              <a:rPr lang="en-US" dirty="0" err="1"/>
-              <a:t>i</a:t>
-            </a:r>
-            <a:r>
-              <a:rPr lang="en-US" dirty="0"/>
-              <a:t> get nodes --as </a:t>
-            </a:r>
-            <a:r>
-              <a:rPr lang="en-US" dirty="0" err="1"/>
-              <a:t>system:serviceaccount:default:default</a:t>
-            </a:r>
-            <a:r>
-              <a:rPr lang="en-US" dirty="0"/>
-              <a:t>  </a:t>
-            </a:r>
-            <a:r>
-              <a:rPr lang="en-US" dirty="0">
-                <a:sym typeface="Wingdings" panose="05000000000000000000" pitchFamily="2" charset="2"/>
-              </a:rPr>
-              <a:t> expected result: no</a:t>
-            </a:r>
-            <a:endParaRPr lang="en-US" dirty="0"/>
-          </a:p>
-          <a:p>
-            <a:pPr marL="465750" lvl="1" indent="-285750">
-              <a:buFontTx/>
-              <a:buChar char="-"/>
-            </a:pPr>
-            <a:r>
-              <a:rPr lang="en-US" dirty="0" err="1"/>
-              <a:t>kubectl</a:t>
-            </a:r>
-            <a:r>
-              <a:rPr lang="en-US" dirty="0"/>
-              <a:t> </a:t>
-            </a:r>
-            <a:r>
-              <a:rPr lang="en-US" dirty="0" err="1"/>
-              <a:t>auth</a:t>
-            </a:r>
-            <a:r>
-              <a:rPr lang="en-US" dirty="0"/>
-              <a:t> can-</a:t>
-            </a:r>
-            <a:r>
-              <a:rPr lang="en-US" dirty="0" err="1"/>
-              <a:t>i</a:t>
-            </a:r>
-            <a:r>
-              <a:rPr lang="en-US" dirty="0"/>
-              <a:t> get nodes --as </a:t>
-            </a:r>
-            <a:r>
-              <a:rPr lang="en-US" dirty="0" err="1"/>
-              <a:t>system:serviceaccount:part</a:t>
-            </a:r>
-            <a:r>
-              <a:rPr lang="en-US" dirty="0"/>
-              <a:t>-&lt;id&gt;:default </a:t>
-            </a:r>
-            <a:r>
-              <a:rPr lang="en-US" dirty="0">
-                <a:sym typeface="Wingdings" panose="05000000000000000000" pitchFamily="2" charset="2"/>
-              </a:rPr>
-              <a:t> expected result: yes (due to the </a:t>
-            </a:r>
-            <a:r>
-              <a:rPr lang="en-US" dirty="0" err="1">
-                <a:sym typeface="Wingdings" panose="05000000000000000000" pitchFamily="2" charset="2"/>
-              </a:rPr>
-              <a:t>clusterrolebinding</a:t>
-            </a:r>
-            <a:r>
-              <a:rPr lang="en-US" dirty="0">
-                <a:sym typeface="Wingdings" panose="05000000000000000000" pitchFamily="2" charset="2"/>
-              </a:rPr>
-              <a:t>)</a:t>
-            </a:r>
-            <a:endParaRPr lang="en-US" dirty="0"/>
-          </a:p>
-          <a:p>
-            <a:pPr marL="285750" lvl="0" indent="-285750">
-              <a:buFontTx/>
-              <a:buChar char="-"/>
-            </a:pPr>
-            <a:endParaRPr lang="en-US" dirty="0"/>
+              <a:t>Secondly, you can specify certain security aspects, such as allowed capabilities, access to the underlying host or the user-IDs which are allowed in the context of the container.</a:t>
+            </a:r>
           </a:p>
         </p:txBody>
       </p:sp>
@@ -4832,7 +5373,7 @@
             <a:spLocks noGrp="1"/>
           </p:cNvSpPr>
           <p:nvPr>
-            <p:ph type="sldNum" sz="quarter" idx="10"/>
+            <p:ph type="sldNum" sz="quarter" idx="5"/>
           </p:nvPr>
         </p:nvSpPr>
         <p:spPr/>
@@ -4843,7 +5384,7 @@
             <a:fld id="{7D8C2C35-2B8A-446E-BEC0-FD36716C29AC}" type="slidenum">
               <a:rPr lang="de-DE" smtClean="0"/>
               <a:pPr/>
-              <a:t>6</a:t>
+              <a:t>8</a:t>
             </a:fld>
             <a:endParaRPr lang="de-DE" dirty="0"/>
           </a:p>
@@ -4852,7 +5393,7 @@
     </p:spTree>
     <p:extLst>
       <p:ext uri="{BB962C8B-B14F-4D97-AF65-F5344CB8AC3E}">
-        <p14:creationId xmlns:p14="http://schemas.microsoft.com/office/powerpoint/2010/main" val="2560076381"/>
+        <p14:creationId xmlns:p14="http://schemas.microsoft.com/office/powerpoint/2010/main" val="1691859022"/>
       </p:ext>
     </p:extLst>
   </p:cSld>
@@ -4906,6 +5447,273 @@
           <a:bodyPr/>
           <a:lstStyle/>
           <a:p>
+            <a:r>
+              <a:rPr lang="en-US" dirty="0"/>
+              <a:t>Resources are specified on container level. </a:t>
+            </a:r>
+          </a:p>
+          <a:p>
+            <a:endParaRPr lang="en-US" dirty="0"/>
+          </a:p>
+          <a:p>
+            <a:r>
+              <a:rPr lang="en-US" dirty="0"/>
+              <a:t>It is a very good practice to specify the limits as well as the “initial” requests for </a:t>
+            </a:r>
+            <a:r>
+              <a:rPr lang="en-US" dirty="0" err="1"/>
+              <a:t>cpu</a:t>
+            </a:r>
+            <a:r>
+              <a:rPr lang="en-US" dirty="0"/>
+              <a:t> and memory. Request information make scheduling a lot easier.</a:t>
+            </a:r>
+          </a:p>
+          <a:p>
+            <a:endParaRPr lang="en-US" dirty="0"/>
+          </a:p>
+          <a:p>
+            <a:r>
+              <a:rPr lang="en-US" dirty="0"/>
+              <a:t>CPU can be quantified as 1-n CPU (vCPU/</a:t>
+            </a:r>
+            <a:r>
+              <a:rPr lang="en-US" dirty="0" err="1"/>
+              <a:t>vCore</a:t>
+            </a:r>
+            <a:r>
+              <a:rPr lang="en-US" dirty="0"/>
+              <a:t> for cloud, </a:t>
+            </a:r>
+            <a:r>
+              <a:rPr lang="en-US" dirty="0" err="1"/>
+              <a:t>hyperthread</a:t>
+            </a:r>
+            <a:r>
+              <a:rPr lang="en-US" dirty="0"/>
+              <a:t> for bare-metal Intel processor) or a fraction of 1. Fractions are specified as in two different notations  0.25 (one quarter of a CPU) or 250m (250 </a:t>
+            </a:r>
+            <a:r>
+              <a:rPr lang="en-US" dirty="0" err="1"/>
+              <a:t>millicpu</a:t>
+            </a:r>
+            <a:r>
+              <a:rPr lang="en-US" dirty="0"/>
+              <a:t>), but both are understood as the same value.</a:t>
+            </a:r>
+          </a:p>
+          <a:p>
+            <a:endParaRPr lang="en-US" dirty="0"/>
+          </a:p>
+          <a:p>
+            <a:r>
+              <a:rPr lang="en-US" dirty="0"/>
+              <a:t>Memory is measured in bytes. It is possible to express it as integer, abbreviate with </a:t>
+            </a:r>
+            <a:r>
+              <a:rPr lang="de-DE" sz="1400" b="0" i="0" kern="1200" dirty="0">
+                <a:solidFill>
+                  <a:schemeClr val="tx1"/>
+                </a:solidFill>
+                <a:effectLst/>
+                <a:latin typeface="+mn-lt"/>
+                <a:ea typeface="+mn-ea"/>
+                <a:cs typeface="+mn-cs"/>
+              </a:rPr>
+              <a:t>E, P, T, G, M, K </a:t>
+            </a:r>
+            <a:r>
+              <a:rPr lang="de-DE" sz="1400" b="0" i="0" kern="1200" dirty="0" err="1">
+                <a:solidFill>
+                  <a:schemeClr val="tx1"/>
+                </a:solidFill>
+                <a:effectLst/>
+                <a:latin typeface="+mn-lt"/>
+                <a:ea typeface="+mn-ea"/>
+                <a:cs typeface="+mn-cs"/>
+              </a:rPr>
+              <a:t>or</a:t>
+            </a:r>
+            <a:r>
+              <a:rPr lang="de-DE" sz="1400" b="0" i="0" kern="1200" dirty="0">
+                <a:solidFill>
+                  <a:schemeClr val="tx1"/>
+                </a:solidFill>
+                <a:effectLst/>
+                <a:latin typeface="+mn-lt"/>
+                <a:ea typeface="+mn-ea"/>
+                <a:cs typeface="+mn-cs"/>
+              </a:rPr>
+              <a:t> </a:t>
+            </a:r>
+            <a:r>
+              <a:rPr lang="de-DE" sz="1400" b="0" i="0" kern="1200" dirty="0" err="1">
+                <a:solidFill>
+                  <a:schemeClr val="tx1"/>
+                </a:solidFill>
+                <a:effectLst/>
+                <a:latin typeface="+mn-lt"/>
+                <a:ea typeface="+mn-ea"/>
+                <a:cs typeface="+mn-cs"/>
+              </a:rPr>
+              <a:t>use</a:t>
+            </a:r>
+            <a:r>
+              <a:rPr lang="de-DE" sz="1400" b="0" i="0" kern="1200" dirty="0">
+                <a:solidFill>
+                  <a:schemeClr val="tx1"/>
+                </a:solidFill>
+                <a:effectLst/>
+                <a:latin typeface="+mn-lt"/>
+                <a:ea typeface="+mn-ea"/>
+                <a:cs typeface="+mn-cs"/>
+              </a:rPr>
+              <a:t> </a:t>
+            </a:r>
+            <a:r>
+              <a:rPr lang="de-DE" sz="1400" b="0" i="0" kern="1200" dirty="0" err="1">
+                <a:solidFill>
+                  <a:schemeClr val="tx1"/>
+                </a:solidFill>
+                <a:effectLst/>
+                <a:latin typeface="+mn-lt"/>
+                <a:ea typeface="+mn-ea"/>
+                <a:cs typeface="+mn-cs"/>
+              </a:rPr>
+              <a:t>the</a:t>
+            </a:r>
+            <a:r>
+              <a:rPr lang="de-DE" sz="1400" b="0" i="0" kern="1200" dirty="0">
+                <a:solidFill>
+                  <a:schemeClr val="tx1"/>
+                </a:solidFill>
+                <a:effectLst/>
+                <a:latin typeface="+mn-lt"/>
+                <a:ea typeface="+mn-ea"/>
+                <a:cs typeface="+mn-cs"/>
+              </a:rPr>
+              <a:t> power-</a:t>
+            </a:r>
+            <a:r>
+              <a:rPr lang="de-DE" sz="1400" b="0" i="0" kern="1200" dirty="0" err="1">
+                <a:solidFill>
+                  <a:schemeClr val="tx1"/>
+                </a:solidFill>
+                <a:effectLst/>
+                <a:latin typeface="+mn-lt"/>
+                <a:ea typeface="+mn-ea"/>
+                <a:cs typeface="+mn-cs"/>
+              </a:rPr>
+              <a:t>of</a:t>
+            </a:r>
+            <a:r>
+              <a:rPr lang="de-DE" sz="1400" b="0" i="0" kern="1200" dirty="0">
+                <a:solidFill>
+                  <a:schemeClr val="tx1"/>
+                </a:solidFill>
+                <a:effectLst/>
+                <a:latin typeface="+mn-lt"/>
+                <a:ea typeface="+mn-ea"/>
+                <a:cs typeface="+mn-cs"/>
+              </a:rPr>
+              <a:t>-</a:t>
+            </a:r>
+            <a:r>
+              <a:rPr lang="de-DE" sz="1400" b="0" i="0" kern="1200" dirty="0" err="1">
+                <a:solidFill>
+                  <a:schemeClr val="tx1"/>
+                </a:solidFill>
+                <a:effectLst/>
+                <a:latin typeface="+mn-lt"/>
+                <a:ea typeface="+mn-ea"/>
+                <a:cs typeface="+mn-cs"/>
+              </a:rPr>
+              <a:t>two</a:t>
+            </a:r>
+            <a:r>
+              <a:rPr lang="de-DE" sz="1400" b="0" i="0" kern="1200" dirty="0">
+                <a:solidFill>
+                  <a:schemeClr val="tx1"/>
+                </a:solidFill>
+                <a:effectLst/>
+                <a:latin typeface="+mn-lt"/>
+                <a:ea typeface="+mn-ea"/>
+                <a:cs typeface="+mn-cs"/>
+              </a:rPr>
+              <a:t> </a:t>
+            </a:r>
+            <a:r>
+              <a:rPr lang="de-DE" sz="1400" b="0" i="0" kern="1200" dirty="0" err="1">
+                <a:solidFill>
+                  <a:schemeClr val="tx1"/>
+                </a:solidFill>
+                <a:effectLst/>
+                <a:latin typeface="+mn-lt"/>
+                <a:ea typeface="+mn-ea"/>
+                <a:cs typeface="+mn-cs"/>
+              </a:rPr>
+              <a:t>equivalents</a:t>
+            </a:r>
+            <a:r>
+              <a:rPr lang="de-DE" sz="1400" b="0" i="0" kern="1200" dirty="0">
+                <a:solidFill>
+                  <a:schemeClr val="tx1"/>
+                </a:solidFill>
+                <a:effectLst/>
+                <a:latin typeface="+mn-lt"/>
+                <a:ea typeface="+mn-ea"/>
+                <a:cs typeface="+mn-cs"/>
+              </a:rPr>
+              <a:t> </a:t>
+            </a:r>
+            <a:r>
+              <a:rPr lang="en-US" sz="1400" b="0" i="0" kern="1200" dirty="0" err="1">
+                <a:solidFill>
+                  <a:schemeClr val="tx1"/>
+                </a:solidFill>
+                <a:effectLst/>
+                <a:latin typeface="+mn-lt"/>
+                <a:ea typeface="+mn-ea"/>
+                <a:cs typeface="+mn-cs"/>
+              </a:rPr>
+              <a:t>Ei</a:t>
+            </a:r>
+            <a:r>
+              <a:rPr lang="en-US" sz="1400" b="0" i="0" kern="1200" dirty="0">
+                <a:solidFill>
+                  <a:schemeClr val="tx1"/>
+                </a:solidFill>
+                <a:effectLst/>
+                <a:latin typeface="+mn-lt"/>
+                <a:ea typeface="+mn-ea"/>
+                <a:cs typeface="+mn-cs"/>
+              </a:rPr>
+              <a:t>, Pi, </a:t>
+            </a:r>
+            <a:r>
+              <a:rPr lang="en-US" sz="1400" b="0" i="0" kern="1200" dirty="0" err="1">
+                <a:solidFill>
+                  <a:schemeClr val="tx1"/>
+                </a:solidFill>
+                <a:effectLst/>
+                <a:latin typeface="+mn-lt"/>
+                <a:ea typeface="+mn-ea"/>
+                <a:cs typeface="+mn-cs"/>
+              </a:rPr>
+              <a:t>Ti</a:t>
+            </a:r>
+            <a:r>
+              <a:rPr lang="en-US" sz="1400" b="0" i="0" kern="1200" dirty="0">
+                <a:solidFill>
+                  <a:schemeClr val="tx1"/>
+                </a:solidFill>
+                <a:effectLst/>
+                <a:latin typeface="+mn-lt"/>
+                <a:ea typeface="+mn-ea"/>
+                <a:cs typeface="+mn-cs"/>
+              </a:rPr>
+              <a:t>, Gi, Mi, Ki</a:t>
+            </a:r>
             <a:endParaRPr lang="en-US" dirty="0"/>
           </a:p>
         </p:txBody>
@@ -4917,7 +5725,7 @@
             <a:spLocks noGrp="1"/>
           </p:cNvSpPr>
           <p:nvPr>
-            <p:ph type="sldNum" sz="quarter" idx="10"/>
+            <p:ph type="sldNum" sz="quarter" idx="5"/>
           </p:nvPr>
         </p:nvSpPr>
         <p:spPr/>
@@ -4926,18 +5734,18 @@
           <a:lstStyle/>
           <a:p>
             <a:fld id="{7D8C2C35-2B8A-446E-BEC0-FD36716C29AC}" type="slidenum">
-              <a:rPr lang="en-US" smtClean="0"/>
+              <a:rPr lang="de-DE" smtClean="0"/>
               <a:pPr/>
-              <a:t>7</a:t>
+              <a:t>9</a:t>
             </a:fld>
-            <a:endParaRPr lang="en-US" dirty="0"/>
+            <a:endParaRPr lang="de-DE" dirty="0"/>
           </a:p>
         </p:txBody>
       </p:sp>
     </p:spTree>
     <p:extLst>
       <p:ext uri="{BB962C8B-B14F-4D97-AF65-F5344CB8AC3E}">
-        <p14:creationId xmlns:p14="http://schemas.microsoft.com/office/powerpoint/2010/main" val="2873814892"/>
+        <p14:creationId xmlns:p14="http://schemas.microsoft.com/office/powerpoint/2010/main" val="3186594615"/>
       </p:ext>
     </p:extLst>
   </p:cSld>
@@ -4988,12 +5796,14 @@
         </p:nvSpPr>
         <p:spPr/>
         <p:txBody>
-          <a:bodyPr/>
+          <a:bodyPr>
+            <a:normAutofit fontScale="92500" lnSpcReduction="10000"/>
+          </a:bodyPr>
           <a:lstStyle/>
           <a:p>
             <a:r>
               <a:rPr lang="en-US" dirty="0"/>
-              <a:t>The pod &amp; container spec provide several options to prevent security issues.</a:t>
+              <a:t>On pod as well as container spec level you have certain parameter to prevent or provoke security incidents.</a:t>
             </a:r>
           </a:p>
           <a:p>
@@ -5002,16 +5812,200 @@
           <a:p>
             <a:r>
               <a:rPr lang="en-US" dirty="0"/>
-              <a:t>Firstly, it is possible to limit the resource consumption of each container. This way it is not possible to consume all the resources of a host.</a:t>
-            </a:r>
-          </a:p>
-          <a:p>
+              <a:t>It is possible to grant host access in different ways – all of these may provoke security incidents:</a:t>
+            </a:r>
+          </a:p>
+          <a:p>
+            <a:pPr marL="285750" indent="-285750">
+              <a:buFontTx/>
+              <a:buChar char="-"/>
+            </a:pPr>
+            <a:r>
+              <a:rPr lang="en-US" dirty="0"/>
+              <a:t>Mount the host’s file system (</a:t>
+            </a:r>
+            <a:r>
+              <a:rPr lang="en-US" dirty="0" err="1"/>
+              <a:t>inkl</a:t>
+            </a:r>
+            <a:r>
+              <a:rPr lang="en-US" dirty="0"/>
+              <a:t>. a mount of the root file system “/”)</a:t>
+            </a:r>
+          </a:p>
+          <a:p>
+            <a:pPr marL="285750" indent="-285750">
+              <a:buFontTx/>
+              <a:buChar char="-"/>
+            </a:pPr>
+            <a:r>
+              <a:rPr lang="en-US" dirty="0"/>
+              <a:t>Join the host’s IPC namespace</a:t>
+            </a:r>
+          </a:p>
+          <a:p>
+            <a:pPr marL="285750" indent="-285750">
+              <a:buFontTx/>
+              <a:buChar char="-"/>
+            </a:pPr>
+            <a:r>
+              <a:rPr lang="en-US" dirty="0"/>
+              <a:t>Use the host’s network directly instead of an isolated network namespace</a:t>
+            </a:r>
+          </a:p>
+          <a:p>
+            <a:pPr marL="285750" indent="-285750">
+              <a:buFontTx/>
+              <a:buChar char="-"/>
+            </a:pPr>
+            <a:r>
+              <a:rPr lang="en-US" dirty="0"/>
+              <a:t>Run with user ID 0 (root)</a:t>
+            </a:r>
+          </a:p>
+          <a:p>
+            <a:pPr marL="285750" indent="-285750">
+              <a:buFontTx/>
+              <a:buChar char="-"/>
+            </a:pPr>
+            <a:r>
+              <a:rPr lang="en-US" dirty="0"/>
+              <a:t>Allow child processes to gain more privileges than their parent process (escalation)</a:t>
+            </a:r>
+          </a:p>
+          <a:p>
+            <a:pPr marL="285750" indent="-285750">
+              <a:buFontTx/>
+              <a:buChar char="-"/>
+            </a:pPr>
+            <a:r>
+              <a:rPr lang="en-US" dirty="0"/>
+              <a:t>Add capabilities (like SYS_ADMIN) or alter </a:t>
+            </a:r>
+            <a:r>
+              <a:rPr lang="en-US" dirty="0" err="1"/>
+              <a:t>seccomp</a:t>
+            </a:r>
+            <a:r>
+              <a:rPr lang="en-US" dirty="0"/>
+              <a:t> / </a:t>
+            </a:r>
+            <a:r>
+              <a:rPr lang="en-US" dirty="0" err="1"/>
+              <a:t>seLinux</a:t>
+            </a:r>
+            <a:r>
+              <a:rPr lang="en-US" dirty="0"/>
+              <a:t> profiles to allow dangerous system calls / access to the kernel</a:t>
+            </a:r>
+          </a:p>
+          <a:p>
+            <a:pPr marL="285750" indent="-285750">
+              <a:buFontTx/>
+              <a:buChar char="-"/>
+            </a:pPr>
             <a:endParaRPr lang="en-US" dirty="0"/>
           </a:p>
           <a:p>
+            <a:pPr marL="0" indent="0">
+              <a:buFontTx/>
+              <a:buNone/>
+            </a:pPr>
             <a:r>
               <a:rPr lang="en-US" dirty="0"/>
-              <a:t>Secondly, you can specify certain security aspects, such as allowed capabilities, access to the underlying host or the user-IDs which are allowed in the context of the container.</a:t>
+              <a:t>Of course these switches can be used to restrain a process:</a:t>
+            </a:r>
+          </a:p>
+          <a:p>
+            <a:pPr marL="285750" indent="-285750">
+              <a:buFontTx/>
+              <a:buChar char="-"/>
+            </a:pPr>
+            <a:r>
+              <a:rPr lang="en-US" dirty="0"/>
+              <a:t>Run with a different user ID than 0 within the container (“</a:t>
+            </a:r>
+            <a:r>
+              <a:rPr lang="en-US" dirty="0" err="1"/>
+              <a:t>runAsNonRoot</a:t>
+            </a:r>
+            <a:r>
+              <a:rPr lang="en-US" dirty="0"/>
+              <a:t>” / “</a:t>
+            </a:r>
+            <a:r>
+              <a:rPr lang="en-US" dirty="0" err="1"/>
+              <a:t>runAsUser</a:t>
+            </a:r>
+            <a:r>
+              <a:rPr lang="en-US" dirty="0"/>
+              <a:t>”)</a:t>
+            </a:r>
+          </a:p>
+          <a:p>
+            <a:pPr marL="285750" indent="-285750">
+              <a:buFontTx/>
+              <a:buChar char="-"/>
+            </a:pPr>
+            <a:r>
+              <a:rPr lang="en-US" dirty="0"/>
+              <a:t>Drop all capabilities &amp; apply a strict set of </a:t>
+            </a:r>
+            <a:r>
+              <a:rPr lang="en-US" dirty="0" err="1"/>
+              <a:t>seccomp</a:t>
+            </a:r>
+            <a:r>
+              <a:rPr lang="en-US" dirty="0"/>
+              <a:t> / </a:t>
+            </a:r>
+            <a:r>
+              <a:rPr lang="en-US" dirty="0" err="1"/>
+              <a:t>seLinx</a:t>
+            </a:r>
+            <a:r>
+              <a:rPr lang="en-US" dirty="0"/>
+              <a:t> rules</a:t>
+            </a:r>
+          </a:p>
+          <a:p>
+            <a:pPr marL="285750" indent="-285750">
+              <a:buFontTx/>
+              <a:buChar char="-"/>
+            </a:pPr>
+            <a:r>
+              <a:rPr lang="en-US" dirty="0"/>
+              <a:t>Switch the container root filesystem to read- only (makes it harder to install something with apt-install)</a:t>
+            </a:r>
+          </a:p>
+          <a:p>
+            <a:pPr marL="285750" indent="-285750">
+              <a:buFontTx/>
+              <a:buChar char="-"/>
+            </a:pPr>
+            <a:r>
+              <a:rPr lang="en-US" dirty="0"/>
+              <a:t>Mount file systems (like </a:t>
+            </a:r>
+            <a:r>
+              <a:rPr lang="en-US" dirty="0" err="1"/>
+              <a:t>pvc</a:t>
+            </a:r>
+            <a:r>
+              <a:rPr lang="en-US" dirty="0"/>
+              <a:t>) with a specific group ID (ideally != 0)</a:t>
+            </a:r>
+          </a:p>
+          <a:p>
+            <a:endParaRPr lang="en-US" dirty="0"/>
+          </a:p>
+          <a:p>
+            <a:endParaRPr lang="en-US" dirty="0"/>
+          </a:p>
+          <a:p>
+            <a:r>
+              <a:rPr lang="en-US" dirty="0"/>
+              <a:t> </a:t>
             </a:r>
           </a:p>
         </p:txBody>
@@ -5034,7 +6028,7 @@
             <a:fld id="{7D8C2C35-2B8A-446E-BEC0-FD36716C29AC}" type="slidenum">
               <a:rPr lang="de-DE" smtClean="0"/>
               <a:pPr/>
-              <a:t>8</a:t>
+              <a:t>10</a:t>
             </a:fld>
             <a:endParaRPr lang="de-DE" dirty="0"/>
           </a:p>
@@ -5043,7 +6037,7 @@
     </p:spTree>
     <p:extLst>
       <p:ext uri="{BB962C8B-B14F-4D97-AF65-F5344CB8AC3E}">
-        <p14:creationId xmlns:p14="http://schemas.microsoft.com/office/powerpoint/2010/main" val="1691859022"/>
+        <p14:creationId xmlns:p14="http://schemas.microsoft.com/office/powerpoint/2010/main" val="273818699"/>
       </p:ext>
     </p:extLst>
   </p:cSld>
@@ -5099,7 +6093,15 @@
           <a:p>
             <a:r>
               <a:rPr lang="en-US" dirty="0"/>
-              <a:t>Resources are specified on container level. </a:t>
+              <a:t>Forking tons of new processes can bring down a host easily. To prevent such an attack being driven from within a pod, limiting the number of processes allowed per process group / </a:t>
+            </a:r>
+            <a:r>
+              <a:rPr lang="en-US" dirty="0" err="1"/>
+              <a:t>cgroup</a:t>
+            </a:r>
+            <a:r>
+              <a:rPr lang="en-US" dirty="0"/>
+              <a:t> is very important. </a:t>
             </a:r>
           </a:p>
           <a:p>
@@ -5108,263 +6110,16 @@
           <a:p>
             <a:r>
               <a:rPr lang="en-US" dirty="0"/>
-              <a:t>It is a very good practice to specify the limits as well as the “initial” requests for </a:t>
+              <a:t>Unfortunately the current implementation is only in alpha stage and implemented on </a:t>
             </a:r>
             <a:r>
               <a:rPr lang="en-US" dirty="0" err="1"/>
-              <a:t>cpu</a:t>
+              <a:t>kubelet</a:t>
             </a:r>
             <a:r>
               <a:rPr lang="en-US" dirty="0"/>
-              <a:t> and memory. Request information make scheduling a lot easier.</a:t>
-            </a:r>
-          </a:p>
-          <a:p>
-            <a:endParaRPr lang="en-US" dirty="0"/>
-          </a:p>
-          <a:p>
-            <a:r>
-              <a:rPr lang="en-US" dirty="0"/>
-              <a:t>CPU can be quantified as 1-n CPU (vCPU/</a:t>
-            </a:r>
-            <a:r>
-              <a:rPr lang="en-US" dirty="0" err="1"/>
-              <a:t>vCore</a:t>
-            </a:r>
-            <a:r>
-              <a:rPr lang="en-US" dirty="0"/>
-              <a:t> for cloud, </a:t>
-            </a:r>
-            <a:r>
-              <a:rPr lang="en-US" dirty="0" err="1"/>
-              <a:t>hyperthread</a:t>
-            </a:r>
-            <a:r>
-              <a:rPr lang="en-US" dirty="0"/>
-              <a:t> for bare-metal Intel processor) or a fraction of 1. Fractions are specified as in two different notations  0.25 (one quarter of a CPU) or 250m (250 </a:t>
-            </a:r>
-            <a:r>
-              <a:rPr lang="en-US" dirty="0" err="1"/>
-              <a:t>millicpu</a:t>
-            </a:r>
-            <a:r>
-              <a:rPr lang="en-US" dirty="0"/>
-              <a:t>), but both are understood as the same value.</a:t>
-            </a:r>
-          </a:p>
-          <a:p>
-            <a:endParaRPr lang="en-US" dirty="0"/>
-          </a:p>
-          <a:p>
-            <a:r>
-              <a:rPr lang="en-US" dirty="0"/>
-              <a:t>Memory is measured in bytes. It is possible to express it as integer, abbreviate with </a:t>
-            </a:r>
-            <a:r>
-              <a:rPr lang="de-DE" sz="1400" b="0" i="0" kern="1200" dirty="0">
-                <a:solidFill>
-                  <a:schemeClr val="tx1"/>
-                </a:solidFill>
-                <a:effectLst/>
-                <a:latin typeface="+mn-lt"/>
-                <a:ea typeface="+mn-ea"/>
-                <a:cs typeface="+mn-cs"/>
-              </a:rPr>
-              <a:t>E, P, T, G, M, K </a:t>
-            </a:r>
-            <a:r>
-              <a:rPr lang="de-DE" sz="1400" b="0" i="0" kern="1200" dirty="0" err="1">
-                <a:solidFill>
-                  <a:schemeClr val="tx1"/>
-                </a:solidFill>
-                <a:effectLst/>
-                <a:latin typeface="+mn-lt"/>
-                <a:ea typeface="+mn-ea"/>
-                <a:cs typeface="+mn-cs"/>
-              </a:rPr>
-              <a:t>or</a:t>
-            </a:r>
-            <a:r>
-              <a:rPr lang="de-DE" sz="1400" b="0" i="0" kern="1200" dirty="0">
-                <a:solidFill>
-                  <a:schemeClr val="tx1"/>
-                </a:solidFill>
-                <a:effectLst/>
-                <a:latin typeface="+mn-lt"/>
-                <a:ea typeface="+mn-ea"/>
-                <a:cs typeface="+mn-cs"/>
-              </a:rPr>
-              <a:t> </a:t>
-            </a:r>
-            <a:r>
-              <a:rPr lang="de-DE" sz="1400" b="0" i="0" kern="1200" dirty="0" err="1">
-                <a:solidFill>
-                  <a:schemeClr val="tx1"/>
-                </a:solidFill>
-                <a:effectLst/>
-                <a:latin typeface="+mn-lt"/>
-                <a:ea typeface="+mn-ea"/>
-                <a:cs typeface="+mn-cs"/>
-              </a:rPr>
-              <a:t>use</a:t>
-            </a:r>
-            <a:r>
-              <a:rPr lang="de-DE" sz="1400" b="0" i="0" kern="1200" dirty="0">
-                <a:solidFill>
-                  <a:schemeClr val="tx1"/>
-                </a:solidFill>
-                <a:effectLst/>
-                <a:latin typeface="+mn-lt"/>
-                <a:ea typeface="+mn-ea"/>
-                <a:cs typeface="+mn-cs"/>
-              </a:rPr>
-              <a:t> </a:t>
-            </a:r>
-            <a:r>
-              <a:rPr lang="de-DE" sz="1400" b="0" i="0" kern="1200" dirty="0" err="1">
-                <a:solidFill>
-                  <a:schemeClr val="tx1"/>
-                </a:solidFill>
-                <a:effectLst/>
-                <a:latin typeface="+mn-lt"/>
-                <a:ea typeface="+mn-ea"/>
-                <a:cs typeface="+mn-cs"/>
-              </a:rPr>
-              <a:t>the</a:t>
-            </a:r>
-            <a:r>
-              <a:rPr lang="de-DE" sz="1400" b="0" i="0" kern="1200" dirty="0">
-                <a:solidFill>
-                  <a:schemeClr val="tx1"/>
-                </a:solidFill>
-                <a:effectLst/>
-                <a:latin typeface="+mn-lt"/>
-                <a:ea typeface="+mn-ea"/>
-                <a:cs typeface="+mn-cs"/>
-              </a:rPr>
-              <a:t> power-</a:t>
-            </a:r>
-            <a:r>
-              <a:rPr lang="de-DE" sz="1400" b="0" i="0" kern="1200" dirty="0" err="1">
-                <a:solidFill>
-                  <a:schemeClr val="tx1"/>
-                </a:solidFill>
-                <a:effectLst/>
-                <a:latin typeface="+mn-lt"/>
-                <a:ea typeface="+mn-ea"/>
-                <a:cs typeface="+mn-cs"/>
-              </a:rPr>
-              <a:t>of</a:t>
-            </a:r>
-            <a:r>
-              <a:rPr lang="de-DE" sz="1400" b="0" i="0" kern="1200" dirty="0">
-                <a:solidFill>
-                  <a:schemeClr val="tx1"/>
-                </a:solidFill>
-                <a:effectLst/>
-                <a:latin typeface="+mn-lt"/>
-                <a:ea typeface="+mn-ea"/>
-                <a:cs typeface="+mn-cs"/>
-              </a:rPr>
-              <a:t>-</a:t>
-            </a:r>
-            <a:r>
-              <a:rPr lang="de-DE" sz="1400" b="0" i="0" kern="1200" dirty="0" err="1">
-                <a:solidFill>
-                  <a:schemeClr val="tx1"/>
-                </a:solidFill>
-                <a:effectLst/>
-                <a:latin typeface="+mn-lt"/>
-                <a:ea typeface="+mn-ea"/>
-                <a:cs typeface="+mn-cs"/>
-              </a:rPr>
-              <a:t>two</a:t>
-            </a:r>
-            <a:r>
-              <a:rPr lang="de-DE" sz="1400" b="0" i="0" kern="1200" dirty="0">
-                <a:solidFill>
-                  <a:schemeClr val="tx1"/>
-                </a:solidFill>
-                <a:effectLst/>
-                <a:latin typeface="+mn-lt"/>
-                <a:ea typeface="+mn-ea"/>
-                <a:cs typeface="+mn-cs"/>
-              </a:rPr>
-              <a:t> </a:t>
-            </a:r>
-            <a:r>
-              <a:rPr lang="de-DE" sz="1400" b="0" i="0" kern="1200" dirty="0" err="1">
-                <a:solidFill>
-                  <a:schemeClr val="tx1"/>
-                </a:solidFill>
-                <a:effectLst/>
-                <a:latin typeface="+mn-lt"/>
-                <a:ea typeface="+mn-ea"/>
-                <a:cs typeface="+mn-cs"/>
-              </a:rPr>
-              <a:t>equivalents</a:t>
-            </a:r>
-            <a:r>
-              <a:rPr lang="de-DE" sz="1400" b="0" i="0" kern="1200" dirty="0">
-                <a:solidFill>
-                  <a:schemeClr val="tx1"/>
-                </a:solidFill>
-                <a:effectLst/>
-                <a:latin typeface="+mn-lt"/>
-                <a:ea typeface="+mn-ea"/>
-                <a:cs typeface="+mn-cs"/>
-              </a:rPr>
-              <a:t> </a:t>
-            </a:r>
-            <a:r>
-              <a:rPr lang="en-US" sz="1400" b="0" i="0" kern="1200" dirty="0" err="1">
-                <a:solidFill>
-                  <a:schemeClr val="tx1"/>
-                </a:solidFill>
-                <a:effectLst/>
-                <a:latin typeface="+mn-lt"/>
-                <a:ea typeface="+mn-ea"/>
-                <a:cs typeface="+mn-cs"/>
-              </a:rPr>
-              <a:t>Ei</a:t>
-            </a:r>
-            <a:r>
-              <a:rPr lang="en-US" sz="1400" b="0" i="0" kern="1200" dirty="0">
-                <a:solidFill>
-                  <a:schemeClr val="tx1"/>
-                </a:solidFill>
-                <a:effectLst/>
-                <a:latin typeface="+mn-lt"/>
-                <a:ea typeface="+mn-ea"/>
-                <a:cs typeface="+mn-cs"/>
-              </a:rPr>
-              <a:t>, Pi, </a:t>
-            </a:r>
-            <a:r>
-              <a:rPr lang="en-US" sz="1400" b="0" i="0" kern="1200" dirty="0" err="1">
-                <a:solidFill>
-                  <a:schemeClr val="tx1"/>
-                </a:solidFill>
-                <a:effectLst/>
-                <a:latin typeface="+mn-lt"/>
-                <a:ea typeface="+mn-ea"/>
-                <a:cs typeface="+mn-cs"/>
-              </a:rPr>
-              <a:t>Ti</a:t>
-            </a:r>
-            <a:r>
-              <a:rPr lang="en-US" sz="1400" b="0" i="0" kern="1200" dirty="0">
-                <a:solidFill>
-                  <a:schemeClr val="tx1"/>
-                </a:solidFill>
-                <a:effectLst/>
-                <a:latin typeface="+mn-lt"/>
-                <a:ea typeface="+mn-ea"/>
-                <a:cs typeface="+mn-cs"/>
-              </a:rPr>
-              <a:t>, Gi, Mi, Ki</a:t>
-            </a:r>
-            <a:endParaRPr lang="en-US" dirty="0"/>
+              <a:t> level. </a:t>
+            </a:r>
           </a:p>
         </p:txBody>
       </p:sp>
@@ -5386,7 +6141,7 @@
             <a:fld id="{7D8C2C35-2B8A-446E-BEC0-FD36716C29AC}" type="slidenum">
               <a:rPr lang="de-DE" smtClean="0"/>
               <a:pPr/>
-              <a:t>9</a:t>
+              <a:t>11</a:t>
             </a:fld>
             <a:endParaRPr lang="de-DE" dirty="0"/>
           </a:p>
@@ -5395,7 +6150,7 @@
     </p:spTree>
     <p:extLst>
       <p:ext uri="{BB962C8B-B14F-4D97-AF65-F5344CB8AC3E}">
-        <p14:creationId xmlns:p14="http://schemas.microsoft.com/office/powerpoint/2010/main" val="3186594615"/>
+        <p14:creationId xmlns:p14="http://schemas.microsoft.com/office/powerpoint/2010/main" val="1647445843"/>
       </p:ext>
     </p:extLst>
   </p:cSld>
@@ -18794,32 +19549,32 @@
       </p:pic>
       <p:pic>
         <p:nvPicPr>
-          <p:cNvPr id="7" name="Illustration" descr="Example of an illustration" title="Illustration for title slide">
+          <p:cNvPr id="8" name="Picture 7">
             <a:extLst>
               <a:ext uri="{FF2B5EF4-FFF2-40B4-BE49-F238E27FC236}">
-                <a16:creationId xmlns:a16="http://schemas.microsoft.com/office/drawing/2014/main" id="{195BD3AD-0485-46D2-AEE5-17D39F99CC8F}"/>
+                <a16:creationId xmlns:a16="http://schemas.microsoft.com/office/drawing/2014/main" id="{F761BA4D-6949-49CB-8BE7-6A87C6801E45}"/>
               </a:ext>
             </a:extLst>
           </p:cNvPr>
           <p:cNvPicPr>
-            <a:picLocks noGrp="1" noChangeAspect="1"/>
+            <a:picLocks noChangeAspect="1"/>
           </p:cNvPicPr>
-          <p:nvPr>
-            <p:ph type="pic" sz="quarter" idx="12"/>
-          </p:nvPr>
+          <p:nvPr/>
         </p:nvPicPr>
         <p:blipFill>
           <a:blip r:embed="rId4"/>
-          <a:srcRect t="3112" b="3112"/>
           <a:stretch>
             <a:fillRect/>
           </a:stretch>
         </p:blipFill>
-        <p:spPr bwMode="gray">
+        <p:spPr>
           <a:xfrm>
-            <a:off x="1" y="0"/>
-            <a:ext cx="12195174" cy="3430006"/>
+            <a:off x="3855582" y="537617"/>
+            <a:ext cx="4484009" cy="4484009"/>
           </a:xfrm>
+          <a:prstGeom prst="rect">
+            <a:avLst/>
+          </a:prstGeom>
         </p:spPr>
       </p:pic>
     </p:spTree>
@@ -19964,12 +20719,18 @@
       </p:grpSpPr>
       <p:sp>
         <p:nvSpPr>
-          <p:cNvPr id="5" name="Text Placeholder 4"/>
+          <p:cNvPr id="2" name="Title 1">
+            <a:extLst>
+              <a:ext uri="{FF2B5EF4-FFF2-40B4-BE49-F238E27FC236}">
+                <a16:creationId xmlns:a16="http://schemas.microsoft.com/office/drawing/2014/main" id="{B720FA0B-D4CC-427B-A49C-CDA36115C6D6}"/>
+              </a:ext>
+            </a:extLst>
+          </p:cNvPr>
           <p:cNvSpPr>
             <a:spLocks noGrp="1"/>
           </p:cNvSpPr>
           <p:nvPr>
-            <p:ph type="body" sz="quarter" idx="14"/>
+            <p:ph type="title"/>
           </p:nvPr>
         </p:nvSpPr>
         <p:spPr/>
@@ -19979,116 +20740,271 @@
           <a:p>
             <a:r>
               <a:rPr lang="en-US" dirty="0"/>
-              <a:t>Kubernetes</a:t>
-            </a:r>
-            <a:br>
-              <a:rPr lang="en-US" dirty="0"/>
-            </a:br>
-            <a:r>
-              <a:rPr lang="en-US" dirty="0">
-                <a:solidFill>
-                  <a:schemeClr val="accent1"/>
-                </a:solidFill>
-              </a:rPr>
-              <a:t>Policies</a:t>
+              <a:t>PID Limits (alpha feature)</a:t>
+            </a:r>
+          </a:p>
+        </p:txBody>
+      </p:sp>
+      <p:sp>
+        <p:nvSpPr>
+          <p:cNvPr id="4" name="Rectangle 3">
+            <a:extLst>
+              <a:ext uri="{FF2B5EF4-FFF2-40B4-BE49-F238E27FC236}">
+                <a16:creationId xmlns:a16="http://schemas.microsoft.com/office/drawing/2014/main" id="{7C9D8882-D8EE-4FA1-B0BD-FD6CC007D287}"/>
+              </a:ext>
+            </a:extLst>
+          </p:cNvPr>
+          <p:cNvSpPr/>
+          <p:nvPr/>
+        </p:nvSpPr>
+        <p:spPr>
+          <a:xfrm>
+            <a:off x="320159" y="5863579"/>
+            <a:ext cx="5843636" cy="369332"/>
+          </a:xfrm>
+          <a:prstGeom prst="rect">
+            <a:avLst/>
+          </a:prstGeom>
+        </p:spPr>
+        <p:txBody>
+          <a:bodyPr wrap="square">
+            <a:spAutoFit/>
+          </a:bodyPr>
+          <a:lstStyle/>
+          <a:p>
+            <a:pPr algn="ctr"/>
+            <a:r>
+              <a:rPr lang="en-US" sz="1800" dirty="0">
+                <a:hlinkClick r:id="rId3"/>
+              </a:rPr>
+              <a:t>https://github.com/kubernetes/kubernetes/issues/43783</a:t>
+            </a:r>
+            <a:r>
+              <a:rPr lang="en-US" sz="1800" dirty="0"/>
+              <a:t> </a:t>
             </a:r>
           </a:p>
         </p:txBody>
       </p:sp>
       <p:pic>
         <p:nvPicPr>
-          <p:cNvPr id="4" name="Picture 3" descr="cid:image003.png@01D31CC6.A08B1C50">
+          <p:cNvPr id="6" name="Picture 5">
             <a:extLst>
               <a:ext uri="{FF2B5EF4-FFF2-40B4-BE49-F238E27FC236}">
-                <a16:creationId xmlns:a16="http://schemas.microsoft.com/office/drawing/2014/main" id="{CE860390-F50F-48A8-AA1A-AE0217946FC1}"/>
+                <a16:creationId xmlns:a16="http://schemas.microsoft.com/office/drawing/2014/main" id="{392FB935-CC64-4CFB-9C8B-AF6D88C10DD7}"/>
               </a:ext>
             </a:extLst>
           </p:cNvPr>
           <p:cNvPicPr>
-            <a:picLocks noChangeAspect="1" noChangeArrowheads="1"/>
+            <a:picLocks noChangeAspect="1"/>
           </p:cNvPicPr>
           <p:nvPr/>
         </p:nvPicPr>
         <p:blipFill>
-          <a:blip r:embed="rId3">
-            <a:extLst>
-              <a:ext uri="{28A0092B-C50C-407E-A947-70E740481C1C}">
-                <a14:useLocalDpi xmlns:a14="http://schemas.microsoft.com/office/drawing/2010/main" val="0"/>
-              </a:ext>
-            </a:extLst>
-          </a:blip>
-          <a:srcRect/>
+          <a:blip r:embed="rId4"/>
           <a:stretch>
             <a:fillRect/>
           </a:stretch>
         </p:blipFill>
-        <p:spPr bwMode="auto">
+        <p:spPr>
           <a:xfrm>
-            <a:off x="10780712" y="5721975"/>
-            <a:ext cx="1414463" cy="1136025"/>
+            <a:off x="698923" y="1258179"/>
+            <a:ext cx="5095821" cy="5095821"/>
           </a:xfrm>
           <a:prstGeom prst="rect">
             <a:avLst/>
           </a:prstGeom>
-          <a:noFill/>
-          <a:ln>
-            <a:noFill/>
-          </a:ln>
-          <a:extLst>
-            <a:ext uri="{909E8E84-426E-40DD-AFC4-6F175D3DCCD1}">
-              <a14:hiddenFill xmlns:a14="http://schemas.microsoft.com/office/drawing/2010/main">
-                <a:solidFill>
-                  <a:srgbClr val="FFFFFF"/>
-                </a:solidFill>
-              </a14:hiddenFill>
-            </a:ext>
-            <a:ext uri="{91240B29-F687-4F45-9708-019B960494DF}">
-              <a14:hiddenLine xmlns:a14="http://schemas.microsoft.com/office/drawing/2010/main" w="9525">
-                <a:solidFill>
-                  <a:srgbClr val="000000"/>
-                </a:solidFill>
-                <a:miter lim="800000"/>
-                <a:headEnd/>
-                <a:tailEnd/>
-              </a14:hiddenLine>
-            </a:ext>
-          </a:extLst>
         </p:spPr>
       </p:pic>
-      <p:pic>
-        <p:nvPicPr>
-          <p:cNvPr id="7" name="Illustration" descr="Example of an illustration" title="Illustration for title slide">
+      <p:sp>
+        <p:nvSpPr>
+          <p:cNvPr id="8" name="Speech Bubble: Rectangle 7">
             <a:extLst>
               <a:ext uri="{FF2B5EF4-FFF2-40B4-BE49-F238E27FC236}">
-                <a16:creationId xmlns:a16="http://schemas.microsoft.com/office/drawing/2014/main" id="{22F2E50F-EBB2-47D2-B872-FA5012B3343A}"/>
+                <a16:creationId xmlns:a16="http://schemas.microsoft.com/office/drawing/2014/main" id="{B728340A-3D88-453B-9AE3-8AD3F336C46D}"/>
               </a:ext>
             </a:extLst>
           </p:cNvPr>
-          <p:cNvPicPr>
-            <a:picLocks noGrp="1" noChangeAspect="1"/>
-          </p:cNvPicPr>
-          <p:nvPr>
-            <p:ph type="pic" sz="quarter" idx="12"/>
-          </p:nvPr>
-        </p:nvPicPr>
-        <p:blipFill>
-          <a:blip r:embed="rId4"/>
-          <a:srcRect t="3112" b="3112"/>
-          <a:stretch>
-            <a:fillRect/>
-          </a:stretch>
-        </p:blipFill>
+          <p:cNvSpPr/>
+          <p:nvPr/>
+        </p:nvSpPr>
         <p:spPr bwMode="gray">
           <a:xfrm>
-            <a:off x="1" y="0"/>
-            <a:ext cx="12195174" cy="3430006"/>
+            <a:off x="6474860" y="1424762"/>
+            <a:ext cx="4030108" cy="1509823"/>
           </a:xfrm>
+          <a:prstGeom prst="wedgeRectCallout">
+            <a:avLst>
+              <a:gd name="adj1" fmla="val -90976"/>
+              <a:gd name="adj2" fmla="val -69"/>
+            </a:avLst>
+          </a:prstGeom>
+          <a:ln>
+            <a:headEnd/>
+            <a:tailEnd/>
+          </a:ln>
         </p:spPr>
-      </p:pic>
+        <p:style>
+          <a:lnRef idx="2">
+            <a:schemeClr val="accent5"/>
+          </a:lnRef>
+          <a:fillRef idx="1">
+            <a:schemeClr val="lt1"/>
+          </a:fillRef>
+          <a:effectRef idx="0">
+            <a:schemeClr val="accent5"/>
+          </a:effectRef>
+          <a:fontRef idx="minor">
+            <a:schemeClr val="dk1"/>
+          </a:fontRef>
+        </p:style>
+        <p:txBody>
+          <a:bodyPr lIns="90000" tIns="72000" rIns="90000" bIns="72000" rtlCol="0" anchor="ctr"/>
+          <a:lstStyle/>
+          <a:p>
+            <a:pPr marR="0" algn="ctr" defTabSz="914400" eaLnBrk="1" fontAlgn="base" latinLnBrk="0" hangingPunct="1">
+              <a:lnSpc>
+                <a:spcPct val="100000"/>
+              </a:lnSpc>
+              <a:spcBef>
+                <a:spcPct val="50000"/>
+              </a:spcBef>
+              <a:spcAft>
+                <a:spcPct val="0"/>
+              </a:spcAft>
+              <a:buClr>
+                <a:srgbClr val="F0AB00"/>
+              </a:buClr>
+              <a:buSzPct val="80000"/>
+              <a:tabLst/>
+            </a:pPr>
+            <a:r>
+              <a:rPr lang="en-US" sz="1800" kern="0" dirty="0">
+                <a:ea typeface="Arial Unicode MS" pitchFamily="34" charset="-128"/>
+                <a:cs typeface="Arial Unicode MS" pitchFamily="34" charset="-128"/>
+              </a:rPr>
+              <a:t>To prevent fork bombs it is essential to limit the number of processes per </a:t>
+            </a:r>
+            <a:r>
+              <a:rPr lang="en-US" sz="1800" kern="0" dirty="0" err="1">
+                <a:ea typeface="Arial Unicode MS" pitchFamily="34" charset="-128"/>
+                <a:cs typeface="Arial Unicode MS" pitchFamily="34" charset="-128"/>
+              </a:rPr>
+              <a:t>cgroup</a:t>
+            </a:r>
+            <a:endParaRPr kumimoji="0" lang="en-US" sz="1800" b="0" i="0" u="none" strike="noStrike" kern="0" cap="none" spc="0" normalizeH="0" baseline="0" noProof="0" dirty="0">
+              <a:ln>
+                <a:noFill/>
+              </a:ln>
+              <a:effectLst/>
+              <a:uLnTx/>
+              <a:uFillTx/>
+              <a:ea typeface="Arial Unicode MS" pitchFamily="34" charset="-128"/>
+              <a:cs typeface="Arial Unicode MS" pitchFamily="34" charset="-128"/>
+            </a:endParaRPr>
+          </a:p>
+        </p:txBody>
+      </p:sp>
+      <p:sp>
+        <p:nvSpPr>
+          <p:cNvPr id="10" name="Speech Bubble: Rectangle 9">
+            <a:extLst>
+              <a:ext uri="{FF2B5EF4-FFF2-40B4-BE49-F238E27FC236}">
+                <a16:creationId xmlns:a16="http://schemas.microsoft.com/office/drawing/2014/main" id="{114D9996-2013-4DF8-8716-345842977D3C}"/>
+              </a:ext>
+            </a:extLst>
+          </p:cNvPr>
+          <p:cNvSpPr/>
+          <p:nvPr/>
+        </p:nvSpPr>
+        <p:spPr bwMode="gray">
+          <a:xfrm>
+            <a:off x="6474860" y="3468395"/>
+            <a:ext cx="4030108" cy="1509823"/>
+          </a:xfrm>
+          <a:prstGeom prst="wedgeRectCallout">
+            <a:avLst>
+              <a:gd name="adj1" fmla="val -90976"/>
+              <a:gd name="adj2" fmla="val -69"/>
+            </a:avLst>
+          </a:prstGeom>
+          <a:ln>
+            <a:headEnd/>
+            <a:tailEnd/>
+          </a:ln>
+        </p:spPr>
+        <p:style>
+          <a:lnRef idx="2">
+            <a:schemeClr val="accent5"/>
+          </a:lnRef>
+          <a:fillRef idx="1">
+            <a:schemeClr val="lt1"/>
+          </a:fillRef>
+          <a:effectRef idx="0">
+            <a:schemeClr val="accent5"/>
+          </a:effectRef>
+          <a:fontRef idx="minor">
+            <a:schemeClr val="dk1"/>
+          </a:fontRef>
+        </p:style>
+        <p:txBody>
+          <a:bodyPr lIns="90000" tIns="72000" rIns="90000" bIns="72000" rtlCol="0" anchor="ctr"/>
+          <a:lstStyle/>
+          <a:p>
+            <a:pPr marR="0" algn="ctr" defTabSz="914400" eaLnBrk="1" fontAlgn="base" latinLnBrk="0" hangingPunct="1">
+              <a:lnSpc>
+                <a:spcPct val="100000"/>
+              </a:lnSpc>
+              <a:spcBef>
+                <a:spcPct val="50000"/>
+              </a:spcBef>
+              <a:spcAft>
+                <a:spcPct val="0"/>
+              </a:spcAft>
+              <a:buClr>
+                <a:srgbClr val="F0AB00"/>
+              </a:buClr>
+              <a:buSzPct val="80000"/>
+              <a:tabLst/>
+            </a:pPr>
+            <a:r>
+              <a:rPr lang="en-US" sz="1800" kern="0" dirty="0">
+                <a:ea typeface="Arial Unicode MS" pitchFamily="34" charset="-128"/>
+                <a:cs typeface="Arial Unicode MS" pitchFamily="34" charset="-128"/>
+              </a:rPr>
+              <a:t>Feature is implemented on </a:t>
+            </a:r>
+            <a:r>
+              <a:rPr lang="en-US" sz="1800" kern="0" dirty="0" err="1">
+                <a:ea typeface="Arial Unicode MS" pitchFamily="34" charset="-128"/>
+                <a:cs typeface="Arial Unicode MS" pitchFamily="34" charset="-128"/>
+              </a:rPr>
+              <a:t>kubelet</a:t>
+            </a:r>
+            <a:r>
+              <a:rPr lang="en-US" sz="1800" kern="0" dirty="0">
+                <a:ea typeface="Arial Unicode MS" pitchFamily="34" charset="-128"/>
+                <a:cs typeface="Arial Unicode MS" pitchFamily="34" charset="-128"/>
+              </a:rPr>
+              <a:t> level in alpha stage</a:t>
+            </a:r>
+            <a:endParaRPr kumimoji="0" lang="en-US" sz="1800" b="0" i="0" u="none" strike="noStrike" kern="0" cap="none" spc="0" normalizeH="0" baseline="0" noProof="0" dirty="0">
+              <a:ln>
+                <a:noFill/>
+              </a:ln>
+              <a:effectLst/>
+              <a:uLnTx/>
+              <a:uFillTx/>
+              <a:ea typeface="Arial Unicode MS" pitchFamily="34" charset="-128"/>
+              <a:cs typeface="Arial Unicode MS" pitchFamily="34" charset="-128"/>
+            </a:endParaRPr>
+          </a:p>
+        </p:txBody>
+      </p:sp>
     </p:spTree>
     <p:extLst>
       <p:ext uri="{BB962C8B-B14F-4D97-AF65-F5344CB8AC3E}">
-        <p14:creationId xmlns:p14="http://schemas.microsoft.com/office/powerpoint/2010/main" val="2152020665"/>
+        <p14:creationId xmlns:p14="http://schemas.microsoft.com/office/powerpoint/2010/main" val="2250906312"/>
       </p:ext>
     </p:extLst>
   </p:cSld>
@@ -20099,6 +21015,94 @@
 </file>
 
 <file path=ppt/slides/slide12.xml><?xml version="1.0" encoding="utf-8"?>
+<p:sld xmlns:a="http://schemas.openxmlformats.org/drawingml/2006/main" xmlns:r="http://schemas.openxmlformats.org/officeDocument/2006/relationships" xmlns:p="http://schemas.openxmlformats.org/presentationml/2006/main">
+  <p:cSld>
+    <p:spTree>
+      <p:nvGrpSpPr>
+        <p:cNvPr id="1" name=""/>
+        <p:cNvGrpSpPr/>
+        <p:nvPr/>
+      </p:nvGrpSpPr>
+      <p:grpSpPr>
+        <a:xfrm>
+          <a:off x="0" y="0"/>
+          <a:ext cx="0" cy="0"/>
+          <a:chOff x="0" y="0"/>
+          <a:chExt cx="0" cy="0"/>
+        </a:xfrm>
+      </p:grpSpPr>
+      <p:sp>
+        <p:nvSpPr>
+          <p:cNvPr id="3" name="Title 2">
+            <a:extLst>
+              <a:ext uri="{FF2B5EF4-FFF2-40B4-BE49-F238E27FC236}">
+                <a16:creationId xmlns:a16="http://schemas.microsoft.com/office/drawing/2014/main" id="{51D3D19E-A8DA-4646-B054-3A090C73BA35}"/>
+              </a:ext>
+            </a:extLst>
+          </p:cNvPr>
+          <p:cNvSpPr>
+            <a:spLocks noGrp="1"/>
+          </p:cNvSpPr>
+          <p:nvPr>
+            <p:ph type="ctrTitle"/>
+          </p:nvPr>
+        </p:nvSpPr>
+        <p:spPr/>
+        <p:txBody>
+          <a:bodyPr/>
+          <a:lstStyle/>
+          <a:p>
+            <a:r>
+              <a:rPr lang="en-US" dirty="0"/>
+              <a:t>Policies</a:t>
+            </a:r>
+          </a:p>
+        </p:txBody>
+      </p:sp>
+      <p:pic>
+        <p:nvPicPr>
+          <p:cNvPr id="4" name="Picture 3">
+            <a:extLst>
+              <a:ext uri="{FF2B5EF4-FFF2-40B4-BE49-F238E27FC236}">
+                <a16:creationId xmlns:a16="http://schemas.microsoft.com/office/drawing/2014/main" id="{11DC4D9D-47F8-49FC-B5F9-419D31D2ECD3}"/>
+              </a:ext>
+            </a:extLst>
+          </p:cNvPr>
+          <p:cNvPicPr>
+            <a:picLocks noChangeAspect="1"/>
+          </p:cNvPicPr>
+          <p:nvPr/>
+        </p:nvPicPr>
+        <p:blipFill>
+          <a:blip r:embed="rId2"/>
+          <a:stretch>
+            <a:fillRect/>
+          </a:stretch>
+        </p:blipFill>
+        <p:spPr>
+          <a:xfrm>
+            <a:off x="6097587" y="1330733"/>
+            <a:ext cx="4196534" cy="4196534"/>
+          </a:xfrm>
+          <a:prstGeom prst="rect">
+            <a:avLst/>
+          </a:prstGeom>
+        </p:spPr>
+      </p:pic>
+    </p:spTree>
+    <p:extLst>
+      <p:ext uri="{BB962C8B-B14F-4D97-AF65-F5344CB8AC3E}">
+        <p14:creationId xmlns:p14="http://schemas.microsoft.com/office/powerpoint/2010/main" val="4282362935"/>
+      </p:ext>
+    </p:extLst>
+  </p:cSld>
+  <p:clrMapOvr>
+    <a:masterClrMapping/>
+  </p:clrMapOvr>
+</p:sld>
+</file>
+
+<file path=ppt/slides/slide13.xml><?xml version="1.0" encoding="utf-8"?>
 <p:sld xmlns:a="http://schemas.openxmlformats.org/drawingml/2006/main" xmlns:r="http://schemas.openxmlformats.org/officeDocument/2006/relationships" xmlns:p="http://schemas.openxmlformats.org/presentationml/2006/main">
   <p:cSld>
     <p:spTree>
@@ -21062,7 +22066,7 @@
 </p:sld>
 </file>
 
-<file path=ppt/slides/slide13.xml><?xml version="1.0" encoding="utf-8"?>
+<file path=ppt/slides/slide14.xml><?xml version="1.0" encoding="utf-8"?>
 <p:sld xmlns:a="http://schemas.openxmlformats.org/drawingml/2006/main" xmlns:r="http://schemas.openxmlformats.org/officeDocument/2006/relationships" xmlns:p="http://schemas.openxmlformats.org/presentationml/2006/main">
   <p:cSld>
     <p:spTree>
@@ -21286,7 +22290,7 @@
 </p:sld>
 </file>
 
-<file path=ppt/slides/slide14.xml><?xml version="1.0" encoding="utf-8"?>
+<file path=ppt/slides/slide15.xml><?xml version="1.0" encoding="utf-8"?>
 <p:sld xmlns:a="http://schemas.openxmlformats.org/drawingml/2006/main" xmlns:r="http://schemas.openxmlformats.org/officeDocument/2006/relationships" xmlns:p="http://schemas.openxmlformats.org/presentationml/2006/main">
   <p:cSld>
     <p:spTree>
@@ -21459,7 +22463,7 @@
 </p:sld>
 </file>
 
-<file path=ppt/slides/slide15.xml><?xml version="1.0" encoding="utf-8"?>
+<file path=ppt/slides/slide16.xml><?xml version="1.0" encoding="utf-8"?>
 <p:sld xmlns:a="http://schemas.openxmlformats.org/drawingml/2006/main" xmlns:r="http://schemas.openxmlformats.org/officeDocument/2006/relationships" xmlns:p="http://schemas.openxmlformats.org/presentationml/2006/main">
   <p:cSld>
     <p:spTree>
@@ -22109,7 +23113,7 @@
 </p:sld>
 </file>
 
-<file path=ppt/slides/slide16.xml><?xml version="1.0" encoding="utf-8"?>
+<file path=ppt/slides/slide17.xml><?xml version="1.0" encoding="utf-8"?>
 <p:sld xmlns:a="http://schemas.openxmlformats.org/drawingml/2006/main" xmlns:r="http://schemas.openxmlformats.org/officeDocument/2006/relationships" xmlns:p="http://schemas.openxmlformats.org/presentationml/2006/main">
   <p:cSld>
     <p:spTree>
@@ -22926,7 +23930,7 @@
 </p:sld>
 </file>
 
-<file path=ppt/slides/slide17.xml><?xml version="1.0" encoding="utf-8"?>
+<file path=ppt/slides/slide18.xml><?xml version="1.0" encoding="utf-8"?>
 <p:sld xmlns:a="http://schemas.openxmlformats.org/drawingml/2006/main" xmlns:r="http://schemas.openxmlformats.org/officeDocument/2006/relationships" xmlns:p="http://schemas.openxmlformats.org/presentationml/2006/main">
   <p:cSld>
     <p:spTree>
@@ -24105,7 +25109,7 @@
 </p:sld>
 </file>
 
-<file path=ppt/slides/slide18.xml><?xml version="1.0" encoding="utf-8"?>
+<file path=ppt/slides/slide19.xml><?xml version="1.0" encoding="utf-8"?>
 <p:sld xmlns:a="http://schemas.openxmlformats.org/drawingml/2006/main" xmlns:r="http://schemas.openxmlformats.org/officeDocument/2006/relationships" xmlns:p="http://schemas.openxmlformats.org/presentationml/2006/main">
   <p:cSld>
     <p:spTree>
@@ -25311,7 +26315,102 @@
 </p:sld>
 </file>
 
-<file path=ppt/slides/slide19.xml><?xml version="1.0" encoding="utf-8"?>
+<file path=ppt/slides/slide2.xml><?xml version="1.0" encoding="utf-8"?>
+<p:sld xmlns:a="http://schemas.openxmlformats.org/drawingml/2006/main" xmlns:r="http://schemas.openxmlformats.org/officeDocument/2006/relationships" xmlns:p="http://schemas.openxmlformats.org/presentationml/2006/main">
+  <p:cSld>
+    <p:spTree>
+      <p:nvGrpSpPr>
+        <p:cNvPr id="1" name=""/>
+        <p:cNvGrpSpPr/>
+        <p:nvPr/>
+      </p:nvGrpSpPr>
+      <p:grpSpPr>
+        <a:xfrm>
+          <a:off x="0" y="0"/>
+          <a:ext cx="0" cy="0"/>
+          <a:chOff x="0" y="0"/>
+          <a:chExt cx="0" cy="0"/>
+        </a:xfrm>
+      </p:grpSpPr>
+      <p:sp>
+        <p:nvSpPr>
+          <p:cNvPr id="3" name="Title 2">
+            <a:extLst>
+              <a:ext uri="{FF2B5EF4-FFF2-40B4-BE49-F238E27FC236}">
+                <a16:creationId xmlns:a16="http://schemas.microsoft.com/office/drawing/2014/main" id="{51D3D19E-A8DA-4646-B054-3A090C73BA35}"/>
+              </a:ext>
+            </a:extLst>
+          </p:cNvPr>
+          <p:cNvSpPr>
+            <a:spLocks noGrp="1"/>
+          </p:cNvSpPr>
+          <p:nvPr>
+            <p:ph type="ctrTitle"/>
+          </p:nvPr>
+        </p:nvSpPr>
+        <p:spPr/>
+        <p:txBody>
+          <a:bodyPr/>
+          <a:lstStyle/>
+          <a:p>
+            <a:r>
+              <a:rPr lang="en-US" dirty="0"/>
+              <a:t>Cluster Access</a:t>
+            </a:r>
+            <a:br>
+              <a:rPr lang="en-US" dirty="0"/>
+            </a:br>
+            <a:r>
+              <a:rPr lang="en-US" dirty="0"/>
+              <a:t>Management</a:t>
+            </a:r>
+          </a:p>
+        </p:txBody>
+      </p:sp>
+      <p:pic>
+        <p:nvPicPr>
+          <p:cNvPr id="4" name="Picture 3">
+            <a:extLst>
+              <a:ext uri="{FF2B5EF4-FFF2-40B4-BE49-F238E27FC236}">
+                <a16:creationId xmlns:a16="http://schemas.microsoft.com/office/drawing/2014/main" id="{609D5245-CD83-49FC-9537-CC22F80E50C3}"/>
+              </a:ext>
+            </a:extLst>
+          </p:cNvPr>
+          <p:cNvPicPr>
+            <a:picLocks noChangeAspect="1"/>
+          </p:cNvPicPr>
+          <p:nvPr/>
+        </p:nvPicPr>
+        <p:blipFill>
+          <a:blip r:embed="rId2"/>
+          <a:stretch>
+            <a:fillRect/>
+          </a:stretch>
+        </p:blipFill>
+        <p:spPr>
+          <a:xfrm>
+            <a:off x="6097587" y="1067544"/>
+            <a:ext cx="4045804" cy="4045804"/>
+          </a:xfrm>
+          <a:prstGeom prst="rect">
+            <a:avLst/>
+          </a:prstGeom>
+        </p:spPr>
+      </p:pic>
+    </p:spTree>
+    <p:extLst>
+      <p:ext uri="{BB962C8B-B14F-4D97-AF65-F5344CB8AC3E}">
+        <p14:creationId xmlns:p14="http://schemas.microsoft.com/office/powerpoint/2010/main" val="3227342604"/>
+      </p:ext>
+    </p:extLst>
+  </p:cSld>
+  <p:clrMapOvr>
+    <a:masterClrMapping/>
+  </p:clrMapOvr>
+</p:sld>
+</file>
+
+<file path=ppt/slides/slide20.xml><?xml version="1.0" encoding="utf-8"?>
 <p:sld xmlns:a="http://schemas.openxmlformats.org/drawingml/2006/main" xmlns:r="http://schemas.openxmlformats.org/officeDocument/2006/relationships" xmlns:p="http://schemas.openxmlformats.org/presentationml/2006/main">
   <p:cSld>
     <p:spTree>
@@ -25643,160 +26742,7 @@
 </p:sld>
 </file>
 
-<file path=ppt/slides/slide2.xml><?xml version="1.0" encoding="utf-8"?>
-<p:sld xmlns:a="http://schemas.openxmlformats.org/drawingml/2006/main" xmlns:r="http://schemas.openxmlformats.org/officeDocument/2006/relationships" xmlns:p="http://schemas.openxmlformats.org/presentationml/2006/main">
-  <p:cSld>
-    <p:spTree>
-      <p:nvGrpSpPr>
-        <p:cNvPr id="1" name=""/>
-        <p:cNvGrpSpPr/>
-        <p:nvPr/>
-      </p:nvGrpSpPr>
-      <p:grpSpPr>
-        <a:xfrm>
-          <a:off x="0" y="0"/>
-          <a:ext cx="0" cy="0"/>
-          <a:chOff x="0" y="0"/>
-          <a:chExt cx="0" cy="0"/>
-        </a:xfrm>
-      </p:grpSpPr>
-      <p:sp>
-        <p:nvSpPr>
-          <p:cNvPr id="5" name="Text Placeholder 4"/>
-          <p:cNvSpPr>
-            <a:spLocks noGrp="1"/>
-          </p:cNvSpPr>
-          <p:nvPr>
-            <p:ph type="body" sz="quarter" idx="14"/>
-          </p:nvPr>
-        </p:nvSpPr>
-        <p:spPr/>
-        <p:txBody>
-          <a:bodyPr/>
-          <a:lstStyle/>
-          <a:p>
-            <a:r>
-              <a:rPr lang="en-US" dirty="0"/>
-              <a:t>Kubernetes</a:t>
-            </a:r>
-            <a:br>
-              <a:rPr lang="en-US" dirty="0"/>
-            </a:br>
-            <a:r>
-              <a:rPr lang="en-US" dirty="0">
-                <a:solidFill>
-                  <a:schemeClr val="accent1"/>
-                </a:solidFill>
-              </a:rPr>
-              <a:t>Cluster Access Management</a:t>
-            </a:r>
-          </a:p>
-        </p:txBody>
-      </p:sp>
-      <p:pic>
-        <p:nvPicPr>
-          <p:cNvPr id="4" name="Picture 3" descr="cid:image003.png@01D31CC6.A08B1C50">
-            <a:extLst>
-              <a:ext uri="{FF2B5EF4-FFF2-40B4-BE49-F238E27FC236}">
-                <a16:creationId xmlns:a16="http://schemas.microsoft.com/office/drawing/2014/main" id="{CE860390-F50F-48A8-AA1A-AE0217946FC1}"/>
-              </a:ext>
-            </a:extLst>
-          </p:cNvPr>
-          <p:cNvPicPr>
-            <a:picLocks noChangeAspect="1" noChangeArrowheads="1"/>
-          </p:cNvPicPr>
-          <p:nvPr/>
-        </p:nvPicPr>
-        <p:blipFill>
-          <a:blip r:embed="rId3">
-            <a:extLst>
-              <a:ext uri="{28A0092B-C50C-407E-A947-70E740481C1C}">
-                <a14:useLocalDpi xmlns:a14="http://schemas.microsoft.com/office/drawing/2010/main" val="0"/>
-              </a:ext>
-            </a:extLst>
-          </a:blip>
-          <a:srcRect/>
-          <a:stretch>
-            <a:fillRect/>
-          </a:stretch>
-        </p:blipFill>
-        <p:spPr bwMode="auto">
-          <a:xfrm>
-            <a:off x="10780712" y="5721975"/>
-            <a:ext cx="1414463" cy="1136025"/>
-          </a:xfrm>
-          <a:prstGeom prst="rect">
-            <a:avLst/>
-          </a:prstGeom>
-          <a:noFill/>
-          <a:ln>
-            <a:noFill/>
-          </a:ln>
-          <a:extLst>
-            <a:ext uri="{909E8E84-426E-40DD-AFC4-6F175D3DCCD1}">
-              <a14:hiddenFill xmlns:a14="http://schemas.microsoft.com/office/drawing/2010/main">
-                <a:solidFill>
-                  <a:srgbClr val="FFFFFF"/>
-                </a:solidFill>
-              </a14:hiddenFill>
-            </a:ext>
-            <a:ext uri="{91240B29-F687-4F45-9708-019B960494DF}">
-              <a14:hiddenLine xmlns:a14="http://schemas.microsoft.com/office/drawing/2010/main" w="9525">
-                <a:solidFill>
-                  <a:srgbClr val="000000"/>
-                </a:solidFill>
-                <a:miter lim="800000"/>
-                <a:headEnd/>
-                <a:tailEnd/>
-              </a14:hiddenLine>
-            </a:ext>
-          </a:extLst>
-        </p:spPr>
-      </p:pic>
-      <p:pic>
-        <p:nvPicPr>
-          <p:cNvPr id="7" name="Illustration" descr="Example of an illustration" title="Illustration for title slide">
-            <a:extLst>
-              <a:ext uri="{FF2B5EF4-FFF2-40B4-BE49-F238E27FC236}">
-                <a16:creationId xmlns:a16="http://schemas.microsoft.com/office/drawing/2014/main" id="{195BD3AD-0485-46D2-AEE5-17D39F99CC8F}"/>
-              </a:ext>
-            </a:extLst>
-          </p:cNvPr>
-          <p:cNvPicPr>
-            <a:picLocks noGrp="1" noChangeAspect="1"/>
-          </p:cNvPicPr>
-          <p:nvPr>
-            <p:ph type="pic" sz="quarter" idx="12"/>
-          </p:nvPr>
-        </p:nvPicPr>
-        <p:blipFill>
-          <a:blip r:embed="rId4"/>
-          <a:srcRect t="3112" b="3112"/>
-          <a:stretch>
-            <a:fillRect/>
-          </a:stretch>
-        </p:blipFill>
-        <p:spPr bwMode="gray">
-          <a:xfrm>
-            <a:off x="1" y="0"/>
-            <a:ext cx="12195174" cy="3430006"/>
-          </a:xfrm>
-        </p:spPr>
-      </p:pic>
-    </p:spTree>
-    <p:extLst>
-      <p:ext uri="{BB962C8B-B14F-4D97-AF65-F5344CB8AC3E}">
-        <p14:creationId xmlns:p14="http://schemas.microsoft.com/office/powerpoint/2010/main" val="1201032094"/>
-      </p:ext>
-    </p:extLst>
-  </p:cSld>
-  <p:clrMapOvr>
-    <a:masterClrMapping/>
-  </p:clrMapOvr>
-</p:sld>
-</file>
-
-<file path=ppt/slides/slide20.xml><?xml version="1.0" encoding="utf-8"?>
+<file path=ppt/slides/slide21.xml><?xml version="1.0" encoding="utf-8"?>
 <p:sld xmlns:a="http://schemas.openxmlformats.org/drawingml/2006/main" xmlns:r="http://schemas.openxmlformats.org/officeDocument/2006/relationships" xmlns:p="http://schemas.openxmlformats.org/presentationml/2006/main">
   <p:cSld>
     <p:spTree>
@@ -26128,7 +27074,7 @@
 </p:sld>
 </file>
 
-<file path=ppt/slides/slide21.xml><?xml version="1.0" encoding="utf-8"?>
+<file path=ppt/slides/slide22.xml><?xml version="1.0" encoding="utf-8"?>
 <p:sld xmlns:a="http://schemas.openxmlformats.org/drawingml/2006/main" xmlns:r="http://schemas.openxmlformats.org/officeDocument/2006/relationships" xmlns:p="http://schemas.openxmlformats.org/presentationml/2006/main">
   <p:cSld>
     <p:spTree>
@@ -27684,7 +28630,7 @@
 </p:sld>
 </file>
 
-<file path=ppt/slides/slide22.xml><?xml version="1.0" encoding="utf-8"?>
+<file path=ppt/slides/slide23.xml><?xml version="1.0" encoding="utf-8"?>
 <p:sld xmlns:a="http://schemas.openxmlformats.org/drawingml/2006/main" xmlns:r="http://schemas.openxmlformats.org/officeDocument/2006/relationships" xmlns:p="http://schemas.openxmlformats.org/presentationml/2006/main">
   <p:cSld>
     <p:spTree>
@@ -28018,7 +28964,7 @@
 </p:sld>
 </file>
 
-<file path=ppt/slides/slide23.xml><?xml version="1.0" encoding="utf-8"?>
+<file path=ppt/slides/slide24.xml><?xml version="1.0" encoding="utf-8"?>
 <p:sld xmlns:a="http://schemas.openxmlformats.org/drawingml/2006/main" xmlns:r="http://schemas.openxmlformats.org/officeDocument/2006/relationships" xmlns:p="http://schemas.openxmlformats.org/presentationml/2006/main" show="0">
   <p:cSld>
     <p:spTree>
@@ -29112,7 +30058,7 @@
 </p:sld>
 </file>
 
-<file path=ppt/slides/slide24.xml><?xml version="1.0" encoding="utf-8"?>
+<file path=ppt/slides/slide25.xml><?xml version="1.0" encoding="utf-8"?>
 <p:sld xmlns:a="http://schemas.openxmlformats.org/drawingml/2006/main" xmlns:r="http://schemas.openxmlformats.org/officeDocument/2006/relationships" xmlns:p="http://schemas.openxmlformats.org/presentationml/2006/main">
   <p:cSld>
     <p:spTree>
@@ -29200,7 +30146,7 @@
 </p:sld>
 </file>
 
-<file path=ppt/slides/slide25.xml><?xml version="1.0" encoding="utf-8"?>
+<file path=ppt/slides/slide26.xml><?xml version="1.0" encoding="utf-8"?>
 <p:sld xmlns:a="http://schemas.openxmlformats.org/drawingml/2006/main" xmlns:r="http://schemas.openxmlformats.org/officeDocument/2006/relationships" xmlns:p="http://schemas.openxmlformats.org/presentationml/2006/main">
   <p:cSld>
     <p:spTree>
@@ -30420,7 +31366,7 @@
 </p:sld>
 </file>
 
-<file path=ppt/slides/slide26.xml><?xml version="1.0" encoding="utf-8"?>
+<file path=ppt/slides/slide27.xml><?xml version="1.0" encoding="utf-8"?>
 <p:sld xmlns:a="http://schemas.openxmlformats.org/drawingml/2006/main" xmlns:r="http://schemas.openxmlformats.org/officeDocument/2006/relationships" xmlns:p="http://schemas.openxmlformats.org/presentationml/2006/main">
   <p:cSld>
     <p:spTree>
@@ -30508,7 +31454,7 @@
 </p:sld>
 </file>
 
-<file path=ppt/slides/slide27.xml><?xml version="1.0" encoding="utf-8"?>
+<file path=ppt/slides/slide28.xml><?xml version="1.0" encoding="utf-8"?>
 <p:sld xmlns:a="http://schemas.openxmlformats.org/drawingml/2006/main" xmlns:r="http://schemas.openxmlformats.org/officeDocument/2006/relationships" xmlns:p="http://schemas.openxmlformats.org/presentationml/2006/main">
   <p:cSld>
     <p:spTree>
@@ -31256,7 +32202,7 @@
 </p:sld>
 </file>
 
-<file path=ppt/slides/slide28.xml><?xml version="1.0" encoding="utf-8"?>
+<file path=ppt/slides/slide29.xml><?xml version="1.0" encoding="utf-8"?>
 <p:sld xmlns:a="http://schemas.openxmlformats.org/drawingml/2006/main" xmlns:r="http://schemas.openxmlformats.org/officeDocument/2006/relationships" xmlns:p="http://schemas.openxmlformats.org/presentationml/2006/main">
   <p:cSld>
     <p:spTree>
@@ -32042,949 +32988,6 @@
     <p:extLst>
       <p:ext uri="{BB962C8B-B14F-4D97-AF65-F5344CB8AC3E}">
         <p14:creationId xmlns:p14="http://schemas.microsoft.com/office/powerpoint/2010/main" val="1212405617"/>
-      </p:ext>
-    </p:extLst>
-  </p:cSld>
-  <p:clrMapOvr>
-    <a:masterClrMapping/>
-  </p:clrMapOvr>
-</p:sld>
-</file>
-
-<file path=ppt/slides/slide29.xml><?xml version="1.0" encoding="utf-8"?>
-<p:sld xmlns:a="http://schemas.openxmlformats.org/drawingml/2006/main" xmlns:r="http://schemas.openxmlformats.org/officeDocument/2006/relationships" xmlns:p="http://schemas.openxmlformats.org/presentationml/2006/main">
-  <p:cSld>
-    <p:spTree>
-      <p:nvGrpSpPr>
-        <p:cNvPr id="1" name=""/>
-        <p:cNvGrpSpPr/>
-        <p:nvPr/>
-      </p:nvGrpSpPr>
-      <p:grpSpPr>
-        <a:xfrm>
-          <a:off x="0" y="0"/>
-          <a:ext cx="0" cy="0"/>
-          <a:chOff x="0" y="0"/>
-          <a:chExt cx="0" cy="0"/>
-        </a:xfrm>
-      </p:grpSpPr>
-      <p:sp>
-        <p:nvSpPr>
-          <p:cNvPr id="39" name="Rectangle: Rounded Corners 38">
-            <a:extLst>
-              <a:ext uri="{FF2B5EF4-FFF2-40B4-BE49-F238E27FC236}">
-                <a16:creationId xmlns:a16="http://schemas.microsoft.com/office/drawing/2014/main" id="{6B05395E-1844-476D-AB95-17A4127B8AE6}"/>
-              </a:ext>
-            </a:extLst>
-          </p:cNvPr>
-          <p:cNvSpPr/>
-          <p:nvPr/>
-        </p:nvSpPr>
-        <p:spPr bwMode="gray">
-          <a:xfrm>
-            <a:off x="1269557" y="2926601"/>
-            <a:ext cx="4531162" cy="3484827"/>
-          </a:xfrm>
-          <a:prstGeom prst="roundRect">
-            <a:avLst/>
-          </a:prstGeom>
-          <a:solidFill>
-            <a:schemeClr val="tx2"/>
-          </a:solidFill>
-          <a:ln>
-            <a:headEnd/>
-            <a:tailEnd/>
-          </a:ln>
-        </p:spPr>
-        <p:style>
-          <a:lnRef idx="2">
-            <a:schemeClr val="accent2"/>
-          </a:lnRef>
-          <a:fillRef idx="1">
-            <a:schemeClr val="lt1"/>
-          </a:fillRef>
-          <a:effectRef idx="0">
-            <a:schemeClr val="accent2"/>
-          </a:effectRef>
-          <a:fontRef idx="minor">
-            <a:schemeClr val="dk1"/>
-          </a:fontRef>
-        </p:style>
-        <p:txBody>
-          <a:bodyPr lIns="90000" tIns="72000" rIns="90000" bIns="72000" rtlCol="0" anchor="b"/>
-          <a:lstStyle/>
-          <a:p>
-            <a:pPr marR="0" algn="ctr" defTabSz="914400" eaLnBrk="1" fontAlgn="base" latinLnBrk="0" hangingPunct="1">
-              <a:lnSpc>
-                <a:spcPct val="100000"/>
-              </a:lnSpc>
-              <a:spcBef>
-                <a:spcPct val="50000"/>
-              </a:spcBef>
-              <a:spcAft>
-                <a:spcPct val="0"/>
-              </a:spcAft>
-              <a:buClr>
-                <a:srgbClr val="F0AB00"/>
-              </a:buClr>
-              <a:buSzPct val="80000"/>
-              <a:tabLst/>
-            </a:pPr>
-            <a:r>
-              <a:rPr kumimoji="0" lang="en-US" sz="2000" b="1" i="0" u="none" strike="noStrike" kern="0" cap="none" spc="0" normalizeH="0" baseline="0" noProof="0" dirty="0">
-                <a:ln>
-                  <a:noFill/>
-                </a:ln>
-                <a:effectLst/>
-                <a:uLnTx/>
-                <a:uFillTx/>
-                <a:ea typeface="Arial Unicode MS" pitchFamily="34" charset="-128"/>
-                <a:cs typeface="Arial Unicode MS" pitchFamily="34" charset="-128"/>
-              </a:rPr>
-              <a:t>Host</a:t>
-            </a:r>
-            <a:endParaRPr kumimoji="0" lang="en-US" sz="1800" b="1" i="0" u="none" strike="noStrike" kern="0" cap="none" spc="0" normalizeH="0" baseline="0" noProof="0" dirty="0">
-              <a:ln>
-                <a:noFill/>
-              </a:ln>
-              <a:effectLst/>
-              <a:uLnTx/>
-              <a:uFillTx/>
-              <a:ea typeface="Arial Unicode MS" pitchFamily="34" charset="-128"/>
-              <a:cs typeface="Arial Unicode MS" pitchFamily="34" charset="-128"/>
-            </a:endParaRPr>
-          </a:p>
-        </p:txBody>
-      </p:sp>
-      <p:sp>
-        <p:nvSpPr>
-          <p:cNvPr id="40" name="Rectangle: Rounded Corners 39">
-            <a:extLst>
-              <a:ext uri="{FF2B5EF4-FFF2-40B4-BE49-F238E27FC236}">
-                <a16:creationId xmlns:a16="http://schemas.microsoft.com/office/drawing/2014/main" id="{01EB7DF5-45EB-4252-81B1-36C6C146EC09}"/>
-              </a:ext>
-            </a:extLst>
-          </p:cNvPr>
-          <p:cNvSpPr/>
-          <p:nvPr/>
-        </p:nvSpPr>
-        <p:spPr bwMode="gray">
-          <a:xfrm>
-            <a:off x="1269557" y="1008652"/>
-            <a:ext cx="4531162" cy="1743402"/>
-          </a:xfrm>
-          <a:prstGeom prst="roundRect">
-            <a:avLst/>
-          </a:prstGeom>
-          <a:ln>
-            <a:headEnd/>
-            <a:tailEnd/>
-          </a:ln>
-        </p:spPr>
-        <p:style>
-          <a:lnRef idx="2">
-            <a:schemeClr val="accent6"/>
-          </a:lnRef>
-          <a:fillRef idx="1">
-            <a:schemeClr val="lt1"/>
-          </a:fillRef>
-          <a:effectRef idx="0">
-            <a:schemeClr val="accent6"/>
-          </a:effectRef>
-          <a:fontRef idx="minor">
-            <a:schemeClr val="dk1"/>
-          </a:fontRef>
-        </p:style>
-        <p:txBody>
-          <a:bodyPr lIns="90000" tIns="72000" rIns="90000" bIns="72000" rtlCol="0" anchor="t"/>
-          <a:lstStyle/>
-          <a:p>
-            <a:pPr marR="0" algn="ctr" defTabSz="914400" eaLnBrk="1" fontAlgn="base" latinLnBrk="0" hangingPunct="1">
-              <a:lnSpc>
-                <a:spcPct val="100000"/>
-              </a:lnSpc>
-              <a:spcBef>
-                <a:spcPct val="50000"/>
-              </a:spcBef>
-              <a:spcAft>
-                <a:spcPct val="0"/>
-              </a:spcAft>
-              <a:buClr>
-                <a:srgbClr val="F0AB00"/>
-              </a:buClr>
-              <a:buSzPct val="80000"/>
-              <a:tabLst/>
-            </a:pPr>
-            <a:r>
-              <a:rPr kumimoji="0" lang="en-US" sz="2000" b="1" i="0" u="none" strike="noStrike" kern="0" cap="none" spc="0" normalizeH="0" baseline="0" noProof="0" dirty="0">
-                <a:ln>
-                  <a:noFill/>
-                </a:ln>
-                <a:effectLst/>
-                <a:uLnTx/>
-                <a:uFillTx/>
-                <a:ea typeface="Arial Unicode MS" pitchFamily="34" charset="-128"/>
-                <a:cs typeface="Arial Unicode MS" pitchFamily="34" charset="-128"/>
-              </a:rPr>
-              <a:t>K8s</a:t>
-            </a:r>
-            <a:endParaRPr kumimoji="0" lang="en-US" sz="1800" b="1" i="0" u="none" strike="noStrike" kern="0" cap="none" spc="0" normalizeH="0" baseline="0" noProof="0" dirty="0">
-              <a:ln>
-                <a:noFill/>
-              </a:ln>
-              <a:effectLst/>
-              <a:uLnTx/>
-              <a:uFillTx/>
-              <a:ea typeface="Arial Unicode MS" pitchFamily="34" charset="-128"/>
-              <a:cs typeface="Arial Unicode MS" pitchFamily="34" charset="-128"/>
-            </a:endParaRPr>
-          </a:p>
-        </p:txBody>
-      </p:sp>
-      <p:sp>
-        <p:nvSpPr>
-          <p:cNvPr id="41" name="Rectangle: Rounded Corners 40">
-            <a:extLst>
-              <a:ext uri="{FF2B5EF4-FFF2-40B4-BE49-F238E27FC236}">
-                <a16:creationId xmlns:a16="http://schemas.microsoft.com/office/drawing/2014/main" id="{84440113-9D89-45D0-8A5F-AB6580792D6B}"/>
-              </a:ext>
-            </a:extLst>
-          </p:cNvPr>
-          <p:cNvSpPr/>
-          <p:nvPr/>
-        </p:nvSpPr>
-        <p:spPr bwMode="gray">
-          <a:xfrm>
-            <a:off x="1642716" y="2402958"/>
-            <a:ext cx="3784845" cy="2172586"/>
-          </a:xfrm>
-          <a:prstGeom prst="roundRect">
-            <a:avLst/>
-          </a:prstGeom>
-          <a:ln>
-            <a:headEnd/>
-            <a:tailEnd/>
-          </a:ln>
-        </p:spPr>
-        <p:style>
-          <a:lnRef idx="2">
-            <a:schemeClr val="accent2"/>
-          </a:lnRef>
-          <a:fillRef idx="1">
-            <a:schemeClr val="lt1"/>
-          </a:fillRef>
-          <a:effectRef idx="0">
-            <a:schemeClr val="accent2"/>
-          </a:effectRef>
-          <a:fontRef idx="minor">
-            <a:schemeClr val="dk1"/>
-          </a:fontRef>
-        </p:style>
-        <p:txBody>
-          <a:bodyPr lIns="90000" tIns="72000" rIns="90000" bIns="72000" rtlCol="0" anchor="t"/>
-          <a:lstStyle/>
-          <a:p>
-            <a:pPr marR="0" algn="ctr" defTabSz="914400" eaLnBrk="1" fontAlgn="base" latinLnBrk="0" hangingPunct="1">
-              <a:lnSpc>
-                <a:spcPct val="100000"/>
-              </a:lnSpc>
-              <a:spcBef>
-                <a:spcPct val="50000"/>
-              </a:spcBef>
-              <a:spcAft>
-                <a:spcPct val="0"/>
-              </a:spcAft>
-              <a:buClr>
-                <a:srgbClr val="F0AB00"/>
-              </a:buClr>
-              <a:buSzPct val="80000"/>
-              <a:tabLst/>
-            </a:pPr>
-            <a:r>
-              <a:rPr kumimoji="0" lang="en-US" sz="2000" b="1" i="0" u="none" strike="noStrike" kern="0" cap="none" spc="0" normalizeH="0" baseline="0" noProof="0">
-                <a:ln>
-                  <a:noFill/>
-                </a:ln>
-                <a:effectLst/>
-                <a:uLnTx/>
-                <a:uFillTx/>
-                <a:ea typeface="Arial Unicode MS" pitchFamily="34" charset="-128"/>
-                <a:cs typeface="Arial Unicode MS" pitchFamily="34" charset="-128"/>
-              </a:rPr>
-              <a:t>Container</a:t>
-            </a:r>
-            <a:endParaRPr kumimoji="0" lang="en-US" sz="1800" b="1" i="0" u="none" strike="noStrike" kern="0" cap="none" spc="0" normalizeH="0" baseline="0" noProof="0" dirty="0">
-              <a:ln>
-                <a:noFill/>
-              </a:ln>
-              <a:effectLst/>
-              <a:uLnTx/>
-              <a:uFillTx/>
-              <a:ea typeface="Arial Unicode MS" pitchFamily="34" charset="-128"/>
-              <a:cs typeface="Arial Unicode MS" pitchFamily="34" charset="-128"/>
-            </a:endParaRPr>
-          </a:p>
-        </p:txBody>
-      </p:sp>
-      <p:cxnSp>
-        <p:nvCxnSpPr>
-          <p:cNvPr id="42" name="Straight Connector 41">
-            <a:extLst>
-              <a:ext uri="{FF2B5EF4-FFF2-40B4-BE49-F238E27FC236}">
-                <a16:creationId xmlns:a16="http://schemas.microsoft.com/office/drawing/2014/main" id="{0D4EDAE1-E022-4D47-BFE8-DB8E8A0CC4AB}"/>
-              </a:ext>
-            </a:extLst>
-          </p:cNvPr>
-          <p:cNvCxnSpPr>
-            <a:cxnSpLocks/>
-          </p:cNvCxnSpPr>
-          <p:nvPr/>
-        </p:nvCxnSpPr>
-        <p:spPr>
-          <a:xfrm>
-            <a:off x="3535138" y="4575544"/>
-            <a:ext cx="0" cy="485550"/>
-          </a:xfrm>
-          <a:prstGeom prst="line">
-            <a:avLst/>
-          </a:prstGeom>
-          <a:ln w="76200">
-            <a:solidFill>
-              <a:schemeClr val="bg2"/>
-            </a:solidFill>
-            <a:headEnd type="none" w="med" len="med"/>
-            <a:tailEnd type="none" w="med" len="med"/>
-          </a:ln>
-        </p:spPr>
-        <p:style>
-          <a:lnRef idx="1">
-            <a:schemeClr val="accent1"/>
-          </a:lnRef>
-          <a:fillRef idx="0">
-            <a:schemeClr val="accent1"/>
-          </a:fillRef>
-          <a:effectRef idx="0">
-            <a:schemeClr val="accent1"/>
-          </a:effectRef>
-          <a:fontRef idx="minor">
-            <a:schemeClr val="tx1"/>
-          </a:fontRef>
-        </p:style>
-      </p:cxnSp>
-      <p:sp>
-        <p:nvSpPr>
-          <p:cNvPr id="43" name="Rectangle: Rounded Corners 42">
-            <a:extLst>
-              <a:ext uri="{FF2B5EF4-FFF2-40B4-BE49-F238E27FC236}">
-                <a16:creationId xmlns:a16="http://schemas.microsoft.com/office/drawing/2014/main" id="{2523410D-48C4-4016-92C7-EAD431ADB7B2}"/>
-              </a:ext>
-            </a:extLst>
-          </p:cNvPr>
-          <p:cNvSpPr/>
-          <p:nvPr/>
-        </p:nvSpPr>
-        <p:spPr bwMode="gray">
-          <a:xfrm>
-            <a:off x="1424394" y="5061094"/>
-            <a:ext cx="4221488" cy="723014"/>
-          </a:xfrm>
-          <a:prstGeom prst="roundRect">
-            <a:avLst/>
-          </a:prstGeom>
-          <a:solidFill>
-            <a:schemeClr val="bg2">
-              <a:lumMod val="20000"/>
-              <a:lumOff val="80000"/>
-            </a:schemeClr>
-          </a:solidFill>
-          <a:ln>
-            <a:headEnd/>
-            <a:tailEnd/>
-          </a:ln>
-        </p:spPr>
-        <p:style>
-          <a:lnRef idx="2">
-            <a:schemeClr val="accent2"/>
-          </a:lnRef>
-          <a:fillRef idx="1">
-            <a:schemeClr val="lt1"/>
-          </a:fillRef>
-          <a:effectRef idx="0">
-            <a:schemeClr val="accent2"/>
-          </a:effectRef>
-          <a:fontRef idx="minor">
-            <a:schemeClr val="dk1"/>
-          </a:fontRef>
-        </p:style>
-        <p:txBody>
-          <a:bodyPr lIns="90000" tIns="72000" rIns="90000" bIns="72000" rtlCol="0" anchor="ctr"/>
-          <a:lstStyle/>
-          <a:p>
-            <a:pPr marR="0" algn="ctr" defTabSz="914400" eaLnBrk="1" fontAlgn="base" latinLnBrk="0" hangingPunct="1">
-              <a:lnSpc>
-                <a:spcPct val="100000"/>
-              </a:lnSpc>
-              <a:spcBef>
-                <a:spcPct val="50000"/>
-              </a:spcBef>
-              <a:spcAft>
-                <a:spcPct val="0"/>
-              </a:spcAft>
-              <a:buClr>
-                <a:srgbClr val="F0AB00"/>
-              </a:buClr>
-              <a:buSzPct val="80000"/>
-              <a:tabLst/>
-            </a:pPr>
-            <a:r>
-              <a:rPr kumimoji="0" lang="en-US" sz="2000" b="1" i="0" u="none" strike="noStrike" kern="0" cap="none" spc="0" normalizeH="0" baseline="0" noProof="0" dirty="0">
-                <a:ln>
-                  <a:noFill/>
-                </a:ln>
-                <a:effectLst/>
-                <a:uLnTx/>
-                <a:uFillTx/>
-                <a:ea typeface="Arial Unicode MS" pitchFamily="34" charset="-128"/>
-                <a:cs typeface="Arial Unicode MS" pitchFamily="34" charset="-128"/>
-              </a:rPr>
-              <a:t>Linux Kernel</a:t>
-            </a:r>
-            <a:endParaRPr kumimoji="0" lang="en-US" sz="1800" b="1" i="0" u="none" strike="noStrike" kern="0" cap="none" spc="0" normalizeH="0" baseline="0" noProof="0" dirty="0">
-              <a:ln>
-                <a:noFill/>
-              </a:ln>
-              <a:effectLst/>
-              <a:uLnTx/>
-              <a:uFillTx/>
-              <a:ea typeface="Arial Unicode MS" pitchFamily="34" charset="-128"/>
-              <a:cs typeface="Arial Unicode MS" pitchFamily="34" charset="-128"/>
-            </a:endParaRPr>
-          </a:p>
-        </p:txBody>
-      </p:sp>
-      <p:sp>
-        <p:nvSpPr>
-          <p:cNvPr id="51" name="Rectangle: Rounded Corners 50">
-            <a:extLst>
-              <a:ext uri="{FF2B5EF4-FFF2-40B4-BE49-F238E27FC236}">
-                <a16:creationId xmlns:a16="http://schemas.microsoft.com/office/drawing/2014/main" id="{7DE3B177-A7B0-4867-B54E-B383E5D84DF0}"/>
-              </a:ext>
-            </a:extLst>
-          </p:cNvPr>
-          <p:cNvSpPr/>
-          <p:nvPr/>
-        </p:nvSpPr>
-        <p:spPr bwMode="gray">
-          <a:xfrm>
-            <a:off x="2596211" y="1541716"/>
-            <a:ext cx="1877854" cy="686695"/>
-          </a:xfrm>
-          <a:prstGeom prst="roundRect">
-            <a:avLst/>
-          </a:prstGeom>
-          <a:ln>
-            <a:headEnd/>
-            <a:tailEnd/>
-          </a:ln>
-        </p:spPr>
-        <p:style>
-          <a:lnRef idx="2">
-            <a:schemeClr val="accent6"/>
-          </a:lnRef>
-          <a:fillRef idx="1">
-            <a:schemeClr val="lt1"/>
-          </a:fillRef>
-          <a:effectRef idx="0">
-            <a:schemeClr val="accent6"/>
-          </a:effectRef>
-          <a:fontRef idx="minor">
-            <a:schemeClr val="dk1"/>
-          </a:fontRef>
-        </p:style>
-        <p:txBody>
-          <a:bodyPr rot="0" spcFirstLastPara="0" vertOverflow="overflow" horzOverflow="overflow" vert="horz" wrap="square" lIns="90000" tIns="72000" rIns="90000" bIns="72000" numCol="1" spcCol="0" rtlCol="0" fromWordArt="0" anchor="ctr" anchorCtr="0" forceAA="0" compatLnSpc="1">
-            <a:prstTxWarp prst="textNoShape">
-              <a:avLst/>
-            </a:prstTxWarp>
-            <a:noAutofit/>
-          </a:bodyPr>
-          <a:lstStyle/>
-          <a:p>
-            <a:pPr algn="ctr" defTabSz="914400" fontAlgn="base">
-              <a:spcBef>
-                <a:spcPct val="50000"/>
-              </a:spcBef>
-              <a:spcAft>
-                <a:spcPct val="0"/>
-              </a:spcAft>
-              <a:buClr>
-                <a:srgbClr val="F0AB00"/>
-              </a:buClr>
-              <a:buSzPct val="80000"/>
-            </a:pPr>
-            <a:r>
-              <a:rPr lang="en-US" sz="1800" kern="0" dirty="0">
-                <a:solidFill>
-                  <a:schemeClr val="dk1"/>
-                </a:solidFill>
-                <a:latin typeface="+mn-lt"/>
-                <a:ea typeface="Arial Unicode MS" pitchFamily="34" charset="-128"/>
-              </a:rPr>
-              <a:t>API Server</a:t>
-            </a:r>
-          </a:p>
-        </p:txBody>
-      </p:sp>
-      <p:sp>
-        <p:nvSpPr>
-          <p:cNvPr id="50" name="Title 49">
-            <a:extLst>
-              <a:ext uri="{FF2B5EF4-FFF2-40B4-BE49-F238E27FC236}">
-                <a16:creationId xmlns:a16="http://schemas.microsoft.com/office/drawing/2014/main" id="{7D480E47-3DD1-4ACF-8C6E-41D6F9D75F58}"/>
-              </a:ext>
-            </a:extLst>
-          </p:cNvPr>
-          <p:cNvSpPr>
-            <a:spLocks noGrp="1"/>
-          </p:cNvSpPr>
-          <p:nvPr>
-            <p:ph type="title"/>
-          </p:nvPr>
-        </p:nvSpPr>
-        <p:spPr/>
-        <p:txBody>
-          <a:bodyPr/>
-          <a:lstStyle/>
-          <a:p>
-            <a:r>
-              <a:rPr lang="en-US" dirty="0"/>
-              <a:t>How to prevent this?</a:t>
-            </a:r>
-          </a:p>
-        </p:txBody>
-      </p:sp>
-      <p:sp>
-        <p:nvSpPr>
-          <p:cNvPr id="2" name="Cloud 1">
-            <a:extLst>
-              <a:ext uri="{FF2B5EF4-FFF2-40B4-BE49-F238E27FC236}">
-                <a16:creationId xmlns:a16="http://schemas.microsoft.com/office/drawing/2014/main" id="{D4F0E42D-30E8-4AD3-BDAA-9E16ABB6973D}"/>
-              </a:ext>
-            </a:extLst>
-          </p:cNvPr>
-          <p:cNvSpPr/>
-          <p:nvPr/>
-        </p:nvSpPr>
-        <p:spPr bwMode="gray">
-          <a:xfrm>
-            <a:off x="6989398" y="929734"/>
-            <a:ext cx="2054586" cy="1658675"/>
-          </a:xfrm>
-          <a:prstGeom prst="cloud">
-            <a:avLst/>
-          </a:prstGeom>
-          <a:solidFill>
-            <a:schemeClr val="bg2">
-              <a:lumMod val="40000"/>
-              <a:lumOff val="60000"/>
-            </a:schemeClr>
-          </a:solidFill>
-          <a:ln w="6350" algn="ctr">
-            <a:noFill/>
-            <a:miter lim="800000"/>
-            <a:headEnd/>
-            <a:tailEnd/>
-          </a:ln>
-        </p:spPr>
-        <p:txBody>
-          <a:bodyPr lIns="90000" tIns="72000" rIns="90000" bIns="72000" rtlCol="0" anchor="ctr"/>
-          <a:lstStyle/>
-          <a:p>
-            <a:pPr marR="0" algn="ctr" defTabSz="914400" eaLnBrk="1" fontAlgn="base" latinLnBrk="0" hangingPunct="1">
-              <a:lnSpc>
-                <a:spcPct val="100000"/>
-              </a:lnSpc>
-              <a:spcBef>
-                <a:spcPct val="50000"/>
-              </a:spcBef>
-              <a:spcAft>
-                <a:spcPct val="0"/>
-              </a:spcAft>
-              <a:buClr>
-                <a:srgbClr val="F0AB00"/>
-              </a:buClr>
-              <a:buSzPct val="80000"/>
-              <a:tabLst/>
-            </a:pPr>
-            <a:r>
-              <a:rPr kumimoji="0" lang="en-US" sz="1800" b="1" i="0" u="none" strike="noStrike" kern="0" cap="none" spc="0" normalizeH="0" baseline="0" noProof="0" dirty="0">
-                <a:ln>
-                  <a:noFill/>
-                </a:ln>
-                <a:effectLst/>
-                <a:uLnTx/>
-                <a:uFillTx/>
-                <a:ea typeface="Arial Unicode MS" pitchFamily="34" charset="-128"/>
-                <a:cs typeface="Arial Unicode MS" pitchFamily="34" charset="-128"/>
-              </a:rPr>
-              <a:t>Internet</a:t>
-            </a:r>
-          </a:p>
-        </p:txBody>
-      </p:sp>
-      <p:sp>
-        <p:nvSpPr>
-          <p:cNvPr id="20" name="TextBox 19">
-            <a:extLst>
-              <a:ext uri="{FF2B5EF4-FFF2-40B4-BE49-F238E27FC236}">
-                <a16:creationId xmlns:a16="http://schemas.microsoft.com/office/drawing/2014/main" id="{3FC79A34-F218-447B-8C61-1E171A5941BB}"/>
-              </a:ext>
-            </a:extLst>
-          </p:cNvPr>
-          <p:cNvSpPr txBox="1"/>
-          <p:nvPr/>
-        </p:nvSpPr>
-        <p:spPr>
-          <a:xfrm>
-            <a:off x="1735718" y="3203057"/>
-            <a:ext cx="3598840" cy="1107996"/>
-          </a:xfrm>
-          <a:prstGeom prst="rect">
-            <a:avLst/>
-          </a:prstGeom>
-          <a:solidFill>
-            <a:schemeClr val="bg2">
-              <a:lumMod val="20000"/>
-              <a:lumOff val="80000"/>
-            </a:schemeClr>
-          </a:solidFill>
-        </p:spPr>
-        <p:txBody>
-          <a:bodyPr wrap="square" lIns="0" tIns="0" rIns="0" bIns="0" rtlCol="0">
-            <a:spAutoFit/>
-          </a:bodyPr>
-          <a:lstStyle/>
-          <a:p>
-            <a:pPr fontAlgn="base">
-              <a:spcBef>
-                <a:spcPct val="50000"/>
-              </a:spcBef>
-              <a:spcAft>
-                <a:spcPct val="0"/>
-              </a:spcAft>
-              <a:buClr>
-                <a:srgbClr val="F0AB00"/>
-              </a:buClr>
-              <a:buSzPct val="80000"/>
-            </a:pPr>
-            <a:r>
-              <a:rPr lang="en-US" sz="1800" kern="0" dirty="0" err="1">
-                <a:latin typeface="Courier New" panose="02070309020205020404" pitchFamily="49" charset="0"/>
-                <a:ea typeface="Arial Unicode MS" pitchFamily="34" charset="-128"/>
-                <a:cs typeface="Courier New" panose="02070309020205020404" pitchFamily="49" charset="0"/>
-              </a:rPr>
-              <a:t>root@container</a:t>
-            </a:r>
-            <a:r>
-              <a:rPr lang="en-US" sz="1800" kern="0" dirty="0">
-                <a:latin typeface="Courier New" panose="02070309020205020404" pitchFamily="49" charset="0"/>
-                <a:ea typeface="Arial Unicode MS" pitchFamily="34" charset="-128"/>
-                <a:cs typeface="Courier New" panose="02070309020205020404" pitchFamily="49" charset="0"/>
-              </a:rPr>
-              <a:t>:$</a:t>
-            </a:r>
-          </a:p>
-          <a:p>
-            <a:pPr fontAlgn="base">
-              <a:spcBef>
-                <a:spcPct val="50000"/>
-              </a:spcBef>
-              <a:spcAft>
-                <a:spcPct val="0"/>
-              </a:spcAft>
-              <a:buClr>
-                <a:srgbClr val="F0AB00"/>
-              </a:buClr>
-              <a:buSzPct val="80000"/>
-            </a:pPr>
-            <a:r>
-              <a:rPr lang="en-US" sz="1800" kern="0" dirty="0">
-                <a:latin typeface="Courier New" panose="02070309020205020404" pitchFamily="49" charset="0"/>
-                <a:ea typeface="Arial Unicode MS" pitchFamily="34" charset="-128"/>
-                <a:cs typeface="Courier New" panose="02070309020205020404" pitchFamily="49" charset="0"/>
-              </a:rPr>
-              <a:t>&gt; apt install &lt;some miner&gt;</a:t>
-            </a:r>
-          </a:p>
-          <a:p>
-            <a:pPr fontAlgn="base">
-              <a:spcBef>
-                <a:spcPct val="50000"/>
-              </a:spcBef>
-              <a:spcAft>
-                <a:spcPct val="0"/>
-              </a:spcAft>
-              <a:buClr>
-                <a:srgbClr val="F0AB00"/>
-              </a:buClr>
-              <a:buSzPct val="80000"/>
-            </a:pPr>
-            <a:r>
-              <a:rPr lang="en-US" sz="1800" kern="0" dirty="0">
-                <a:latin typeface="Courier New" panose="02070309020205020404" pitchFamily="49" charset="0"/>
-                <a:ea typeface="Arial Unicode MS" pitchFamily="34" charset="-128"/>
-                <a:cs typeface="Courier New" panose="02070309020205020404" pitchFamily="49" charset="0"/>
-              </a:rPr>
-              <a:t>&gt; € € € € € € € € €...</a:t>
-            </a:r>
-          </a:p>
-        </p:txBody>
-      </p:sp>
-      <p:cxnSp>
-        <p:nvCxnSpPr>
-          <p:cNvPr id="22" name="Connector: Elbow 21">
-            <a:extLst>
-              <a:ext uri="{FF2B5EF4-FFF2-40B4-BE49-F238E27FC236}">
-                <a16:creationId xmlns:a16="http://schemas.microsoft.com/office/drawing/2014/main" id="{8870909F-3F3C-4B60-A7F2-656FD357233E}"/>
-              </a:ext>
-            </a:extLst>
-          </p:cNvPr>
-          <p:cNvCxnSpPr>
-            <a:cxnSpLocks/>
-            <a:stCxn id="20" idx="3"/>
-            <a:endCxn id="2" idx="1"/>
-          </p:cNvCxnSpPr>
-          <p:nvPr/>
-        </p:nvCxnSpPr>
-        <p:spPr>
-          <a:xfrm flipV="1">
-            <a:off x="5334558" y="2586643"/>
-            <a:ext cx="2682133" cy="1170412"/>
-          </a:xfrm>
-          <a:prstGeom prst="bentConnector2">
-            <a:avLst/>
-          </a:prstGeom>
-          <a:ln w="57150">
-            <a:solidFill>
-              <a:schemeClr val="accent5">
-                <a:lumMod val="75000"/>
-              </a:schemeClr>
-            </a:solidFill>
-            <a:headEnd type="none" w="med" len="med"/>
-            <a:tailEnd type="none" w="med" len="med"/>
-          </a:ln>
-        </p:spPr>
-        <p:style>
-          <a:lnRef idx="1">
-            <a:schemeClr val="accent1"/>
-          </a:lnRef>
-          <a:fillRef idx="0">
-            <a:schemeClr val="accent1"/>
-          </a:fillRef>
-          <a:effectRef idx="0">
-            <a:schemeClr val="accent1"/>
-          </a:effectRef>
-          <a:fontRef idx="minor">
-            <a:schemeClr val="tx1"/>
-          </a:fontRef>
-        </p:style>
-      </p:cxnSp>
-      <p:pic>
-        <p:nvPicPr>
-          <p:cNvPr id="17" name="Graphic 16" descr="Coins">
-            <a:extLst>
-              <a:ext uri="{FF2B5EF4-FFF2-40B4-BE49-F238E27FC236}">
-                <a16:creationId xmlns:a16="http://schemas.microsoft.com/office/drawing/2014/main" id="{D9919339-C5F4-46D3-BCAA-DADD401DD3D3}"/>
-              </a:ext>
-            </a:extLst>
-          </p:cNvPr>
-          <p:cNvPicPr>
-            <a:picLocks noChangeAspect="1"/>
-          </p:cNvPicPr>
-          <p:nvPr/>
-        </p:nvPicPr>
-        <p:blipFill>
-          <a:blip r:embed="rId3">
-            <a:extLst>
-              <a:ext uri="{96DAC541-7B7A-43D3-8B79-37D633B846F1}">
-                <asvg:svgBlip xmlns:asvg="http://schemas.microsoft.com/office/drawing/2016/SVG/main" r:embed="rId4"/>
-              </a:ext>
-            </a:extLst>
-          </a:blip>
-          <a:stretch>
-            <a:fillRect/>
-          </a:stretch>
-        </p:blipFill>
-        <p:spPr>
-          <a:xfrm>
-            <a:off x="6971158" y="2695147"/>
-            <a:ext cx="914400" cy="914400"/>
-          </a:xfrm>
-          <a:prstGeom prst="rect">
-            <a:avLst/>
-          </a:prstGeom>
-        </p:spPr>
-      </p:pic>
-      <p:sp>
-        <p:nvSpPr>
-          <p:cNvPr id="13" name="Speech Bubble: Rectangle 12">
-            <a:extLst>
-              <a:ext uri="{FF2B5EF4-FFF2-40B4-BE49-F238E27FC236}">
-                <a16:creationId xmlns:a16="http://schemas.microsoft.com/office/drawing/2014/main" id="{607BCF5E-3042-4E57-BE13-298B44EF95D4}"/>
-              </a:ext>
-            </a:extLst>
-          </p:cNvPr>
-          <p:cNvSpPr/>
-          <p:nvPr/>
-        </p:nvSpPr>
-        <p:spPr bwMode="gray">
-          <a:xfrm>
-            <a:off x="8240302" y="3757055"/>
-            <a:ext cx="2318513" cy="617991"/>
-          </a:xfrm>
-          <a:prstGeom prst="wedgeRectCallout">
-            <a:avLst>
-              <a:gd name="adj1" fmla="val -50183"/>
-              <a:gd name="adj2" fmla="val -116695"/>
-            </a:avLst>
-          </a:prstGeom>
-          <a:ln>
-            <a:headEnd/>
-            <a:tailEnd/>
-          </a:ln>
-        </p:spPr>
-        <p:style>
-          <a:lnRef idx="2">
-            <a:schemeClr val="accent5"/>
-          </a:lnRef>
-          <a:fillRef idx="1">
-            <a:schemeClr val="lt1"/>
-          </a:fillRef>
-          <a:effectRef idx="0">
-            <a:schemeClr val="accent5"/>
-          </a:effectRef>
-          <a:fontRef idx="minor">
-            <a:schemeClr val="dk1"/>
-          </a:fontRef>
-        </p:style>
-        <p:txBody>
-          <a:bodyPr lIns="90000" tIns="72000" rIns="90000" bIns="72000" rtlCol="0" anchor="ctr"/>
-          <a:lstStyle/>
-          <a:p>
-            <a:pPr marR="0" algn="ctr" defTabSz="914400" eaLnBrk="1" fontAlgn="base" latinLnBrk="0" hangingPunct="1">
-              <a:lnSpc>
-                <a:spcPct val="100000"/>
-              </a:lnSpc>
-              <a:spcBef>
-                <a:spcPct val="50000"/>
-              </a:spcBef>
-              <a:spcAft>
-                <a:spcPct val="0"/>
-              </a:spcAft>
-              <a:buClr>
-                <a:srgbClr val="F0AB00"/>
-              </a:buClr>
-              <a:buSzPct val="80000"/>
-              <a:tabLst/>
-            </a:pPr>
-            <a:r>
-              <a:rPr kumimoji="0" lang="en-US" sz="1800" b="0" i="0" u="none" strike="noStrike" kern="0" cap="none" spc="0" normalizeH="0" baseline="0" noProof="0" dirty="0">
-                <a:ln>
-                  <a:noFill/>
-                </a:ln>
-                <a:effectLst/>
-                <a:uLnTx/>
-                <a:uFillTx/>
-                <a:ea typeface="Arial Unicode MS" pitchFamily="34" charset="-128"/>
-                <a:cs typeface="Arial Unicode MS" pitchFamily="34" charset="-128"/>
-              </a:rPr>
-              <a:t>Block egress traffic with network policies</a:t>
-            </a:r>
-          </a:p>
-        </p:txBody>
-      </p:sp>
-      <p:sp>
-        <p:nvSpPr>
-          <p:cNvPr id="14" name="Speech Bubble: Rectangle 13">
-            <a:extLst>
-              <a:ext uri="{FF2B5EF4-FFF2-40B4-BE49-F238E27FC236}">
-                <a16:creationId xmlns:a16="http://schemas.microsoft.com/office/drawing/2014/main" id="{54F4D027-A4E0-4AEE-89BE-7D9AD78C2D7B}"/>
-              </a:ext>
-            </a:extLst>
-          </p:cNvPr>
-          <p:cNvSpPr/>
-          <p:nvPr/>
-        </p:nvSpPr>
-        <p:spPr bwMode="gray">
-          <a:xfrm>
-            <a:off x="6733225" y="4927602"/>
-            <a:ext cx="3014153" cy="1000664"/>
-          </a:xfrm>
-          <a:prstGeom prst="wedgeRectCallout">
-            <a:avLst>
-              <a:gd name="adj1" fmla="val -110717"/>
-              <a:gd name="adj2" fmla="val -73130"/>
-            </a:avLst>
-          </a:prstGeom>
-          <a:ln>
-            <a:headEnd/>
-            <a:tailEnd/>
-          </a:ln>
-        </p:spPr>
-        <p:style>
-          <a:lnRef idx="2">
-            <a:schemeClr val="accent5"/>
-          </a:lnRef>
-          <a:fillRef idx="1">
-            <a:schemeClr val="lt1"/>
-          </a:fillRef>
-          <a:effectRef idx="0">
-            <a:schemeClr val="accent5"/>
-          </a:effectRef>
-          <a:fontRef idx="minor">
-            <a:schemeClr val="dk1"/>
-          </a:fontRef>
-        </p:style>
-        <p:txBody>
-          <a:bodyPr lIns="90000" tIns="72000" rIns="90000" bIns="72000" rtlCol="0" anchor="ctr"/>
-          <a:lstStyle/>
-          <a:p>
-            <a:pPr marR="0" algn="ctr" defTabSz="914400" eaLnBrk="1" fontAlgn="base" latinLnBrk="0" hangingPunct="1">
-              <a:lnSpc>
-                <a:spcPct val="100000"/>
-              </a:lnSpc>
-              <a:spcBef>
-                <a:spcPct val="50000"/>
-              </a:spcBef>
-              <a:spcAft>
-                <a:spcPct val="0"/>
-              </a:spcAft>
-              <a:buClr>
-                <a:srgbClr val="F0AB00"/>
-              </a:buClr>
-              <a:buSzPct val="80000"/>
-              <a:tabLst/>
-            </a:pPr>
-            <a:r>
-              <a:rPr kumimoji="0" lang="en-US" sz="1800" b="0" i="0" u="none" strike="noStrike" kern="0" cap="none" spc="0" normalizeH="0" baseline="0" noProof="0" dirty="0">
-                <a:ln>
-                  <a:noFill/>
-                </a:ln>
-                <a:effectLst/>
-                <a:uLnTx/>
-                <a:uFillTx/>
-                <a:ea typeface="Arial Unicode MS" pitchFamily="34" charset="-128"/>
-                <a:cs typeface="Arial Unicode MS" pitchFamily="34" charset="-128"/>
-              </a:rPr>
-              <a:t>Limit resource consumption via container / pod spec</a:t>
-            </a:r>
-          </a:p>
-        </p:txBody>
-      </p:sp>
-    </p:spTree>
-    <p:extLst>
-      <p:ext uri="{BB962C8B-B14F-4D97-AF65-F5344CB8AC3E}">
-        <p14:creationId xmlns:p14="http://schemas.microsoft.com/office/powerpoint/2010/main" val="667062216"/>
       </p:ext>
     </p:extLst>
   </p:cSld>
@@ -33734,6 +33737,1038 @@
 </file>
 
 <file path=ppt/slides/slide30.xml><?xml version="1.0" encoding="utf-8"?>
+<p:sld xmlns:a="http://schemas.openxmlformats.org/drawingml/2006/main" xmlns:r="http://schemas.openxmlformats.org/officeDocument/2006/relationships" xmlns:p="http://schemas.openxmlformats.org/presentationml/2006/main">
+  <p:cSld>
+    <p:spTree>
+      <p:nvGrpSpPr>
+        <p:cNvPr id="1" name=""/>
+        <p:cNvGrpSpPr/>
+        <p:nvPr/>
+      </p:nvGrpSpPr>
+      <p:grpSpPr>
+        <a:xfrm>
+          <a:off x="0" y="0"/>
+          <a:ext cx="0" cy="0"/>
+          <a:chOff x="0" y="0"/>
+          <a:chExt cx="0" cy="0"/>
+        </a:xfrm>
+      </p:grpSpPr>
+      <p:sp>
+        <p:nvSpPr>
+          <p:cNvPr id="39" name="Rectangle: Rounded Corners 38">
+            <a:extLst>
+              <a:ext uri="{FF2B5EF4-FFF2-40B4-BE49-F238E27FC236}">
+                <a16:creationId xmlns:a16="http://schemas.microsoft.com/office/drawing/2014/main" id="{6B05395E-1844-476D-AB95-17A4127B8AE6}"/>
+              </a:ext>
+            </a:extLst>
+          </p:cNvPr>
+          <p:cNvSpPr/>
+          <p:nvPr/>
+        </p:nvSpPr>
+        <p:spPr bwMode="gray">
+          <a:xfrm>
+            <a:off x="1269557" y="2926601"/>
+            <a:ext cx="4531162" cy="3484827"/>
+          </a:xfrm>
+          <a:prstGeom prst="roundRect">
+            <a:avLst/>
+          </a:prstGeom>
+          <a:solidFill>
+            <a:schemeClr val="tx2"/>
+          </a:solidFill>
+          <a:ln>
+            <a:headEnd/>
+            <a:tailEnd/>
+          </a:ln>
+        </p:spPr>
+        <p:style>
+          <a:lnRef idx="2">
+            <a:schemeClr val="accent2"/>
+          </a:lnRef>
+          <a:fillRef idx="1">
+            <a:schemeClr val="lt1"/>
+          </a:fillRef>
+          <a:effectRef idx="0">
+            <a:schemeClr val="accent2"/>
+          </a:effectRef>
+          <a:fontRef idx="minor">
+            <a:schemeClr val="dk1"/>
+          </a:fontRef>
+        </p:style>
+        <p:txBody>
+          <a:bodyPr lIns="90000" tIns="72000" rIns="90000" bIns="72000" rtlCol="0" anchor="b"/>
+          <a:lstStyle/>
+          <a:p>
+            <a:pPr marR="0" algn="ctr" defTabSz="914400" eaLnBrk="1" fontAlgn="base" latinLnBrk="0" hangingPunct="1">
+              <a:lnSpc>
+                <a:spcPct val="100000"/>
+              </a:lnSpc>
+              <a:spcBef>
+                <a:spcPct val="50000"/>
+              </a:spcBef>
+              <a:spcAft>
+                <a:spcPct val="0"/>
+              </a:spcAft>
+              <a:buClr>
+                <a:srgbClr val="F0AB00"/>
+              </a:buClr>
+              <a:buSzPct val="80000"/>
+              <a:tabLst/>
+            </a:pPr>
+            <a:r>
+              <a:rPr kumimoji="0" lang="en-US" sz="2000" b="1" i="0" u="none" strike="noStrike" kern="0" cap="none" spc="0" normalizeH="0" baseline="0" noProof="0" dirty="0">
+                <a:ln>
+                  <a:noFill/>
+                </a:ln>
+                <a:effectLst/>
+                <a:uLnTx/>
+                <a:uFillTx/>
+                <a:ea typeface="Arial Unicode MS" pitchFamily="34" charset="-128"/>
+                <a:cs typeface="Arial Unicode MS" pitchFamily="34" charset="-128"/>
+              </a:rPr>
+              <a:t>Host</a:t>
+            </a:r>
+            <a:endParaRPr kumimoji="0" lang="en-US" sz="1800" b="1" i="0" u="none" strike="noStrike" kern="0" cap="none" spc="0" normalizeH="0" baseline="0" noProof="0" dirty="0">
+              <a:ln>
+                <a:noFill/>
+              </a:ln>
+              <a:effectLst/>
+              <a:uLnTx/>
+              <a:uFillTx/>
+              <a:ea typeface="Arial Unicode MS" pitchFamily="34" charset="-128"/>
+              <a:cs typeface="Arial Unicode MS" pitchFamily="34" charset="-128"/>
+            </a:endParaRPr>
+          </a:p>
+        </p:txBody>
+      </p:sp>
+      <p:sp>
+        <p:nvSpPr>
+          <p:cNvPr id="40" name="Rectangle: Rounded Corners 39">
+            <a:extLst>
+              <a:ext uri="{FF2B5EF4-FFF2-40B4-BE49-F238E27FC236}">
+                <a16:creationId xmlns:a16="http://schemas.microsoft.com/office/drawing/2014/main" id="{01EB7DF5-45EB-4252-81B1-36C6C146EC09}"/>
+              </a:ext>
+            </a:extLst>
+          </p:cNvPr>
+          <p:cNvSpPr/>
+          <p:nvPr/>
+        </p:nvSpPr>
+        <p:spPr bwMode="gray">
+          <a:xfrm>
+            <a:off x="1269557" y="1008652"/>
+            <a:ext cx="4531162" cy="1743402"/>
+          </a:xfrm>
+          <a:prstGeom prst="roundRect">
+            <a:avLst/>
+          </a:prstGeom>
+          <a:ln>
+            <a:headEnd/>
+            <a:tailEnd/>
+          </a:ln>
+        </p:spPr>
+        <p:style>
+          <a:lnRef idx="2">
+            <a:schemeClr val="accent6"/>
+          </a:lnRef>
+          <a:fillRef idx="1">
+            <a:schemeClr val="lt1"/>
+          </a:fillRef>
+          <a:effectRef idx="0">
+            <a:schemeClr val="accent6"/>
+          </a:effectRef>
+          <a:fontRef idx="minor">
+            <a:schemeClr val="dk1"/>
+          </a:fontRef>
+        </p:style>
+        <p:txBody>
+          <a:bodyPr lIns="90000" tIns="72000" rIns="90000" bIns="72000" rtlCol="0" anchor="t"/>
+          <a:lstStyle/>
+          <a:p>
+            <a:pPr marR="0" algn="ctr" defTabSz="914400" eaLnBrk="1" fontAlgn="base" latinLnBrk="0" hangingPunct="1">
+              <a:lnSpc>
+                <a:spcPct val="100000"/>
+              </a:lnSpc>
+              <a:spcBef>
+                <a:spcPct val="50000"/>
+              </a:spcBef>
+              <a:spcAft>
+                <a:spcPct val="0"/>
+              </a:spcAft>
+              <a:buClr>
+                <a:srgbClr val="F0AB00"/>
+              </a:buClr>
+              <a:buSzPct val="80000"/>
+              <a:tabLst/>
+            </a:pPr>
+            <a:r>
+              <a:rPr kumimoji="0" lang="en-US" sz="2000" b="1" i="0" u="none" strike="noStrike" kern="0" cap="none" spc="0" normalizeH="0" baseline="0" noProof="0" dirty="0">
+                <a:ln>
+                  <a:noFill/>
+                </a:ln>
+                <a:effectLst/>
+                <a:uLnTx/>
+                <a:uFillTx/>
+                <a:ea typeface="Arial Unicode MS" pitchFamily="34" charset="-128"/>
+                <a:cs typeface="Arial Unicode MS" pitchFamily="34" charset="-128"/>
+              </a:rPr>
+              <a:t>K8s</a:t>
+            </a:r>
+            <a:endParaRPr kumimoji="0" lang="en-US" sz="1800" b="1" i="0" u="none" strike="noStrike" kern="0" cap="none" spc="0" normalizeH="0" baseline="0" noProof="0" dirty="0">
+              <a:ln>
+                <a:noFill/>
+              </a:ln>
+              <a:effectLst/>
+              <a:uLnTx/>
+              <a:uFillTx/>
+              <a:ea typeface="Arial Unicode MS" pitchFamily="34" charset="-128"/>
+              <a:cs typeface="Arial Unicode MS" pitchFamily="34" charset="-128"/>
+            </a:endParaRPr>
+          </a:p>
+        </p:txBody>
+      </p:sp>
+      <p:sp>
+        <p:nvSpPr>
+          <p:cNvPr id="41" name="Rectangle: Rounded Corners 40">
+            <a:extLst>
+              <a:ext uri="{FF2B5EF4-FFF2-40B4-BE49-F238E27FC236}">
+                <a16:creationId xmlns:a16="http://schemas.microsoft.com/office/drawing/2014/main" id="{84440113-9D89-45D0-8A5F-AB6580792D6B}"/>
+              </a:ext>
+            </a:extLst>
+          </p:cNvPr>
+          <p:cNvSpPr/>
+          <p:nvPr/>
+        </p:nvSpPr>
+        <p:spPr bwMode="gray">
+          <a:xfrm>
+            <a:off x="1642716" y="2402958"/>
+            <a:ext cx="3784845" cy="2172586"/>
+          </a:xfrm>
+          <a:prstGeom prst="roundRect">
+            <a:avLst/>
+          </a:prstGeom>
+          <a:ln>
+            <a:headEnd/>
+            <a:tailEnd/>
+          </a:ln>
+        </p:spPr>
+        <p:style>
+          <a:lnRef idx="2">
+            <a:schemeClr val="accent2"/>
+          </a:lnRef>
+          <a:fillRef idx="1">
+            <a:schemeClr val="lt1"/>
+          </a:fillRef>
+          <a:effectRef idx="0">
+            <a:schemeClr val="accent2"/>
+          </a:effectRef>
+          <a:fontRef idx="minor">
+            <a:schemeClr val="dk1"/>
+          </a:fontRef>
+        </p:style>
+        <p:txBody>
+          <a:bodyPr lIns="90000" tIns="72000" rIns="90000" bIns="72000" rtlCol="0" anchor="t"/>
+          <a:lstStyle/>
+          <a:p>
+            <a:pPr marR="0" algn="ctr" defTabSz="914400" eaLnBrk="1" fontAlgn="base" latinLnBrk="0" hangingPunct="1">
+              <a:lnSpc>
+                <a:spcPct val="100000"/>
+              </a:lnSpc>
+              <a:spcBef>
+                <a:spcPct val="50000"/>
+              </a:spcBef>
+              <a:spcAft>
+                <a:spcPct val="0"/>
+              </a:spcAft>
+              <a:buClr>
+                <a:srgbClr val="F0AB00"/>
+              </a:buClr>
+              <a:buSzPct val="80000"/>
+              <a:tabLst/>
+            </a:pPr>
+            <a:r>
+              <a:rPr kumimoji="0" lang="en-US" sz="2000" b="1" i="0" u="none" strike="noStrike" kern="0" cap="none" spc="0" normalizeH="0" baseline="0" noProof="0">
+                <a:ln>
+                  <a:noFill/>
+                </a:ln>
+                <a:effectLst/>
+                <a:uLnTx/>
+                <a:uFillTx/>
+                <a:ea typeface="Arial Unicode MS" pitchFamily="34" charset="-128"/>
+                <a:cs typeface="Arial Unicode MS" pitchFamily="34" charset="-128"/>
+              </a:rPr>
+              <a:t>Container</a:t>
+            </a:r>
+            <a:endParaRPr kumimoji="0" lang="en-US" sz="1800" b="1" i="0" u="none" strike="noStrike" kern="0" cap="none" spc="0" normalizeH="0" baseline="0" noProof="0" dirty="0">
+              <a:ln>
+                <a:noFill/>
+              </a:ln>
+              <a:effectLst/>
+              <a:uLnTx/>
+              <a:uFillTx/>
+              <a:ea typeface="Arial Unicode MS" pitchFamily="34" charset="-128"/>
+              <a:cs typeface="Arial Unicode MS" pitchFamily="34" charset="-128"/>
+            </a:endParaRPr>
+          </a:p>
+        </p:txBody>
+      </p:sp>
+      <p:cxnSp>
+        <p:nvCxnSpPr>
+          <p:cNvPr id="42" name="Straight Connector 41">
+            <a:extLst>
+              <a:ext uri="{FF2B5EF4-FFF2-40B4-BE49-F238E27FC236}">
+                <a16:creationId xmlns:a16="http://schemas.microsoft.com/office/drawing/2014/main" id="{0D4EDAE1-E022-4D47-BFE8-DB8E8A0CC4AB}"/>
+              </a:ext>
+            </a:extLst>
+          </p:cNvPr>
+          <p:cNvCxnSpPr>
+            <a:cxnSpLocks/>
+          </p:cNvCxnSpPr>
+          <p:nvPr/>
+        </p:nvCxnSpPr>
+        <p:spPr>
+          <a:xfrm>
+            <a:off x="3535138" y="4575544"/>
+            <a:ext cx="0" cy="485550"/>
+          </a:xfrm>
+          <a:prstGeom prst="line">
+            <a:avLst/>
+          </a:prstGeom>
+          <a:ln w="76200">
+            <a:solidFill>
+              <a:schemeClr val="bg2"/>
+            </a:solidFill>
+            <a:headEnd type="none" w="med" len="med"/>
+            <a:tailEnd type="none" w="med" len="med"/>
+          </a:ln>
+        </p:spPr>
+        <p:style>
+          <a:lnRef idx="1">
+            <a:schemeClr val="accent1"/>
+          </a:lnRef>
+          <a:fillRef idx="0">
+            <a:schemeClr val="accent1"/>
+          </a:fillRef>
+          <a:effectRef idx="0">
+            <a:schemeClr val="accent1"/>
+          </a:effectRef>
+          <a:fontRef idx="minor">
+            <a:schemeClr val="tx1"/>
+          </a:fontRef>
+        </p:style>
+      </p:cxnSp>
+      <p:sp>
+        <p:nvSpPr>
+          <p:cNvPr id="43" name="Rectangle: Rounded Corners 42">
+            <a:extLst>
+              <a:ext uri="{FF2B5EF4-FFF2-40B4-BE49-F238E27FC236}">
+                <a16:creationId xmlns:a16="http://schemas.microsoft.com/office/drawing/2014/main" id="{2523410D-48C4-4016-92C7-EAD431ADB7B2}"/>
+              </a:ext>
+            </a:extLst>
+          </p:cNvPr>
+          <p:cNvSpPr/>
+          <p:nvPr/>
+        </p:nvSpPr>
+        <p:spPr bwMode="gray">
+          <a:xfrm>
+            <a:off x="1424394" y="5061094"/>
+            <a:ext cx="4221488" cy="723014"/>
+          </a:xfrm>
+          <a:prstGeom prst="roundRect">
+            <a:avLst/>
+          </a:prstGeom>
+          <a:solidFill>
+            <a:schemeClr val="bg2">
+              <a:lumMod val="20000"/>
+              <a:lumOff val="80000"/>
+            </a:schemeClr>
+          </a:solidFill>
+          <a:ln>
+            <a:headEnd/>
+            <a:tailEnd/>
+          </a:ln>
+        </p:spPr>
+        <p:style>
+          <a:lnRef idx="2">
+            <a:schemeClr val="accent2"/>
+          </a:lnRef>
+          <a:fillRef idx="1">
+            <a:schemeClr val="lt1"/>
+          </a:fillRef>
+          <a:effectRef idx="0">
+            <a:schemeClr val="accent2"/>
+          </a:effectRef>
+          <a:fontRef idx="minor">
+            <a:schemeClr val="dk1"/>
+          </a:fontRef>
+        </p:style>
+        <p:txBody>
+          <a:bodyPr lIns="90000" tIns="72000" rIns="90000" bIns="72000" rtlCol="0" anchor="ctr"/>
+          <a:lstStyle/>
+          <a:p>
+            <a:pPr marR="0" algn="ctr" defTabSz="914400" eaLnBrk="1" fontAlgn="base" latinLnBrk="0" hangingPunct="1">
+              <a:lnSpc>
+                <a:spcPct val="100000"/>
+              </a:lnSpc>
+              <a:spcBef>
+                <a:spcPct val="50000"/>
+              </a:spcBef>
+              <a:spcAft>
+                <a:spcPct val="0"/>
+              </a:spcAft>
+              <a:buClr>
+                <a:srgbClr val="F0AB00"/>
+              </a:buClr>
+              <a:buSzPct val="80000"/>
+              <a:tabLst/>
+            </a:pPr>
+            <a:r>
+              <a:rPr kumimoji="0" lang="en-US" sz="2000" b="1" i="0" u="none" strike="noStrike" kern="0" cap="none" spc="0" normalizeH="0" baseline="0" noProof="0" dirty="0">
+                <a:ln>
+                  <a:noFill/>
+                </a:ln>
+                <a:effectLst/>
+                <a:uLnTx/>
+                <a:uFillTx/>
+                <a:ea typeface="Arial Unicode MS" pitchFamily="34" charset="-128"/>
+                <a:cs typeface="Arial Unicode MS" pitchFamily="34" charset="-128"/>
+              </a:rPr>
+              <a:t>Linux Kernel</a:t>
+            </a:r>
+            <a:endParaRPr kumimoji="0" lang="en-US" sz="1800" b="1" i="0" u="none" strike="noStrike" kern="0" cap="none" spc="0" normalizeH="0" baseline="0" noProof="0" dirty="0">
+              <a:ln>
+                <a:noFill/>
+              </a:ln>
+              <a:effectLst/>
+              <a:uLnTx/>
+              <a:uFillTx/>
+              <a:ea typeface="Arial Unicode MS" pitchFamily="34" charset="-128"/>
+              <a:cs typeface="Arial Unicode MS" pitchFamily="34" charset="-128"/>
+            </a:endParaRPr>
+          </a:p>
+        </p:txBody>
+      </p:sp>
+      <p:sp>
+        <p:nvSpPr>
+          <p:cNvPr id="51" name="Rectangle: Rounded Corners 50">
+            <a:extLst>
+              <a:ext uri="{FF2B5EF4-FFF2-40B4-BE49-F238E27FC236}">
+                <a16:creationId xmlns:a16="http://schemas.microsoft.com/office/drawing/2014/main" id="{7DE3B177-A7B0-4867-B54E-B383E5D84DF0}"/>
+              </a:ext>
+            </a:extLst>
+          </p:cNvPr>
+          <p:cNvSpPr/>
+          <p:nvPr/>
+        </p:nvSpPr>
+        <p:spPr bwMode="gray">
+          <a:xfrm>
+            <a:off x="2596211" y="1541716"/>
+            <a:ext cx="1877854" cy="686695"/>
+          </a:xfrm>
+          <a:prstGeom prst="roundRect">
+            <a:avLst/>
+          </a:prstGeom>
+          <a:ln>
+            <a:headEnd/>
+            <a:tailEnd/>
+          </a:ln>
+        </p:spPr>
+        <p:style>
+          <a:lnRef idx="2">
+            <a:schemeClr val="accent6"/>
+          </a:lnRef>
+          <a:fillRef idx="1">
+            <a:schemeClr val="lt1"/>
+          </a:fillRef>
+          <a:effectRef idx="0">
+            <a:schemeClr val="accent6"/>
+          </a:effectRef>
+          <a:fontRef idx="minor">
+            <a:schemeClr val="dk1"/>
+          </a:fontRef>
+        </p:style>
+        <p:txBody>
+          <a:bodyPr rot="0" spcFirstLastPara="0" vertOverflow="overflow" horzOverflow="overflow" vert="horz" wrap="square" lIns="90000" tIns="72000" rIns="90000" bIns="72000" numCol="1" spcCol="0" rtlCol="0" fromWordArt="0" anchor="ctr" anchorCtr="0" forceAA="0" compatLnSpc="1">
+            <a:prstTxWarp prst="textNoShape">
+              <a:avLst/>
+            </a:prstTxWarp>
+            <a:noAutofit/>
+          </a:bodyPr>
+          <a:lstStyle/>
+          <a:p>
+            <a:pPr algn="ctr" defTabSz="914400" fontAlgn="base">
+              <a:spcBef>
+                <a:spcPct val="50000"/>
+              </a:spcBef>
+              <a:spcAft>
+                <a:spcPct val="0"/>
+              </a:spcAft>
+              <a:buClr>
+                <a:srgbClr val="F0AB00"/>
+              </a:buClr>
+              <a:buSzPct val="80000"/>
+            </a:pPr>
+            <a:r>
+              <a:rPr lang="en-US" sz="1800" kern="0" dirty="0">
+                <a:solidFill>
+                  <a:schemeClr val="dk1"/>
+                </a:solidFill>
+                <a:latin typeface="+mn-lt"/>
+                <a:ea typeface="Arial Unicode MS" pitchFamily="34" charset="-128"/>
+              </a:rPr>
+              <a:t>API Server</a:t>
+            </a:r>
+          </a:p>
+        </p:txBody>
+      </p:sp>
+      <p:sp>
+        <p:nvSpPr>
+          <p:cNvPr id="50" name="Title 49">
+            <a:extLst>
+              <a:ext uri="{FF2B5EF4-FFF2-40B4-BE49-F238E27FC236}">
+                <a16:creationId xmlns:a16="http://schemas.microsoft.com/office/drawing/2014/main" id="{7D480E47-3DD1-4ACF-8C6E-41D6F9D75F58}"/>
+              </a:ext>
+            </a:extLst>
+          </p:cNvPr>
+          <p:cNvSpPr>
+            <a:spLocks noGrp="1"/>
+          </p:cNvSpPr>
+          <p:nvPr>
+            <p:ph type="title"/>
+          </p:nvPr>
+        </p:nvSpPr>
+        <p:spPr/>
+        <p:txBody>
+          <a:bodyPr/>
+          <a:lstStyle/>
+          <a:p>
+            <a:r>
+              <a:rPr lang="en-US" dirty="0"/>
+              <a:t>How to prevent this?</a:t>
+            </a:r>
+          </a:p>
+        </p:txBody>
+      </p:sp>
+      <p:sp>
+        <p:nvSpPr>
+          <p:cNvPr id="2" name="Cloud 1">
+            <a:extLst>
+              <a:ext uri="{FF2B5EF4-FFF2-40B4-BE49-F238E27FC236}">
+                <a16:creationId xmlns:a16="http://schemas.microsoft.com/office/drawing/2014/main" id="{D4F0E42D-30E8-4AD3-BDAA-9E16ABB6973D}"/>
+              </a:ext>
+            </a:extLst>
+          </p:cNvPr>
+          <p:cNvSpPr/>
+          <p:nvPr/>
+        </p:nvSpPr>
+        <p:spPr bwMode="gray">
+          <a:xfrm>
+            <a:off x="6989398" y="929734"/>
+            <a:ext cx="2054586" cy="1658675"/>
+          </a:xfrm>
+          <a:prstGeom prst="cloud">
+            <a:avLst/>
+          </a:prstGeom>
+          <a:solidFill>
+            <a:schemeClr val="bg2">
+              <a:lumMod val="40000"/>
+              <a:lumOff val="60000"/>
+            </a:schemeClr>
+          </a:solidFill>
+          <a:ln w="6350" algn="ctr">
+            <a:noFill/>
+            <a:miter lim="800000"/>
+            <a:headEnd/>
+            <a:tailEnd/>
+          </a:ln>
+        </p:spPr>
+        <p:txBody>
+          <a:bodyPr lIns="90000" tIns="72000" rIns="90000" bIns="72000" rtlCol="0" anchor="ctr"/>
+          <a:lstStyle/>
+          <a:p>
+            <a:pPr marR="0" algn="ctr" defTabSz="914400" eaLnBrk="1" fontAlgn="base" latinLnBrk="0" hangingPunct="1">
+              <a:lnSpc>
+                <a:spcPct val="100000"/>
+              </a:lnSpc>
+              <a:spcBef>
+                <a:spcPct val="50000"/>
+              </a:spcBef>
+              <a:spcAft>
+                <a:spcPct val="0"/>
+              </a:spcAft>
+              <a:buClr>
+                <a:srgbClr val="F0AB00"/>
+              </a:buClr>
+              <a:buSzPct val="80000"/>
+              <a:tabLst/>
+            </a:pPr>
+            <a:r>
+              <a:rPr kumimoji="0" lang="en-US" sz="1800" b="1" i="0" u="none" strike="noStrike" kern="0" cap="none" spc="0" normalizeH="0" baseline="0" noProof="0" dirty="0">
+                <a:ln>
+                  <a:noFill/>
+                </a:ln>
+                <a:effectLst/>
+                <a:uLnTx/>
+                <a:uFillTx/>
+                <a:ea typeface="Arial Unicode MS" pitchFamily="34" charset="-128"/>
+                <a:cs typeface="Arial Unicode MS" pitchFamily="34" charset="-128"/>
+              </a:rPr>
+              <a:t>Internet</a:t>
+            </a:r>
+          </a:p>
+        </p:txBody>
+      </p:sp>
+      <p:sp>
+        <p:nvSpPr>
+          <p:cNvPr id="20" name="TextBox 19">
+            <a:extLst>
+              <a:ext uri="{FF2B5EF4-FFF2-40B4-BE49-F238E27FC236}">
+                <a16:creationId xmlns:a16="http://schemas.microsoft.com/office/drawing/2014/main" id="{3FC79A34-F218-447B-8C61-1E171A5941BB}"/>
+              </a:ext>
+            </a:extLst>
+          </p:cNvPr>
+          <p:cNvSpPr txBox="1"/>
+          <p:nvPr/>
+        </p:nvSpPr>
+        <p:spPr>
+          <a:xfrm>
+            <a:off x="1735718" y="3203057"/>
+            <a:ext cx="3598840" cy="1107996"/>
+          </a:xfrm>
+          <a:prstGeom prst="rect">
+            <a:avLst/>
+          </a:prstGeom>
+          <a:solidFill>
+            <a:schemeClr val="bg2">
+              <a:lumMod val="20000"/>
+              <a:lumOff val="80000"/>
+            </a:schemeClr>
+          </a:solidFill>
+        </p:spPr>
+        <p:txBody>
+          <a:bodyPr wrap="square" lIns="0" tIns="0" rIns="0" bIns="0" rtlCol="0">
+            <a:spAutoFit/>
+          </a:bodyPr>
+          <a:lstStyle/>
+          <a:p>
+            <a:pPr fontAlgn="base">
+              <a:spcBef>
+                <a:spcPct val="50000"/>
+              </a:spcBef>
+              <a:spcAft>
+                <a:spcPct val="0"/>
+              </a:spcAft>
+              <a:buClr>
+                <a:srgbClr val="F0AB00"/>
+              </a:buClr>
+              <a:buSzPct val="80000"/>
+            </a:pPr>
+            <a:r>
+              <a:rPr lang="en-US" sz="1800" kern="0" dirty="0" err="1">
+                <a:latin typeface="Courier New" panose="02070309020205020404" pitchFamily="49" charset="0"/>
+                <a:ea typeface="Arial Unicode MS" pitchFamily="34" charset="-128"/>
+                <a:cs typeface="Courier New" panose="02070309020205020404" pitchFamily="49" charset="0"/>
+              </a:rPr>
+              <a:t>root@container</a:t>
+            </a:r>
+            <a:r>
+              <a:rPr lang="en-US" sz="1800" kern="0" dirty="0">
+                <a:latin typeface="Courier New" panose="02070309020205020404" pitchFamily="49" charset="0"/>
+                <a:ea typeface="Arial Unicode MS" pitchFamily="34" charset="-128"/>
+                <a:cs typeface="Courier New" panose="02070309020205020404" pitchFamily="49" charset="0"/>
+              </a:rPr>
+              <a:t>:$</a:t>
+            </a:r>
+          </a:p>
+          <a:p>
+            <a:pPr fontAlgn="base">
+              <a:spcBef>
+                <a:spcPct val="50000"/>
+              </a:spcBef>
+              <a:spcAft>
+                <a:spcPct val="0"/>
+              </a:spcAft>
+              <a:buClr>
+                <a:srgbClr val="F0AB00"/>
+              </a:buClr>
+              <a:buSzPct val="80000"/>
+            </a:pPr>
+            <a:r>
+              <a:rPr lang="en-US" sz="1800" kern="0" dirty="0">
+                <a:latin typeface="Courier New" panose="02070309020205020404" pitchFamily="49" charset="0"/>
+                <a:ea typeface="Arial Unicode MS" pitchFamily="34" charset="-128"/>
+                <a:cs typeface="Courier New" panose="02070309020205020404" pitchFamily="49" charset="0"/>
+              </a:rPr>
+              <a:t>&gt; apt install &lt;some miner&gt;</a:t>
+            </a:r>
+          </a:p>
+          <a:p>
+            <a:pPr fontAlgn="base">
+              <a:spcBef>
+                <a:spcPct val="50000"/>
+              </a:spcBef>
+              <a:spcAft>
+                <a:spcPct val="0"/>
+              </a:spcAft>
+              <a:buClr>
+                <a:srgbClr val="F0AB00"/>
+              </a:buClr>
+              <a:buSzPct val="80000"/>
+            </a:pPr>
+            <a:r>
+              <a:rPr lang="en-US" sz="1800" kern="0" dirty="0">
+                <a:latin typeface="Courier New" panose="02070309020205020404" pitchFamily="49" charset="0"/>
+                <a:ea typeface="Arial Unicode MS" pitchFamily="34" charset="-128"/>
+                <a:cs typeface="Courier New" panose="02070309020205020404" pitchFamily="49" charset="0"/>
+              </a:rPr>
+              <a:t>&gt; € € € € € € € € €...</a:t>
+            </a:r>
+          </a:p>
+        </p:txBody>
+      </p:sp>
+      <p:cxnSp>
+        <p:nvCxnSpPr>
+          <p:cNvPr id="22" name="Connector: Elbow 21">
+            <a:extLst>
+              <a:ext uri="{FF2B5EF4-FFF2-40B4-BE49-F238E27FC236}">
+                <a16:creationId xmlns:a16="http://schemas.microsoft.com/office/drawing/2014/main" id="{8870909F-3F3C-4B60-A7F2-656FD357233E}"/>
+              </a:ext>
+            </a:extLst>
+          </p:cNvPr>
+          <p:cNvCxnSpPr>
+            <a:cxnSpLocks/>
+            <a:stCxn id="20" idx="3"/>
+            <a:endCxn id="2" idx="1"/>
+          </p:cNvCxnSpPr>
+          <p:nvPr/>
+        </p:nvCxnSpPr>
+        <p:spPr>
+          <a:xfrm flipV="1">
+            <a:off x="5334558" y="2586643"/>
+            <a:ext cx="2682133" cy="1170412"/>
+          </a:xfrm>
+          <a:prstGeom prst="bentConnector2">
+            <a:avLst/>
+          </a:prstGeom>
+          <a:ln w="57150">
+            <a:solidFill>
+              <a:schemeClr val="accent5">
+                <a:lumMod val="75000"/>
+              </a:schemeClr>
+            </a:solidFill>
+            <a:headEnd type="none" w="med" len="med"/>
+            <a:tailEnd type="none" w="med" len="med"/>
+          </a:ln>
+        </p:spPr>
+        <p:style>
+          <a:lnRef idx="1">
+            <a:schemeClr val="accent1"/>
+          </a:lnRef>
+          <a:fillRef idx="0">
+            <a:schemeClr val="accent1"/>
+          </a:fillRef>
+          <a:effectRef idx="0">
+            <a:schemeClr val="accent1"/>
+          </a:effectRef>
+          <a:fontRef idx="minor">
+            <a:schemeClr val="tx1"/>
+          </a:fontRef>
+        </p:style>
+      </p:cxnSp>
+      <p:pic>
+        <p:nvPicPr>
+          <p:cNvPr id="17" name="Graphic 16" descr="Coins">
+            <a:extLst>
+              <a:ext uri="{FF2B5EF4-FFF2-40B4-BE49-F238E27FC236}">
+                <a16:creationId xmlns:a16="http://schemas.microsoft.com/office/drawing/2014/main" id="{D9919339-C5F4-46D3-BCAA-DADD401DD3D3}"/>
+              </a:ext>
+            </a:extLst>
+          </p:cNvPr>
+          <p:cNvPicPr>
+            <a:picLocks noChangeAspect="1"/>
+          </p:cNvPicPr>
+          <p:nvPr/>
+        </p:nvPicPr>
+        <p:blipFill>
+          <a:blip r:embed="rId3">
+            <a:extLst>
+              <a:ext uri="{96DAC541-7B7A-43D3-8B79-37D633B846F1}">
+                <asvg:svgBlip xmlns:asvg="http://schemas.microsoft.com/office/drawing/2016/SVG/main" r:embed="rId4"/>
+              </a:ext>
+            </a:extLst>
+          </a:blip>
+          <a:stretch>
+            <a:fillRect/>
+          </a:stretch>
+        </p:blipFill>
+        <p:spPr>
+          <a:xfrm>
+            <a:off x="6971158" y="2695147"/>
+            <a:ext cx="914400" cy="914400"/>
+          </a:xfrm>
+          <a:prstGeom prst="rect">
+            <a:avLst/>
+          </a:prstGeom>
+        </p:spPr>
+      </p:pic>
+      <p:sp>
+        <p:nvSpPr>
+          <p:cNvPr id="13" name="Speech Bubble: Rectangle 12">
+            <a:extLst>
+              <a:ext uri="{FF2B5EF4-FFF2-40B4-BE49-F238E27FC236}">
+                <a16:creationId xmlns:a16="http://schemas.microsoft.com/office/drawing/2014/main" id="{607BCF5E-3042-4E57-BE13-298B44EF95D4}"/>
+              </a:ext>
+            </a:extLst>
+          </p:cNvPr>
+          <p:cNvSpPr/>
+          <p:nvPr/>
+        </p:nvSpPr>
+        <p:spPr bwMode="gray">
+          <a:xfrm>
+            <a:off x="8835726" y="2793553"/>
+            <a:ext cx="2318513" cy="617991"/>
+          </a:xfrm>
+          <a:prstGeom prst="wedgeRectCallout">
+            <a:avLst>
+              <a:gd name="adj1" fmla="val -50183"/>
+              <a:gd name="adj2" fmla="val -116695"/>
+            </a:avLst>
+          </a:prstGeom>
+          <a:ln>
+            <a:headEnd/>
+            <a:tailEnd/>
+          </a:ln>
+        </p:spPr>
+        <p:style>
+          <a:lnRef idx="2">
+            <a:schemeClr val="accent5"/>
+          </a:lnRef>
+          <a:fillRef idx="1">
+            <a:schemeClr val="lt1"/>
+          </a:fillRef>
+          <a:effectRef idx="0">
+            <a:schemeClr val="accent5"/>
+          </a:effectRef>
+          <a:fontRef idx="minor">
+            <a:schemeClr val="dk1"/>
+          </a:fontRef>
+        </p:style>
+        <p:txBody>
+          <a:bodyPr lIns="90000" tIns="72000" rIns="90000" bIns="72000" rtlCol="0" anchor="ctr"/>
+          <a:lstStyle/>
+          <a:p>
+            <a:pPr marR="0" algn="ctr" defTabSz="914400" eaLnBrk="1" fontAlgn="base" latinLnBrk="0" hangingPunct="1">
+              <a:lnSpc>
+                <a:spcPct val="100000"/>
+              </a:lnSpc>
+              <a:spcBef>
+                <a:spcPct val="50000"/>
+              </a:spcBef>
+              <a:spcAft>
+                <a:spcPct val="0"/>
+              </a:spcAft>
+              <a:buClr>
+                <a:srgbClr val="F0AB00"/>
+              </a:buClr>
+              <a:buSzPct val="80000"/>
+              <a:tabLst/>
+            </a:pPr>
+            <a:r>
+              <a:rPr kumimoji="0" lang="en-US" sz="1800" b="0" i="0" u="none" strike="noStrike" kern="0" cap="none" spc="0" normalizeH="0" baseline="0" noProof="0" dirty="0">
+                <a:ln>
+                  <a:noFill/>
+                </a:ln>
+                <a:effectLst/>
+                <a:uLnTx/>
+                <a:uFillTx/>
+                <a:ea typeface="Arial Unicode MS" pitchFamily="34" charset="-128"/>
+                <a:cs typeface="Arial Unicode MS" pitchFamily="34" charset="-128"/>
+              </a:rPr>
+              <a:t>Block egress traffic with network policies</a:t>
+            </a:r>
+          </a:p>
+        </p:txBody>
+      </p:sp>
+      <p:sp>
+        <p:nvSpPr>
+          <p:cNvPr id="14" name="Speech Bubble: Rectangle 13">
+            <a:extLst>
+              <a:ext uri="{FF2B5EF4-FFF2-40B4-BE49-F238E27FC236}">
+                <a16:creationId xmlns:a16="http://schemas.microsoft.com/office/drawing/2014/main" id="{54F4D027-A4E0-4AEE-89BE-7D9AD78C2D7B}"/>
+              </a:ext>
+            </a:extLst>
+          </p:cNvPr>
+          <p:cNvSpPr/>
+          <p:nvPr/>
+        </p:nvSpPr>
+        <p:spPr bwMode="gray">
+          <a:xfrm>
+            <a:off x="6989398" y="5176944"/>
+            <a:ext cx="3014153" cy="1000664"/>
+          </a:xfrm>
+          <a:prstGeom prst="wedgeRectCallout">
+            <a:avLst>
+              <a:gd name="adj1" fmla="val -86024"/>
+              <a:gd name="adj2" fmla="val -31691"/>
+            </a:avLst>
+          </a:prstGeom>
+          <a:ln>
+            <a:headEnd/>
+            <a:tailEnd/>
+          </a:ln>
+        </p:spPr>
+        <p:style>
+          <a:lnRef idx="2">
+            <a:schemeClr val="accent5"/>
+          </a:lnRef>
+          <a:fillRef idx="1">
+            <a:schemeClr val="lt1"/>
+          </a:fillRef>
+          <a:effectRef idx="0">
+            <a:schemeClr val="accent5"/>
+          </a:effectRef>
+          <a:fontRef idx="minor">
+            <a:schemeClr val="dk1"/>
+          </a:fontRef>
+        </p:style>
+        <p:txBody>
+          <a:bodyPr lIns="90000" tIns="72000" rIns="90000" bIns="72000" rtlCol="0" anchor="ctr"/>
+          <a:lstStyle/>
+          <a:p>
+            <a:pPr marR="0" algn="ctr" defTabSz="914400" eaLnBrk="1" fontAlgn="base" latinLnBrk="0" hangingPunct="1">
+              <a:lnSpc>
+                <a:spcPct val="100000"/>
+              </a:lnSpc>
+              <a:spcBef>
+                <a:spcPct val="50000"/>
+              </a:spcBef>
+              <a:spcAft>
+                <a:spcPct val="0"/>
+              </a:spcAft>
+              <a:buClr>
+                <a:srgbClr val="F0AB00"/>
+              </a:buClr>
+              <a:buSzPct val="80000"/>
+              <a:tabLst/>
+            </a:pPr>
+            <a:r>
+              <a:rPr kumimoji="0" lang="en-US" sz="1800" b="0" i="0" u="none" strike="noStrike" kern="0" cap="none" spc="0" normalizeH="0" baseline="0" noProof="0" dirty="0">
+                <a:ln>
+                  <a:noFill/>
+                </a:ln>
+                <a:effectLst/>
+                <a:uLnTx/>
+                <a:uFillTx/>
+                <a:ea typeface="Arial Unicode MS" pitchFamily="34" charset="-128"/>
+                <a:cs typeface="Arial Unicode MS" pitchFamily="34" charset="-128"/>
+              </a:rPr>
+              <a:t>Limit resource consumption via container / pod spec</a:t>
+            </a:r>
+          </a:p>
+        </p:txBody>
+      </p:sp>
+      <p:sp>
+        <p:nvSpPr>
+          <p:cNvPr id="15" name="Speech Bubble: Rectangle 14">
+            <a:extLst>
+              <a:ext uri="{FF2B5EF4-FFF2-40B4-BE49-F238E27FC236}">
+                <a16:creationId xmlns:a16="http://schemas.microsoft.com/office/drawing/2014/main" id="{392769AA-5C5A-419E-B32F-1FC2321CC76E}"/>
+              </a:ext>
+            </a:extLst>
+          </p:cNvPr>
+          <p:cNvSpPr/>
+          <p:nvPr/>
+        </p:nvSpPr>
+        <p:spPr bwMode="gray">
+          <a:xfrm>
+            <a:off x="6989399" y="4166401"/>
+            <a:ext cx="3014152" cy="782350"/>
+          </a:xfrm>
+          <a:prstGeom prst="wedgeRectCallout">
+            <a:avLst>
+              <a:gd name="adj1" fmla="val -94596"/>
+              <a:gd name="adj2" fmla="val -85725"/>
+            </a:avLst>
+          </a:prstGeom>
+          <a:ln>
+            <a:headEnd/>
+            <a:tailEnd/>
+          </a:ln>
+        </p:spPr>
+        <p:style>
+          <a:lnRef idx="2">
+            <a:schemeClr val="accent5"/>
+          </a:lnRef>
+          <a:fillRef idx="1">
+            <a:schemeClr val="lt1"/>
+          </a:fillRef>
+          <a:effectRef idx="0">
+            <a:schemeClr val="accent5"/>
+          </a:effectRef>
+          <a:fontRef idx="minor">
+            <a:schemeClr val="dk1"/>
+          </a:fontRef>
+        </p:style>
+        <p:txBody>
+          <a:bodyPr lIns="90000" tIns="72000" rIns="90000" bIns="72000" rtlCol="0" anchor="ctr"/>
+          <a:lstStyle/>
+          <a:p>
+            <a:pPr marR="0" algn="ctr" defTabSz="914400" eaLnBrk="1" fontAlgn="base" latinLnBrk="0" hangingPunct="1">
+              <a:lnSpc>
+                <a:spcPct val="100000"/>
+              </a:lnSpc>
+              <a:spcBef>
+                <a:spcPct val="50000"/>
+              </a:spcBef>
+              <a:spcAft>
+                <a:spcPct val="0"/>
+              </a:spcAft>
+              <a:buClr>
+                <a:srgbClr val="F0AB00"/>
+              </a:buClr>
+              <a:buSzPct val="80000"/>
+              <a:tabLst/>
+            </a:pPr>
+            <a:r>
+              <a:rPr lang="en-US" sz="1800" kern="0" dirty="0">
+                <a:ea typeface="Arial Unicode MS" pitchFamily="34" charset="-128"/>
+                <a:cs typeface="Arial Unicode MS" pitchFamily="34" charset="-128"/>
+              </a:rPr>
+              <a:t>images don’t have tools like curl or </a:t>
+            </a:r>
+            <a:r>
+              <a:rPr lang="en-US" sz="1800" kern="0" dirty="0" err="1">
+                <a:ea typeface="Arial Unicode MS" pitchFamily="34" charset="-128"/>
+                <a:cs typeface="Arial Unicode MS" pitchFamily="34" charset="-128"/>
+              </a:rPr>
+              <a:t>wget</a:t>
+            </a:r>
+            <a:endParaRPr kumimoji="0" lang="en-US" sz="1800" b="0" i="0" u="none" strike="noStrike" kern="0" cap="none" spc="0" normalizeH="0" baseline="0" noProof="0" dirty="0">
+              <a:ln>
+                <a:noFill/>
+              </a:ln>
+              <a:effectLst/>
+              <a:uLnTx/>
+              <a:uFillTx/>
+              <a:ea typeface="Arial Unicode MS" pitchFamily="34" charset="-128"/>
+              <a:cs typeface="Arial Unicode MS" pitchFamily="34" charset="-128"/>
+            </a:endParaRPr>
+          </a:p>
+        </p:txBody>
+      </p:sp>
+    </p:spTree>
+    <p:extLst>
+      <p:ext uri="{BB962C8B-B14F-4D97-AF65-F5344CB8AC3E}">
+        <p14:creationId xmlns:p14="http://schemas.microsoft.com/office/powerpoint/2010/main" val="667062216"/>
+      </p:ext>
+    </p:extLst>
+  </p:cSld>
+  <p:clrMapOvr>
+    <a:masterClrMapping/>
+  </p:clrMapOvr>
+</p:sld>
+</file>
+
+<file path=ppt/slides/slide31.xml><?xml version="1.0" encoding="utf-8"?>
 <p:sld xmlns:a="http://schemas.openxmlformats.org/drawingml/2006/main" xmlns:r="http://schemas.openxmlformats.org/officeDocument/2006/relationships" xmlns:p="http://schemas.openxmlformats.org/presentationml/2006/main">
   <p:cSld>
     <p:spTree>
@@ -35270,7 +36305,7 @@
 </p:sld>
 </file>
 
-<file path=ppt/slides/slide31.xml><?xml version="1.0" encoding="utf-8"?>
+<file path=ppt/slides/slide32.xml><?xml version="1.0" encoding="utf-8"?>
 <p:sld xmlns:a="http://schemas.openxmlformats.org/drawingml/2006/main" xmlns:r="http://schemas.openxmlformats.org/officeDocument/2006/relationships" xmlns:p="http://schemas.openxmlformats.org/presentationml/2006/main">
   <p:cSld>
     <p:spTree>
@@ -36124,7 +37159,7 @@
 </p:sld>
 </file>
 
-<file path=ppt/slides/slide32.xml><?xml version="1.0" encoding="utf-8"?>
+<file path=ppt/slides/slide33.xml><?xml version="1.0" encoding="utf-8"?>
 <p:sld xmlns:a="http://schemas.openxmlformats.org/drawingml/2006/main" xmlns:r="http://schemas.openxmlformats.org/officeDocument/2006/relationships" xmlns:p="http://schemas.openxmlformats.org/presentationml/2006/main">
   <p:cSld>
     <p:spTree>
@@ -36970,7 +38005,7 @@
         <p:spPr bwMode="gray">
           <a:xfrm>
             <a:off x="6651337" y="4246824"/>
-            <a:ext cx="4274281" cy="1090720"/>
+            <a:ext cx="4274281" cy="1537284"/>
           </a:xfrm>
           <a:prstGeom prst="wedgeRectCallout">
             <a:avLst>
@@ -37018,7 +38053,7 @@
                 <a:ea typeface="Arial Unicode MS" pitchFamily="34" charset="-128"/>
                 <a:cs typeface="Arial Unicode MS" pitchFamily="34" charset="-128"/>
               </a:rPr>
-              <a:t>Security context &amp; policies:</a:t>
+              <a:t>Security policy:</a:t>
             </a:r>
             <a:r>
               <a:rPr lang="en-US" sz="1800" kern="0" dirty="0">
@@ -37047,7 +38082,29 @@
                 <a:cs typeface="Arial Unicode MS" pitchFamily="34" charset="-128"/>
                 <a:sym typeface="Wingdings" panose="05000000000000000000" pitchFamily="2" charset="2"/>
               </a:rPr>
-              <a:t>run as non-root &amp; block host file system access</a:t>
+              <a:t> - run as non-root</a:t>
+            </a:r>
+          </a:p>
+          <a:p>
+            <a:pPr defTabSz="914400" fontAlgn="base">
+              <a:spcBef>
+                <a:spcPct val="50000"/>
+              </a:spcBef>
+              <a:spcAft>
+                <a:spcPct val="0"/>
+              </a:spcAft>
+              <a:buClr>
+                <a:srgbClr val="F0AB00"/>
+              </a:buClr>
+              <a:buSzPct val="80000"/>
+            </a:pPr>
+            <a:r>
+              <a:rPr lang="en-US" sz="1800" kern="0" dirty="0">
+                <a:ea typeface="Arial Unicode MS" pitchFamily="34" charset="-128"/>
+                <a:cs typeface="Arial Unicode MS" pitchFamily="34" charset="-128"/>
+                <a:sym typeface="Wingdings" panose="05000000000000000000" pitchFamily="2" charset="2"/>
+              </a:rPr>
+              <a:t> - block host file system access</a:t>
             </a:r>
             <a:endParaRPr kumimoji="0" lang="en-US" sz="1800" b="0" i="0" u="none" strike="noStrike" kern="0" cap="none" spc="0" normalizeH="0" baseline="0" noProof="0" dirty="0">
               <a:ln>
@@ -37075,7 +38132,95 @@
 </p:sld>
 </file>
 
-<file path=ppt/slides/slide33.xml><?xml version="1.0" encoding="utf-8"?>
+<file path=ppt/slides/slide34.xml><?xml version="1.0" encoding="utf-8"?>
+<p:sld xmlns:a="http://schemas.openxmlformats.org/drawingml/2006/main" xmlns:r="http://schemas.openxmlformats.org/officeDocument/2006/relationships" xmlns:p="http://schemas.openxmlformats.org/presentationml/2006/main">
+  <p:cSld>
+    <p:spTree>
+      <p:nvGrpSpPr>
+        <p:cNvPr id="1" name=""/>
+        <p:cNvGrpSpPr/>
+        <p:nvPr/>
+      </p:nvGrpSpPr>
+      <p:grpSpPr>
+        <a:xfrm>
+          <a:off x="0" y="0"/>
+          <a:ext cx="0" cy="0"/>
+          <a:chOff x="0" y="0"/>
+          <a:chExt cx="0" cy="0"/>
+        </a:xfrm>
+      </p:grpSpPr>
+      <p:sp>
+        <p:nvSpPr>
+          <p:cNvPr id="2" name="Title 1">
+            <a:extLst>
+              <a:ext uri="{FF2B5EF4-FFF2-40B4-BE49-F238E27FC236}">
+                <a16:creationId xmlns:a16="http://schemas.microsoft.com/office/drawing/2014/main" id="{2D4BD4BF-5C0E-4BE1-A99C-25DBDC85D9CD}"/>
+              </a:ext>
+            </a:extLst>
+          </p:cNvPr>
+          <p:cNvSpPr>
+            <a:spLocks noGrp="1"/>
+          </p:cNvSpPr>
+          <p:nvPr>
+            <p:ph type="title"/>
+          </p:nvPr>
+        </p:nvSpPr>
+        <p:spPr/>
+        <p:txBody>
+          <a:bodyPr/>
+          <a:lstStyle/>
+          <a:p>
+            <a:r>
+              <a:rPr lang="en-US" dirty="0"/>
+              <a:t>Demo</a:t>
+            </a:r>
+          </a:p>
+        </p:txBody>
+      </p:sp>
+      <p:pic>
+        <p:nvPicPr>
+          <p:cNvPr id="4" name="Picture 3">
+            <a:extLst>
+              <a:ext uri="{FF2B5EF4-FFF2-40B4-BE49-F238E27FC236}">
+                <a16:creationId xmlns:a16="http://schemas.microsoft.com/office/drawing/2014/main" id="{A37371D8-51AB-421E-816A-31039883CAA2}"/>
+              </a:ext>
+            </a:extLst>
+          </p:cNvPr>
+          <p:cNvPicPr>
+            <a:picLocks noChangeAspect="1"/>
+          </p:cNvPicPr>
+          <p:nvPr/>
+        </p:nvPicPr>
+        <p:blipFill>
+          <a:blip r:embed="rId3"/>
+          <a:stretch>
+            <a:fillRect/>
+          </a:stretch>
+        </p:blipFill>
+        <p:spPr>
+          <a:xfrm>
+            <a:off x="3645157" y="976918"/>
+            <a:ext cx="4904163" cy="4904163"/>
+          </a:xfrm>
+          <a:prstGeom prst="rect">
+            <a:avLst/>
+          </a:prstGeom>
+        </p:spPr>
+      </p:pic>
+    </p:spTree>
+    <p:extLst>
+      <p:ext uri="{BB962C8B-B14F-4D97-AF65-F5344CB8AC3E}">
+        <p14:creationId xmlns:p14="http://schemas.microsoft.com/office/powerpoint/2010/main" val="110246728"/>
+      </p:ext>
+    </p:extLst>
+  </p:cSld>
+  <p:clrMapOvr>
+    <a:masterClrMapping/>
+  </p:clrMapOvr>
+</p:sld>
+</file>
+
+<file path=ppt/slides/slide35.xml><?xml version="1.0" encoding="utf-8"?>
 <p:sld xmlns:a="http://schemas.openxmlformats.org/drawingml/2006/main" xmlns:r="http://schemas.openxmlformats.org/officeDocument/2006/relationships" xmlns:p="http://schemas.openxmlformats.org/presentationml/2006/main" show="0">
   <p:cSld>
     <p:spTree>
@@ -39529,12 +40674,18 @@
       </p:grpSpPr>
       <p:sp>
         <p:nvSpPr>
-          <p:cNvPr id="5" name="Text Placeholder 4"/>
+          <p:cNvPr id="3" name="Title 2">
+            <a:extLst>
+              <a:ext uri="{FF2B5EF4-FFF2-40B4-BE49-F238E27FC236}">
+                <a16:creationId xmlns:a16="http://schemas.microsoft.com/office/drawing/2014/main" id="{51D3D19E-A8DA-4646-B054-3A090C73BA35}"/>
+              </a:ext>
+            </a:extLst>
+          </p:cNvPr>
           <p:cNvSpPr>
             <a:spLocks noGrp="1"/>
           </p:cNvSpPr>
           <p:nvPr>
-            <p:ph type="body" sz="quarter" idx="14"/>
+            <p:ph type="ctrTitle"/>
           </p:nvPr>
         </p:nvSpPr>
         <p:spPr/>
@@ -39544,116 +40695,52 @@
           <a:p>
             <a:r>
               <a:rPr lang="en-US" dirty="0"/>
-              <a:t>Kubernetes</a:t>
+              <a:t>Runtime Constraints</a:t>
             </a:r>
             <a:br>
               <a:rPr lang="en-US" dirty="0"/>
             </a:br>
             <a:r>
-              <a:rPr lang="en-US" dirty="0">
-                <a:solidFill>
-                  <a:schemeClr val="accent1"/>
-                </a:solidFill>
-              </a:rPr>
-              <a:t>Runtime Constraints for Pods</a:t>
+              <a:rPr lang="en-US" dirty="0"/>
+              <a:t>for Pods</a:t>
             </a:r>
           </a:p>
         </p:txBody>
       </p:sp>
       <p:pic>
         <p:nvPicPr>
-          <p:cNvPr id="4" name="Picture 3" descr="cid:image003.png@01D31CC6.A08B1C50">
+          <p:cNvPr id="5" name="Picture 4">
             <a:extLst>
               <a:ext uri="{FF2B5EF4-FFF2-40B4-BE49-F238E27FC236}">
-                <a16:creationId xmlns:a16="http://schemas.microsoft.com/office/drawing/2014/main" id="{CE860390-F50F-48A8-AA1A-AE0217946FC1}"/>
+                <a16:creationId xmlns:a16="http://schemas.microsoft.com/office/drawing/2014/main" id="{D79D1A9C-B158-42C0-8E43-FCB63DEB8CBE}"/>
               </a:ext>
             </a:extLst>
           </p:cNvPr>
           <p:cNvPicPr>
-            <a:picLocks noChangeAspect="1" noChangeArrowheads="1"/>
+            <a:picLocks noChangeAspect="1"/>
           </p:cNvPicPr>
           <p:nvPr/>
         </p:nvPicPr>
         <p:blipFill>
-          <a:blip r:embed="rId3">
-            <a:extLst>
-              <a:ext uri="{28A0092B-C50C-407E-A947-70E740481C1C}">
-                <a14:useLocalDpi xmlns:a14="http://schemas.microsoft.com/office/drawing/2010/main" val="0"/>
-              </a:ext>
-            </a:extLst>
-          </a:blip>
-          <a:srcRect/>
+          <a:blip r:embed="rId2"/>
           <a:stretch>
             <a:fillRect/>
           </a:stretch>
         </p:blipFill>
-        <p:spPr bwMode="auto">
+        <p:spPr>
           <a:xfrm>
-            <a:off x="10780712" y="5721975"/>
-            <a:ext cx="1414463" cy="1136025"/>
+            <a:off x="6096600" y="1137112"/>
+            <a:ext cx="3906668" cy="3906668"/>
           </a:xfrm>
           <a:prstGeom prst="rect">
             <a:avLst/>
           </a:prstGeom>
-          <a:noFill/>
-          <a:ln>
-            <a:noFill/>
-          </a:ln>
-          <a:extLst>
-            <a:ext uri="{909E8E84-426E-40DD-AFC4-6F175D3DCCD1}">
-              <a14:hiddenFill xmlns:a14="http://schemas.microsoft.com/office/drawing/2010/main">
-                <a:solidFill>
-                  <a:srgbClr val="FFFFFF"/>
-                </a:solidFill>
-              </a14:hiddenFill>
-            </a:ext>
-            <a:ext uri="{91240B29-F687-4F45-9708-019B960494DF}">
-              <a14:hiddenLine xmlns:a14="http://schemas.microsoft.com/office/drawing/2010/main" w="9525">
-                <a:solidFill>
-                  <a:srgbClr val="000000"/>
-                </a:solidFill>
-                <a:miter lim="800000"/>
-                <a:headEnd/>
-                <a:tailEnd/>
-              </a14:hiddenLine>
-            </a:ext>
-          </a:extLst>
-        </p:spPr>
-      </p:pic>
-      <p:pic>
-        <p:nvPicPr>
-          <p:cNvPr id="7" name="Illustration" descr="Example of an illustration" title="Illustration for title slide">
-            <a:extLst>
-              <a:ext uri="{FF2B5EF4-FFF2-40B4-BE49-F238E27FC236}">
-                <a16:creationId xmlns:a16="http://schemas.microsoft.com/office/drawing/2014/main" id="{22F2E50F-EBB2-47D2-B872-FA5012B3343A}"/>
-              </a:ext>
-            </a:extLst>
-          </p:cNvPr>
-          <p:cNvPicPr>
-            <a:picLocks noGrp="1" noChangeAspect="1"/>
-          </p:cNvPicPr>
-          <p:nvPr>
-            <p:ph type="pic" sz="quarter" idx="12"/>
-          </p:nvPr>
-        </p:nvPicPr>
-        <p:blipFill>
-          <a:blip r:embed="rId4"/>
-          <a:srcRect t="3112" b="3112"/>
-          <a:stretch>
-            <a:fillRect/>
-          </a:stretch>
-        </p:blipFill>
-        <p:spPr bwMode="gray">
-          <a:xfrm>
-            <a:off x="1" y="0"/>
-            <a:ext cx="12195174" cy="3430006"/>
-          </a:xfrm>
         </p:spPr>
       </p:pic>
     </p:spTree>
     <p:extLst>
       <p:ext uri="{BB962C8B-B14F-4D97-AF65-F5344CB8AC3E}">
-        <p14:creationId xmlns:p14="http://schemas.microsoft.com/office/powerpoint/2010/main" val="1818809250"/>
+        <p14:creationId xmlns:p14="http://schemas.microsoft.com/office/powerpoint/2010/main" val="83201360"/>
       </p:ext>
     </p:extLst>
   </p:cSld>

--- a/kubernetes/12_security.pptx
+++ b/kubernetes/12_security.pptx
@@ -5,10 +5,10 @@
     <p:sldMasterId id="2147483733" r:id="rId1"/>
   </p:sldMasterIdLst>
   <p:notesMasterIdLst>
-    <p:notesMasterId r:id="rId37"/>
+    <p:notesMasterId r:id="rId38"/>
   </p:notesMasterIdLst>
   <p:handoutMasterIdLst>
-    <p:handoutMasterId r:id="rId38"/>
+    <p:handoutMasterId r:id="rId39"/>
   </p:handoutMasterIdLst>
   <p:sldIdLst>
     <p:sldId id="433" r:id="rId2"/>
@@ -21,31 +21,32 @@
     <p:sldId id="956" r:id="rId9"/>
     <p:sldId id="957" r:id="rId10"/>
     <p:sldId id="958" r:id="rId11"/>
-    <p:sldId id="961" r:id="rId12"/>
-    <p:sldId id="964" r:id="rId13"/>
-    <p:sldId id="471" r:id="rId14"/>
-    <p:sldId id="929" r:id="rId15"/>
-    <p:sldId id="930" r:id="rId16"/>
-    <p:sldId id="948" r:id="rId17"/>
-    <p:sldId id="950" r:id="rId18"/>
-    <p:sldId id="951" r:id="rId19"/>
-    <p:sldId id="952" r:id="rId20"/>
-    <p:sldId id="953" r:id="rId21"/>
-    <p:sldId id="954" r:id="rId22"/>
-    <p:sldId id="459" r:id="rId23"/>
-    <p:sldId id="926" r:id="rId24"/>
-    <p:sldId id="446" r:id="rId25"/>
-    <p:sldId id="467" r:id="rId26"/>
-    <p:sldId id="458" r:id="rId27"/>
-    <p:sldId id="931" r:id="rId28"/>
-    <p:sldId id="940" r:id="rId29"/>
-    <p:sldId id="936" r:id="rId30"/>
-    <p:sldId id="943" r:id="rId31"/>
-    <p:sldId id="942" r:id="rId32"/>
-    <p:sldId id="944" r:id="rId33"/>
-    <p:sldId id="945" r:id="rId34"/>
-    <p:sldId id="965" r:id="rId35"/>
-    <p:sldId id="265" r:id="rId36"/>
+    <p:sldId id="966" r:id="rId12"/>
+    <p:sldId id="961" r:id="rId13"/>
+    <p:sldId id="964" r:id="rId14"/>
+    <p:sldId id="471" r:id="rId15"/>
+    <p:sldId id="929" r:id="rId16"/>
+    <p:sldId id="930" r:id="rId17"/>
+    <p:sldId id="948" r:id="rId18"/>
+    <p:sldId id="950" r:id="rId19"/>
+    <p:sldId id="951" r:id="rId20"/>
+    <p:sldId id="952" r:id="rId21"/>
+    <p:sldId id="953" r:id="rId22"/>
+    <p:sldId id="954" r:id="rId23"/>
+    <p:sldId id="459" r:id="rId24"/>
+    <p:sldId id="926" r:id="rId25"/>
+    <p:sldId id="446" r:id="rId26"/>
+    <p:sldId id="467" r:id="rId27"/>
+    <p:sldId id="458" r:id="rId28"/>
+    <p:sldId id="931" r:id="rId29"/>
+    <p:sldId id="940" r:id="rId30"/>
+    <p:sldId id="936" r:id="rId31"/>
+    <p:sldId id="943" r:id="rId32"/>
+    <p:sldId id="942" r:id="rId33"/>
+    <p:sldId id="944" r:id="rId34"/>
+    <p:sldId id="945" r:id="rId35"/>
+    <p:sldId id="965" r:id="rId36"/>
+    <p:sldId id="265" r:id="rId37"/>
   </p:sldIdLst>
   <p:sldSz cx="12195175" cy="6858000"/>
   <p:notesSz cx="6858000" cy="9144000"/>
@@ -680,15 +681,15 @@
           <a:p>
             <a:r>
               <a:rPr lang="en-US" dirty="0"/>
-              <a:t>Resource Quota and </a:t>
+              <a:t>Forking tons of new processes can bring down a host easily. To prevent such an attack being driven from within a pod, limiting the number of processes allowed per process group / </a:t>
             </a:r>
             <a:r>
               <a:rPr lang="en-US" dirty="0" err="1"/>
-              <a:t>LimitRanges</a:t>
+              <a:t>cgroup</a:t>
             </a:r>
             <a:r>
               <a:rPr lang="en-US" dirty="0"/>
-              <a:t> can be used to control requested as well as actual resource consumption + # of k8s objects per namespace. Example: if the memory quota per pod is 200 MB and you want to start, let’s say a Jenkins which would require more – the application will not be able to start before being killed for exceeding the memory limit.</a:t>
+              <a:t> is very important. </a:t>
             </a:r>
           </a:p>
           <a:p>
@@ -697,24 +698,16 @@
           <a:p>
             <a:r>
               <a:rPr lang="en-US" dirty="0"/>
-              <a:t>Network policies control traffic within the cluster – details on next slide.</a:t>
-            </a:r>
-          </a:p>
-          <a:p>
-            <a:endParaRPr lang="en-US" dirty="0"/>
-          </a:p>
-          <a:p>
+              <a:t>Unfortunately the current implementation is only in alpha stage and implemented on </a:t>
+            </a:r>
             <a:r>
               <a:rPr lang="en-US" dirty="0" err="1"/>
-              <a:t>PodSecurityPolicies</a:t>
+              <a:t>kubelet</a:t>
             </a:r>
             <a:r>
               <a:rPr lang="en-US" dirty="0"/>
-              <a:t> specify (security relevant) runtime conditions for pods. https://kubernetes.io/docs/concepts/policy/pod-security-policy/ </a:t>
-            </a:r>
-          </a:p>
-          <a:p>
-            <a:endParaRPr lang="en-US" dirty="0"/>
+              <a:t> level. </a:t>
+            </a:r>
           </a:p>
         </p:txBody>
       </p:sp>
@@ -725,7 +718,7 @@
             <a:spLocks noGrp="1"/>
           </p:cNvSpPr>
           <p:nvPr>
-            <p:ph type="sldNum" sz="quarter" idx="10"/>
+            <p:ph type="sldNum" sz="quarter" idx="5"/>
           </p:nvPr>
         </p:nvSpPr>
         <p:spPr/>
@@ -736,7 +729,7 @@
             <a:fld id="{7D8C2C35-2B8A-446E-BEC0-FD36716C29AC}" type="slidenum">
               <a:rPr lang="de-DE" smtClean="0"/>
               <a:pPr/>
-              <a:t>13</a:t>
+              <a:t>12</a:t>
             </a:fld>
             <a:endParaRPr lang="de-DE" dirty="0"/>
           </a:p>
@@ -745,7 +738,7 @@
     </p:spTree>
     <p:extLst>
       <p:ext uri="{BB962C8B-B14F-4D97-AF65-F5344CB8AC3E}">
-        <p14:creationId xmlns:p14="http://schemas.microsoft.com/office/powerpoint/2010/main" val="3992989739"/>
+        <p14:creationId xmlns:p14="http://schemas.microsoft.com/office/powerpoint/2010/main" val="1647445843"/>
       </p:ext>
     </p:extLst>
   </p:cSld>
@@ -799,6 +792,42 @@
           <a:bodyPr/>
           <a:lstStyle/>
           <a:p>
+            <a:r>
+              <a:rPr lang="en-US" dirty="0"/>
+              <a:t>Resource Quota and </a:t>
+            </a:r>
+            <a:r>
+              <a:rPr lang="en-US" dirty="0" err="1"/>
+              <a:t>LimitRanges</a:t>
+            </a:r>
+            <a:r>
+              <a:rPr lang="en-US" dirty="0"/>
+              <a:t> can be used to control requested as well as actual resource consumption + # of k8s objects per namespace. Example: if the memory quota per pod is 200 MB and you want to start, let’s say a Jenkins which would require more – the application will not be able to start before being killed for exceeding the memory limit.</a:t>
+            </a:r>
+          </a:p>
+          <a:p>
+            <a:endParaRPr lang="en-US" dirty="0"/>
+          </a:p>
+          <a:p>
+            <a:r>
+              <a:rPr lang="en-US" dirty="0"/>
+              <a:t>Network policies control traffic within the cluster – details on next slide.</a:t>
+            </a:r>
+          </a:p>
+          <a:p>
+            <a:endParaRPr lang="en-US" dirty="0"/>
+          </a:p>
+          <a:p>
+            <a:r>
+              <a:rPr lang="en-US" dirty="0" err="1"/>
+              <a:t>PodSecurityPolicies</a:t>
+            </a:r>
+            <a:r>
+              <a:rPr lang="en-US" dirty="0"/>
+              <a:t> specify (security relevant) runtime conditions for pods. https://kubernetes.io/docs/concepts/policy/pod-security-policy/ </a:t>
+            </a:r>
+          </a:p>
+          <a:p>
             <a:endParaRPr lang="en-US" dirty="0"/>
           </a:p>
         </p:txBody>
@@ -821,7 +850,7 @@
             <a:fld id="{7D8C2C35-2B8A-446E-BEC0-FD36716C29AC}" type="slidenum">
               <a:rPr lang="de-DE" smtClean="0"/>
               <a:pPr/>
-              <a:t>15</a:t>
+              <a:t>14</a:t>
             </a:fld>
             <a:endParaRPr lang="de-DE" dirty="0"/>
           </a:p>
@@ -830,7 +859,7 @@
     </p:spTree>
     <p:extLst>
       <p:ext uri="{BB962C8B-B14F-4D97-AF65-F5344CB8AC3E}">
-        <p14:creationId xmlns:p14="http://schemas.microsoft.com/office/powerpoint/2010/main" val="2174285358"/>
+        <p14:creationId xmlns:p14="http://schemas.microsoft.com/office/powerpoint/2010/main" val="3992989739"/>
       </p:ext>
     </p:extLst>
   </p:cSld>
@@ -884,42 +913,7 @@
           <a:bodyPr/>
           <a:lstStyle/>
           <a:p>
-            <a:r>
-              <a:rPr lang="en-US" sz="1400" b="0" i="0" kern="1200" dirty="0">
-                <a:solidFill>
-                  <a:schemeClr val="tx1"/>
-                </a:solidFill>
-                <a:effectLst/>
-                <a:latin typeface="+mn-lt"/>
-                <a:ea typeface="+mn-ea"/>
-                <a:cs typeface="+mn-cs"/>
-              </a:rPr>
-              <a:t>Without any pod security policy (</a:t>
-            </a:r>
-            <a:r>
-              <a:rPr lang="en-US" sz="1400" b="0" i="0" kern="1200" dirty="0" err="1">
-                <a:solidFill>
-                  <a:schemeClr val="tx1"/>
-                </a:solidFill>
-                <a:effectLst/>
-                <a:latin typeface="+mn-lt"/>
-                <a:ea typeface="+mn-ea"/>
-                <a:cs typeface="+mn-cs"/>
-              </a:rPr>
-              <a:t>psp</a:t>
-            </a:r>
-            <a:r>
-              <a:rPr lang="en-US" sz="1400" b="0" i="0" kern="1200" dirty="0">
-                <a:solidFill>
-                  <a:schemeClr val="tx1"/>
-                </a:solidFill>
-                <a:effectLst/>
-                <a:latin typeface="+mn-lt"/>
-                <a:ea typeface="+mn-ea"/>
-                <a:cs typeface="+mn-cs"/>
-              </a:rPr>
-              <a:t>) there are no centrally enforced constraints for containers. A container may run with root capabilities on the host and even mount the host’s file system with root permissions. In this case containment &amp; isolation is impossible.</a:t>
-            </a:r>
+            <a:endParaRPr lang="en-US" dirty="0"/>
           </a:p>
         </p:txBody>
       </p:sp>
@@ -950,7 +944,7 @@
     </p:spTree>
     <p:extLst>
       <p:ext uri="{BB962C8B-B14F-4D97-AF65-F5344CB8AC3E}">
-        <p14:creationId xmlns:p14="http://schemas.microsoft.com/office/powerpoint/2010/main" val="1729514601"/>
+        <p14:creationId xmlns:p14="http://schemas.microsoft.com/office/powerpoint/2010/main" val="2174285358"/>
       </p:ext>
     </p:extLst>
   </p:cSld>
@@ -1014,10 +1008,10 @@
                 <a:ea typeface="+mn-ea"/>
                 <a:cs typeface="+mn-cs"/>
               </a:rPr>
-              <a:t>A </a:t>
-            </a:r>
-            <a:r>
-              <a:rPr lang="en-US" sz="1400" b="0" i="1" kern="1200" dirty="0">
+              <a:t>Without any pod security policy (</a:t>
+            </a:r>
+            <a:r>
+              <a:rPr lang="en-US" sz="1400" b="0" i="0" kern="1200" dirty="0" err="1">
                 <a:solidFill>
                   <a:schemeClr val="tx1"/>
                 </a:solidFill>
@@ -1026,7 +1020,7 @@
                 <a:ea typeface="+mn-ea"/>
                 <a:cs typeface="+mn-cs"/>
               </a:rPr>
-              <a:t>Pod Security Policy</a:t>
+              <a:t>psp</a:t>
             </a:r>
             <a:r>
               <a:rPr lang="en-US" sz="1400" b="0" i="0" kern="1200" dirty="0">
@@ -1038,77 +1032,8 @@
                 <a:ea typeface="+mn-ea"/>
                 <a:cs typeface="+mn-cs"/>
               </a:rPr>
-              <a:t> is a cluster-level resource that controls security sensitive aspects of the pod specification. The </a:t>
-            </a:r>
-            <a:r>
-              <a:rPr lang="en-US" dirty="0" err="1"/>
-              <a:t>PodSecurityPolicy</a:t>
-            </a:r>
-            <a:r>
-              <a:rPr lang="en-US" sz="1400" b="0" i="0" kern="1200" dirty="0">
-                <a:solidFill>
-                  <a:schemeClr val="tx1"/>
-                </a:solidFill>
-                <a:effectLst/>
-                <a:latin typeface="+mn-lt"/>
-                <a:ea typeface="+mn-ea"/>
-                <a:cs typeface="+mn-cs"/>
-              </a:rPr>
-              <a:t> objects define a set of conditions that a pod must run with in order to be accepted into the system, as well as defaults for the related fields. </a:t>
-            </a:r>
-          </a:p>
-          <a:p>
-            <a:endParaRPr lang="en-US" sz="1400" b="0" i="0" kern="1200" dirty="0">
-              <a:solidFill>
-                <a:schemeClr val="tx1"/>
-              </a:solidFill>
-              <a:effectLst/>
-              <a:latin typeface="+mn-lt"/>
-              <a:ea typeface="+mn-ea"/>
-              <a:cs typeface="+mn-cs"/>
-            </a:endParaRPr>
-          </a:p>
-          <a:p>
-            <a:r>
-              <a:rPr lang="en-US" sz="1400" b="0" i="0" kern="1200" dirty="0">
-                <a:solidFill>
-                  <a:schemeClr val="tx1"/>
-                </a:solidFill>
-                <a:effectLst/>
-                <a:latin typeface="+mn-lt"/>
-                <a:ea typeface="+mn-ea"/>
-                <a:cs typeface="+mn-cs"/>
-              </a:rPr>
-              <a:t>Once the controller is active, every pods needs to be associated with a policy object. We will see on the next slide, how that works.</a:t>
-            </a:r>
-          </a:p>
-          <a:p>
-            <a:r>
-              <a:rPr lang="en-US" sz="1400" b="0" i="0" kern="1200" dirty="0">
-                <a:solidFill>
-                  <a:schemeClr val="tx1"/>
-                </a:solidFill>
-                <a:effectLst/>
-                <a:latin typeface="+mn-lt"/>
-                <a:ea typeface="+mn-ea"/>
-                <a:cs typeface="+mn-cs"/>
-              </a:rPr>
-              <a:t>But as long as there is no policy, no pod will be accepted &amp;</a:t>
-            </a:r>
-            <a:r>
-              <a:rPr lang="en-US" sz="1400" b="0" i="0" kern="1200" dirty="0">
-                <a:solidFill>
-                  <a:schemeClr val="tx1"/>
-                </a:solidFill>
-                <a:effectLst/>
-                <a:latin typeface="+mn-lt"/>
-                <a:ea typeface="+mn-ea"/>
-                <a:cs typeface="+mn-cs"/>
-                <a:sym typeface="Wingdings" panose="05000000000000000000" pitchFamily="2" charset="2"/>
-              </a:rPr>
-              <a:t> scheduled in the entire cluster.</a:t>
-            </a:r>
-            <a:endParaRPr lang="en-US" dirty="0"/>
+              <a:t>) there are no centrally enforced constraints for containers. A container may run with root capabilities on the host and even mount the host’s file system with root permissions. In this case containment &amp; isolation is impossible.</a:t>
+            </a:r>
           </a:p>
         </p:txBody>
       </p:sp>
@@ -1139,7 +1064,7 @@
     </p:spTree>
     <p:extLst>
       <p:ext uri="{BB962C8B-B14F-4D97-AF65-F5344CB8AC3E}">
-        <p14:creationId xmlns:p14="http://schemas.microsoft.com/office/powerpoint/2010/main" val="2131175890"/>
+        <p14:creationId xmlns:p14="http://schemas.microsoft.com/office/powerpoint/2010/main" val="1729514601"/>
       </p:ext>
     </p:extLst>
   </p:cSld>
@@ -1203,10 +1128,10 @@
                 <a:ea typeface="+mn-ea"/>
                 <a:cs typeface="+mn-cs"/>
               </a:rPr>
-              <a:t>In order to make use of it, the usage of the policy has to be authorized by a (newly defined) role. Now you can attach the policy via a </a:t>
-            </a:r>
-            <a:r>
-              <a:rPr lang="en-US" sz="1400" b="0" i="0" kern="1200" dirty="0" err="1">
+              <a:t>A </a:t>
+            </a:r>
+            <a:r>
+              <a:rPr lang="en-US" sz="1400" b="0" i="1" kern="1200" dirty="0">
                 <a:solidFill>
                   <a:schemeClr val="tx1"/>
                 </a:solidFill>
@@ -1215,7 +1140,7 @@
                 <a:ea typeface="+mn-ea"/>
                 <a:cs typeface="+mn-cs"/>
               </a:rPr>
-              <a:t>rolebinding</a:t>
+              <a:t>Pod Security Policy</a:t>
             </a:r>
             <a:r>
               <a:rPr lang="en-US" sz="1400" b="0" i="0" kern="1200" dirty="0">
@@ -1227,7 +1152,75 @@
                 <a:ea typeface="+mn-ea"/>
                 <a:cs typeface="+mn-cs"/>
               </a:rPr>
-              <a:t> to a service account and the pods will be scheduled, if its definition matches the criteria of the policy</a:t>
+              <a:t> is a cluster-level resource that controls security sensitive aspects of the pod specification. The </a:t>
+            </a:r>
+            <a:r>
+              <a:rPr lang="en-US" dirty="0" err="1"/>
+              <a:t>PodSecurityPolicy</a:t>
+            </a:r>
+            <a:r>
+              <a:rPr lang="en-US" sz="1400" b="0" i="0" kern="1200" dirty="0">
+                <a:solidFill>
+                  <a:schemeClr val="tx1"/>
+                </a:solidFill>
+                <a:effectLst/>
+                <a:latin typeface="+mn-lt"/>
+                <a:ea typeface="+mn-ea"/>
+                <a:cs typeface="+mn-cs"/>
+              </a:rPr>
+              <a:t> objects define a set of conditions that a pod must run with in order to be accepted into the system, as well as defaults for the related fields. </a:t>
+            </a:r>
+          </a:p>
+          <a:p>
+            <a:endParaRPr lang="en-US" sz="1400" b="0" i="0" kern="1200" dirty="0">
+              <a:solidFill>
+                <a:schemeClr val="tx1"/>
+              </a:solidFill>
+              <a:effectLst/>
+              <a:latin typeface="+mn-lt"/>
+              <a:ea typeface="+mn-ea"/>
+              <a:cs typeface="+mn-cs"/>
+            </a:endParaRPr>
+          </a:p>
+          <a:p>
+            <a:r>
+              <a:rPr lang="en-US" sz="1400" b="0" i="0" kern="1200" dirty="0">
+                <a:solidFill>
+                  <a:schemeClr val="tx1"/>
+                </a:solidFill>
+                <a:effectLst/>
+                <a:latin typeface="+mn-lt"/>
+                <a:ea typeface="+mn-ea"/>
+                <a:cs typeface="+mn-cs"/>
+              </a:rPr>
+              <a:t>Once the controller is active, every pods needs to be associated with a policy object. We will see on the next slide, how that works.</a:t>
+            </a:r>
+          </a:p>
+          <a:p>
+            <a:r>
+              <a:rPr lang="en-US" sz="1400" b="0" i="0" kern="1200" dirty="0">
+                <a:solidFill>
+                  <a:schemeClr val="tx1"/>
+                </a:solidFill>
+                <a:effectLst/>
+                <a:latin typeface="+mn-lt"/>
+                <a:ea typeface="+mn-ea"/>
+                <a:cs typeface="+mn-cs"/>
+              </a:rPr>
+              <a:t>But as long as there is no policy, no pod will be accepted &amp;</a:t>
+            </a:r>
+            <a:r>
+              <a:rPr lang="en-US" sz="1400" b="0" i="0" kern="1200" dirty="0">
+                <a:solidFill>
+                  <a:schemeClr val="tx1"/>
+                </a:solidFill>
+                <a:effectLst/>
+                <a:latin typeface="+mn-lt"/>
+                <a:ea typeface="+mn-ea"/>
+                <a:cs typeface="+mn-cs"/>
+                <a:sym typeface="Wingdings" panose="05000000000000000000" pitchFamily="2" charset="2"/>
+              </a:rPr>
+              <a:t> scheduled in the entire cluster.</a:t>
             </a:r>
             <a:endParaRPr lang="en-US" dirty="0"/>
           </a:p>
@@ -1260,7 +1253,7 @@
     </p:spTree>
     <p:extLst>
       <p:ext uri="{BB962C8B-B14F-4D97-AF65-F5344CB8AC3E}">
-        <p14:creationId xmlns:p14="http://schemas.microsoft.com/office/powerpoint/2010/main" val="557057072"/>
+        <p14:creationId xmlns:p14="http://schemas.microsoft.com/office/powerpoint/2010/main" val="2131175890"/>
       </p:ext>
     </p:extLst>
   </p:cSld>
@@ -1381,7 +1374,7 @@
     </p:spTree>
     <p:extLst>
       <p:ext uri="{BB962C8B-B14F-4D97-AF65-F5344CB8AC3E}">
-        <p14:creationId xmlns:p14="http://schemas.microsoft.com/office/powerpoint/2010/main" val="1643537951"/>
+        <p14:creationId xmlns:p14="http://schemas.microsoft.com/office/powerpoint/2010/main" val="557057072"/>
       </p:ext>
     </p:extLst>
   </p:cSld>
@@ -1436,24 +1429,42 @@
           <a:lstStyle/>
           <a:p>
             <a:r>
-              <a:rPr lang="en-US" dirty="0"/>
-              <a:t>Details: https://kubernetes.io/docs/concepts/policy/pod-security-policy/</a:t>
-            </a:r>
-          </a:p>
-          <a:p>
+              <a:rPr lang="en-US" sz="1400" b="0" i="0" kern="1200" dirty="0">
+                <a:solidFill>
+                  <a:schemeClr val="tx1"/>
+                </a:solidFill>
+                <a:effectLst/>
+                <a:latin typeface="+mn-lt"/>
+                <a:ea typeface="+mn-ea"/>
+                <a:cs typeface="+mn-cs"/>
+              </a:rPr>
+              <a:t>In order to make use of it, the usage of the policy has to be authorized by a (newly defined) role. Now you can attach the policy via a </a:t>
+            </a:r>
+            <a:r>
+              <a:rPr lang="en-US" sz="1400" b="0" i="0" kern="1200" dirty="0" err="1">
+                <a:solidFill>
+                  <a:schemeClr val="tx1"/>
+                </a:solidFill>
+                <a:effectLst/>
+                <a:latin typeface="+mn-lt"/>
+                <a:ea typeface="+mn-ea"/>
+                <a:cs typeface="+mn-cs"/>
+              </a:rPr>
+              <a:t>rolebinding</a:t>
+            </a:r>
+            <a:r>
+              <a:rPr lang="en-US" sz="1400" b="0" i="0" kern="1200" dirty="0">
+                <a:solidFill>
+                  <a:schemeClr val="tx1"/>
+                </a:solidFill>
+                <a:effectLst/>
+                <a:latin typeface="+mn-lt"/>
+                <a:ea typeface="+mn-ea"/>
+                <a:cs typeface="+mn-cs"/>
+              </a:rPr>
+              <a:t> to a service account and the pods will be scheduled, if its definition matches the criteria of the policy</a:t>
+            </a:r>
             <a:endParaRPr lang="en-US" dirty="0"/>
-          </a:p>
-          <a:p>
-            <a:r>
-              <a:rPr lang="en-US" dirty="0"/>
-              <a:t>This is an example of a pod security policy that basically allows everything. There are no restrictions of user IDs, privileges or file system groups. Container validated against this rule may run with root permissions.</a:t>
-            </a:r>
-          </a:p>
-          <a:p>
-            <a:r>
-              <a:rPr lang="en-US" dirty="0"/>
-              <a:t>It is also possible to access the host in almost any possible way.</a:t>
-            </a:r>
           </a:p>
         </p:txBody>
       </p:sp>
@@ -1464,7 +1475,7 @@
             <a:spLocks noGrp="1"/>
           </p:cNvSpPr>
           <p:nvPr>
-            <p:ph type="sldNum" sz="quarter" idx="5"/>
+            <p:ph type="sldNum" sz="quarter" idx="10"/>
           </p:nvPr>
         </p:nvSpPr>
         <p:spPr/>
@@ -1484,7 +1495,7 @@
     </p:spTree>
     <p:extLst>
       <p:ext uri="{BB962C8B-B14F-4D97-AF65-F5344CB8AC3E}">
-        <p14:creationId xmlns:p14="http://schemas.microsoft.com/office/powerpoint/2010/main" val="2624201790"/>
+        <p14:creationId xmlns:p14="http://schemas.microsoft.com/office/powerpoint/2010/main" val="1643537951"/>
       </p:ext>
     </p:extLst>
   </p:cSld>
@@ -1549,29 +1560,13 @@
           <a:p>
             <a:r>
               <a:rPr lang="en-US" dirty="0"/>
-              <a:t>This is an example of a way more restrictive pod security policy. Pods validated against it, must not use volume types other than </a:t>
-            </a:r>
-            <a:r>
-              <a:rPr lang="en-US" dirty="0" err="1"/>
-              <a:t>configMap</a:t>
-            </a:r>
+              <a:t>This is an example of a pod security policy that basically allows everything. There are no restrictions of user IDs, privileges or file system groups. Container validated against this rule may run with root permissions.</a:t>
+            </a:r>
+          </a:p>
+          <a:p>
             <a:r>
               <a:rPr lang="en-US" dirty="0"/>
-              <a:t>, </a:t>
-            </a:r>
-            <a:r>
-              <a:rPr lang="en-US" dirty="0" err="1"/>
-              <a:t>emptyDir</a:t>
-            </a:r>
-            <a:r>
-              <a:rPr lang="en-US" dirty="0"/>
-              <a:t>, projected (project multiple info in the same directory) &amp; secret. PVC or host fs are blocked.</a:t>
-            </a:r>
-          </a:p>
-          <a:p>
-            <a:r>
-              <a:rPr lang="en-US" dirty="0"/>
-              <a:t>The usage of UID 0 is also forbidden.</a:t>
+              <a:t>It is also possible to access the host in almost any possible way.</a:t>
             </a:r>
           </a:p>
         </p:txBody>
@@ -1603,7 +1598,7 @@
     </p:spTree>
     <p:extLst>
       <p:ext uri="{BB962C8B-B14F-4D97-AF65-F5344CB8AC3E}">
-        <p14:creationId xmlns:p14="http://schemas.microsoft.com/office/powerpoint/2010/main" val="2190904761"/>
+        <p14:creationId xmlns:p14="http://schemas.microsoft.com/office/powerpoint/2010/main" val="2624201790"/>
       </p:ext>
     </p:extLst>
   </p:cSld>
@@ -1654,49 +1649,44 @@
         </p:nvSpPr>
         <p:spPr/>
         <p:txBody>
-          <a:bodyPr>
-            <a:normAutofit/>
-          </a:bodyPr>
+          <a:bodyPr/>
           <a:lstStyle/>
           <a:p>
             <a:r>
-              <a:rPr lang="en-US" noProof="0" dirty="0"/>
-              <a:t>Network policies are </a:t>
-            </a:r>
-            <a:r>
-              <a:rPr lang="en-US" noProof="0" dirty="0" err="1"/>
-              <a:t>kubernetes</a:t>
-            </a:r>
-            <a:r>
-              <a:rPr lang="en-US" noProof="0" dirty="0"/>
-              <a:t> object just as pods. The need an overlay network that supports the enforcement of their rules, like Calico. </a:t>
-            </a:r>
-          </a:p>
-          <a:p>
-            <a:r>
-              <a:rPr lang="en-US" noProof="0" dirty="0"/>
-              <a:t>Basically they define rules for incoming (ingress) and outgoing (egress) traffic to pods. As filter rules you can set IP addresses or use labels. Filter actions are deny or allow.</a:t>
-            </a:r>
-          </a:p>
-          <a:p>
-            <a:endParaRPr lang="en-US" noProof="0" dirty="0"/>
-          </a:p>
-          <a:p>
-            <a:r>
-              <a:rPr lang="en-US" noProof="0" dirty="0"/>
-              <a:t>In the example above, let’s assume princess Peach is at her castle (pod). She has created a service in order to be callable, but only as long as her location = castle. That works quite well, only that Bowser keeps calling her all the time. So Peach decides to allow only calls from Mario and puts a network policy in place. The policy filters incoming calls when she has her “location: castle” label and allows only those to pass, that have a label “caller: </a:t>
-            </a:r>
-            <a:r>
-              <a:rPr lang="en-US" noProof="0" dirty="0" err="1"/>
-              <a:t>mario</a:t>
-            </a:r>
-            <a:r>
-              <a:rPr lang="en-US" noProof="0" dirty="0"/>
-              <a:t>” attached. As a result Bowser is no longer able to call her.</a:t>
-            </a:r>
-          </a:p>
-          <a:p>
-            <a:endParaRPr lang="en-US" noProof="0" dirty="0"/>
+              <a:rPr lang="en-US" dirty="0"/>
+              <a:t>Details: https://kubernetes.io/docs/concepts/policy/pod-security-policy/</a:t>
+            </a:r>
+          </a:p>
+          <a:p>
+            <a:endParaRPr lang="en-US" dirty="0"/>
+          </a:p>
+          <a:p>
+            <a:r>
+              <a:rPr lang="en-US" dirty="0"/>
+              <a:t>This is an example of a way more restrictive pod security policy. Pods validated against it, must not use volume types other than </a:t>
+            </a:r>
+            <a:r>
+              <a:rPr lang="en-US" dirty="0" err="1"/>
+              <a:t>configMap</a:t>
+            </a:r>
+            <a:r>
+              <a:rPr lang="en-US" dirty="0"/>
+              <a:t>, </a:t>
+            </a:r>
+            <a:r>
+              <a:rPr lang="en-US" dirty="0" err="1"/>
+              <a:t>emptyDir</a:t>
+            </a:r>
+            <a:r>
+              <a:rPr lang="en-US" dirty="0"/>
+              <a:t>, projected (project multiple info in the same directory) &amp; secret. PVC or host fs are blocked.</a:t>
+            </a:r>
+          </a:p>
+          <a:p>
+            <a:r>
+              <a:rPr lang="en-US" dirty="0"/>
+              <a:t>The usage of UID 0 is also forbidden.</a:t>
+            </a:r>
           </a:p>
         </p:txBody>
       </p:sp>
@@ -1707,7 +1697,7 @@
             <a:spLocks noGrp="1"/>
           </p:cNvSpPr>
           <p:nvPr>
-            <p:ph type="sldNum" sz="quarter" idx="10"/>
+            <p:ph type="sldNum" sz="quarter" idx="5"/>
           </p:nvPr>
         </p:nvSpPr>
         <p:spPr/>
@@ -1716,18 +1706,18 @@
           <a:lstStyle/>
           <a:p>
             <a:fld id="{7D8C2C35-2B8A-446E-BEC0-FD36716C29AC}" type="slidenum">
-              <a:rPr lang="en-US" smtClean="0"/>
+              <a:rPr lang="de-DE" smtClean="0"/>
               <a:pPr/>
               <a:t>22</a:t>
             </a:fld>
-            <a:endParaRPr lang="en-US" dirty="0"/>
+            <a:endParaRPr lang="de-DE" dirty="0"/>
           </a:p>
         </p:txBody>
       </p:sp>
     </p:spTree>
     <p:extLst>
       <p:ext uri="{BB962C8B-B14F-4D97-AF65-F5344CB8AC3E}">
-        <p14:creationId xmlns:p14="http://schemas.microsoft.com/office/powerpoint/2010/main" val="325304950"/>
+        <p14:creationId xmlns:p14="http://schemas.microsoft.com/office/powerpoint/2010/main" val="2190904761"/>
       </p:ext>
     </p:extLst>
   </p:cSld>
@@ -1778,7 +1768,9 @@
         </p:nvSpPr>
         <p:spPr/>
         <p:txBody>
-          <a:bodyPr/>
+          <a:bodyPr>
+            <a:normAutofit/>
+          </a:bodyPr>
           <a:lstStyle/>
           <a:p>
             <a:r>
@@ -1801,229 +1793,24 @@
             </a:r>
           </a:p>
           <a:p>
+            <a:endParaRPr lang="en-US" noProof="0" dirty="0"/>
+          </a:p>
+          <a:p>
             <a:r>
               <a:rPr lang="en-US" noProof="0" dirty="0"/>
-              <a:t>In the example above, the network policy is enforced for access to “Pod A”, determined by its label and the corresponding selector.</a:t>
-            </a:r>
-          </a:p>
-          <a:p>
+              <a:t>In the example above, let’s assume princess Peach is at her castle (pod). She has created a service in order to be callable, but only as long as her location = castle. That works quite well, only that Bowser keeps calling her all the time. So Peach decides to allow only calls from Mario and puts a network policy in place. The policy filters incoming calls when she has her “location: castle” label and allows only those to pass, that have a label “caller: </a:t>
+            </a:r>
+            <a:r>
+              <a:rPr lang="en-US" noProof="0" dirty="0" err="1"/>
+              <a:t>mario</a:t>
+            </a:r>
             <a:r>
               <a:rPr lang="en-US" noProof="0" dirty="0"/>
-              <a:t>Pod B is allowed to access pod A since it has the correct label. Traffic from pod M will be blocked.</a:t>
-            </a:r>
-          </a:p>
-          <a:p>
-            <a:r>
-              <a:rPr lang="de-DE" dirty="0"/>
-              <a:t>Demo:</a:t>
-            </a:r>
-          </a:p>
-          <a:p>
-            <a:r>
-              <a:rPr lang="de-DE" dirty="0" err="1"/>
-              <a:t>kubectl</a:t>
-            </a:r>
-            <a:r>
-              <a:rPr lang="de-DE" dirty="0"/>
-              <a:t> </a:t>
-            </a:r>
-            <a:r>
-              <a:rPr lang="de-DE" dirty="0" err="1"/>
-              <a:t>run</a:t>
-            </a:r>
-            <a:r>
-              <a:rPr lang="de-DE" dirty="0"/>
-              <a:t> </a:t>
-            </a:r>
-            <a:r>
-              <a:rPr lang="de-DE" dirty="0" err="1"/>
-              <a:t>nginx</a:t>
-            </a:r>
-            <a:r>
-              <a:rPr lang="de-DE" dirty="0"/>
-              <a:t> --image</a:t>
-            </a:r>
-            <a:r>
-              <a:rPr lang="de-DE" b="1" dirty="0"/>
-              <a:t>=</a:t>
-            </a:r>
-            <a:r>
-              <a:rPr lang="de-DE" dirty="0" err="1"/>
-              <a:t>nginx</a:t>
-            </a:r>
-            <a:r>
-              <a:rPr lang="de-DE" dirty="0"/>
-              <a:t> --</a:t>
-            </a:r>
-            <a:r>
-              <a:rPr lang="de-DE" dirty="0" err="1"/>
-              <a:t>replicas</a:t>
-            </a:r>
-            <a:r>
-              <a:rPr lang="de-DE" b="1" dirty="0"/>
-              <a:t>=</a:t>
-            </a:r>
-            <a:r>
-              <a:rPr lang="de-DE" dirty="0"/>
-              <a:t>2 </a:t>
-            </a:r>
-          </a:p>
-          <a:p>
-            <a:r>
-              <a:rPr lang="de-DE" dirty="0" err="1"/>
-              <a:t>kubectl</a:t>
-            </a:r>
-            <a:r>
-              <a:rPr lang="de-DE" dirty="0"/>
-              <a:t> </a:t>
-            </a:r>
-            <a:r>
-              <a:rPr lang="de-DE" dirty="0" err="1"/>
-              <a:t>expose</a:t>
-            </a:r>
-            <a:r>
-              <a:rPr lang="de-DE" dirty="0"/>
-              <a:t> </a:t>
-            </a:r>
-            <a:r>
-              <a:rPr lang="de-DE" dirty="0" err="1"/>
-              <a:t>deployment</a:t>
-            </a:r>
-            <a:r>
-              <a:rPr lang="de-DE" dirty="0"/>
-              <a:t> </a:t>
-            </a:r>
-            <a:r>
-              <a:rPr lang="de-DE" dirty="0" err="1"/>
-              <a:t>nginx</a:t>
-            </a:r>
-            <a:r>
-              <a:rPr lang="de-DE" dirty="0"/>
-              <a:t> --</a:t>
-            </a:r>
-            <a:r>
-              <a:rPr lang="de-DE" dirty="0" err="1"/>
-              <a:t>port</a:t>
-            </a:r>
-            <a:r>
-              <a:rPr lang="de-DE" b="1" dirty="0"/>
-              <a:t>=</a:t>
-            </a:r>
-            <a:r>
-              <a:rPr lang="de-DE" dirty="0"/>
-              <a:t>80</a:t>
-            </a:r>
-          </a:p>
-          <a:p>
-            <a:r>
-              <a:rPr lang="de-DE" dirty="0" err="1"/>
-              <a:t>kubectl</a:t>
-            </a:r>
-            <a:r>
-              <a:rPr lang="de-DE" dirty="0"/>
-              <a:t> </a:t>
-            </a:r>
-            <a:r>
-              <a:rPr lang="de-DE" dirty="0" err="1"/>
-              <a:t>run</a:t>
-            </a:r>
-            <a:r>
-              <a:rPr lang="de-DE" dirty="0"/>
-              <a:t> </a:t>
-            </a:r>
-            <a:r>
-              <a:rPr lang="de-DE" dirty="0" err="1"/>
-              <a:t>busybox</a:t>
-            </a:r>
-            <a:r>
-              <a:rPr lang="de-DE" dirty="0"/>
-              <a:t> --</a:t>
-            </a:r>
-            <a:r>
-              <a:rPr lang="de-DE" dirty="0" err="1"/>
-              <a:t>rm</a:t>
-            </a:r>
-            <a:r>
-              <a:rPr lang="de-DE" dirty="0"/>
-              <a:t> -</a:t>
-            </a:r>
-            <a:r>
-              <a:rPr lang="de-DE" dirty="0" err="1"/>
-              <a:t>ti</a:t>
-            </a:r>
-            <a:r>
-              <a:rPr lang="de-DE" dirty="0"/>
-              <a:t> --image</a:t>
-            </a:r>
-            <a:r>
-              <a:rPr lang="de-DE" b="1" dirty="0"/>
-              <a:t>=</a:t>
-            </a:r>
-            <a:r>
-              <a:rPr lang="de-DE" dirty="0" err="1"/>
-              <a:t>busybox</a:t>
-            </a:r>
-            <a:r>
-              <a:rPr lang="de-DE" dirty="0"/>
-              <a:t> /bin/sh</a:t>
-            </a:r>
-          </a:p>
-          <a:p>
-            <a:r>
-              <a:rPr lang="de-DE" dirty="0"/>
-              <a:t> # </a:t>
-            </a:r>
-            <a:r>
-              <a:rPr lang="de-DE" dirty="0" err="1"/>
-              <a:t>wget</a:t>
-            </a:r>
-            <a:r>
-              <a:rPr lang="de-DE" dirty="0"/>
-              <a:t> --spider --timeout=1 </a:t>
-            </a:r>
-            <a:r>
-              <a:rPr lang="de-DE" dirty="0" err="1"/>
-              <a:t>nginx</a:t>
-            </a:r>
-            <a:endParaRPr lang="en-US" dirty="0"/>
-          </a:p>
-          <a:p>
-            <a:r>
-              <a:rPr lang="en-US" dirty="0" err="1"/>
-              <a:t>Kubectl</a:t>
-            </a:r>
-            <a:r>
-              <a:rPr lang="en-US" dirty="0"/>
-              <a:t> create –f network-</a:t>
-            </a:r>
-            <a:r>
-              <a:rPr lang="en-US" dirty="0" err="1"/>
-              <a:t>policy.yaml</a:t>
-            </a:r>
-            <a:endParaRPr lang="en-US" dirty="0"/>
-          </a:p>
-          <a:p>
-            <a:r>
-              <a:rPr lang="en-US" dirty="0" err="1"/>
-              <a:t>Kubectl</a:t>
-            </a:r>
-            <a:r>
-              <a:rPr lang="en-US" dirty="0"/>
-              <a:t> run ..</a:t>
-            </a:r>
-          </a:p>
-          <a:p>
-            <a:r>
-              <a:rPr lang="en-US" dirty="0" err="1"/>
-              <a:t>Kubectl</a:t>
-            </a:r>
-            <a:r>
-              <a:rPr lang="en-US" dirty="0"/>
-              <a:t> run … -l access=true</a:t>
-            </a:r>
-          </a:p>
-          <a:p>
-            <a:endParaRPr lang="en-US" dirty="0"/>
+              <a:t>” attached. As a result Bowser is no longer able to call her.</a:t>
+            </a:r>
+          </a:p>
+          <a:p>
+            <a:endParaRPr lang="en-US" noProof="0" dirty="0"/>
           </a:p>
         </p:txBody>
       </p:sp>
@@ -2045,7 +1832,7 @@
             <a:fld id="{7D8C2C35-2B8A-446E-BEC0-FD36716C29AC}" type="slidenum">
               <a:rPr lang="en-US" smtClean="0"/>
               <a:pPr/>
-              <a:t>24</a:t>
+              <a:t>23</a:t>
             </a:fld>
             <a:endParaRPr lang="en-US" dirty="0"/>
           </a:p>
@@ -2054,7 +1841,7 @@
     </p:spTree>
     <p:extLst>
       <p:ext uri="{BB962C8B-B14F-4D97-AF65-F5344CB8AC3E}">
-        <p14:creationId xmlns:p14="http://schemas.microsoft.com/office/powerpoint/2010/main" val="3747275599"/>
+        <p14:creationId xmlns:p14="http://schemas.microsoft.com/office/powerpoint/2010/main" val="325304950"/>
       </p:ext>
     </p:extLst>
   </p:cSld>
@@ -2281,10 +2068,40 @@
         </p:nvSpPr>
         <p:spPr/>
         <p:txBody>
-          <a:bodyPr>
-            <a:normAutofit fontScale="92500" lnSpcReduction="20000"/>
-          </a:bodyPr>
+          <a:bodyPr/>
           <a:lstStyle/>
+          <a:p>
+            <a:r>
+              <a:rPr lang="en-US" noProof="0" dirty="0"/>
+              <a:t>Network policies are </a:t>
+            </a:r>
+            <a:r>
+              <a:rPr lang="en-US" noProof="0" dirty="0" err="1"/>
+              <a:t>kubernetes</a:t>
+            </a:r>
+            <a:r>
+              <a:rPr lang="en-US" noProof="0" dirty="0"/>
+              <a:t> object just as pods. The need an overlay network that supports the enforcement of their rules, like Calico. </a:t>
+            </a:r>
+          </a:p>
+          <a:p>
+            <a:r>
+              <a:rPr lang="en-US" noProof="0" dirty="0"/>
+              <a:t>Basically they define rules for incoming (ingress) and outgoing (egress) traffic to pods. As filter rules you can set IP addresses or use labels. Filter actions are deny or allow.</a:t>
+            </a:r>
+          </a:p>
+          <a:p>
+            <a:r>
+              <a:rPr lang="en-US" noProof="0" dirty="0"/>
+              <a:t>In the example above, the network policy is enforced for access to “Pod A”, determined by its label and the corresponding selector.</a:t>
+            </a:r>
+          </a:p>
+          <a:p>
+            <a:r>
+              <a:rPr lang="en-US" noProof="0" dirty="0"/>
+              <a:t>Pod B is allowed to access pod A since it has the correct label. Traffic from pod M will be blocked.</a:t>
+            </a:r>
+          </a:p>
           <a:p>
             <a:r>
               <a:rPr lang="de-DE" dirty="0"/>
@@ -2292,13 +2109,71 @@
             </a:r>
           </a:p>
           <a:p>
-            <a:pPr marL="285750" indent="-285750">
-              <a:buFont typeface="Symbol" panose="05050102010706020507" pitchFamily="18" charset="2"/>
-              <a:buChar char="-"/>
-            </a:pPr>
+            <a:r>
+              <a:rPr lang="de-DE" dirty="0" err="1"/>
+              <a:t>kubectl</a:t>
+            </a:r>
             <a:r>
               <a:rPr lang="de-DE" dirty="0"/>
-              <a:t>Create a </a:t>
+              <a:t> </a:t>
+            </a:r>
+            <a:r>
+              <a:rPr lang="de-DE" dirty="0" err="1"/>
+              <a:t>run</a:t>
+            </a:r>
+            <a:r>
+              <a:rPr lang="de-DE" dirty="0"/>
+              <a:t> </a:t>
+            </a:r>
+            <a:r>
+              <a:rPr lang="de-DE" dirty="0" err="1"/>
+              <a:t>nginx</a:t>
+            </a:r>
+            <a:r>
+              <a:rPr lang="de-DE" dirty="0"/>
+              <a:t> --image</a:t>
+            </a:r>
+            <a:r>
+              <a:rPr lang="de-DE" b="1" dirty="0"/>
+              <a:t>=</a:t>
+            </a:r>
+            <a:r>
+              <a:rPr lang="de-DE" dirty="0" err="1"/>
+              <a:t>nginx</a:t>
+            </a:r>
+            <a:r>
+              <a:rPr lang="de-DE" dirty="0"/>
+              <a:t> --</a:t>
+            </a:r>
+            <a:r>
+              <a:rPr lang="de-DE" dirty="0" err="1"/>
+              <a:t>replicas</a:t>
+            </a:r>
+            <a:r>
+              <a:rPr lang="de-DE" b="1" dirty="0"/>
+              <a:t>=</a:t>
+            </a:r>
+            <a:r>
+              <a:rPr lang="de-DE" dirty="0"/>
+              <a:t>2 </a:t>
+            </a:r>
+          </a:p>
+          <a:p>
+            <a:r>
+              <a:rPr lang="de-DE" dirty="0" err="1"/>
+              <a:t>kubectl</a:t>
+            </a:r>
+            <a:r>
+              <a:rPr lang="de-DE" dirty="0"/>
+              <a:t> </a:t>
+            </a:r>
+            <a:r>
+              <a:rPr lang="de-DE" dirty="0" err="1"/>
+              <a:t>expose</a:t>
+            </a:r>
+            <a:r>
+              <a:rPr lang="de-DE" dirty="0"/>
+              <a:t> </a:t>
             </a:r>
             <a:r>
               <a:rPr lang="de-DE" dirty="0" err="1"/>
@@ -2306,11 +2181,33 @@
             </a:r>
             <a:r>
               <a:rPr lang="de-DE" dirty="0"/>
-              <a:t> &amp; a </a:t>
+              <a:t> </a:t>
             </a:r>
             <a:r>
               <a:rPr lang="de-DE" dirty="0" err="1"/>
-              <a:t>corresponding</a:t>
+              <a:t>nginx</a:t>
+            </a:r>
+            <a:r>
+              <a:rPr lang="de-DE" dirty="0"/>
+              <a:t> --</a:t>
+            </a:r>
+            <a:r>
+              <a:rPr lang="de-DE" dirty="0" err="1"/>
+              <a:t>port</a:t>
+            </a:r>
+            <a:r>
+              <a:rPr lang="de-DE" b="1" dirty="0"/>
+              <a:t>=</a:t>
+            </a:r>
+            <a:r>
+              <a:rPr lang="de-DE" dirty="0"/>
+              <a:t>80</a:t>
+            </a:r>
+          </a:p>
+          <a:p>
+            <a:r>
+              <a:rPr lang="de-DE" dirty="0" err="1"/>
+              <a:t>kubectl</a:t>
             </a:r>
             <a:r>
               <a:rPr lang="de-DE" dirty="0"/>
@@ -2318,23 +2215,7 @@
             </a:r>
             <a:r>
               <a:rPr lang="de-DE" dirty="0" err="1"/>
-              <a:t>service</a:t>
-            </a:r>
-            <a:r>
-              <a:rPr lang="de-DE" dirty="0"/>
-              <a:t> (</a:t>
-            </a:r>
-            <a:r>
-              <a:rPr lang="de-DE" dirty="0" err="1"/>
-              <a:t>if</a:t>
-            </a:r>
-            <a:r>
-              <a:rPr lang="de-DE" dirty="0"/>
-              <a:t> not </a:t>
-            </a:r>
-            <a:r>
-              <a:rPr lang="de-DE" dirty="0" err="1"/>
-              <a:t>yet</a:t>
+              <a:t>run</a:t>
             </a:r>
             <a:r>
               <a:rPr lang="de-DE" dirty="0"/>
@@ -2342,350 +2223,64 @@
             </a:r>
             <a:r>
               <a:rPr lang="de-DE" dirty="0" err="1"/>
-              <a:t>done</a:t>
+              <a:t>busybox</a:t>
             </a:r>
             <a:r>
               <a:rPr lang="de-DE" dirty="0"/>
-              <a:t>)</a:t>
-            </a:r>
-          </a:p>
-          <a:p>
-            <a:pPr marL="465750" lvl="1" indent="-285750">
-              <a:buFont typeface="Symbol" panose="05050102010706020507" pitchFamily="18" charset="2"/>
-              <a:buChar char="-"/>
-            </a:pPr>
+              <a:t> --</a:t>
+            </a:r>
             <a:r>
               <a:rPr lang="de-DE" dirty="0" err="1"/>
-              <a:t>kubectl</a:t>
+              <a:t>rm</a:t>
             </a:r>
             <a:r>
               <a:rPr lang="de-DE" dirty="0"/>
-              <a:t> </a:t>
+              <a:t> -</a:t>
             </a:r>
             <a:r>
               <a:rPr lang="de-DE" dirty="0" err="1"/>
-              <a:t>run</a:t>
+              <a:t>ti</a:t>
             </a:r>
             <a:r>
               <a:rPr lang="de-DE" dirty="0"/>
-              <a:t> </a:t>
+              <a:t> --image</a:t>
+            </a:r>
+            <a:r>
+              <a:rPr lang="de-DE" b="1" dirty="0"/>
+              <a:t>=</a:t>
+            </a:r>
+            <a:r>
+              <a:rPr lang="de-DE" dirty="0" err="1"/>
+              <a:t>busybox</a:t>
+            </a:r>
+            <a:r>
+              <a:rPr lang="de-DE" dirty="0"/>
+              <a:t> /bin/sh</a:t>
+            </a:r>
+          </a:p>
+          <a:p>
+            <a:r>
+              <a:rPr lang="de-DE" dirty="0"/>
+              <a:t> # </a:t>
+            </a:r>
+            <a:r>
+              <a:rPr lang="de-DE" dirty="0" err="1"/>
+              <a:t>wget</a:t>
+            </a:r>
+            <a:r>
+              <a:rPr lang="de-DE" dirty="0"/>
+              <a:t> --spider --timeout=1 </a:t>
             </a:r>
             <a:r>
               <a:rPr lang="de-DE" dirty="0" err="1"/>
               <a:t>nginx</a:t>
             </a:r>
-            <a:r>
-              <a:rPr lang="de-DE" dirty="0"/>
-              <a:t> --image</a:t>
-            </a:r>
-            <a:r>
-              <a:rPr lang="de-DE" b="1" dirty="0"/>
-              <a:t>=</a:t>
-            </a:r>
-            <a:r>
-              <a:rPr lang="de-DE" dirty="0" err="1"/>
-              <a:t>nginx</a:t>
-            </a:r>
-            <a:r>
-              <a:rPr lang="de-DE" dirty="0"/>
-              <a:t> --</a:t>
-            </a:r>
-            <a:r>
-              <a:rPr lang="de-DE" dirty="0" err="1"/>
-              <a:t>replicas</a:t>
-            </a:r>
-            <a:r>
-              <a:rPr lang="de-DE" b="1" dirty="0"/>
-              <a:t>=</a:t>
-            </a:r>
-            <a:r>
-              <a:rPr lang="de-DE" dirty="0"/>
-              <a:t>2 </a:t>
-            </a:r>
-          </a:p>
-          <a:p>
-            <a:pPr marL="465750" lvl="1" indent="-285750">
-              <a:buFont typeface="Symbol" panose="05050102010706020507" pitchFamily="18" charset="2"/>
-              <a:buChar char="-"/>
-            </a:pPr>
-            <a:r>
-              <a:rPr lang="de-DE" dirty="0" err="1"/>
-              <a:t>kubectl</a:t>
-            </a:r>
-            <a:r>
-              <a:rPr lang="de-DE" dirty="0"/>
-              <a:t> </a:t>
-            </a:r>
-            <a:r>
-              <a:rPr lang="de-DE" dirty="0" err="1"/>
-              <a:t>expose</a:t>
-            </a:r>
-            <a:r>
-              <a:rPr lang="de-DE" dirty="0"/>
-              <a:t> </a:t>
-            </a:r>
-            <a:r>
-              <a:rPr lang="de-DE" dirty="0" err="1"/>
-              <a:t>deployment</a:t>
-            </a:r>
-            <a:r>
-              <a:rPr lang="de-DE" dirty="0"/>
-              <a:t> </a:t>
-            </a:r>
-            <a:r>
-              <a:rPr lang="de-DE" dirty="0" err="1"/>
-              <a:t>nginx</a:t>
-            </a:r>
-            <a:r>
-              <a:rPr lang="de-DE" dirty="0"/>
-              <a:t> --</a:t>
-            </a:r>
-            <a:r>
-              <a:rPr lang="de-DE" dirty="0" err="1"/>
-              <a:t>port</a:t>
-            </a:r>
-            <a:r>
-              <a:rPr lang="de-DE" b="1" dirty="0"/>
-              <a:t>=</a:t>
-            </a:r>
-            <a:r>
-              <a:rPr lang="de-DE" dirty="0"/>
-              <a:t>80</a:t>
-            </a:r>
-          </a:p>
-          <a:p>
-            <a:pPr marL="285750" indent="-285750">
-              <a:buFont typeface="Symbol" panose="05050102010706020507" pitchFamily="18" charset="2"/>
-              <a:buChar char="-"/>
-            </a:pPr>
-            <a:endParaRPr lang="de-DE" dirty="0"/>
-          </a:p>
-          <a:p>
-            <a:pPr marL="285750" indent="-285750">
-              <a:buFont typeface="Symbol" panose="05050102010706020507" pitchFamily="18" charset="2"/>
-              <a:buChar char="-"/>
-            </a:pPr>
-            <a:r>
-              <a:rPr lang="de-DE" dirty="0"/>
-              <a:t>Create a </a:t>
-            </a:r>
-            <a:r>
-              <a:rPr lang="de-DE" dirty="0" err="1"/>
-              <a:t>helper</a:t>
-            </a:r>
-            <a:r>
-              <a:rPr lang="de-DE" dirty="0"/>
-              <a:t> </a:t>
-            </a:r>
-            <a:r>
-              <a:rPr lang="de-DE" dirty="0" err="1"/>
-              <a:t>pod</a:t>
-            </a:r>
-            <a:r>
-              <a:rPr lang="de-DE" dirty="0"/>
-              <a:t>, </a:t>
-            </a:r>
-            <a:r>
-              <a:rPr lang="de-DE" dirty="0" err="1"/>
-              <a:t>logon</a:t>
-            </a:r>
-            <a:r>
-              <a:rPr lang="de-DE" dirty="0"/>
-              <a:t> </a:t>
-            </a:r>
-            <a:r>
-              <a:rPr lang="de-DE" dirty="0" err="1"/>
-              <a:t>to</a:t>
-            </a:r>
-            <a:r>
-              <a:rPr lang="de-DE" dirty="0"/>
-              <a:t> </a:t>
-            </a:r>
-            <a:r>
-              <a:rPr lang="de-DE" dirty="0" err="1"/>
-              <a:t>it</a:t>
-            </a:r>
-            <a:r>
-              <a:rPr lang="de-DE" dirty="0"/>
-              <a:t> and </a:t>
-            </a:r>
-            <a:r>
-              <a:rPr lang="de-DE" dirty="0" err="1"/>
-              <a:t>get</a:t>
-            </a:r>
-            <a:r>
-              <a:rPr lang="de-DE" dirty="0"/>
-              <a:t> </a:t>
-            </a:r>
-            <a:r>
-              <a:rPr lang="de-DE" dirty="0" err="1"/>
-              <a:t>the</a:t>
-            </a:r>
-            <a:r>
-              <a:rPr lang="de-DE" dirty="0"/>
-              <a:t> index.html </a:t>
-            </a:r>
-            <a:r>
-              <a:rPr lang="de-DE" dirty="0" err="1"/>
-              <a:t>page</a:t>
-            </a:r>
-            <a:r>
-              <a:rPr lang="de-DE" dirty="0"/>
-              <a:t> </a:t>
-            </a:r>
-            <a:r>
-              <a:rPr lang="de-DE" dirty="0" err="1"/>
-              <a:t>from</a:t>
-            </a:r>
-            <a:r>
-              <a:rPr lang="de-DE" dirty="0"/>
-              <a:t> </a:t>
-            </a:r>
-            <a:r>
-              <a:rPr lang="de-DE" dirty="0" err="1"/>
-              <a:t>the</a:t>
-            </a:r>
-            <a:r>
-              <a:rPr lang="de-DE" dirty="0"/>
-              <a:t> </a:t>
-            </a:r>
-            <a:r>
-              <a:rPr lang="de-DE" dirty="0" err="1"/>
-              <a:t>nginx</a:t>
-            </a:r>
-            <a:r>
-              <a:rPr lang="de-DE" dirty="0"/>
-              <a:t> backend.</a:t>
-            </a:r>
-          </a:p>
-          <a:p>
-            <a:pPr marL="465750" lvl="1" indent="-285750">
-              <a:buFont typeface="Symbol" panose="05050102010706020507" pitchFamily="18" charset="2"/>
-              <a:buChar char="-"/>
-            </a:pPr>
-            <a:r>
-              <a:rPr lang="de-DE" dirty="0" err="1"/>
-              <a:t>kubectl</a:t>
-            </a:r>
-            <a:r>
-              <a:rPr lang="de-DE" dirty="0"/>
-              <a:t> </a:t>
-            </a:r>
-            <a:r>
-              <a:rPr lang="de-DE" dirty="0" err="1"/>
-              <a:t>run</a:t>
-            </a:r>
-            <a:r>
-              <a:rPr lang="de-DE" dirty="0"/>
-              <a:t> </a:t>
-            </a:r>
-            <a:r>
-              <a:rPr lang="de-DE" dirty="0" err="1"/>
-              <a:t>connector</a:t>
-            </a:r>
-            <a:r>
-              <a:rPr lang="de-DE" dirty="0"/>
-              <a:t> --</a:t>
-            </a:r>
-            <a:r>
-              <a:rPr lang="de-DE" dirty="0" err="1"/>
-              <a:t>rm</a:t>
-            </a:r>
-            <a:r>
-              <a:rPr lang="de-DE" dirty="0"/>
-              <a:t> -</a:t>
-            </a:r>
-            <a:r>
-              <a:rPr lang="de-DE" dirty="0" err="1"/>
-              <a:t>ti</a:t>
-            </a:r>
-            <a:r>
-              <a:rPr lang="de-DE" dirty="0"/>
-              <a:t> --</a:t>
-            </a:r>
-            <a:r>
-              <a:rPr lang="de-DE" dirty="0" err="1"/>
-              <a:t>restart</a:t>
-            </a:r>
-            <a:r>
-              <a:rPr lang="de-DE" dirty="0"/>
-              <a:t>=Never --image</a:t>
-            </a:r>
-            <a:r>
-              <a:rPr lang="de-DE" b="1" dirty="0"/>
-              <a:t>=</a:t>
-            </a:r>
-            <a:r>
-              <a:rPr lang="de-DE" dirty="0"/>
-              <a:t>alpine:3.8</a:t>
-            </a:r>
-          </a:p>
-          <a:p>
-            <a:pPr marL="465750" lvl="1" indent="-285750">
-              <a:buFont typeface="Symbol" panose="05050102010706020507" pitchFamily="18" charset="2"/>
-              <a:buChar char="-"/>
-            </a:pPr>
-            <a:r>
-              <a:rPr lang="de-DE" dirty="0"/>
-              <a:t># </a:t>
-            </a:r>
-            <a:r>
-              <a:rPr lang="de-DE" dirty="0" err="1"/>
-              <a:t>wget</a:t>
-            </a:r>
-            <a:r>
-              <a:rPr lang="de-DE" dirty="0"/>
-              <a:t> --timeout=1 </a:t>
-            </a:r>
-            <a:r>
-              <a:rPr lang="de-DE" dirty="0" err="1"/>
-              <a:t>nginx</a:t>
-            </a:r>
-            <a:endParaRPr lang="de-DE" dirty="0"/>
-          </a:p>
-          <a:p>
-            <a:pPr marL="465750" lvl="1" indent="-285750">
-              <a:buFont typeface="Symbol" panose="05050102010706020507" pitchFamily="18" charset="2"/>
-              <a:buChar char="-"/>
-            </a:pPr>
-            <a:r>
-              <a:rPr lang="en-US" dirty="0"/>
-              <a:t>Remove the index.html page &amp; stay connected to the shell session</a:t>
-            </a:r>
-          </a:p>
-          <a:p>
-            <a:pPr marL="285750" indent="-285750">
-              <a:buFont typeface="Symbol" panose="05050102010706020507" pitchFamily="18" charset="2"/>
-              <a:buChar char="-"/>
-            </a:pPr>
             <a:endParaRPr lang="en-US" dirty="0"/>
           </a:p>
           <a:p>
-            <a:pPr marL="285750" indent="-285750">
-              <a:buFont typeface="Symbol" panose="05050102010706020507" pitchFamily="18" charset="2"/>
-              <a:buChar char="-"/>
-            </a:pPr>
-            <a:r>
-              <a:rPr lang="en-US" dirty="0"/>
-              <a:t>Create the network policy in a 2</a:t>
-            </a:r>
-            <a:r>
-              <a:rPr lang="en-US" baseline="30000" dirty="0"/>
-              <a:t>nd</a:t>
-            </a:r>
-            <a:r>
-              <a:rPr lang="en-US" dirty="0"/>
-              <a:t> shell:</a:t>
-            </a:r>
-          </a:p>
-          <a:p>
-            <a:pPr marL="465750" lvl="1" indent="-285750">
-              <a:buFont typeface="Symbol" panose="05050102010706020507" pitchFamily="18" charset="2"/>
-              <a:buChar char="-"/>
-            </a:pPr>
             <a:r>
               <a:rPr lang="en-US" dirty="0" err="1"/>
-              <a:t>kubectl</a:t>
+              <a:t>Kubectl</a:t>
             </a:r>
             <a:r>
               <a:rPr lang="en-US" dirty="0"/>
@@ -2698,162 +2293,26 @@
             <a:endParaRPr lang="en-US" dirty="0"/>
           </a:p>
           <a:p>
-            <a:pPr marL="465750" lvl="1" indent="-285750">
-              <a:buFont typeface="Symbol" panose="05050102010706020507" pitchFamily="18" charset="2"/>
-              <a:buChar char="-"/>
-            </a:pPr>
+            <a:r>
+              <a:rPr lang="en-US" dirty="0" err="1"/>
+              <a:t>Kubectl</a:t>
+            </a:r>
             <a:r>
               <a:rPr lang="en-US" dirty="0"/>
-              <a:t>Show the network policy definition and explain:</a:t>
-            </a:r>
-          </a:p>
-          <a:p>
-            <a:pPr marL="645750" lvl="2" indent="-285750">
-              <a:buFont typeface="Symbol" panose="05050102010706020507" pitchFamily="18" charset="2"/>
-              <a:buChar char="-"/>
-            </a:pPr>
+              <a:t> run ..</a:t>
+            </a:r>
+          </a:p>
+          <a:p>
+            <a:r>
+              <a:rPr lang="en-US" dirty="0" err="1"/>
+              <a:t>Kubectl</a:t>
+            </a:r>
             <a:r>
               <a:rPr lang="en-US" dirty="0"/>
-              <a:t>it’s implicitly a whitelisting</a:t>
-            </a:r>
-          </a:p>
-          <a:p>
-            <a:pPr marL="645750" lvl="2" indent="-285750">
-              <a:buFont typeface="Symbol" panose="05050102010706020507" pitchFamily="18" charset="2"/>
-              <a:buChar char="-"/>
-            </a:pPr>
-            <a:r>
-              <a:rPr lang="en-US" dirty="0"/>
-              <a:t>network policy can handle egress and ingress traffic. However the example is only of incoming (ingress) traffic.</a:t>
-            </a:r>
-          </a:p>
-          <a:p>
-            <a:pPr marL="645750" lvl="2" indent="-285750">
-              <a:buFont typeface="Symbol" panose="05050102010706020507" pitchFamily="18" charset="2"/>
-              <a:buChar char="-"/>
-            </a:pPr>
-            <a:r>
-              <a:rPr lang="en-US" dirty="0"/>
-              <a:t>The </a:t>
-            </a:r>
-            <a:r>
-              <a:rPr lang="en-US" dirty="0" err="1"/>
-              <a:t>cidr</a:t>
-            </a:r>
-            <a:r>
-              <a:rPr lang="en-US" dirty="0"/>
-              <a:t> block are required, if you want to access your service later from SAP networks. Otherwise all requested without the label (i.e. not cluster internal) will be blocked too.</a:t>
-            </a:r>
-          </a:p>
-          <a:p>
-            <a:pPr marL="465750" lvl="1" indent="-285750">
-              <a:buFont typeface="Symbol" panose="05050102010706020507" pitchFamily="18" charset="2"/>
-              <a:buChar char="-"/>
-            </a:pPr>
-            <a:endParaRPr lang="en-US" dirty="0"/>
-          </a:p>
-          <a:p>
-            <a:pPr marL="285750" indent="-285750">
-              <a:buFont typeface="Symbol" panose="05050102010706020507" pitchFamily="18" charset="2"/>
-              <a:buChar char="-"/>
-            </a:pPr>
-            <a:r>
-              <a:rPr lang="en-US" dirty="0"/>
-              <a:t>Switch back to the helper pod and re-run the </a:t>
-            </a:r>
-            <a:r>
-              <a:rPr lang="en-US" dirty="0" err="1"/>
-              <a:t>wget</a:t>
-            </a:r>
-            <a:r>
-              <a:rPr lang="en-US" dirty="0"/>
-              <a:t> command </a:t>
-            </a:r>
-            <a:r>
-              <a:rPr lang="en-US" dirty="0">
-                <a:sym typeface="Wingdings" panose="05000000000000000000" pitchFamily="2" charset="2"/>
-              </a:rPr>
-              <a:t> expected result: failure due to the missing label</a:t>
-            </a:r>
-            <a:endParaRPr lang="en-US" dirty="0"/>
-          </a:p>
-          <a:p>
-            <a:pPr marL="285750" indent="-285750">
-              <a:buFont typeface="Symbol" panose="05050102010706020507" pitchFamily="18" charset="2"/>
-              <a:buChar char="-"/>
-            </a:pPr>
-            <a:r>
-              <a:rPr lang="en-US" dirty="0"/>
-              <a:t>Label you helper pod accordingly (can be done from the 2</a:t>
-            </a:r>
-            <a:r>
-              <a:rPr lang="en-US" baseline="30000" dirty="0"/>
-              <a:t>nd</a:t>
-            </a:r>
-            <a:r>
-              <a:rPr lang="en-US" dirty="0"/>
-              <a:t> shell session, so stay connected to your helper pod)</a:t>
-            </a:r>
-          </a:p>
-          <a:p>
-            <a:pPr marL="465750" lvl="1" indent="-285750">
-              <a:buFont typeface="Symbol" panose="05050102010706020507" pitchFamily="18" charset="2"/>
-              <a:buChar char="-"/>
-            </a:pPr>
-            <a:r>
-              <a:rPr lang="en-US" dirty="0" err="1"/>
-              <a:t>kubectl</a:t>
-            </a:r>
-            <a:r>
-              <a:rPr lang="en-US" dirty="0"/>
-              <a:t> label pod connector access=true</a:t>
-            </a:r>
-          </a:p>
-          <a:p>
-            <a:pPr marL="285750" lvl="0" indent="-285750">
-              <a:buFont typeface="Symbol" panose="05050102010706020507" pitchFamily="18" charset="2"/>
-              <a:buChar char="-"/>
-            </a:pPr>
-            <a:endParaRPr lang="en-US" dirty="0"/>
-          </a:p>
-          <a:p>
-            <a:pPr marL="285750" lvl="0" indent="-285750">
-              <a:buFont typeface="Symbol" panose="05050102010706020507" pitchFamily="18" charset="2"/>
-              <a:buChar char="-"/>
-            </a:pPr>
-            <a:r>
-              <a:rPr lang="en-US" dirty="0"/>
-              <a:t>Re-run the </a:t>
-            </a:r>
-            <a:r>
-              <a:rPr lang="en-US" dirty="0" err="1"/>
-              <a:t>wget</a:t>
-            </a:r>
-            <a:r>
-              <a:rPr lang="en-US" dirty="0"/>
-              <a:t> command </a:t>
-            </a:r>
-            <a:r>
-              <a:rPr lang="en-US" dirty="0">
-                <a:sym typeface="Wingdings" panose="05000000000000000000" pitchFamily="2" charset="2"/>
-              </a:rPr>
-              <a:t> expected result: works again</a:t>
-            </a:r>
-          </a:p>
-          <a:p>
-            <a:pPr marL="285750" lvl="0" indent="-285750">
-              <a:buFont typeface="Symbol" panose="05050102010706020507" pitchFamily="18" charset="2"/>
-              <a:buChar char="-"/>
-            </a:pPr>
-            <a:endParaRPr lang="en-US" dirty="0">
-              <a:sym typeface="Wingdings" panose="05000000000000000000" pitchFamily="2" charset="2"/>
-            </a:endParaRPr>
-          </a:p>
-          <a:p>
-            <a:pPr marL="0" lvl="0" indent="0">
-              <a:buFont typeface="Symbol" panose="05050102010706020507" pitchFamily="18" charset="2"/>
-              <a:buNone/>
-            </a:pPr>
+              <a:t> run … -l access=true</a:t>
+            </a:r>
+          </a:p>
+          <a:p>
             <a:endParaRPr lang="en-US" dirty="0"/>
           </a:p>
         </p:txBody>
@@ -2874,18 +2333,18 @@
           <a:lstStyle/>
           <a:p>
             <a:fld id="{7D8C2C35-2B8A-446E-BEC0-FD36716C29AC}" type="slidenum">
-              <a:rPr lang="de-DE" smtClean="0"/>
+              <a:rPr lang="en-US" smtClean="0"/>
               <a:pPr/>
               <a:t>25</a:t>
             </a:fld>
-            <a:endParaRPr lang="de-DE" dirty="0"/>
+            <a:endParaRPr lang="en-US" dirty="0"/>
           </a:p>
         </p:txBody>
       </p:sp>
     </p:spTree>
     <p:extLst>
       <p:ext uri="{BB962C8B-B14F-4D97-AF65-F5344CB8AC3E}">
-        <p14:creationId xmlns:p14="http://schemas.microsoft.com/office/powerpoint/2010/main" val="2053658473"/>
+        <p14:creationId xmlns:p14="http://schemas.microsoft.com/office/powerpoint/2010/main" val="3747275599"/>
       </p:ext>
     </p:extLst>
   </p:cSld>
@@ -2936,60 +2395,580 @@
         </p:nvSpPr>
         <p:spPr/>
         <p:txBody>
-          <a:bodyPr/>
+          <a:bodyPr>
+            <a:normAutofit fontScale="92500" lnSpcReduction="20000"/>
+          </a:bodyPr>
           <a:lstStyle/>
           <a:p>
             <a:r>
+              <a:rPr lang="de-DE" dirty="0"/>
+              <a:t>Demo:</a:t>
+            </a:r>
+          </a:p>
+          <a:p>
+            <a:pPr marL="285750" indent="-285750">
+              <a:buFont typeface="Symbol" panose="05050102010706020507" pitchFamily="18" charset="2"/>
+              <a:buChar char="-"/>
+            </a:pPr>
+            <a:r>
+              <a:rPr lang="de-DE" dirty="0"/>
+              <a:t>Create a </a:t>
+            </a:r>
+            <a:r>
+              <a:rPr lang="de-DE" dirty="0" err="1"/>
+              <a:t>deployment</a:t>
+            </a:r>
+            <a:r>
+              <a:rPr lang="de-DE" dirty="0"/>
+              <a:t> &amp; a </a:t>
+            </a:r>
+            <a:r>
+              <a:rPr lang="de-DE" dirty="0" err="1"/>
+              <a:t>corresponding</a:t>
+            </a:r>
+            <a:r>
+              <a:rPr lang="de-DE" dirty="0"/>
+              <a:t> </a:t>
+            </a:r>
+            <a:r>
+              <a:rPr lang="de-DE" dirty="0" err="1"/>
+              <a:t>service</a:t>
+            </a:r>
+            <a:r>
+              <a:rPr lang="de-DE" dirty="0"/>
+              <a:t> (</a:t>
+            </a:r>
+            <a:r>
+              <a:rPr lang="de-DE" dirty="0" err="1"/>
+              <a:t>if</a:t>
+            </a:r>
+            <a:r>
+              <a:rPr lang="de-DE" dirty="0"/>
+              <a:t> not </a:t>
+            </a:r>
+            <a:r>
+              <a:rPr lang="de-DE" dirty="0" err="1"/>
+              <a:t>yet</a:t>
+            </a:r>
+            <a:r>
+              <a:rPr lang="de-DE" dirty="0"/>
+              <a:t> </a:t>
+            </a:r>
+            <a:r>
+              <a:rPr lang="de-DE" dirty="0" err="1"/>
+              <a:t>done</a:t>
+            </a:r>
+            <a:r>
+              <a:rPr lang="de-DE" dirty="0"/>
+              <a:t>)</a:t>
+            </a:r>
+          </a:p>
+          <a:p>
+            <a:pPr marL="465750" lvl="1" indent="-285750">
+              <a:buFont typeface="Symbol" panose="05050102010706020507" pitchFamily="18" charset="2"/>
+              <a:buChar char="-"/>
+            </a:pPr>
+            <a:r>
+              <a:rPr lang="de-DE" dirty="0" err="1"/>
+              <a:t>kubectl</a:t>
+            </a:r>
+            <a:r>
+              <a:rPr lang="de-DE" dirty="0"/>
+              <a:t> </a:t>
+            </a:r>
+            <a:r>
+              <a:rPr lang="de-DE" dirty="0" err="1"/>
+              <a:t>run</a:t>
+            </a:r>
+            <a:r>
+              <a:rPr lang="de-DE" dirty="0"/>
+              <a:t> </a:t>
+            </a:r>
+            <a:r>
+              <a:rPr lang="de-DE" dirty="0" err="1"/>
+              <a:t>nginx</a:t>
+            </a:r>
+            <a:r>
+              <a:rPr lang="de-DE" dirty="0"/>
+              <a:t> --image</a:t>
+            </a:r>
+            <a:r>
+              <a:rPr lang="de-DE" b="1" dirty="0"/>
+              <a:t>=</a:t>
+            </a:r>
+            <a:r>
+              <a:rPr lang="de-DE" dirty="0" err="1"/>
+              <a:t>nginx</a:t>
+            </a:r>
+            <a:r>
+              <a:rPr lang="de-DE" dirty="0"/>
+              <a:t> --</a:t>
+            </a:r>
+            <a:r>
+              <a:rPr lang="de-DE" dirty="0" err="1"/>
+              <a:t>replicas</a:t>
+            </a:r>
+            <a:r>
+              <a:rPr lang="de-DE" b="1" dirty="0"/>
+              <a:t>=</a:t>
+            </a:r>
+            <a:r>
+              <a:rPr lang="de-DE" dirty="0"/>
+              <a:t>2 </a:t>
+            </a:r>
+          </a:p>
+          <a:p>
+            <a:pPr marL="465750" lvl="1" indent="-285750">
+              <a:buFont typeface="Symbol" panose="05050102010706020507" pitchFamily="18" charset="2"/>
+              <a:buChar char="-"/>
+            </a:pPr>
+            <a:r>
+              <a:rPr lang="de-DE" dirty="0" err="1"/>
+              <a:t>kubectl</a:t>
+            </a:r>
+            <a:r>
+              <a:rPr lang="de-DE" dirty="0"/>
+              <a:t> </a:t>
+            </a:r>
+            <a:r>
+              <a:rPr lang="de-DE" dirty="0" err="1"/>
+              <a:t>expose</a:t>
+            </a:r>
+            <a:r>
+              <a:rPr lang="de-DE" dirty="0"/>
+              <a:t> </a:t>
+            </a:r>
+            <a:r>
+              <a:rPr lang="de-DE" dirty="0" err="1"/>
+              <a:t>deployment</a:t>
+            </a:r>
+            <a:r>
+              <a:rPr lang="de-DE" dirty="0"/>
+              <a:t> </a:t>
+            </a:r>
+            <a:r>
+              <a:rPr lang="de-DE" dirty="0" err="1"/>
+              <a:t>nginx</a:t>
+            </a:r>
+            <a:r>
+              <a:rPr lang="de-DE" dirty="0"/>
+              <a:t> --</a:t>
+            </a:r>
+            <a:r>
+              <a:rPr lang="de-DE" dirty="0" err="1"/>
+              <a:t>port</a:t>
+            </a:r>
+            <a:r>
+              <a:rPr lang="de-DE" b="1" dirty="0"/>
+              <a:t>=</a:t>
+            </a:r>
+            <a:r>
+              <a:rPr lang="de-DE" dirty="0"/>
+              <a:t>80</a:t>
+            </a:r>
+          </a:p>
+          <a:p>
+            <a:pPr marL="285750" indent="-285750">
+              <a:buFont typeface="Symbol" panose="05050102010706020507" pitchFamily="18" charset="2"/>
+              <a:buChar char="-"/>
+            </a:pPr>
+            <a:endParaRPr lang="de-DE" dirty="0"/>
+          </a:p>
+          <a:p>
+            <a:pPr marL="285750" indent="-285750">
+              <a:buFont typeface="Symbol" panose="05050102010706020507" pitchFamily="18" charset="2"/>
+              <a:buChar char="-"/>
+            </a:pPr>
+            <a:r>
+              <a:rPr lang="de-DE" dirty="0"/>
+              <a:t>Create a </a:t>
+            </a:r>
+            <a:r>
+              <a:rPr lang="de-DE" dirty="0" err="1"/>
+              <a:t>helper</a:t>
+            </a:r>
+            <a:r>
+              <a:rPr lang="de-DE" dirty="0"/>
+              <a:t> </a:t>
+            </a:r>
+            <a:r>
+              <a:rPr lang="de-DE" dirty="0" err="1"/>
+              <a:t>pod</a:t>
+            </a:r>
+            <a:r>
+              <a:rPr lang="de-DE" dirty="0"/>
+              <a:t>, </a:t>
+            </a:r>
+            <a:r>
+              <a:rPr lang="de-DE" dirty="0" err="1"/>
+              <a:t>logon</a:t>
+            </a:r>
+            <a:r>
+              <a:rPr lang="de-DE" dirty="0"/>
+              <a:t> </a:t>
+            </a:r>
+            <a:r>
+              <a:rPr lang="de-DE" dirty="0" err="1"/>
+              <a:t>to</a:t>
+            </a:r>
+            <a:r>
+              <a:rPr lang="de-DE" dirty="0"/>
+              <a:t> </a:t>
+            </a:r>
+            <a:r>
+              <a:rPr lang="de-DE" dirty="0" err="1"/>
+              <a:t>it</a:t>
+            </a:r>
+            <a:r>
+              <a:rPr lang="de-DE" dirty="0"/>
+              <a:t> and </a:t>
+            </a:r>
+            <a:r>
+              <a:rPr lang="de-DE" dirty="0" err="1"/>
+              <a:t>get</a:t>
+            </a:r>
+            <a:r>
+              <a:rPr lang="de-DE" dirty="0"/>
+              <a:t> </a:t>
+            </a:r>
+            <a:r>
+              <a:rPr lang="de-DE" dirty="0" err="1"/>
+              <a:t>the</a:t>
+            </a:r>
+            <a:r>
+              <a:rPr lang="de-DE" dirty="0"/>
+              <a:t> index.html </a:t>
+            </a:r>
+            <a:r>
+              <a:rPr lang="de-DE" dirty="0" err="1"/>
+              <a:t>page</a:t>
+            </a:r>
+            <a:r>
+              <a:rPr lang="de-DE" dirty="0"/>
+              <a:t> </a:t>
+            </a:r>
+            <a:r>
+              <a:rPr lang="de-DE" dirty="0" err="1"/>
+              <a:t>from</a:t>
+            </a:r>
+            <a:r>
+              <a:rPr lang="de-DE" dirty="0"/>
+              <a:t> </a:t>
+            </a:r>
+            <a:r>
+              <a:rPr lang="de-DE" dirty="0" err="1"/>
+              <a:t>the</a:t>
+            </a:r>
+            <a:r>
+              <a:rPr lang="de-DE" dirty="0"/>
+              <a:t> </a:t>
+            </a:r>
+            <a:r>
+              <a:rPr lang="de-DE" dirty="0" err="1"/>
+              <a:t>nginx</a:t>
+            </a:r>
+            <a:r>
+              <a:rPr lang="de-DE" dirty="0"/>
+              <a:t> backend.</a:t>
+            </a:r>
+          </a:p>
+          <a:p>
+            <a:pPr marL="465750" lvl="1" indent="-285750">
+              <a:buFont typeface="Symbol" panose="05050102010706020507" pitchFamily="18" charset="2"/>
+              <a:buChar char="-"/>
+            </a:pPr>
+            <a:r>
+              <a:rPr lang="de-DE" dirty="0" err="1"/>
+              <a:t>kubectl</a:t>
+            </a:r>
+            <a:r>
+              <a:rPr lang="de-DE" dirty="0"/>
+              <a:t> </a:t>
+            </a:r>
+            <a:r>
+              <a:rPr lang="de-DE" dirty="0" err="1"/>
+              <a:t>run</a:t>
+            </a:r>
+            <a:r>
+              <a:rPr lang="de-DE" dirty="0"/>
+              <a:t> </a:t>
+            </a:r>
+            <a:r>
+              <a:rPr lang="de-DE" dirty="0" err="1"/>
+              <a:t>connector</a:t>
+            </a:r>
+            <a:r>
+              <a:rPr lang="de-DE" dirty="0"/>
+              <a:t> --</a:t>
+            </a:r>
+            <a:r>
+              <a:rPr lang="de-DE" dirty="0" err="1"/>
+              <a:t>rm</a:t>
+            </a:r>
+            <a:r>
+              <a:rPr lang="de-DE" dirty="0"/>
+              <a:t> -</a:t>
+            </a:r>
+            <a:r>
+              <a:rPr lang="de-DE" dirty="0" err="1"/>
+              <a:t>ti</a:t>
+            </a:r>
+            <a:r>
+              <a:rPr lang="de-DE" dirty="0"/>
+              <a:t> --</a:t>
+            </a:r>
+            <a:r>
+              <a:rPr lang="de-DE" dirty="0" err="1"/>
+              <a:t>restart</a:t>
+            </a:r>
+            <a:r>
+              <a:rPr lang="de-DE" dirty="0"/>
+              <a:t>=Never --image</a:t>
+            </a:r>
+            <a:r>
+              <a:rPr lang="de-DE" b="1" dirty="0"/>
+              <a:t>=</a:t>
+            </a:r>
+            <a:r>
+              <a:rPr lang="de-DE" dirty="0"/>
+              <a:t>alpine:3.8</a:t>
+            </a:r>
+          </a:p>
+          <a:p>
+            <a:pPr marL="465750" lvl="1" indent="-285750">
+              <a:buFont typeface="Symbol" panose="05050102010706020507" pitchFamily="18" charset="2"/>
+              <a:buChar char="-"/>
+            </a:pPr>
+            <a:r>
+              <a:rPr lang="de-DE" dirty="0"/>
+              <a:t># </a:t>
+            </a:r>
+            <a:r>
+              <a:rPr lang="de-DE" dirty="0" err="1"/>
+              <a:t>wget</a:t>
+            </a:r>
+            <a:r>
+              <a:rPr lang="de-DE" dirty="0"/>
+              <a:t> --timeout=1 </a:t>
+            </a:r>
+            <a:r>
+              <a:rPr lang="de-DE" dirty="0" err="1"/>
+              <a:t>nginx</a:t>
+            </a:r>
+            <a:endParaRPr lang="de-DE" dirty="0"/>
+          </a:p>
+          <a:p>
+            <a:pPr marL="465750" lvl="1" indent="-285750">
+              <a:buFont typeface="Symbol" panose="05050102010706020507" pitchFamily="18" charset="2"/>
+              <a:buChar char="-"/>
+            </a:pPr>
+            <a:r>
               <a:rPr lang="en-US" dirty="0"/>
-              <a:t>Here’s our setup for the security discussion:</a:t>
-            </a:r>
-          </a:p>
-          <a:p>
+              <a:t>Remove the index.html page &amp; stay connected to the shell session</a:t>
+            </a:r>
+          </a:p>
+          <a:p>
+            <a:pPr marL="285750" indent="-285750">
+              <a:buFont typeface="Symbol" panose="05050102010706020507" pitchFamily="18" charset="2"/>
+              <a:buChar char="-"/>
+            </a:pPr>
             <a:endParaRPr lang="en-US" dirty="0"/>
           </a:p>
           <a:p>
+            <a:pPr marL="285750" indent="-285750">
+              <a:buFont typeface="Symbol" panose="05050102010706020507" pitchFamily="18" charset="2"/>
+              <a:buChar char="-"/>
+            </a:pPr>
             <a:r>
               <a:rPr lang="en-US" dirty="0"/>
-              <a:t>A </a:t>
-            </a:r>
+              <a:t>Create the network policy in a 2</a:t>
+            </a:r>
+            <a:r>
+              <a:rPr lang="en-US" baseline="30000" dirty="0"/>
+              <a:t>nd</a:t>
+            </a:r>
+            <a:r>
+              <a:rPr lang="en-US" dirty="0"/>
+              <a:t> shell:</a:t>
+            </a:r>
+          </a:p>
+          <a:p>
+            <a:pPr marL="465750" lvl="1" indent="-285750">
+              <a:buFont typeface="Symbol" panose="05050102010706020507" pitchFamily="18" charset="2"/>
+              <a:buChar char="-"/>
+            </a:pPr>
             <a:r>
               <a:rPr lang="en-US" dirty="0" err="1"/>
-              <a:t>kubernetes</a:t>
+              <a:t>kubectl</a:t>
             </a:r>
             <a:r>
               <a:rPr lang="en-US" dirty="0"/>
-              <a:t> cluster runs as usual with one to many nodes. Each node is a </a:t>
+              <a:t> create –f network-</a:t>
             </a:r>
             <a:r>
               <a:rPr lang="en-US" dirty="0" err="1"/>
-              <a:t>linux</a:t>
-            </a:r>
+              <a:t>policy.yaml</a:t>
+            </a:r>
+            <a:endParaRPr lang="en-US" dirty="0"/>
+          </a:p>
+          <a:p>
+            <a:pPr marL="465750" lvl="1" indent="-285750">
+              <a:buFont typeface="Symbol" panose="05050102010706020507" pitchFamily="18" charset="2"/>
+              <a:buChar char="-"/>
+            </a:pPr>
             <a:r>
               <a:rPr lang="en-US" dirty="0"/>
-              <a:t> host with a kernel, docker daemon and </a:t>
+              <a:t>Show the network policy definition and explain:</a:t>
+            </a:r>
+          </a:p>
+          <a:p>
+            <a:pPr marL="645750" lvl="2" indent="-285750">
+              <a:buFont typeface="Symbol" panose="05050102010706020507" pitchFamily="18" charset="2"/>
+              <a:buChar char="-"/>
+            </a:pPr>
+            <a:r>
+              <a:rPr lang="en-US" dirty="0"/>
+              <a:t>it’s implicitly a whitelisting</a:t>
+            </a:r>
+          </a:p>
+          <a:p>
+            <a:pPr marL="645750" lvl="2" indent="-285750">
+              <a:buFont typeface="Symbol" panose="05050102010706020507" pitchFamily="18" charset="2"/>
+              <a:buChar char="-"/>
+            </a:pPr>
+            <a:r>
+              <a:rPr lang="en-US" dirty="0"/>
+              <a:t>network policy can handle egress and ingress traffic. However the example is only of incoming (ingress) traffic.</a:t>
+            </a:r>
+          </a:p>
+          <a:p>
+            <a:pPr marL="645750" lvl="2" indent="-285750">
+              <a:buFont typeface="Symbol" panose="05050102010706020507" pitchFamily="18" charset="2"/>
+              <a:buChar char="-"/>
+            </a:pPr>
+            <a:r>
+              <a:rPr lang="en-US" dirty="0"/>
+              <a:t>The </a:t>
             </a:r>
             <a:r>
               <a:rPr lang="en-US" dirty="0" err="1"/>
-              <a:t>kubelet</a:t>
+              <a:t>cidr</a:t>
             </a:r>
             <a:r>
               <a:rPr lang="en-US" dirty="0"/>
-              <a:t>. We also have the master with API server and </a:t>
+              <a:t> block are required, if you want to access your service later from SAP networks. Otherwise all requested without the label (i.e. not cluster internal) will be blocked too.</a:t>
+            </a:r>
+          </a:p>
+          <a:p>
+            <a:pPr marL="465750" lvl="1" indent="-285750">
+              <a:buFont typeface="Symbol" panose="05050102010706020507" pitchFamily="18" charset="2"/>
+              <a:buChar char="-"/>
+            </a:pPr>
+            <a:endParaRPr lang="en-US" dirty="0"/>
+          </a:p>
+          <a:p>
+            <a:pPr marL="285750" indent="-285750">
+              <a:buFont typeface="Symbol" panose="05050102010706020507" pitchFamily="18" charset="2"/>
+              <a:buChar char="-"/>
+            </a:pPr>
+            <a:r>
+              <a:rPr lang="en-US" dirty="0"/>
+              <a:t>Switch back to the helper pod and re-run the </a:t>
             </a:r>
             <a:r>
               <a:rPr lang="en-US" dirty="0" err="1"/>
-              <a:t>etcd</a:t>
+              <a:t>wget</a:t>
             </a:r>
             <a:r>
               <a:rPr lang="en-US" dirty="0"/>
-              <a:t> where configuration, some passwords and the cluster state is stored.</a:t>
-            </a:r>
-          </a:p>
-          <a:p>
+              <a:t> command </a:t>
+            </a:r>
+            <a:r>
+              <a:rPr lang="en-US" dirty="0">
+                <a:sym typeface="Wingdings" panose="05000000000000000000" pitchFamily="2" charset="2"/>
+              </a:rPr>
+              <a:t> expected result: failure due to the missing label</a:t>
+            </a:r>
+            <a:endParaRPr lang="en-US" dirty="0"/>
+          </a:p>
+          <a:p>
+            <a:pPr marL="285750" indent="-285750">
+              <a:buFont typeface="Symbol" panose="05050102010706020507" pitchFamily="18" charset="2"/>
+              <a:buChar char="-"/>
+            </a:pPr>
             <a:r>
               <a:rPr lang="en-US" dirty="0"/>
-              <a:t>On the host we see here, there is a container running which was taken over by an attacker (i.e. us). The attacker is connected to a shell session within the container now.</a:t>
-            </a:r>
+              <a:t>Label you helper pod accordingly (can be done from the 2</a:t>
+            </a:r>
+            <a:r>
+              <a:rPr lang="en-US" baseline="30000" dirty="0"/>
+              <a:t>nd</a:t>
+            </a:r>
+            <a:r>
+              <a:rPr lang="en-US" dirty="0"/>
+              <a:t> shell session, so stay connected to your helper pod)</a:t>
+            </a:r>
+          </a:p>
+          <a:p>
+            <a:pPr marL="465750" lvl="1" indent="-285750">
+              <a:buFont typeface="Symbol" panose="05050102010706020507" pitchFamily="18" charset="2"/>
+              <a:buChar char="-"/>
+            </a:pPr>
+            <a:r>
+              <a:rPr lang="en-US" dirty="0" err="1"/>
+              <a:t>kubectl</a:t>
+            </a:r>
+            <a:r>
+              <a:rPr lang="en-US" dirty="0"/>
+              <a:t> label pod connector access=true</a:t>
+            </a:r>
+          </a:p>
+          <a:p>
+            <a:pPr marL="285750" lvl="0" indent="-285750">
+              <a:buFont typeface="Symbol" panose="05050102010706020507" pitchFamily="18" charset="2"/>
+              <a:buChar char="-"/>
+            </a:pPr>
+            <a:endParaRPr lang="en-US" dirty="0"/>
+          </a:p>
+          <a:p>
+            <a:pPr marL="285750" lvl="0" indent="-285750">
+              <a:buFont typeface="Symbol" panose="05050102010706020507" pitchFamily="18" charset="2"/>
+              <a:buChar char="-"/>
+            </a:pPr>
+            <a:r>
+              <a:rPr lang="en-US" dirty="0"/>
+              <a:t>Re-run the </a:t>
+            </a:r>
+            <a:r>
+              <a:rPr lang="en-US" dirty="0" err="1"/>
+              <a:t>wget</a:t>
+            </a:r>
+            <a:r>
+              <a:rPr lang="en-US" dirty="0"/>
+              <a:t> command </a:t>
+            </a:r>
+            <a:r>
+              <a:rPr lang="en-US" dirty="0">
+                <a:sym typeface="Wingdings" panose="05000000000000000000" pitchFamily="2" charset="2"/>
+              </a:rPr>
+              <a:t> expected result: works again</a:t>
+            </a:r>
+          </a:p>
+          <a:p>
+            <a:pPr marL="285750" lvl="0" indent="-285750">
+              <a:buFont typeface="Symbol" panose="05050102010706020507" pitchFamily="18" charset="2"/>
+              <a:buChar char="-"/>
+            </a:pPr>
+            <a:endParaRPr lang="en-US" dirty="0">
+              <a:sym typeface="Wingdings" panose="05000000000000000000" pitchFamily="2" charset="2"/>
+            </a:endParaRPr>
+          </a:p>
+          <a:p>
+            <a:pPr marL="0" lvl="0" indent="0">
+              <a:buFont typeface="Symbol" panose="05050102010706020507" pitchFamily="18" charset="2"/>
+              <a:buNone/>
+            </a:pPr>
+            <a:endParaRPr lang="en-US" dirty="0"/>
           </a:p>
         </p:txBody>
       </p:sp>
@@ -3011,7 +2990,7 @@
             <a:fld id="{7D8C2C35-2B8A-446E-BEC0-FD36716C29AC}" type="slidenum">
               <a:rPr lang="de-DE" smtClean="0"/>
               <a:pPr/>
-              <a:t>28</a:t>
+              <a:t>26</a:t>
             </a:fld>
             <a:endParaRPr lang="de-DE" dirty="0"/>
           </a:p>
@@ -3020,7 +2999,7 @@
     </p:spTree>
     <p:extLst>
       <p:ext uri="{BB962C8B-B14F-4D97-AF65-F5344CB8AC3E}">
-        <p14:creationId xmlns:p14="http://schemas.microsoft.com/office/powerpoint/2010/main" val="3474895374"/>
+        <p14:creationId xmlns:p14="http://schemas.microsoft.com/office/powerpoint/2010/main" val="2053658473"/>
       </p:ext>
     </p:extLst>
   </p:cSld>
@@ -3076,7 +3055,54 @@
           <a:p>
             <a:r>
               <a:rPr lang="en-US" dirty="0"/>
-              <a:t>The easiest thing we can do as an attacker is to abuse the compute power by doing some crypto mining. All we need, is to download mining software from the internet, connect it to some anonymous mining pool and wait.</a:t>
+              <a:t>Here’s our setup for the security discussion:</a:t>
+            </a:r>
+          </a:p>
+          <a:p>
+            <a:endParaRPr lang="en-US" dirty="0"/>
+          </a:p>
+          <a:p>
+            <a:r>
+              <a:rPr lang="en-US" dirty="0"/>
+              <a:t>A </a:t>
+            </a:r>
+            <a:r>
+              <a:rPr lang="en-US" dirty="0" err="1"/>
+              <a:t>kubernetes</a:t>
+            </a:r>
+            <a:r>
+              <a:rPr lang="en-US" dirty="0"/>
+              <a:t> cluster runs as usual with one to many nodes. Each node is a </a:t>
+            </a:r>
+            <a:r>
+              <a:rPr lang="en-US" dirty="0" err="1"/>
+              <a:t>linux</a:t>
+            </a:r>
+            <a:r>
+              <a:rPr lang="en-US" dirty="0"/>
+              <a:t> host with a kernel, docker daemon and </a:t>
+            </a:r>
+            <a:r>
+              <a:rPr lang="en-US" dirty="0" err="1"/>
+              <a:t>kubelet</a:t>
+            </a:r>
+            <a:r>
+              <a:rPr lang="en-US" dirty="0"/>
+              <a:t>. We also have the master with API server and </a:t>
+            </a:r>
+            <a:r>
+              <a:rPr lang="en-US" dirty="0" err="1"/>
+              <a:t>etcd</a:t>
+            </a:r>
+            <a:r>
+              <a:rPr lang="en-US" dirty="0"/>
+              <a:t> where configuration, some passwords and the cluster state is stored.</a:t>
+            </a:r>
+          </a:p>
+          <a:p>
+            <a:r>
+              <a:rPr lang="en-US" dirty="0"/>
+              <a:t>On the host we see here, there is a container running which was taken over by an attacker (i.e. us). The attacker is connected to a shell session within the container now.</a:t>
             </a:r>
           </a:p>
         </p:txBody>
@@ -3108,7 +3134,7 @@
     </p:spTree>
     <p:extLst>
       <p:ext uri="{BB962C8B-B14F-4D97-AF65-F5344CB8AC3E}">
-        <p14:creationId xmlns:p14="http://schemas.microsoft.com/office/powerpoint/2010/main" val="1116058420"/>
+        <p14:creationId xmlns:p14="http://schemas.microsoft.com/office/powerpoint/2010/main" val="3474895374"/>
       </p:ext>
     </p:extLst>
   </p:cSld>
@@ -3164,66 +3190,8 @@
           <a:p>
             <a:r>
               <a:rPr lang="en-US" dirty="0"/>
-              <a:t>What could be done to limit the impact of such an attack or to prevent parts of it?</a:t>
-            </a:r>
-          </a:p>
-          <a:p>
-            <a:endParaRPr lang="en-US" dirty="0"/>
-          </a:p>
-          <a:p>
-            <a:pPr marL="342900" indent="-342900">
-              <a:buAutoNum type="arabicParenR"/>
-            </a:pPr>
-            <a:r>
-              <a:rPr lang="en-US" dirty="0"/>
-              <a:t>Why should everyone be able to communicate with the internet by default? Blocking any egress traffic by default (with a network policy) and explicitly allow dedicated outbound connections will increase your cluster security significantly. </a:t>
-            </a:r>
-          </a:p>
-          <a:p>
-            <a:pPr marL="342900" indent="-342900">
-              <a:buAutoNum type="arabicParenR"/>
-            </a:pPr>
-            <a:r>
-              <a:rPr lang="en-US" dirty="0"/>
-              <a:t>Apply resource constraints that fit your app.</a:t>
-            </a:r>
-          </a:p>
-          <a:p>
-            <a:pPr marL="342900" indent="-342900">
-              <a:buAutoNum type="arabicParenR"/>
-            </a:pPr>
-            <a:r>
-              <a:rPr lang="en-US" dirty="0"/>
-              <a:t>Build (docker) images without curl, </a:t>
-            </a:r>
-            <a:r>
-              <a:rPr lang="en-US" dirty="0" err="1"/>
-              <a:t>wget</a:t>
-            </a:r>
-            <a:r>
-              <a:rPr lang="en-US" dirty="0"/>
-              <a:t> or similar tools (ideally also without apt/</a:t>
-            </a:r>
-            <a:r>
-              <a:rPr lang="en-US" dirty="0" err="1"/>
-              <a:t>apk</a:t>
-            </a:r>
-            <a:r>
-              <a:rPr lang="en-US" dirty="0"/>
-              <a:t>). </a:t>
-            </a:r>
-          </a:p>
-          <a:p>
-            <a:pPr marL="342900" indent="-342900">
-              <a:buAutoNum type="arabicParenR"/>
-            </a:pPr>
-            <a:endParaRPr lang="en-US" dirty="0"/>
-          </a:p>
-          <a:p>
-            <a:pPr marL="342900" indent="-342900">
-              <a:buAutoNum type="arabicParenR"/>
-            </a:pPr>
-            <a:endParaRPr lang="en-US" dirty="0"/>
+              <a:t>The easiest thing we can do as an attacker is to abuse the compute power by doing some crypto mining. All we need, is to download mining software from the internet, connect it to some anonymous mining pool and wait.</a:t>
+            </a:r>
           </a:p>
         </p:txBody>
       </p:sp>
@@ -3254,7 +3222,7 @@
     </p:spTree>
     <p:extLst>
       <p:ext uri="{BB962C8B-B14F-4D97-AF65-F5344CB8AC3E}">
-        <p14:creationId xmlns:p14="http://schemas.microsoft.com/office/powerpoint/2010/main" val="1285528213"/>
+        <p14:creationId xmlns:p14="http://schemas.microsoft.com/office/powerpoint/2010/main" val="1116058420"/>
       </p:ext>
     </p:extLst>
   </p:cSld>
@@ -3310,7 +3278,7 @@
           <a:p>
             <a:r>
               <a:rPr lang="en-US" dirty="0"/>
-              <a:t>Instead of abusing the compute power of a single container, an attacker could also try to move forward and gain access to more parts of the infrastructure. Unfortunately, Kubernetes makes our life easy here.</a:t>
+              <a:t>What could be done to limit the impact of such an attack or to prevent parts of it?</a:t>
             </a:r>
           </a:p>
           <a:p>
@@ -3322,23 +3290,7 @@
             </a:pPr>
             <a:r>
               <a:rPr lang="en-US" dirty="0"/>
-              <a:t>Try to become aware of the environment. Check the content of /proc/self/</a:t>
-            </a:r>
-            <a:r>
-              <a:rPr lang="en-US" dirty="0" err="1"/>
-              <a:t>cgroup</a:t>
-            </a:r>
-            <a:r>
-              <a:rPr lang="en-US" dirty="0"/>
-              <a:t> – does it contain a “</a:t>
-            </a:r>
-            <a:r>
-              <a:rPr lang="en-US" dirty="0" err="1"/>
-              <a:t>kube</a:t>
-            </a:r>
-            <a:r>
-              <a:rPr lang="en-US" dirty="0"/>
-              <a:t>” string? </a:t>
+              <a:t>Why should everyone be able to communicate with the internet by default? Blocking any egress traffic by default (with a network policy) and explicitly allow dedicated outbound connections will increase your cluster security significantly. </a:t>
             </a:r>
           </a:p>
           <a:p>
@@ -3347,15 +3299,7 @@
             </a:pPr>
             <a:r>
               <a:rPr lang="en-US" dirty="0"/>
-              <a:t>Check, if there is a service account access token mounted to the default location /var/run/secrets/kubernetes.io/</a:t>
-            </a:r>
-            <a:r>
-              <a:rPr lang="en-US" dirty="0" err="1"/>
-              <a:t>serviceaccount</a:t>
-            </a:r>
-            <a:r>
-              <a:rPr lang="en-US" dirty="0"/>
-              <a:t>/token</a:t>
+              <a:t>Apply resource constraints that fit your app.</a:t>
             </a:r>
           </a:p>
           <a:p>
@@ -3364,33 +3308,30 @@
             </a:pPr>
             <a:r>
               <a:rPr lang="en-US" dirty="0"/>
-              <a:t>Try to abuse the token to talk to the cluster’s API server. Use the FQDN of the </a:t>
+              <a:t>Build (docker) images without curl, </a:t>
             </a:r>
             <a:r>
               <a:rPr lang="en-US" dirty="0" err="1"/>
-              <a:t>kubernetes</a:t>
+              <a:t>wget</a:t>
             </a:r>
             <a:r>
               <a:rPr lang="en-US" dirty="0"/>
-              <a:t> service in the default namespace for it. Note – this part requires curl or a similar tool.</a:t>
+              <a:t> or similar tools (ideally also without apt/</a:t>
+            </a:r>
+            <a:r>
+              <a:rPr lang="en-US" dirty="0" err="1"/>
+              <a:t>apk</a:t>
+            </a:r>
+            <a:r>
+              <a:rPr lang="en-US" dirty="0"/>
+              <a:t>). </a:t>
             </a:r>
           </a:p>
           <a:p>
             <a:pPr marL="342900" indent="-342900">
               <a:buAutoNum type="arabicParenR"/>
             </a:pPr>
-            <a:r>
-              <a:rPr lang="en-US" dirty="0"/>
-              <a:t>If you’re able to access the API server, try to do something more meaningful – inject a sidecar container to all deployments or schedule a </a:t>
-            </a:r>
-            <a:r>
-              <a:rPr lang="en-US" dirty="0" err="1"/>
-              <a:t>daemonset</a:t>
-            </a:r>
-            <a:r>
-              <a:rPr lang="en-US" dirty="0"/>
-              <a:t> that mounts the host file system of each node. Try to write something as user root the node.</a:t>
-            </a:r>
+            <a:endParaRPr lang="en-US" dirty="0"/>
           </a:p>
           <a:p>
             <a:pPr marL="342900" indent="-342900">
@@ -3427,7 +3368,7 @@
     </p:spTree>
     <p:extLst>
       <p:ext uri="{BB962C8B-B14F-4D97-AF65-F5344CB8AC3E}">
-        <p14:creationId xmlns:p14="http://schemas.microsoft.com/office/powerpoint/2010/main" val="764582815"/>
+        <p14:creationId xmlns:p14="http://schemas.microsoft.com/office/powerpoint/2010/main" val="1285528213"/>
       </p:ext>
     </p:extLst>
   </p:cSld>
@@ -3483,39 +3424,93 @@
           <a:p>
             <a:r>
               <a:rPr lang="en-US" dirty="0"/>
-              <a:t>The first and probably most important part: </a:t>
-            </a:r>
-            <a:r>
-              <a:rPr lang="en-US" b="1" dirty="0"/>
-              <a:t>disable </a:t>
-            </a:r>
+              <a:t>Instead of abusing the compute power of a single container, an attacker could also try to move forward and gain access to more parts of the infrastructure. Unfortunately, Kubernetes makes our life easy here.</a:t>
+            </a:r>
+          </a:p>
+          <a:p>
+            <a:endParaRPr lang="en-US" dirty="0"/>
+          </a:p>
+          <a:p>
+            <a:pPr marL="342900" indent="-342900">
+              <a:buAutoNum type="arabicParenR"/>
+            </a:pPr>
             <a:r>
               <a:rPr lang="en-US" dirty="0"/>
-              <a:t>the automount option for the service account access token. There are very few container which would require permissions to talk to the </a:t>
+              <a:t>Try to become aware of the environment. Check the content of /proc/self/</a:t>
             </a:r>
             <a:r>
               <a:rPr lang="en-US" dirty="0" err="1"/>
-              <a:t>api</a:t>
+              <a:t>cgroup</a:t>
             </a:r>
             <a:r>
               <a:rPr lang="en-US" dirty="0"/>
-              <a:t> server. For these the mount option can be enabled explicitly or you run them with a different service account.</a:t>
-            </a:r>
-          </a:p>
-          <a:p>
+              <a:t> – does it contain a “</a:t>
+            </a:r>
+            <a:r>
+              <a:rPr lang="en-US" dirty="0" err="1"/>
+              <a:t>kube</a:t>
+            </a:r>
             <a:r>
               <a:rPr lang="en-US" dirty="0"/>
-              <a:t>To disable the mount option, you should edit the service account object itself. </a:t>
-            </a:r>
-          </a:p>
-          <a:p>
+              <a:t>” string? </a:t>
+            </a:r>
+          </a:p>
+          <a:p>
+            <a:pPr marL="342900" indent="-342900">
+              <a:buAutoNum type="arabicParenR"/>
+            </a:pPr>
+            <a:r>
+              <a:rPr lang="en-US" dirty="0"/>
+              <a:t>Check, if there is a service account access token mounted to the default location /var/run/secrets/kubernetes.io/</a:t>
+            </a:r>
+            <a:r>
+              <a:rPr lang="en-US" dirty="0" err="1"/>
+              <a:t>serviceaccount</a:t>
+            </a:r>
+            <a:r>
+              <a:rPr lang="en-US" dirty="0"/>
+              <a:t>/token</a:t>
+            </a:r>
+          </a:p>
+          <a:p>
+            <a:pPr marL="342900" indent="-342900">
+              <a:buAutoNum type="arabicParenR"/>
+            </a:pPr>
+            <a:r>
+              <a:rPr lang="en-US" dirty="0"/>
+              <a:t>Try to abuse the token to talk to the cluster’s API server. Use the FQDN of the </a:t>
+            </a:r>
+            <a:r>
+              <a:rPr lang="en-US" dirty="0" err="1"/>
+              <a:t>kubernetes</a:t>
+            </a:r>
+            <a:r>
+              <a:rPr lang="en-US" dirty="0"/>
+              <a:t> service in the default namespace for it. Note – this part requires curl or a similar tool.</a:t>
+            </a:r>
+          </a:p>
+          <a:p>
+            <a:pPr marL="342900" indent="-342900">
+              <a:buAutoNum type="arabicParenR"/>
+            </a:pPr>
+            <a:r>
+              <a:rPr lang="en-US" dirty="0"/>
+              <a:t>If you’re able to access the API server, try to do something more meaningful – inject a sidecar container to all deployments or schedule a </a:t>
+            </a:r>
+            <a:r>
+              <a:rPr lang="en-US" dirty="0" err="1"/>
+              <a:t>daemonset</a:t>
+            </a:r>
+            <a:r>
+              <a:rPr lang="en-US" dirty="0"/>
+              <a:t> that mounts the host file system of each node. Try to write something as user root the node.</a:t>
+            </a:r>
+          </a:p>
+          <a:p>
+            <a:pPr marL="342900" indent="-342900">
+              <a:buAutoNum type="arabicParenR"/>
+            </a:pPr>
             <a:endParaRPr lang="en-US" dirty="0"/>
-          </a:p>
-          <a:p>
-            <a:r>
-              <a:rPr lang="en-US" dirty="0"/>
-              <a:t>Also the access scope to the API should be limited via an RBAC role(binding). Does the service account really need to modify something or is viewing a few dedicated resources sufficient?</a:t>
-            </a:r>
           </a:p>
         </p:txBody>
       </p:sp>
@@ -3546,7 +3541,7 @@
     </p:spTree>
     <p:extLst>
       <p:ext uri="{BB962C8B-B14F-4D97-AF65-F5344CB8AC3E}">
-        <p14:creationId xmlns:p14="http://schemas.microsoft.com/office/powerpoint/2010/main" val="3895842541"/>
+        <p14:creationId xmlns:p14="http://schemas.microsoft.com/office/powerpoint/2010/main" val="764582815"/>
       </p:ext>
     </p:extLst>
   </p:cSld>
@@ -3602,13 +3597,38 @@
           <a:p>
             <a:r>
               <a:rPr lang="en-US" dirty="0"/>
-              <a:t>Finally, pod security policies can prevent usage of the host’s file system or network. </a:t>
-            </a:r>
-          </a:p>
-          <a:p>
+              <a:t>The first and probably most important part: </a:t>
+            </a:r>
+            <a:r>
+              <a:rPr lang="en-US" b="1" dirty="0"/>
+              <a:t>disable </a:t>
+            </a:r>
             <a:r>
               <a:rPr lang="en-US" dirty="0"/>
-              <a:t>Pods attempting to mount the host file system or run as user root will be rejected.</a:t>
+              <a:t>the automount option for the service account access token. There are very few container which would require permissions to talk to the </a:t>
+            </a:r>
+            <a:r>
+              <a:rPr lang="en-US" dirty="0" err="1"/>
+              <a:t>api</a:t>
+            </a:r>
+            <a:r>
+              <a:rPr lang="en-US" dirty="0"/>
+              <a:t> server. For these the mount option can be enabled explicitly or you run them with a different service account.</a:t>
+            </a:r>
+          </a:p>
+          <a:p>
+            <a:r>
+              <a:rPr lang="en-US" dirty="0"/>
+              <a:t>To disable the mount option, you should edit the service account object itself. </a:t>
+            </a:r>
+          </a:p>
+          <a:p>
+            <a:endParaRPr lang="en-US" dirty="0"/>
+          </a:p>
+          <a:p>
+            <a:r>
+              <a:rPr lang="en-US" dirty="0"/>
+              <a:t>Also the access scope to the API should be limited via an RBAC role(binding). Does the service account really need to modify something or is viewing a few dedicated resources sufficient?</a:t>
             </a:r>
           </a:p>
         </p:txBody>
@@ -3640,7 +3660,7 @@
     </p:spTree>
     <p:extLst>
       <p:ext uri="{BB962C8B-B14F-4D97-AF65-F5344CB8AC3E}">
-        <p14:creationId xmlns:p14="http://schemas.microsoft.com/office/powerpoint/2010/main" val="2953500110"/>
+        <p14:creationId xmlns:p14="http://schemas.microsoft.com/office/powerpoint/2010/main" val="3895842541"/>
       </p:ext>
     </p:extLst>
   </p:cSld>
@@ -3691,632 +3711,18 @@
         </p:nvSpPr>
         <p:spPr/>
         <p:txBody>
-          <a:bodyPr>
-            <a:normAutofit/>
-          </a:bodyPr>
+          <a:bodyPr/>
           <a:lstStyle/>
           <a:p>
-            <a:pPr marL="0" lvl="0" indent="0">
-              <a:buFont typeface="Symbol" panose="05050102010706020507" pitchFamily="18" charset="2"/>
-              <a:buNone/>
-            </a:pPr>
             <a:r>
               <a:rPr lang="en-US" dirty="0"/>
-              <a:t>To demonstrate scenario #2, we prepared a separate repo: https://github.wdf.sap.corp/ps-container/host-fs-access-hack </a:t>
-            </a:r>
-          </a:p>
-          <a:p>
-            <a:pPr marL="0" lvl="0" indent="0">
-              <a:buFont typeface="Symbol" panose="05050102010706020507" pitchFamily="18" charset="2"/>
-              <a:buNone/>
-            </a:pPr>
+              <a:t>Finally, pod security policies can prevent usage of the host’s file system or network. </a:t>
+            </a:r>
+          </a:p>
+          <a:p>
             <a:r>
               <a:rPr lang="en-US" dirty="0"/>
-              <a:t>It contains a </a:t>
-            </a:r>
-            <a:r>
-              <a:rPr lang="en-US" dirty="0" err="1"/>
-              <a:t>Dockerfile</a:t>
-            </a:r>
-            <a:r>
-              <a:rPr lang="en-US" dirty="0"/>
-              <a:t> as well as some scripts &amp; descriptions / explanations. </a:t>
-            </a:r>
-          </a:p>
-          <a:p>
-            <a:pPr marL="0" lvl="0" indent="0">
-              <a:buFont typeface="Symbol" panose="05050102010706020507" pitchFamily="18" charset="2"/>
-              <a:buNone/>
-            </a:pPr>
-            <a:endParaRPr lang="en-US" dirty="0"/>
-          </a:p>
-          <a:p>
-            <a:pPr marL="0" lvl="0" indent="0">
-              <a:buFont typeface="Symbol" panose="05050102010706020507" pitchFamily="18" charset="2"/>
-              <a:buNone/>
-            </a:pPr>
-            <a:r>
-              <a:rPr lang="en-US" dirty="0"/>
-              <a:t>The attack will look like this:</a:t>
-            </a:r>
-          </a:p>
-          <a:p>
-            <a:pPr marL="0" lvl="0" indent="0">
-              <a:buFont typeface="Symbol" panose="05050102010706020507" pitchFamily="18" charset="2"/>
-              <a:buNone/>
-            </a:pPr>
-            <a:r>
-              <a:rPr lang="en-US" dirty="0"/>
-              <a:t>You want to schedule an </a:t>
-            </a:r>
-            <a:r>
-              <a:rPr lang="en-US" dirty="0" err="1"/>
-              <a:t>nginx</a:t>
-            </a:r>
-            <a:r>
-              <a:rPr lang="en-US" dirty="0"/>
-              <a:t> image and found this super fancy fork of </a:t>
-            </a:r>
-            <a:r>
-              <a:rPr lang="en-US" dirty="0" err="1"/>
-              <a:t>nginx</a:t>
-            </a:r>
-            <a:r>
-              <a:rPr lang="en-US" dirty="0"/>
-              <a:t> (something comparable happened to Tesla with a crypto miner). Now the </a:t>
-            </a:r>
-            <a:r>
-              <a:rPr lang="en-US" dirty="0" err="1"/>
-              <a:t>nginx</a:t>
-            </a:r>
-            <a:r>
-              <a:rPr lang="en-US" dirty="0"/>
-              <a:t> image is a little bit extended – it has curl and a special run_nginx.sh script. The script checks, if a service account access token is available and if the answer is yes, it will be abused to schedule a daemon set with host fs access. Check the logs of the daemon set pods to see, if it worked. </a:t>
-            </a:r>
-          </a:p>
-          <a:p>
-            <a:pPr marL="0" lvl="0" indent="0">
-              <a:buFont typeface="Symbol" panose="05050102010706020507" pitchFamily="18" charset="2"/>
-              <a:buNone/>
-            </a:pPr>
-            <a:r>
-              <a:rPr lang="en-US" dirty="0"/>
-              <a:t>Of course, after the script ran, </a:t>
-            </a:r>
-            <a:r>
-              <a:rPr lang="en-US" dirty="0" err="1"/>
-              <a:t>nginx</a:t>
-            </a:r>
-            <a:r>
-              <a:rPr lang="en-US" dirty="0"/>
-              <a:t> will be started too ;)</a:t>
-            </a:r>
-          </a:p>
-          <a:p>
-            <a:pPr marL="0" lvl="0" indent="0">
-              <a:buFont typeface="Symbol" panose="05050102010706020507" pitchFamily="18" charset="2"/>
-              <a:buNone/>
-            </a:pPr>
-            <a:endParaRPr lang="en-US" dirty="0"/>
-          </a:p>
-          <a:p>
-            <a:pPr marL="0" lvl="0" indent="0">
-              <a:buFont typeface="Symbol" panose="05050102010706020507" pitchFamily="18" charset="2"/>
-              <a:buNone/>
-            </a:pPr>
-            <a:r>
-              <a:rPr lang="en-US" dirty="0"/>
-              <a:t>To make life easier, the Docker image has already been build &amp; uploaded to </a:t>
-            </a:r>
-            <a:r>
-              <a:rPr lang="en-US" dirty="0" err="1"/>
-              <a:t>artifactory</a:t>
-            </a:r>
-            <a:r>
-              <a:rPr lang="en-US" dirty="0"/>
-              <a:t> in DMZ. All you need to do, is to create an </a:t>
-            </a:r>
-            <a:r>
-              <a:rPr lang="en-US" dirty="0" err="1"/>
-              <a:t>imagepullsecret</a:t>
-            </a:r>
-            <a:r>
-              <a:rPr lang="en-US" dirty="0"/>
-              <a:t> with name “</a:t>
-            </a:r>
-            <a:r>
-              <a:rPr lang="en-US" dirty="0" err="1"/>
-              <a:t>artifactory</a:t>
-            </a:r>
-            <a:r>
-              <a:rPr lang="en-US" dirty="0"/>
-              <a:t>” and read access to </a:t>
-            </a:r>
-            <a:r>
-              <a:rPr lang="de-DE" sz="1400" b="0" i="0" kern="1200" dirty="0">
-                <a:solidFill>
-                  <a:schemeClr val="tx1"/>
-                </a:solidFill>
-                <a:effectLst/>
-                <a:latin typeface="+mn-lt"/>
-                <a:ea typeface="+mn-ea"/>
-                <a:cs typeface="+mn-cs"/>
-              </a:rPr>
-              <a:t>cc-k8s-course.docker.repositories.sap.ondemand.com/</a:t>
-            </a:r>
-            <a:r>
-              <a:rPr lang="de-DE" sz="1400" b="0" i="0" kern="1200" dirty="0" err="1">
-                <a:solidFill>
-                  <a:schemeClr val="tx1"/>
-                </a:solidFill>
-                <a:effectLst/>
-                <a:latin typeface="+mn-lt"/>
-                <a:ea typeface="+mn-ea"/>
-                <a:cs typeface="+mn-cs"/>
-              </a:rPr>
-              <a:t>security-examples</a:t>
-            </a:r>
-            <a:r>
-              <a:rPr lang="de-DE" sz="1400" b="0" i="0" kern="1200" dirty="0">
-                <a:solidFill>
-                  <a:schemeClr val="tx1"/>
-                </a:solidFill>
-                <a:effectLst/>
-                <a:latin typeface="+mn-lt"/>
-                <a:ea typeface="+mn-ea"/>
-                <a:cs typeface="+mn-cs"/>
-              </a:rPr>
-              <a:t>/</a:t>
-            </a:r>
-            <a:r>
-              <a:rPr lang="de-DE" sz="1400" b="0" i="0" kern="1200" dirty="0" err="1">
-                <a:solidFill>
-                  <a:schemeClr val="tx1"/>
-                </a:solidFill>
-                <a:effectLst/>
-                <a:latin typeface="+mn-lt"/>
-                <a:ea typeface="+mn-ea"/>
-                <a:cs typeface="+mn-cs"/>
-              </a:rPr>
-              <a:t>nginx</a:t>
-            </a:r>
-            <a:r>
-              <a:rPr lang="de-DE" sz="1400" b="0" i="0" kern="1200" dirty="0">
-                <a:solidFill>
-                  <a:schemeClr val="tx1"/>
-                </a:solidFill>
-                <a:effectLst/>
-                <a:latin typeface="+mn-lt"/>
-                <a:ea typeface="+mn-ea"/>
-                <a:cs typeface="+mn-cs"/>
-              </a:rPr>
-              <a:t>-host-</a:t>
-            </a:r>
-            <a:r>
-              <a:rPr lang="de-DE" sz="1400" b="0" i="0" kern="1200" dirty="0" err="1">
-                <a:solidFill>
-                  <a:schemeClr val="tx1"/>
-                </a:solidFill>
-                <a:effectLst/>
-                <a:latin typeface="+mn-lt"/>
-                <a:ea typeface="+mn-ea"/>
-                <a:cs typeface="+mn-cs"/>
-              </a:rPr>
-              <a:t>fs</a:t>
-            </a:r>
-            <a:r>
-              <a:rPr lang="de-DE" sz="1400" b="0" i="0" kern="1200" dirty="0">
-                <a:solidFill>
-                  <a:schemeClr val="tx1"/>
-                </a:solidFill>
-                <a:effectLst/>
-                <a:latin typeface="+mn-lt"/>
-                <a:ea typeface="+mn-ea"/>
-                <a:cs typeface="+mn-cs"/>
-              </a:rPr>
-              <a:t>-hack. As </a:t>
-            </a:r>
-            <a:r>
-              <a:rPr lang="de-DE" sz="1400" b="0" i="0" kern="1200" dirty="0" err="1">
-                <a:solidFill>
-                  <a:schemeClr val="tx1"/>
-                </a:solidFill>
-                <a:effectLst/>
-                <a:latin typeface="+mn-lt"/>
-                <a:ea typeface="+mn-ea"/>
-                <a:cs typeface="+mn-cs"/>
-              </a:rPr>
-              <a:t>it</a:t>
-            </a:r>
-            <a:r>
-              <a:rPr lang="de-DE" sz="1400" b="0" i="0" kern="1200" dirty="0">
-                <a:solidFill>
-                  <a:schemeClr val="tx1"/>
-                </a:solidFill>
-                <a:effectLst/>
-                <a:latin typeface="+mn-lt"/>
-                <a:ea typeface="+mn-ea"/>
-                <a:cs typeface="+mn-cs"/>
-              </a:rPr>
-              <a:t> </a:t>
-            </a:r>
-            <a:r>
-              <a:rPr lang="de-DE" sz="1400" b="0" i="0" kern="1200" dirty="0" err="1">
-                <a:solidFill>
-                  <a:schemeClr val="tx1"/>
-                </a:solidFill>
-                <a:effectLst/>
-                <a:latin typeface="+mn-lt"/>
-                <a:ea typeface="+mn-ea"/>
-                <a:cs typeface="+mn-cs"/>
-              </a:rPr>
-              <a:t>is</a:t>
-            </a:r>
-            <a:r>
-              <a:rPr lang="de-DE" sz="1400" b="0" i="0" kern="1200" dirty="0">
-                <a:solidFill>
-                  <a:schemeClr val="tx1"/>
-                </a:solidFill>
-                <a:effectLst/>
-                <a:latin typeface="+mn-lt"/>
-                <a:ea typeface="+mn-ea"/>
-                <a:cs typeface="+mn-cs"/>
-              </a:rPr>
-              <a:t> </a:t>
-            </a:r>
-            <a:r>
-              <a:rPr lang="de-DE" sz="1400" b="0" i="0" kern="1200" dirty="0" err="1">
-                <a:solidFill>
-                  <a:schemeClr val="tx1"/>
-                </a:solidFill>
-                <a:effectLst/>
-                <a:latin typeface="+mn-lt"/>
-                <a:ea typeface="+mn-ea"/>
-                <a:cs typeface="+mn-cs"/>
-              </a:rPr>
-              <a:t>the</a:t>
-            </a:r>
-            <a:r>
-              <a:rPr lang="de-DE" sz="1400" b="0" i="0" kern="1200" dirty="0">
-                <a:solidFill>
-                  <a:schemeClr val="tx1"/>
-                </a:solidFill>
-                <a:effectLst/>
-                <a:latin typeface="+mn-lt"/>
-                <a:ea typeface="+mn-ea"/>
-                <a:cs typeface="+mn-cs"/>
-              </a:rPr>
-              <a:t> same </a:t>
-            </a:r>
-            <a:r>
-              <a:rPr lang="de-DE" sz="1400" b="0" i="0" kern="1200" dirty="0" err="1">
-                <a:solidFill>
-                  <a:schemeClr val="tx1"/>
-                </a:solidFill>
-                <a:effectLst/>
-                <a:latin typeface="+mn-lt"/>
-                <a:ea typeface="+mn-ea"/>
-                <a:cs typeface="+mn-cs"/>
-              </a:rPr>
-              <a:t>org</a:t>
-            </a:r>
-            <a:r>
-              <a:rPr lang="de-DE" sz="1400" b="0" i="0" kern="1200" dirty="0">
-                <a:solidFill>
-                  <a:schemeClr val="tx1"/>
-                </a:solidFill>
-                <a:effectLst/>
-                <a:latin typeface="+mn-lt"/>
-                <a:ea typeface="+mn-ea"/>
-                <a:cs typeface="+mn-cs"/>
-              </a:rPr>
-              <a:t> </a:t>
-            </a:r>
-            <a:r>
-              <a:rPr lang="de-DE" sz="1400" b="0" i="0" kern="1200" dirty="0" err="1">
-                <a:solidFill>
-                  <a:schemeClr val="tx1"/>
-                </a:solidFill>
-                <a:effectLst/>
-                <a:latin typeface="+mn-lt"/>
-                <a:ea typeface="+mn-ea"/>
-                <a:cs typeface="+mn-cs"/>
-              </a:rPr>
-              <a:t>as</a:t>
-            </a:r>
-            <a:r>
-              <a:rPr lang="de-DE" sz="1400" b="0" i="0" kern="1200" dirty="0">
-                <a:solidFill>
-                  <a:schemeClr val="tx1"/>
-                </a:solidFill>
-                <a:effectLst/>
-                <a:latin typeface="+mn-lt"/>
-                <a:ea typeface="+mn-ea"/>
-                <a:cs typeface="+mn-cs"/>
-              </a:rPr>
-              <a:t> </a:t>
-            </a:r>
-            <a:r>
-              <a:rPr lang="de-DE" sz="1400" b="0" i="0" kern="1200" dirty="0" err="1">
-                <a:solidFill>
-                  <a:schemeClr val="tx1"/>
-                </a:solidFill>
-                <a:effectLst/>
-                <a:latin typeface="+mn-lt"/>
-                <a:ea typeface="+mn-ea"/>
-                <a:cs typeface="+mn-cs"/>
-              </a:rPr>
-              <a:t>we</a:t>
-            </a:r>
-            <a:r>
-              <a:rPr lang="de-DE" sz="1400" b="0" i="0" kern="1200" dirty="0">
-                <a:solidFill>
-                  <a:schemeClr val="tx1"/>
-                </a:solidFill>
-                <a:effectLst/>
-                <a:latin typeface="+mn-lt"/>
-                <a:ea typeface="+mn-ea"/>
-                <a:cs typeface="+mn-cs"/>
-              </a:rPr>
-              <a:t> </a:t>
-            </a:r>
-            <a:r>
-              <a:rPr lang="de-DE" sz="1400" b="0" i="0" kern="1200" dirty="0" err="1">
-                <a:solidFill>
-                  <a:schemeClr val="tx1"/>
-                </a:solidFill>
-                <a:effectLst/>
-                <a:latin typeface="+mn-lt"/>
-                <a:ea typeface="+mn-ea"/>
-                <a:cs typeface="+mn-cs"/>
-              </a:rPr>
-              <a:t>use</a:t>
-            </a:r>
-            <a:r>
-              <a:rPr lang="de-DE" sz="1400" b="0" i="0" kern="1200" dirty="0">
-                <a:solidFill>
-                  <a:schemeClr val="tx1"/>
-                </a:solidFill>
-                <a:effectLst/>
-                <a:latin typeface="+mn-lt"/>
-                <a:ea typeface="+mn-ea"/>
-                <a:cs typeface="+mn-cs"/>
-              </a:rPr>
-              <a:t> on </a:t>
-            </a:r>
-            <a:r>
-              <a:rPr lang="de-DE" sz="1400" b="0" i="0" kern="1200" dirty="0" err="1">
-                <a:solidFill>
-                  <a:schemeClr val="tx1"/>
-                </a:solidFill>
-                <a:effectLst/>
-                <a:latin typeface="+mn-lt"/>
-                <a:ea typeface="+mn-ea"/>
-                <a:cs typeface="+mn-cs"/>
-              </a:rPr>
-              <a:t>day</a:t>
-            </a:r>
-            <a:r>
-              <a:rPr lang="de-DE" sz="1400" b="0" i="0" kern="1200" dirty="0">
-                <a:solidFill>
-                  <a:schemeClr val="tx1"/>
-                </a:solidFill>
-                <a:effectLst/>
-                <a:latin typeface="+mn-lt"/>
-                <a:ea typeface="+mn-ea"/>
-                <a:cs typeface="+mn-cs"/>
-              </a:rPr>
-              <a:t> 4, </a:t>
-            </a:r>
-            <a:r>
-              <a:rPr lang="de-DE" sz="1400" b="0" i="0" kern="1200" dirty="0" err="1">
-                <a:solidFill>
-                  <a:schemeClr val="tx1"/>
-                </a:solidFill>
-                <a:effectLst/>
-                <a:latin typeface="+mn-lt"/>
-                <a:ea typeface="+mn-ea"/>
-                <a:cs typeface="+mn-cs"/>
-              </a:rPr>
-              <a:t>you</a:t>
-            </a:r>
-            <a:r>
-              <a:rPr lang="de-DE" sz="1400" b="0" i="0" kern="1200" dirty="0">
-                <a:solidFill>
-                  <a:schemeClr val="tx1"/>
-                </a:solidFill>
-                <a:effectLst/>
-                <a:latin typeface="+mn-lt"/>
-                <a:ea typeface="+mn-ea"/>
-                <a:cs typeface="+mn-cs"/>
-              </a:rPr>
-              <a:t> </a:t>
-            </a:r>
-            <a:r>
-              <a:rPr lang="de-DE" sz="1400" b="0" i="0" kern="1200" dirty="0" err="1">
-                <a:solidFill>
-                  <a:schemeClr val="tx1"/>
-                </a:solidFill>
-                <a:effectLst/>
-                <a:latin typeface="+mn-lt"/>
-                <a:ea typeface="+mn-ea"/>
-                <a:cs typeface="+mn-cs"/>
-              </a:rPr>
-              <a:t>can</a:t>
-            </a:r>
-            <a:r>
-              <a:rPr lang="de-DE" sz="1400" b="0" i="0" kern="1200" dirty="0">
-                <a:solidFill>
-                  <a:schemeClr val="tx1"/>
-                </a:solidFill>
-                <a:effectLst/>
-                <a:latin typeface="+mn-lt"/>
-                <a:ea typeface="+mn-ea"/>
-                <a:cs typeface="+mn-cs"/>
-              </a:rPr>
-              <a:t> also </a:t>
-            </a:r>
-            <a:r>
-              <a:rPr lang="de-DE" sz="1400" b="0" i="0" kern="1200" dirty="0" err="1">
-                <a:solidFill>
-                  <a:schemeClr val="tx1"/>
-                </a:solidFill>
-                <a:effectLst/>
-                <a:latin typeface="+mn-lt"/>
-                <a:ea typeface="+mn-ea"/>
-                <a:cs typeface="+mn-cs"/>
-              </a:rPr>
-              <a:t>use</a:t>
-            </a:r>
-            <a:r>
-              <a:rPr lang="de-DE" sz="1400" b="0" i="0" kern="1200" dirty="0">
-                <a:solidFill>
-                  <a:schemeClr val="tx1"/>
-                </a:solidFill>
-                <a:effectLst/>
-                <a:latin typeface="+mn-lt"/>
-                <a:ea typeface="+mn-ea"/>
-                <a:cs typeface="+mn-cs"/>
-              </a:rPr>
-              <a:t> </a:t>
-            </a:r>
-            <a:r>
-              <a:rPr lang="de-DE" sz="1400" b="0" i="0" kern="1200" dirty="0" err="1">
-                <a:solidFill>
-                  <a:schemeClr val="tx1"/>
-                </a:solidFill>
-                <a:effectLst/>
-                <a:latin typeface="+mn-lt"/>
-                <a:ea typeface="+mn-ea"/>
-                <a:cs typeface="+mn-cs"/>
-              </a:rPr>
-              <a:t>the</a:t>
-            </a:r>
-            <a:r>
-              <a:rPr lang="de-DE" sz="1400" b="0" i="0" kern="1200" dirty="0">
-                <a:solidFill>
-                  <a:schemeClr val="tx1"/>
-                </a:solidFill>
-                <a:effectLst/>
-                <a:latin typeface="+mn-lt"/>
-                <a:ea typeface="+mn-ea"/>
-                <a:cs typeface="+mn-cs"/>
-              </a:rPr>
-              <a:t> same </a:t>
-            </a:r>
-            <a:r>
-              <a:rPr lang="de-DE" sz="1400" b="0" i="0" kern="1200" dirty="0" err="1">
-                <a:solidFill>
-                  <a:schemeClr val="tx1"/>
-                </a:solidFill>
-                <a:effectLst/>
-                <a:latin typeface="+mn-lt"/>
-                <a:ea typeface="+mn-ea"/>
-                <a:cs typeface="+mn-cs"/>
-              </a:rPr>
-              <a:t>username</a:t>
-            </a:r>
-            <a:r>
-              <a:rPr lang="de-DE" sz="1400" b="0" i="0" kern="1200" dirty="0">
-                <a:solidFill>
-                  <a:schemeClr val="tx1"/>
-                </a:solidFill>
-                <a:effectLst/>
-                <a:latin typeface="+mn-lt"/>
-                <a:ea typeface="+mn-ea"/>
-                <a:cs typeface="+mn-cs"/>
-              </a:rPr>
-              <a:t> / </a:t>
-            </a:r>
-            <a:r>
-              <a:rPr lang="de-DE" sz="1400" b="0" i="0" kern="1200" dirty="0" err="1">
-                <a:solidFill>
-                  <a:schemeClr val="tx1"/>
-                </a:solidFill>
-                <a:effectLst/>
-                <a:latin typeface="+mn-lt"/>
-                <a:ea typeface="+mn-ea"/>
-                <a:cs typeface="+mn-cs"/>
-              </a:rPr>
-              <a:t>password</a:t>
-            </a:r>
-            <a:r>
-              <a:rPr lang="de-DE" sz="1400" b="0" i="0" kern="1200" dirty="0">
-                <a:solidFill>
-                  <a:schemeClr val="tx1"/>
-                </a:solidFill>
-                <a:effectLst/>
-                <a:latin typeface="+mn-lt"/>
-                <a:ea typeface="+mn-ea"/>
-                <a:cs typeface="+mn-cs"/>
-              </a:rPr>
-              <a:t> </a:t>
-            </a:r>
-            <a:r>
-              <a:rPr lang="de-DE" sz="1400" b="0" i="0" kern="1200" dirty="0" err="1">
-                <a:solidFill>
-                  <a:schemeClr val="tx1"/>
-                </a:solidFill>
-                <a:effectLst/>
-                <a:latin typeface="+mn-lt"/>
-                <a:ea typeface="+mn-ea"/>
-                <a:cs typeface="+mn-cs"/>
-              </a:rPr>
-              <a:t>for</a:t>
-            </a:r>
-            <a:r>
-              <a:rPr lang="de-DE" sz="1400" b="0" i="0" kern="1200" dirty="0">
-                <a:solidFill>
-                  <a:schemeClr val="tx1"/>
-                </a:solidFill>
-                <a:effectLst/>
-                <a:latin typeface="+mn-lt"/>
-                <a:ea typeface="+mn-ea"/>
-                <a:cs typeface="+mn-cs"/>
-              </a:rPr>
-              <a:t> </a:t>
-            </a:r>
-            <a:r>
-              <a:rPr lang="de-DE" sz="1400" b="0" i="0" kern="1200" dirty="0" err="1">
-                <a:solidFill>
-                  <a:schemeClr val="tx1"/>
-                </a:solidFill>
-                <a:effectLst/>
-                <a:latin typeface="+mn-lt"/>
-                <a:ea typeface="+mn-ea"/>
-                <a:cs typeface="+mn-cs"/>
-              </a:rPr>
-              <a:t>it</a:t>
-            </a:r>
-            <a:r>
-              <a:rPr lang="de-DE" sz="1400" b="0" i="0" kern="1200" dirty="0">
-                <a:solidFill>
-                  <a:schemeClr val="tx1"/>
-                </a:solidFill>
-                <a:effectLst/>
-                <a:latin typeface="+mn-lt"/>
-                <a:ea typeface="+mn-ea"/>
-                <a:cs typeface="+mn-cs"/>
-              </a:rPr>
-              <a:t> (check https://github.wdf.sap.corp/slvi/docker-k8s-training/blob/master/kubernetes/k8s-bulletinboard/exercise_02_ads_app.md#step-0-imagepullsecret-for-sap-artifactory-repo-cc-k8s-course).</a:t>
-            </a:r>
-            <a:endParaRPr lang="en-US" dirty="0"/>
-          </a:p>
-          <a:p>
-            <a:pPr marL="0" lvl="0" indent="0">
-              <a:buFont typeface="Symbol" panose="05050102010706020507" pitchFamily="18" charset="2"/>
-              <a:buNone/>
-            </a:pPr>
-            <a:endParaRPr lang="en-US" dirty="0"/>
-          </a:p>
-          <a:p>
-            <a:pPr marL="0" lvl="0" indent="0">
-              <a:buFont typeface="Symbol" panose="05050102010706020507" pitchFamily="18" charset="2"/>
-              <a:buNone/>
-            </a:pPr>
-            <a:r>
-              <a:rPr lang="en-US" dirty="0"/>
-              <a:t>To run the attack, you may use this deployment: https://github.wdf.sap.corp/ps-container/host-fs-access-hack/blob/master/host-fs-deployment.yaml</a:t>
+              <a:t>Pods attempting to mount the host file system or run as user root will be rejected.</a:t>
             </a:r>
           </a:p>
         </p:txBody>
@@ -4348,6 +3754,714 @@
     </p:spTree>
     <p:extLst>
       <p:ext uri="{BB962C8B-B14F-4D97-AF65-F5344CB8AC3E}">
+        <p14:creationId xmlns:p14="http://schemas.microsoft.com/office/powerpoint/2010/main" val="2953500110"/>
+      </p:ext>
+    </p:extLst>
+  </p:cSld>
+  <p:clrMapOvr>
+    <a:masterClrMapping/>
+  </p:clrMapOvr>
+</p:notes>
+</file>
+
+<file path=ppt/notesSlides/notesSlide28.xml><?xml version="1.0" encoding="utf-8"?>
+<p:notes xmlns:a="http://schemas.openxmlformats.org/drawingml/2006/main" xmlns:r="http://schemas.openxmlformats.org/officeDocument/2006/relationships" xmlns:p="http://schemas.openxmlformats.org/presentationml/2006/main">
+  <p:cSld>
+    <p:spTree>
+      <p:nvGrpSpPr>
+        <p:cNvPr id="1" name=""/>
+        <p:cNvGrpSpPr/>
+        <p:nvPr/>
+      </p:nvGrpSpPr>
+      <p:grpSpPr>
+        <a:xfrm>
+          <a:off x="0" y="0"/>
+          <a:ext cx="0" cy="0"/>
+          <a:chOff x="0" y="0"/>
+          <a:chExt cx="0" cy="0"/>
+        </a:xfrm>
+      </p:grpSpPr>
+      <p:sp>
+        <p:nvSpPr>
+          <p:cNvPr id="2" name="Slide Image Placeholder 1"/>
+          <p:cNvSpPr>
+            <a:spLocks noGrp="1" noRot="1" noChangeAspect="1"/>
+          </p:cNvSpPr>
+          <p:nvPr>
+            <p:ph type="sldImg"/>
+          </p:nvPr>
+        </p:nvSpPr>
+        <p:spPr/>
+      </p:sp>
+      <p:sp>
+        <p:nvSpPr>
+          <p:cNvPr id="3" name="Notes Placeholder 2"/>
+          <p:cNvSpPr>
+            <a:spLocks noGrp="1"/>
+          </p:cNvSpPr>
+          <p:nvPr>
+            <p:ph type="body" idx="1"/>
+          </p:nvPr>
+        </p:nvSpPr>
+        <p:spPr/>
+        <p:txBody>
+          <a:bodyPr>
+            <a:normAutofit fontScale="92500" lnSpcReduction="20000"/>
+          </a:bodyPr>
+          <a:lstStyle/>
+          <a:p>
+            <a:pPr marL="0" lvl="0" indent="0">
+              <a:buFont typeface="Symbol" panose="05050102010706020507" pitchFamily="18" charset="2"/>
+              <a:buNone/>
+            </a:pPr>
+            <a:r>
+              <a:rPr lang="en-US" dirty="0"/>
+              <a:t>To demonstrate scenario #2, we prepared a separate repo: https://github.wdf.sap.corp/ps-container/host-fs-access-hack </a:t>
+            </a:r>
+          </a:p>
+          <a:p>
+            <a:pPr marL="0" lvl="0" indent="0">
+              <a:buFont typeface="Symbol" panose="05050102010706020507" pitchFamily="18" charset="2"/>
+              <a:buNone/>
+            </a:pPr>
+            <a:r>
+              <a:rPr lang="en-US" dirty="0"/>
+              <a:t>It contains a </a:t>
+            </a:r>
+            <a:r>
+              <a:rPr lang="en-US" dirty="0" err="1"/>
+              <a:t>Dockerfile</a:t>
+            </a:r>
+            <a:r>
+              <a:rPr lang="en-US" dirty="0"/>
+              <a:t> as well as some scripts &amp; descriptions / explanations. </a:t>
+            </a:r>
+          </a:p>
+          <a:p>
+            <a:pPr marL="0" lvl="0" indent="0">
+              <a:buFont typeface="Symbol" panose="05050102010706020507" pitchFamily="18" charset="2"/>
+              <a:buNone/>
+            </a:pPr>
+            <a:endParaRPr lang="en-US" dirty="0"/>
+          </a:p>
+          <a:p>
+            <a:pPr marL="0" lvl="0" indent="0">
+              <a:buFont typeface="Symbol" panose="05050102010706020507" pitchFamily="18" charset="2"/>
+              <a:buNone/>
+            </a:pPr>
+            <a:r>
+              <a:rPr lang="en-US" dirty="0"/>
+              <a:t>The attack will look like this:</a:t>
+            </a:r>
+          </a:p>
+          <a:p>
+            <a:pPr marL="0" lvl="0" indent="0">
+              <a:buFont typeface="Symbol" panose="05050102010706020507" pitchFamily="18" charset="2"/>
+              <a:buNone/>
+            </a:pPr>
+            <a:r>
+              <a:rPr lang="en-US" dirty="0"/>
+              <a:t>You want to schedule an </a:t>
+            </a:r>
+            <a:r>
+              <a:rPr lang="en-US" dirty="0" err="1"/>
+              <a:t>nginx</a:t>
+            </a:r>
+            <a:r>
+              <a:rPr lang="en-US" dirty="0"/>
+              <a:t> image and found this super fancy fork of </a:t>
+            </a:r>
+            <a:r>
+              <a:rPr lang="en-US" dirty="0" err="1"/>
+              <a:t>nginx</a:t>
+            </a:r>
+            <a:r>
+              <a:rPr lang="en-US" dirty="0"/>
+              <a:t> (something comparable happened to Tesla with a crypto miner). Now the </a:t>
+            </a:r>
+            <a:r>
+              <a:rPr lang="en-US" dirty="0" err="1"/>
+              <a:t>nginx</a:t>
+            </a:r>
+            <a:r>
+              <a:rPr lang="en-US" dirty="0"/>
+              <a:t> image is a little bit extended – it has curl and a special run_nginx.sh script. The script checks, if a service account access token is available and if the answer is yes, it will be abused to schedule a daemon set with host fs access. Check the logs of the daemon set pods to see, if it worked. </a:t>
+            </a:r>
+          </a:p>
+          <a:p>
+            <a:pPr marL="0" lvl="0" indent="0">
+              <a:buFont typeface="Symbol" panose="05050102010706020507" pitchFamily="18" charset="2"/>
+              <a:buNone/>
+            </a:pPr>
+            <a:r>
+              <a:rPr lang="en-US" dirty="0"/>
+              <a:t>Of course, after the script ran, </a:t>
+            </a:r>
+            <a:r>
+              <a:rPr lang="en-US" dirty="0" err="1"/>
+              <a:t>nginx</a:t>
+            </a:r>
+            <a:r>
+              <a:rPr lang="en-US" dirty="0"/>
+              <a:t> will be started too ;)</a:t>
+            </a:r>
+          </a:p>
+          <a:p>
+            <a:pPr marL="0" lvl="0" indent="0">
+              <a:buFont typeface="Symbol" panose="05050102010706020507" pitchFamily="18" charset="2"/>
+              <a:buNone/>
+            </a:pPr>
+            <a:endParaRPr lang="en-US" dirty="0"/>
+          </a:p>
+          <a:p>
+            <a:pPr marL="0" lvl="0" indent="0">
+              <a:buFont typeface="Symbol" panose="05050102010706020507" pitchFamily="18" charset="2"/>
+              <a:buNone/>
+            </a:pPr>
+            <a:r>
+              <a:rPr lang="en-US" dirty="0"/>
+              <a:t>To make life easier, the Docker image has already been build &amp; uploaded to </a:t>
+            </a:r>
+            <a:r>
+              <a:rPr lang="en-US" dirty="0" err="1"/>
+              <a:t>artifactory</a:t>
+            </a:r>
+            <a:r>
+              <a:rPr lang="en-US" dirty="0"/>
+              <a:t> in DMZ. All you need to do, is to create an </a:t>
+            </a:r>
+            <a:r>
+              <a:rPr lang="en-US" dirty="0" err="1"/>
+              <a:t>imagepullsecret</a:t>
+            </a:r>
+            <a:r>
+              <a:rPr lang="en-US" dirty="0"/>
+              <a:t> with name “</a:t>
+            </a:r>
+            <a:r>
+              <a:rPr lang="en-US" dirty="0" err="1"/>
+              <a:t>artifactory</a:t>
+            </a:r>
+            <a:r>
+              <a:rPr lang="en-US" dirty="0"/>
+              <a:t>” and read access to </a:t>
+            </a:r>
+            <a:r>
+              <a:rPr lang="de-DE" sz="1400" b="0" i="0" kern="1200" dirty="0">
+                <a:solidFill>
+                  <a:schemeClr val="tx1"/>
+                </a:solidFill>
+                <a:effectLst/>
+                <a:latin typeface="+mn-lt"/>
+                <a:ea typeface="+mn-ea"/>
+                <a:cs typeface="+mn-cs"/>
+              </a:rPr>
+              <a:t>cc-k8s-course.docker.repositories.sap.ondemand.com/</a:t>
+            </a:r>
+            <a:r>
+              <a:rPr lang="de-DE" sz="1400" b="0" i="0" kern="1200" dirty="0" err="1">
+                <a:solidFill>
+                  <a:schemeClr val="tx1"/>
+                </a:solidFill>
+                <a:effectLst/>
+                <a:latin typeface="+mn-lt"/>
+                <a:ea typeface="+mn-ea"/>
+                <a:cs typeface="+mn-cs"/>
+              </a:rPr>
+              <a:t>security-examples</a:t>
+            </a:r>
+            <a:r>
+              <a:rPr lang="de-DE" sz="1400" b="0" i="0" kern="1200" dirty="0">
+                <a:solidFill>
+                  <a:schemeClr val="tx1"/>
+                </a:solidFill>
+                <a:effectLst/>
+                <a:latin typeface="+mn-lt"/>
+                <a:ea typeface="+mn-ea"/>
+                <a:cs typeface="+mn-cs"/>
+              </a:rPr>
+              <a:t>/</a:t>
+            </a:r>
+            <a:r>
+              <a:rPr lang="de-DE" sz="1400" b="0" i="0" kern="1200" dirty="0" err="1">
+                <a:solidFill>
+                  <a:schemeClr val="tx1"/>
+                </a:solidFill>
+                <a:effectLst/>
+                <a:latin typeface="+mn-lt"/>
+                <a:ea typeface="+mn-ea"/>
+                <a:cs typeface="+mn-cs"/>
+              </a:rPr>
+              <a:t>nginx</a:t>
+            </a:r>
+            <a:r>
+              <a:rPr lang="de-DE" sz="1400" b="0" i="0" kern="1200" dirty="0">
+                <a:solidFill>
+                  <a:schemeClr val="tx1"/>
+                </a:solidFill>
+                <a:effectLst/>
+                <a:latin typeface="+mn-lt"/>
+                <a:ea typeface="+mn-ea"/>
+                <a:cs typeface="+mn-cs"/>
+              </a:rPr>
+              <a:t>-host-</a:t>
+            </a:r>
+            <a:r>
+              <a:rPr lang="de-DE" sz="1400" b="0" i="0" kern="1200" dirty="0" err="1">
+                <a:solidFill>
+                  <a:schemeClr val="tx1"/>
+                </a:solidFill>
+                <a:effectLst/>
+                <a:latin typeface="+mn-lt"/>
+                <a:ea typeface="+mn-ea"/>
+                <a:cs typeface="+mn-cs"/>
+              </a:rPr>
+              <a:t>fs</a:t>
+            </a:r>
+            <a:r>
+              <a:rPr lang="de-DE" sz="1400" b="0" i="0" kern="1200" dirty="0">
+                <a:solidFill>
+                  <a:schemeClr val="tx1"/>
+                </a:solidFill>
+                <a:effectLst/>
+                <a:latin typeface="+mn-lt"/>
+                <a:ea typeface="+mn-ea"/>
+                <a:cs typeface="+mn-cs"/>
+              </a:rPr>
+              <a:t>-hack. As </a:t>
+            </a:r>
+            <a:r>
+              <a:rPr lang="de-DE" sz="1400" b="0" i="0" kern="1200" dirty="0" err="1">
+                <a:solidFill>
+                  <a:schemeClr val="tx1"/>
+                </a:solidFill>
+                <a:effectLst/>
+                <a:latin typeface="+mn-lt"/>
+                <a:ea typeface="+mn-ea"/>
+                <a:cs typeface="+mn-cs"/>
+              </a:rPr>
+              <a:t>it</a:t>
+            </a:r>
+            <a:r>
+              <a:rPr lang="de-DE" sz="1400" b="0" i="0" kern="1200" dirty="0">
+                <a:solidFill>
+                  <a:schemeClr val="tx1"/>
+                </a:solidFill>
+                <a:effectLst/>
+                <a:latin typeface="+mn-lt"/>
+                <a:ea typeface="+mn-ea"/>
+                <a:cs typeface="+mn-cs"/>
+              </a:rPr>
+              <a:t> </a:t>
+            </a:r>
+            <a:r>
+              <a:rPr lang="de-DE" sz="1400" b="0" i="0" kern="1200" dirty="0" err="1">
+                <a:solidFill>
+                  <a:schemeClr val="tx1"/>
+                </a:solidFill>
+                <a:effectLst/>
+                <a:latin typeface="+mn-lt"/>
+                <a:ea typeface="+mn-ea"/>
+                <a:cs typeface="+mn-cs"/>
+              </a:rPr>
+              <a:t>is</a:t>
+            </a:r>
+            <a:r>
+              <a:rPr lang="de-DE" sz="1400" b="0" i="0" kern="1200" dirty="0">
+                <a:solidFill>
+                  <a:schemeClr val="tx1"/>
+                </a:solidFill>
+                <a:effectLst/>
+                <a:latin typeface="+mn-lt"/>
+                <a:ea typeface="+mn-ea"/>
+                <a:cs typeface="+mn-cs"/>
+              </a:rPr>
+              <a:t> </a:t>
+            </a:r>
+            <a:r>
+              <a:rPr lang="de-DE" sz="1400" b="0" i="0" kern="1200" dirty="0" err="1">
+                <a:solidFill>
+                  <a:schemeClr val="tx1"/>
+                </a:solidFill>
+                <a:effectLst/>
+                <a:latin typeface="+mn-lt"/>
+                <a:ea typeface="+mn-ea"/>
+                <a:cs typeface="+mn-cs"/>
+              </a:rPr>
+              <a:t>the</a:t>
+            </a:r>
+            <a:r>
+              <a:rPr lang="de-DE" sz="1400" b="0" i="0" kern="1200" dirty="0">
+                <a:solidFill>
+                  <a:schemeClr val="tx1"/>
+                </a:solidFill>
+                <a:effectLst/>
+                <a:latin typeface="+mn-lt"/>
+                <a:ea typeface="+mn-ea"/>
+                <a:cs typeface="+mn-cs"/>
+              </a:rPr>
+              <a:t> same </a:t>
+            </a:r>
+            <a:r>
+              <a:rPr lang="de-DE" sz="1400" b="0" i="0" kern="1200" dirty="0" err="1">
+                <a:solidFill>
+                  <a:schemeClr val="tx1"/>
+                </a:solidFill>
+                <a:effectLst/>
+                <a:latin typeface="+mn-lt"/>
+                <a:ea typeface="+mn-ea"/>
+                <a:cs typeface="+mn-cs"/>
+              </a:rPr>
+              <a:t>org</a:t>
+            </a:r>
+            <a:r>
+              <a:rPr lang="de-DE" sz="1400" b="0" i="0" kern="1200" dirty="0">
+                <a:solidFill>
+                  <a:schemeClr val="tx1"/>
+                </a:solidFill>
+                <a:effectLst/>
+                <a:latin typeface="+mn-lt"/>
+                <a:ea typeface="+mn-ea"/>
+                <a:cs typeface="+mn-cs"/>
+              </a:rPr>
+              <a:t> </a:t>
+            </a:r>
+            <a:r>
+              <a:rPr lang="de-DE" sz="1400" b="0" i="0" kern="1200" dirty="0" err="1">
+                <a:solidFill>
+                  <a:schemeClr val="tx1"/>
+                </a:solidFill>
+                <a:effectLst/>
+                <a:latin typeface="+mn-lt"/>
+                <a:ea typeface="+mn-ea"/>
+                <a:cs typeface="+mn-cs"/>
+              </a:rPr>
+              <a:t>as</a:t>
+            </a:r>
+            <a:r>
+              <a:rPr lang="de-DE" sz="1400" b="0" i="0" kern="1200" dirty="0">
+                <a:solidFill>
+                  <a:schemeClr val="tx1"/>
+                </a:solidFill>
+                <a:effectLst/>
+                <a:latin typeface="+mn-lt"/>
+                <a:ea typeface="+mn-ea"/>
+                <a:cs typeface="+mn-cs"/>
+              </a:rPr>
+              <a:t> </a:t>
+            </a:r>
+            <a:r>
+              <a:rPr lang="de-DE" sz="1400" b="0" i="0" kern="1200" dirty="0" err="1">
+                <a:solidFill>
+                  <a:schemeClr val="tx1"/>
+                </a:solidFill>
+                <a:effectLst/>
+                <a:latin typeface="+mn-lt"/>
+                <a:ea typeface="+mn-ea"/>
+                <a:cs typeface="+mn-cs"/>
+              </a:rPr>
+              <a:t>we</a:t>
+            </a:r>
+            <a:r>
+              <a:rPr lang="de-DE" sz="1400" b="0" i="0" kern="1200" dirty="0">
+                <a:solidFill>
+                  <a:schemeClr val="tx1"/>
+                </a:solidFill>
+                <a:effectLst/>
+                <a:latin typeface="+mn-lt"/>
+                <a:ea typeface="+mn-ea"/>
+                <a:cs typeface="+mn-cs"/>
+              </a:rPr>
+              <a:t> </a:t>
+            </a:r>
+            <a:r>
+              <a:rPr lang="de-DE" sz="1400" b="0" i="0" kern="1200" dirty="0" err="1">
+                <a:solidFill>
+                  <a:schemeClr val="tx1"/>
+                </a:solidFill>
+                <a:effectLst/>
+                <a:latin typeface="+mn-lt"/>
+                <a:ea typeface="+mn-ea"/>
+                <a:cs typeface="+mn-cs"/>
+              </a:rPr>
+              <a:t>use</a:t>
+            </a:r>
+            <a:r>
+              <a:rPr lang="de-DE" sz="1400" b="0" i="0" kern="1200" dirty="0">
+                <a:solidFill>
+                  <a:schemeClr val="tx1"/>
+                </a:solidFill>
+                <a:effectLst/>
+                <a:latin typeface="+mn-lt"/>
+                <a:ea typeface="+mn-ea"/>
+                <a:cs typeface="+mn-cs"/>
+              </a:rPr>
+              <a:t> on </a:t>
+            </a:r>
+            <a:r>
+              <a:rPr lang="de-DE" sz="1400" b="0" i="0" kern="1200" dirty="0" err="1">
+                <a:solidFill>
+                  <a:schemeClr val="tx1"/>
+                </a:solidFill>
+                <a:effectLst/>
+                <a:latin typeface="+mn-lt"/>
+                <a:ea typeface="+mn-ea"/>
+                <a:cs typeface="+mn-cs"/>
+              </a:rPr>
+              <a:t>day</a:t>
+            </a:r>
+            <a:r>
+              <a:rPr lang="de-DE" sz="1400" b="0" i="0" kern="1200" dirty="0">
+                <a:solidFill>
+                  <a:schemeClr val="tx1"/>
+                </a:solidFill>
+                <a:effectLst/>
+                <a:latin typeface="+mn-lt"/>
+                <a:ea typeface="+mn-ea"/>
+                <a:cs typeface="+mn-cs"/>
+              </a:rPr>
+              <a:t> 4, </a:t>
+            </a:r>
+            <a:r>
+              <a:rPr lang="de-DE" sz="1400" b="0" i="0" kern="1200" dirty="0" err="1">
+                <a:solidFill>
+                  <a:schemeClr val="tx1"/>
+                </a:solidFill>
+                <a:effectLst/>
+                <a:latin typeface="+mn-lt"/>
+                <a:ea typeface="+mn-ea"/>
+                <a:cs typeface="+mn-cs"/>
+              </a:rPr>
+              <a:t>you</a:t>
+            </a:r>
+            <a:r>
+              <a:rPr lang="de-DE" sz="1400" b="0" i="0" kern="1200" dirty="0">
+                <a:solidFill>
+                  <a:schemeClr val="tx1"/>
+                </a:solidFill>
+                <a:effectLst/>
+                <a:latin typeface="+mn-lt"/>
+                <a:ea typeface="+mn-ea"/>
+                <a:cs typeface="+mn-cs"/>
+              </a:rPr>
+              <a:t> </a:t>
+            </a:r>
+            <a:r>
+              <a:rPr lang="de-DE" sz="1400" b="0" i="0" kern="1200" dirty="0" err="1">
+                <a:solidFill>
+                  <a:schemeClr val="tx1"/>
+                </a:solidFill>
+                <a:effectLst/>
+                <a:latin typeface="+mn-lt"/>
+                <a:ea typeface="+mn-ea"/>
+                <a:cs typeface="+mn-cs"/>
+              </a:rPr>
+              <a:t>can</a:t>
+            </a:r>
+            <a:r>
+              <a:rPr lang="de-DE" sz="1400" b="0" i="0" kern="1200" dirty="0">
+                <a:solidFill>
+                  <a:schemeClr val="tx1"/>
+                </a:solidFill>
+                <a:effectLst/>
+                <a:latin typeface="+mn-lt"/>
+                <a:ea typeface="+mn-ea"/>
+                <a:cs typeface="+mn-cs"/>
+              </a:rPr>
+              <a:t> also </a:t>
+            </a:r>
+            <a:r>
+              <a:rPr lang="de-DE" sz="1400" b="0" i="0" kern="1200" dirty="0" err="1">
+                <a:solidFill>
+                  <a:schemeClr val="tx1"/>
+                </a:solidFill>
+                <a:effectLst/>
+                <a:latin typeface="+mn-lt"/>
+                <a:ea typeface="+mn-ea"/>
+                <a:cs typeface="+mn-cs"/>
+              </a:rPr>
+              <a:t>use</a:t>
+            </a:r>
+            <a:r>
+              <a:rPr lang="de-DE" sz="1400" b="0" i="0" kern="1200" dirty="0">
+                <a:solidFill>
+                  <a:schemeClr val="tx1"/>
+                </a:solidFill>
+                <a:effectLst/>
+                <a:latin typeface="+mn-lt"/>
+                <a:ea typeface="+mn-ea"/>
+                <a:cs typeface="+mn-cs"/>
+              </a:rPr>
+              <a:t> </a:t>
+            </a:r>
+            <a:r>
+              <a:rPr lang="de-DE" sz="1400" b="0" i="0" kern="1200" dirty="0" err="1">
+                <a:solidFill>
+                  <a:schemeClr val="tx1"/>
+                </a:solidFill>
+                <a:effectLst/>
+                <a:latin typeface="+mn-lt"/>
+                <a:ea typeface="+mn-ea"/>
+                <a:cs typeface="+mn-cs"/>
+              </a:rPr>
+              <a:t>the</a:t>
+            </a:r>
+            <a:r>
+              <a:rPr lang="de-DE" sz="1400" b="0" i="0" kern="1200" dirty="0">
+                <a:solidFill>
+                  <a:schemeClr val="tx1"/>
+                </a:solidFill>
+                <a:effectLst/>
+                <a:latin typeface="+mn-lt"/>
+                <a:ea typeface="+mn-ea"/>
+                <a:cs typeface="+mn-cs"/>
+              </a:rPr>
+              <a:t> same </a:t>
+            </a:r>
+            <a:r>
+              <a:rPr lang="de-DE" sz="1400" b="0" i="0" kern="1200" dirty="0" err="1">
+                <a:solidFill>
+                  <a:schemeClr val="tx1"/>
+                </a:solidFill>
+                <a:effectLst/>
+                <a:latin typeface="+mn-lt"/>
+                <a:ea typeface="+mn-ea"/>
+                <a:cs typeface="+mn-cs"/>
+              </a:rPr>
+              <a:t>username</a:t>
+            </a:r>
+            <a:r>
+              <a:rPr lang="de-DE" sz="1400" b="0" i="0" kern="1200" dirty="0">
+                <a:solidFill>
+                  <a:schemeClr val="tx1"/>
+                </a:solidFill>
+                <a:effectLst/>
+                <a:latin typeface="+mn-lt"/>
+                <a:ea typeface="+mn-ea"/>
+                <a:cs typeface="+mn-cs"/>
+              </a:rPr>
+              <a:t> / </a:t>
+            </a:r>
+            <a:r>
+              <a:rPr lang="de-DE" sz="1400" b="0" i="0" kern="1200" dirty="0" err="1">
+                <a:solidFill>
+                  <a:schemeClr val="tx1"/>
+                </a:solidFill>
+                <a:effectLst/>
+                <a:latin typeface="+mn-lt"/>
+                <a:ea typeface="+mn-ea"/>
+                <a:cs typeface="+mn-cs"/>
+              </a:rPr>
+              <a:t>password</a:t>
+            </a:r>
+            <a:r>
+              <a:rPr lang="de-DE" sz="1400" b="0" i="0" kern="1200" dirty="0">
+                <a:solidFill>
+                  <a:schemeClr val="tx1"/>
+                </a:solidFill>
+                <a:effectLst/>
+                <a:latin typeface="+mn-lt"/>
+                <a:ea typeface="+mn-ea"/>
+                <a:cs typeface="+mn-cs"/>
+              </a:rPr>
+              <a:t> </a:t>
+            </a:r>
+            <a:r>
+              <a:rPr lang="de-DE" sz="1400" b="0" i="0" kern="1200" dirty="0" err="1">
+                <a:solidFill>
+                  <a:schemeClr val="tx1"/>
+                </a:solidFill>
+                <a:effectLst/>
+                <a:latin typeface="+mn-lt"/>
+                <a:ea typeface="+mn-ea"/>
+                <a:cs typeface="+mn-cs"/>
+              </a:rPr>
+              <a:t>for</a:t>
+            </a:r>
+            <a:r>
+              <a:rPr lang="de-DE" sz="1400" b="0" i="0" kern="1200" dirty="0">
+                <a:solidFill>
+                  <a:schemeClr val="tx1"/>
+                </a:solidFill>
+                <a:effectLst/>
+                <a:latin typeface="+mn-lt"/>
+                <a:ea typeface="+mn-ea"/>
+                <a:cs typeface="+mn-cs"/>
+              </a:rPr>
+              <a:t> </a:t>
+            </a:r>
+            <a:r>
+              <a:rPr lang="de-DE" sz="1400" b="0" i="0" kern="1200" dirty="0" err="1">
+                <a:solidFill>
+                  <a:schemeClr val="tx1"/>
+                </a:solidFill>
+                <a:effectLst/>
+                <a:latin typeface="+mn-lt"/>
+                <a:ea typeface="+mn-ea"/>
+                <a:cs typeface="+mn-cs"/>
+              </a:rPr>
+              <a:t>it</a:t>
+            </a:r>
+            <a:r>
+              <a:rPr lang="de-DE" sz="1400" b="0" i="0" kern="1200" dirty="0">
+                <a:solidFill>
+                  <a:schemeClr val="tx1"/>
+                </a:solidFill>
+                <a:effectLst/>
+                <a:latin typeface="+mn-lt"/>
+                <a:ea typeface="+mn-ea"/>
+                <a:cs typeface="+mn-cs"/>
+              </a:rPr>
+              <a:t> (check https://github.wdf.sap.corp/slvi/docker-k8s-training/blob/master/kubernetes/k8s-bulletinboard/exercise_02_ads_app.md#step-0-imagepullsecret-for-sap-artifactory-repo-cc-k8s-course).</a:t>
+            </a:r>
+            <a:endParaRPr lang="en-US" dirty="0"/>
+          </a:p>
+          <a:p>
+            <a:pPr marL="0" lvl="0" indent="0">
+              <a:buFont typeface="Symbol" panose="05050102010706020507" pitchFamily="18" charset="2"/>
+              <a:buNone/>
+            </a:pPr>
+            <a:endParaRPr lang="en-US" dirty="0"/>
+          </a:p>
+          <a:p>
+            <a:pPr marL="0" lvl="0" indent="0">
+              <a:buFont typeface="Symbol" panose="05050102010706020507" pitchFamily="18" charset="2"/>
+              <a:buNone/>
+            </a:pPr>
+            <a:r>
+              <a:rPr lang="en-US" dirty="0"/>
+              <a:t>To run the attack, you may use this deployment: https://github.wdf.sap.corp/ps-container/host-fs-access-hack/blob/master/host-fs-deployment.yaml</a:t>
+            </a:r>
+          </a:p>
+        </p:txBody>
+      </p:sp>
+      <p:sp>
+        <p:nvSpPr>
+          <p:cNvPr id="4" name="Slide Number Placeholder 3"/>
+          <p:cNvSpPr>
+            <a:spLocks noGrp="1"/>
+          </p:cNvSpPr>
+          <p:nvPr>
+            <p:ph type="sldNum" sz="quarter" idx="10"/>
+          </p:nvPr>
+        </p:nvSpPr>
+        <p:spPr/>
+        <p:txBody>
+          <a:bodyPr/>
+          <a:lstStyle/>
+          <a:p>
+            <a:fld id="{7D8C2C35-2B8A-446E-BEC0-FD36716C29AC}" type="slidenum">
+              <a:rPr lang="de-DE" smtClean="0"/>
+              <a:pPr/>
+              <a:t>35</a:t>
+            </a:fld>
+            <a:endParaRPr lang="de-DE" dirty="0"/>
+          </a:p>
+        </p:txBody>
+      </p:sp>
+    </p:spTree>
+    <p:extLst>
+      <p:ext uri="{BB962C8B-B14F-4D97-AF65-F5344CB8AC3E}">
         <p14:creationId xmlns:p14="http://schemas.microsoft.com/office/powerpoint/2010/main" val="3384471080"/>
       </p:ext>
     </p:extLst>
@@ -4358,7 +4472,7 @@
 </p:notes>
 </file>
 
-<file path=ppt/notesSlides/notesSlide28.xml><?xml version="1.0" encoding="utf-8"?>
+<file path=ppt/notesSlides/notesSlide29.xml><?xml version="1.0" encoding="utf-8"?>
 <p:notes xmlns:a="http://schemas.openxmlformats.org/drawingml/2006/main" xmlns:r="http://schemas.openxmlformats.org/officeDocument/2006/relationships" xmlns:p="http://schemas.openxmlformats.org/presentationml/2006/main">
   <p:cSld>
     <p:spTree>
@@ -4393,7 +4507,7 @@
             <a:fld id="{7D8C2C35-2B8A-446E-BEC0-FD36716C29AC}" type="slidenum">
               <a:rPr lang="en-US" smtClean="0"/>
               <a:pPr/>
-              <a:t>35</a:t>
+              <a:t>36</a:t>
             </a:fld>
             <a:endParaRPr lang="en-US" dirty="0"/>
           </a:p>
@@ -6088,37 +6202,216 @@
         </p:nvSpPr>
         <p:spPr/>
         <p:txBody>
-          <a:bodyPr/>
+          <a:bodyPr>
+            <a:normAutofit fontScale="92500" lnSpcReduction="10000"/>
+          </a:bodyPr>
           <a:lstStyle/>
           <a:p>
             <a:r>
               <a:rPr lang="en-US" dirty="0"/>
-              <a:t>Forking tons of new processes can bring down a host easily. To prevent such an attack being driven from within a pod, limiting the number of processes allowed per process group / </a:t>
+              <a:t>On pod as well as container spec level you have certain parameter to prevent or provoke security incidents.</a:t>
+            </a:r>
+          </a:p>
+          <a:p>
+            <a:endParaRPr lang="en-US" dirty="0"/>
+          </a:p>
+          <a:p>
+            <a:r>
+              <a:rPr lang="en-US" dirty="0"/>
+              <a:t>It is possible to grant host access in different ways – all of these may provoke security incidents:</a:t>
+            </a:r>
+          </a:p>
+          <a:p>
+            <a:pPr marL="285750" indent="-285750">
+              <a:buFontTx/>
+              <a:buChar char="-"/>
+            </a:pPr>
+            <a:r>
+              <a:rPr lang="en-US" dirty="0"/>
+              <a:t>Mount the host’s file system (</a:t>
             </a:r>
             <a:r>
               <a:rPr lang="en-US" dirty="0" err="1"/>
-              <a:t>cgroup</a:t>
+              <a:t>inkl</a:t>
             </a:r>
             <a:r>
               <a:rPr lang="en-US" dirty="0"/>
-              <a:t> is very important. </a:t>
-            </a:r>
-          </a:p>
-          <a:p>
+              <a:t>. a mount of the root file system “/”)</a:t>
+            </a:r>
+          </a:p>
+          <a:p>
+            <a:pPr marL="285750" indent="-285750">
+              <a:buFontTx/>
+              <a:buChar char="-"/>
+            </a:pPr>
+            <a:r>
+              <a:rPr lang="en-US" dirty="0"/>
+              <a:t>Join the host’s IPC namespace</a:t>
+            </a:r>
+          </a:p>
+          <a:p>
+            <a:pPr marL="285750" indent="-285750">
+              <a:buFontTx/>
+              <a:buChar char="-"/>
+            </a:pPr>
+            <a:r>
+              <a:rPr lang="en-US" dirty="0"/>
+              <a:t>Use the host’s network directly instead of an isolated network namespace</a:t>
+            </a:r>
+          </a:p>
+          <a:p>
+            <a:pPr marL="285750" indent="-285750">
+              <a:buFontTx/>
+              <a:buChar char="-"/>
+            </a:pPr>
+            <a:r>
+              <a:rPr lang="en-US" dirty="0"/>
+              <a:t>Run with user ID 0 (root)</a:t>
+            </a:r>
+          </a:p>
+          <a:p>
+            <a:pPr marL="285750" indent="-285750">
+              <a:buFontTx/>
+              <a:buChar char="-"/>
+            </a:pPr>
+            <a:r>
+              <a:rPr lang="en-US" dirty="0"/>
+              <a:t>Allow child processes to gain more privileges than their parent process (escalation)</a:t>
+            </a:r>
+          </a:p>
+          <a:p>
+            <a:pPr marL="285750" indent="-285750">
+              <a:buFontTx/>
+              <a:buChar char="-"/>
+            </a:pPr>
+            <a:r>
+              <a:rPr lang="en-US" dirty="0"/>
+              <a:t>Add capabilities (like SYS_ADMIN) or alter </a:t>
+            </a:r>
+            <a:r>
+              <a:rPr lang="en-US" dirty="0" err="1"/>
+              <a:t>seccomp</a:t>
+            </a:r>
+            <a:r>
+              <a:rPr lang="en-US" dirty="0"/>
+              <a:t> / </a:t>
+            </a:r>
+            <a:r>
+              <a:rPr lang="en-US" dirty="0" err="1"/>
+              <a:t>seLinux</a:t>
+            </a:r>
+            <a:r>
+              <a:rPr lang="en-US" dirty="0"/>
+              <a:t> profiles to allow dangerous system calls / access to the kernel</a:t>
+            </a:r>
+          </a:p>
+          <a:p>
+            <a:pPr marL="285750" indent="-285750">
+              <a:buFontTx/>
+              <a:buChar char="-"/>
+            </a:pPr>
             <a:endParaRPr lang="en-US" dirty="0"/>
           </a:p>
           <a:p>
+            <a:pPr marL="0" indent="0">
+              <a:buFontTx/>
+              <a:buNone/>
+            </a:pPr>
             <a:r>
               <a:rPr lang="en-US" dirty="0"/>
-              <a:t>Unfortunately the current implementation is only in alpha stage and implemented on </a:t>
+              <a:t>Of course these switches can be used to restrain a process:</a:t>
+            </a:r>
+          </a:p>
+          <a:p>
+            <a:pPr marL="285750" indent="-285750">
+              <a:buFontTx/>
+              <a:buChar char="-"/>
+            </a:pPr>
+            <a:r>
+              <a:rPr lang="en-US" dirty="0"/>
+              <a:t>Run with a different user ID than 0 within the container (“</a:t>
             </a:r>
             <a:r>
               <a:rPr lang="en-US" dirty="0" err="1"/>
-              <a:t>kubelet</a:t>
+              <a:t>runAsNonRoot</a:t>
             </a:r>
             <a:r>
               <a:rPr lang="en-US" dirty="0"/>
-              <a:t> level. </a:t>
+              <a:t>” / “</a:t>
+            </a:r>
+            <a:r>
+              <a:rPr lang="en-US" dirty="0" err="1"/>
+              <a:t>runAsUser</a:t>
+            </a:r>
+            <a:r>
+              <a:rPr lang="en-US" dirty="0"/>
+              <a:t>”)</a:t>
+            </a:r>
+          </a:p>
+          <a:p>
+            <a:pPr marL="285750" indent="-285750">
+              <a:buFontTx/>
+              <a:buChar char="-"/>
+            </a:pPr>
+            <a:r>
+              <a:rPr lang="en-US" dirty="0"/>
+              <a:t>Drop all capabilities &amp; apply a strict set of </a:t>
+            </a:r>
+            <a:r>
+              <a:rPr lang="en-US" dirty="0" err="1"/>
+              <a:t>seccomp</a:t>
+            </a:r>
+            <a:r>
+              <a:rPr lang="en-US" dirty="0"/>
+              <a:t> / </a:t>
+            </a:r>
+            <a:r>
+              <a:rPr lang="en-US" dirty="0" err="1"/>
+              <a:t>seLinx</a:t>
+            </a:r>
+            <a:r>
+              <a:rPr lang="en-US" dirty="0"/>
+              <a:t> rules</a:t>
+            </a:r>
+          </a:p>
+          <a:p>
+            <a:pPr marL="285750" indent="-285750">
+              <a:buFontTx/>
+              <a:buChar char="-"/>
+            </a:pPr>
+            <a:r>
+              <a:rPr lang="en-US" dirty="0"/>
+              <a:t>Switch the container root filesystem to read- only (makes it harder to install something with apt-install)</a:t>
+            </a:r>
+          </a:p>
+          <a:p>
+            <a:pPr marL="285750" indent="-285750">
+              <a:buFontTx/>
+              <a:buChar char="-"/>
+            </a:pPr>
+            <a:r>
+              <a:rPr lang="en-US" dirty="0"/>
+              <a:t>Mount file systems (like </a:t>
+            </a:r>
+            <a:r>
+              <a:rPr lang="en-US" dirty="0" err="1"/>
+              <a:t>pvc</a:t>
+            </a:r>
+            <a:r>
+              <a:rPr lang="en-US" dirty="0"/>
+              <a:t>) with a specific group ID (ideally != 0)</a:t>
+            </a:r>
+          </a:p>
+          <a:p>
+            <a:endParaRPr lang="en-US" dirty="0"/>
+          </a:p>
+          <a:p>
+            <a:endParaRPr lang="en-US" dirty="0"/>
+          </a:p>
+          <a:p>
+            <a:r>
+              <a:rPr lang="en-US" dirty="0"/>
+              <a:t> </a:t>
             </a:r>
           </a:p>
         </p:txBody>
@@ -6150,7 +6443,7 @@
     </p:spTree>
     <p:extLst>
       <p:ext uri="{BB962C8B-B14F-4D97-AF65-F5344CB8AC3E}">
-        <p14:creationId xmlns:p14="http://schemas.microsoft.com/office/powerpoint/2010/main" val="1647445843"/>
+        <p14:creationId xmlns:p14="http://schemas.microsoft.com/office/powerpoint/2010/main" val="3743689149"/>
       </p:ext>
     </p:extLst>
   </p:cSld>
@@ -20722,6 +21015,626 @@
           <p:cNvPr id="2" name="Title 1">
             <a:extLst>
               <a:ext uri="{FF2B5EF4-FFF2-40B4-BE49-F238E27FC236}">
+                <a16:creationId xmlns:a16="http://schemas.microsoft.com/office/drawing/2014/main" id="{9E165282-C03C-45E1-AAB7-7B87619C3137}"/>
+              </a:ext>
+            </a:extLst>
+          </p:cNvPr>
+          <p:cNvSpPr>
+            <a:spLocks noGrp="1"/>
+          </p:cNvSpPr>
+          <p:nvPr>
+            <p:ph type="title"/>
+          </p:nvPr>
+        </p:nvSpPr>
+        <p:spPr/>
+        <p:txBody>
+          <a:bodyPr/>
+          <a:lstStyle/>
+          <a:p>
+            <a:r>
+              <a:rPr lang="en-US" dirty="0"/>
+              <a:t>Security contexts and other ways to break things</a:t>
+            </a:r>
+          </a:p>
+        </p:txBody>
+      </p:sp>
+      <p:pic>
+        <p:nvPicPr>
+          <p:cNvPr id="7" name="Picture 6">
+            <a:extLst>
+              <a:ext uri="{FF2B5EF4-FFF2-40B4-BE49-F238E27FC236}">
+                <a16:creationId xmlns:a16="http://schemas.microsoft.com/office/drawing/2014/main" id="{ADFCB5AA-7CE6-4540-A518-42F6327A0352}"/>
+              </a:ext>
+            </a:extLst>
+          </p:cNvPr>
+          <p:cNvPicPr>
+            <a:picLocks noChangeAspect="1"/>
+          </p:cNvPicPr>
+          <p:nvPr/>
+        </p:nvPicPr>
+        <p:blipFill>
+          <a:blip r:embed="rId3"/>
+          <a:stretch>
+            <a:fillRect/>
+          </a:stretch>
+        </p:blipFill>
+        <p:spPr>
+          <a:xfrm>
+            <a:off x="504001" y="1600428"/>
+            <a:ext cx="3961905" cy="3657143"/>
+          </a:xfrm>
+          <a:prstGeom prst="rect">
+            <a:avLst/>
+          </a:prstGeom>
+          <a:ln>
+            <a:solidFill>
+              <a:schemeClr val="tx1"/>
+            </a:solidFill>
+          </a:ln>
+        </p:spPr>
+      </p:pic>
+      <p:pic>
+        <p:nvPicPr>
+          <p:cNvPr id="9" name="Picture 8">
+            <a:extLst>
+              <a:ext uri="{FF2B5EF4-FFF2-40B4-BE49-F238E27FC236}">
+                <a16:creationId xmlns:a16="http://schemas.microsoft.com/office/drawing/2014/main" id="{08795617-C0D0-4735-859C-AF5001E4D036}"/>
+              </a:ext>
+            </a:extLst>
+          </p:cNvPr>
+          <p:cNvPicPr>
+            <a:picLocks noChangeAspect="1"/>
+          </p:cNvPicPr>
+          <p:nvPr/>
+        </p:nvPicPr>
+        <p:blipFill>
+          <a:blip r:embed="rId4"/>
+          <a:stretch>
+            <a:fillRect/>
+          </a:stretch>
+        </p:blipFill>
+        <p:spPr>
+          <a:xfrm>
+            <a:off x="7623810" y="1605189"/>
+            <a:ext cx="4066667" cy="3647619"/>
+          </a:xfrm>
+          <a:prstGeom prst="rect">
+            <a:avLst/>
+          </a:prstGeom>
+          <a:ln>
+            <a:solidFill>
+              <a:schemeClr val="tx1"/>
+            </a:solidFill>
+          </a:ln>
+        </p:spPr>
+      </p:pic>
+      <p:sp>
+        <p:nvSpPr>
+          <p:cNvPr id="23" name="Speech Bubble: Rectangle 22">
+            <a:extLst>
+              <a:ext uri="{FF2B5EF4-FFF2-40B4-BE49-F238E27FC236}">
+                <a16:creationId xmlns:a16="http://schemas.microsoft.com/office/drawing/2014/main" id="{22361B66-F142-4B9A-8D5F-6B816AADA162}"/>
+              </a:ext>
+            </a:extLst>
+          </p:cNvPr>
+          <p:cNvSpPr/>
+          <p:nvPr/>
+        </p:nvSpPr>
+        <p:spPr bwMode="gray">
+          <a:xfrm>
+            <a:off x="4135921" y="1867524"/>
+            <a:ext cx="3102277" cy="769799"/>
+          </a:xfrm>
+          <a:prstGeom prst="wedgeRectCallout">
+            <a:avLst>
+              <a:gd name="adj1" fmla="val -88804"/>
+              <a:gd name="adj2" fmla="val -14732"/>
+            </a:avLst>
+          </a:prstGeom>
+          <a:ln>
+            <a:headEnd/>
+            <a:tailEnd/>
+          </a:ln>
+        </p:spPr>
+        <p:style>
+          <a:lnRef idx="2">
+            <a:schemeClr val="accent5"/>
+          </a:lnRef>
+          <a:fillRef idx="1">
+            <a:schemeClr val="lt1"/>
+          </a:fillRef>
+          <a:effectRef idx="0">
+            <a:schemeClr val="accent5"/>
+          </a:effectRef>
+          <a:fontRef idx="minor">
+            <a:schemeClr val="dk1"/>
+          </a:fontRef>
+        </p:style>
+        <p:txBody>
+          <a:bodyPr lIns="90000" tIns="72000" rIns="90000" bIns="72000" rtlCol="0" anchor="ctr"/>
+          <a:lstStyle/>
+          <a:p>
+            <a:pPr marR="0" algn="ctr" defTabSz="914400" eaLnBrk="1" fontAlgn="base" latinLnBrk="0" hangingPunct="1">
+              <a:lnSpc>
+                <a:spcPct val="100000"/>
+              </a:lnSpc>
+              <a:spcBef>
+                <a:spcPct val="50000"/>
+              </a:spcBef>
+              <a:spcAft>
+                <a:spcPct val="0"/>
+              </a:spcAft>
+              <a:buClr>
+                <a:srgbClr val="F0AB00"/>
+              </a:buClr>
+              <a:buSzPct val="80000"/>
+              <a:tabLst/>
+            </a:pPr>
+            <a:r>
+              <a:rPr lang="en-US" sz="1800" kern="0" dirty="0">
+                <a:ea typeface="Arial Unicode MS" pitchFamily="34" charset="-128"/>
+                <a:cs typeface="Arial Unicode MS" pitchFamily="34" charset="-128"/>
+              </a:rPr>
+              <a:t>Allow to access the host</a:t>
+            </a:r>
+            <a:endParaRPr kumimoji="0" lang="en-US" sz="1800" b="0" i="0" u="none" strike="noStrike" kern="0" cap="none" spc="0" normalizeH="0" baseline="0" noProof="0" dirty="0">
+              <a:ln>
+                <a:noFill/>
+              </a:ln>
+              <a:effectLst/>
+              <a:uLnTx/>
+              <a:uFillTx/>
+              <a:ea typeface="Arial Unicode MS" pitchFamily="34" charset="-128"/>
+              <a:cs typeface="Arial Unicode MS" pitchFamily="34" charset="-128"/>
+            </a:endParaRPr>
+          </a:p>
+        </p:txBody>
+      </p:sp>
+      <p:sp>
+        <p:nvSpPr>
+          <p:cNvPr id="24" name="Speech Bubble: Rectangle 23">
+            <a:extLst>
+              <a:ext uri="{FF2B5EF4-FFF2-40B4-BE49-F238E27FC236}">
+                <a16:creationId xmlns:a16="http://schemas.microsoft.com/office/drawing/2014/main" id="{C23D9BD9-B598-4B4D-B3FC-BB683BF35A02}"/>
+              </a:ext>
+            </a:extLst>
+          </p:cNvPr>
+          <p:cNvSpPr/>
+          <p:nvPr/>
+        </p:nvSpPr>
+        <p:spPr bwMode="gray">
+          <a:xfrm>
+            <a:off x="4135921" y="1867523"/>
+            <a:ext cx="3102277" cy="769799"/>
+          </a:xfrm>
+          <a:prstGeom prst="wedgeRectCallout">
+            <a:avLst>
+              <a:gd name="adj1" fmla="val 71293"/>
+              <a:gd name="adj2" fmla="val -20984"/>
+            </a:avLst>
+          </a:prstGeom>
+          <a:ln>
+            <a:headEnd/>
+            <a:tailEnd/>
+          </a:ln>
+        </p:spPr>
+        <p:style>
+          <a:lnRef idx="2">
+            <a:schemeClr val="accent5"/>
+          </a:lnRef>
+          <a:fillRef idx="1">
+            <a:schemeClr val="lt1"/>
+          </a:fillRef>
+          <a:effectRef idx="0">
+            <a:schemeClr val="accent5"/>
+          </a:effectRef>
+          <a:fontRef idx="minor">
+            <a:schemeClr val="dk1"/>
+          </a:fontRef>
+        </p:style>
+        <p:txBody>
+          <a:bodyPr lIns="90000" tIns="72000" rIns="90000" bIns="72000" rtlCol="0" anchor="ctr"/>
+          <a:lstStyle/>
+          <a:p>
+            <a:pPr marR="0" algn="ctr" defTabSz="914400" eaLnBrk="1" fontAlgn="base" latinLnBrk="0" hangingPunct="1">
+              <a:lnSpc>
+                <a:spcPct val="100000"/>
+              </a:lnSpc>
+              <a:spcBef>
+                <a:spcPct val="50000"/>
+              </a:spcBef>
+              <a:spcAft>
+                <a:spcPct val="0"/>
+              </a:spcAft>
+              <a:buClr>
+                <a:srgbClr val="F0AB00"/>
+              </a:buClr>
+              <a:buSzPct val="80000"/>
+              <a:tabLst/>
+            </a:pPr>
+            <a:r>
+              <a:rPr lang="en-US" sz="1800" kern="0" dirty="0">
+                <a:ea typeface="Arial Unicode MS" pitchFamily="34" charset="-128"/>
+                <a:cs typeface="Arial Unicode MS" pitchFamily="34" charset="-128"/>
+              </a:rPr>
+              <a:t>Allow/deny to access the host</a:t>
+            </a:r>
+            <a:endParaRPr kumimoji="0" lang="en-US" sz="1800" b="0" i="0" u="none" strike="noStrike" kern="0" cap="none" spc="0" normalizeH="0" baseline="0" noProof="0" dirty="0">
+              <a:ln>
+                <a:noFill/>
+              </a:ln>
+              <a:effectLst/>
+              <a:uLnTx/>
+              <a:uFillTx/>
+              <a:ea typeface="Arial Unicode MS" pitchFamily="34" charset="-128"/>
+              <a:cs typeface="Arial Unicode MS" pitchFamily="34" charset="-128"/>
+            </a:endParaRPr>
+          </a:p>
+        </p:txBody>
+      </p:sp>
+      <p:sp>
+        <p:nvSpPr>
+          <p:cNvPr id="25" name="Speech Bubble: Rectangle 24">
+            <a:extLst>
+              <a:ext uri="{FF2B5EF4-FFF2-40B4-BE49-F238E27FC236}">
+                <a16:creationId xmlns:a16="http://schemas.microsoft.com/office/drawing/2014/main" id="{E1D0A08B-2534-498D-BE04-EE1AE2E266AE}"/>
+              </a:ext>
+            </a:extLst>
+          </p:cNvPr>
+          <p:cNvSpPr/>
+          <p:nvPr/>
+        </p:nvSpPr>
+        <p:spPr bwMode="gray">
+          <a:xfrm>
+            <a:off x="4135920" y="2876572"/>
+            <a:ext cx="3102277" cy="769799"/>
+          </a:xfrm>
+          <a:prstGeom prst="wedgeRectCallout">
+            <a:avLst>
+              <a:gd name="adj1" fmla="val -88804"/>
+              <a:gd name="adj2" fmla="val -14732"/>
+            </a:avLst>
+          </a:prstGeom>
+          <a:ln>
+            <a:headEnd/>
+            <a:tailEnd/>
+          </a:ln>
+        </p:spPr>
+        <p:style>
+          <a:lnRef idx="2">
+            <a:schemeClr val="accent5"/>
+          </a:lnRef>
+          <a:fillRef idx="1">
+            <a:schemeClr val="lt1"/>
+          </a:fillRef>
+          <a:effectRef idx="0">
+            <a:schemeClr val="accent5"/>
+          </a:effectRef>
+          <a:fontRef idx="minor">
+            <a:schemeClr val="dk1"/>
+          </a:fontRef>
+        </p:style>
+        <p:txBody>
+          <a:bodyPr lIns="90000" tIns="72000" rIns="90000" bIns="72000" rtlCol="0" anchor="ctr"/>
+          <a:lstStyle/>
+          <a:p>
+            <a:pPr marR="0" algn="ctr" defTabSz="914400" eaLnBrk="1" fontAlgn="base" latinLnBrk="0" hangingPunct="1">
+              <a:lnSpc>
+                <a:spcPct val="100000"/>
+              </a:lnSpc>
+              <a:spcBef>
+                <a:spcPct val="50000"/>
+              </a:spcBef>
+              <a:spcAft>
+                <a:spcPct val="0"/>
+              </a:spcAft>
+              <a:buClr>
+                <a:srgbClr val="F0AB00"/>
+              </a:buClr>
+              <a:buSzPct val="80000"/>
+              <a:tabLst/>
+            </a:pPr>
+            <a:r>
+              <a:rPr lang="en-US" sz="1800" kern="0" dirty="0">
+                <a:ea typeface="Arial Unicode MS" pitchFamily="34" charset="-128"/>
+                <a:cs typeface="Arial Unicode MS" pitchFamily="34" charset="-128"/>
+              </a:rPr>
+              <a:t>Run as root user | 1000</a:t>
+            </a:r>
+            <a:endParaRPr kumimoji="0" lang="en-US" sz="1800" b="0" i="0" u="none" strike="noStrike" kern="0" cap="none" spc="0" normalizeH="0" baseline="0" noProof="0" dirty="0">
+              <a:ln>
+                <a:noFill/>
+              </a:ln>
+              <a:effectLst/>
+              <a:uLnTx/>
+              <a:uFillTx/>
+              <a:ea typeface="Arial Unicode MS" pitchFamily="34" charset="-128"/>
+              <a:cs typeface="Arial Unicode MS" pitchFamily="34" charset="-128"/>
+            </a:endParaRPr>
+          </a:p>
+        </p:txBody>
+      </p:sp>
+      <p:sp>
+        <p:nvSpPr>
+          <p:cNvPr id="27" name="Speech Bubble: Rectangle 26">
+            <a:extLst>
+              <a:ext uri="{FF2B5EF4-FFF2-40B4-BE49-F238E27FC236}">
+                <a16:creationId xmlns:a16="http://schemas.microsoft.com/office/drawing/2014/main" id="{1AB21FF2-494F-4134-BFD2-BCFBFBCF9606}"/>
+              </a:ext>
+            </a:extLst>
+          </p:cNvPr>
+          <p:cNvSpPr/>
+          <p:nvPr/>
+        </p:nvSpPr>
+        <p:spPr bwMode="gray">
+          <a:xfrm>
+            <a:off x="4135919" y="2876571"/>
+            <a:ext cx="3102277" cy="769799"/>
+          </a:xfrm>
+          <a:prstGeom prst="wedgeRectCallout">
+            <a:avLst>
+              <a:gd name="adj1" fmla="val 74395"/>
+              <a:gd name="adj2" fmla="val -12231"/>
+            </a:avLst>
+          </a:prstGeom>
+          <a:ln>
+            <a:headEnd/>
+            <a:tailEnd/>
+          </a:ln>
+        </p:spPr>
+        <p:style>
+          <a:lnRef idx="2">
+            <a:schemeClr val="accent5"/>
+          </a:lnRef>
+          <a:fillRef idx="1">
+            <a:schemeClr val="lt1"/>
+          </a:fillRef>
+          <a:effectRef idx="0">
+            <a:schemeClr val="accent5"/>
+          </a:effectRef>
+          <a:fontRef idx="minor">
+            <a:schemeClr val="dk1"/>
+          </a:fontRef>
+        </p:style>
+        <p:txBody>
+          <a:bodyPr lIns="90000" tIns="72000" rIns="90000" bIns="72000" rtlCol="0" anchor="ctr"/>
+          <a:lstStyle/>
+          <a:p>
+            <a:pPr marR="0" algn="ctr" defTabSz="914400" eaLnBrk="1" fontAlgn="base" latinLnBrk="0" hangingPunct="1">
+              <a:lnSpc>
+                <a:spcPct val="100000"/>
+              </a:lnSpc>
+              <a:spcBef>
+                <a:spcPct val="50000"/>
+              </a:spcBef>
+              <a:spcAft>
+                <a:spcPct val="0"/>
+              </a:spcAft>
+              <a:buClr>
+                <a:srgbClr val="F0AB00"/>
+              </a:buClr>
+              <a:buSzPct val="80000"/>
+              <a:tabLst/>
+            </a:pPr>
+            <a:r>
+              <a:rPr lang="en-US" sz="1800" kern="0" dirty="0">
+                <a:ea typeface="Arial Unicode MS" pitchFamily="34" charset="-128"/>
+                <a:cs typeface="Arial Unicode MS" pitchFamily="34" charset="-128"/>
+              </a:rPr>
+              <a:t>Run as root user | 1000</a:t>
+            </a:r>
+            <a:endParaRPr kumimoji="0" lang="en-US" sz="1800" b="0" i="0" u="none" strike="noStrike" kern="0" cap="none" spc="0" normalizeH="0" baseline="0" noProof="0" dirty="0">
+              <a:ln>
+                <a:noFill/>
+              </a:ln>
+              <a:effectLst/>
+              <a:uLnTx/>
+              <a:uFillTx/>
+              <a:ea typeface="Arial Unicode MS" pitchFamily="34" charset="-128"/>
+              <a:cs typeface="Arial Unicode MS" pitchFamily="34" charset="-128"/>
+            </a:endParaRPr>
+          </a:p>
+        </p:txBody>
+      </p:sp>
+      <p:sp>
+        <p:nvSpPr>
+          <p:cNvPr id="28" name="Speech Bubble: Rectangle 27">
+            <a:extLst>
+              <a:ext uri="{FF2B5EF4-FFF2-40B4-BE49-F238E27FC236}">
+                <a16:creationId xmlns:a16="http://schemas.microsoft.com/office/drawing/2014/main" id="{B681C7CE-4604-4640-B001-A8DDC95D673C}"/>
+              </a:ext>
+            </a:extLst>
+          </p:cNvPr>
+          <p:cNvSpPr/>
+          <p:nvPr/>
+        </p:nvSpPr>
+        <p:spPr bwMode="gray">
+          <a:xfrm>
+            <a:off x="2671276" y="5564195"/>
+            <a:ext cx="3102277" cy="769799"/>
+          </a:xfrm>
+          <a:prstGeom prst="wedgeRectCallout">
+            <a:avLst>
+              <a:gd name="adj1" fmla="val -43816"/>
+              <a:gd name="adj2" fmla="val -72249"/>
+            </a:avLst>
+          </a:prstGeom>
+          <a:ln>
+            <a:headEnd/>
+            <a:tailEnd/>
+          </a:ln>
+        </p:spPr>
+        <p:style>
+          <a:lnRef idx="2">
+            <a:schemeClr val="accent5"/>
+          </a:lnRef>
+          <a:fillRef idx="1">
+            <a:schemeClr val="lt1"/>
+          </a:fillRef>
+          <a:effectRef idx="0">
+            <a:schemeClr val="accent5"/>
+          </a:effectRef>
+          <a:fontRef idx="minor">
+            <a:schemeClr val="dk1"/>
+          </a:fontRef>
+        </p:style>
+        <p:txBody>
+          <a:bodyPr lIns="90000" tIns="72000" rIns="90000" bIns="72000" rtlCol="0" anchor="ctr"/>
+          <a:lstStyle/>
+          <a:p>
+            <a:pPr marR="0" algn="ctr" defTabSz="914400" eaLnBrk="1" fontAlgn="base" latinLnBrk="0" hangingPunct="1">
+              <a:lnSpc>
+                <a:spcPct val="100000"/>
+              </a:lnSpc>
+              <a:spcBef>
+                <a:spcPct val="50000"/>
+              </a:spcBef>
+              <a:spcAft>
+                <a:spcPct val="0"/>
+              </a:spcAft>
+              <a:buClr>
+                <a:srgbClr val="F0AB00"/>
+              </a:buClr>
+              <a:buSzPct val="80000"/>
+              <a:tabLst/>
+            </a:pPr>
+            <a:r>
+              <a:rPr lang="en-US" sz="1800" kern="0" dirty="0">
+                <a:ea typeface="Arial Unicode MS" pitchFamily="34" charset="-128"/>
+                <a:cs typeface="Arial Unicode MS" pitchFamily="34" charset="-128"/>
+              </a:rPr>
+              <a:t>Allow privilege escalation &amp; add a capability</a:t>
+            </a:r>
+            <a:endParaRPr kumimoji="0" lang="en-US" sz="1800" b="0" i="0" u="none" strike="noStrike" kern="0" cap="none" spc="0" normalizeH="0" baseline="0" noProof="0" dirty="0">
+              <a:ln>
+                <a:noFill/>
+              </a:ln>
+              <a:effectLst/>
+              <a:uLnTx/>
+              <a:uFillTx/>
+              <a:ea typeface="Arial Unicode MS" pitchFamily="34" charset="-128"/>
+              <a:cs typeface="Arial Unicode MS" pitchFamily="34" charset="-128"/>
+            </a:endParaRPr>
+          </a:p>
+        </p:txBody>
+      </p:sp>
+      <p:sp>
+        <p:nvSpPr>
+          <p:cNvPr id="29" name="Speech Bubble: Rectangle 28">
+            <a:extLst>
+              <a:ext uri="{FF2B5EF4-FFF2-40B4-BE49-F238E27FC236}">
+                <a16:creationId xmlns:a16="http://schemas.microsoft.com/office/drawing/2014/main" id="{B570343F-D366-4C29-B564-31068625C2AA}"/>
+              </a:ext>
+            </a:extLst>
+          </p:cNvPr>
+          <p:cNvSpPr/>
+          <p:nvPr/>
+        </p:nvSpPr>
+        <p:spPr bwMode="gray">
+          <a:xfrm>
+            <a:off x="6421622" y="5559432"/>
+            <a:ext cx="3102277" cy="769799"/>
+          </a:xfrm>
+          <a:prstGeom prst="wedgeRectCallout">
+            <a:avLst>
+              <a:gd name="adj1" fmla="val 42127"/>
+              <a:gd name="adj2" fmla="val -82252"/>
+            </a:avLst>
+          </a:prstGeom>
+          <a:ln>
+            <a:headEnd/>
+            <a:tailEnd/>
+          </a:ln>
+        </p:spPr>
+        <p:style>
+          <a:lnRef idx="2">
+            <a:schemeClr val="accent5"/>
+          </a:lnRef>
+          <a:fillRef idx="1">
+            <a:schemeClr val="lt1"/>
+          </a:fillRef>
+          <a:effectRef idx="0">
+            <a:schemeClr val="accent5"/>
+          </a:effectRef>
+          <a:fontRef idx="minor">
+            <a:schemeClr val="dk1"/>
+          </a:fontRef>
+        </p:style>
+        <p:txBody>
+          <a:bodyPr lIns="90000" tIns="72000" rIns="90000" bIns="72000" rtlCol="0" anchor="ctr"/>
+          <a:lstStyle/>
+          <a:p>
+            <a:pPr marR="0" algn="ctr" defTabSz="914400" eaLnBrk="1" fontAlgn="base" latinLnBrk="0" hangingPunct="1">
+              <a:lnSpc>
+                <a:spcPct val="100000"/>
+              </a:lnSpc>
+              <a:spcBef>
+                <a:spcPct val="50000"/>
+              </a:spcBef>
+              <a:spcAft>
+                <a:spcPct val="0"/>
+              </a:spcAft>
+              <a:buClr>
+                <a:srgbClr val="F0AB00"/>
+              </a:buClr>
+              <a:buSzPct val="80000"/>
+              <a:tabLst/>
+            </a:pPr>
+            <a:r>
+              <a:rPr lang="en-US" sz="1800" kern="0" dirty="0">
+                <a:ea typeface="Arial Unicode MS" pitchFamily="34" charset="-128"/>
+                <a:cs typeface="Arial Unicode MS" pitchFamily="34" charset="-128"/>
+              </a:rPr>
+              <a:t>Deny privilege escalation &amp; drop a capability</a:t>
+            </a:r>
+            <a:endParaRPr kumimoji="0" lang="en-US" sz="1800" b="0" i="0" u="none" strike="noStrike" kern="0" cap="none" spc="0" normalizeH="0" baseline="0" noProof="0" dirty="0">
+              <a:ln>
+                <a:noFill/>
+              </a:ln>
+              <a:effectLst/>
+              <a:uLnTx/>
+              <a:uFillTx/>
+              <a:ea typeface="Arial Unicode MS" pitchFamily="34" charset="-128"/>
+              <a:cs typeface="Arial Unicode MS" pitchFamily="34" charset="-128"/>
+            </a:endParaRPr>
+          </a:p>
+        </p:txBody>
+      </p:sp>
+    </p:spTree>
+    <p:extLst>
+      <p:ext uri="{BB962C8B-B14F-4D97-AF65-F5344CB8AC3E}">
+        <p14:creationId xmlns:p14="http://schemas.microsoft.com/office/powerpoint/2010/main" val="692172073"/>
+      </p:ext>
+    </p:extLst>
+  </p:cSld>
+  <p:clrMapOvr>
+    <a:masterClrMapping/>
+  </p:clrMapOvr>
+</p:sld>
+</file>
+
+<file path=ppt/slides/slide12.xml><?xml version="1.0" encoding="utf-8"?>
+<p:sld xmlns:a="http://schemas.openxmlformats.org/drawingml/2006/main" xmlns:r="http://schemas.openxmlformats.org/officeDocument/2006/relationships" xmlns:p="http://schemas.openxmlformats.org/presentationml/2006/main">
+  <p:cSld>
+    <p:spTree>
+      <p:nvGrpSpPr>
+        <p:cNvPr id="1" name=""/>
+        <p:cNvGrpSpPr/>
+        <p:nvPr/>
+      </p:nvGrpSpPr>
+      <p:grpSpPr>
+        <a:xfrm>
+          <a:off x="0" y="0"/>
+          <a:ext cx="0" cy="0"/>
+          <a:chOff x="0" y="0"/>
+          <a:chExt cx="0" cy="0"/>
+        </a:xfrm>
+      </p:grpSpPr>
+      <p:sp>
+        <p:nvSpPr>
+          <p:cNvPr id="2" name="Title 1">
+            <a:extLst>
+              <a:ext uri="{FF2B5EF4-FFF2-40B4-BE49-F238E27FC236}">
                 <a16:creationId xmlns:a16="http://schemas.microsoft.com/office/drawing/2014/main" id="{B720FA0B-D4CC-427B-A49C-CDA36115C6D6}"/>
               </a:ext>
             </a:extLst>
@@ -21014,7 +21927,7 @@
 </p:sld>
 </file>
 
-<file path=ppt/slides/slide12.xml><?xml version="1.0" encoding="utf-8"?>
+<file path=ppt/slides/slide13.xml><?xml version="1.0" encoding="utf-8"?>
 <p:sld xmlns:a="http://schemas.openxmlformats.org/drawingml/2006/main" xmlns:r="http://schemas.openxmlformats.org/officeDocument/2006/relationships" xmlns:p="http://schemas.openxmlformats.org/presentationml/2006/main">
   <p:cSld>
     <p:spTree>
@@ -21102,7 +22015,7 @@
 </p:sld>
 </file>
 
-<file path=ppt/slides/slide13.xml><?xml version="1.0" encoding="utf-8"?>
+<file path=ppt/slides/slide14.xml><?xml version="1.0" encoding="utf-8"?>
 <p:sld xmlns:a="http://schemas.openxmlformats.org/drawingml/2006/main" xmlns:r="http://schemas.openxmlformats.org/officeDocument/2006/relationships" xmlns:p="http://schemas.openxmlformats.org/presentationml/2006/main">
   <p:cSld>
     <p:spTree>
@@ -22066,7 +22979,7 @@
 </p:sld>
 </file>
 
-<file path=ppt/slides/slide14.xml><?xml version="1.0" encoding="utf-8"?>
+<file path=ppt/slides/slide15.xml><?xml version="1.0" encoding="utf-8"?>
 <p:sld xmlns:a="http://schemas.openxmlformats.org/drawingml/2006/main" xmlns:r="http://schemas.openxmlformats.org/officeDocument/2006/relationships" xmlns:p="http://schemas.openxmlformats.org/presentationml/2006/main">
   <p:cSld>
     <p:spTree>
@@ -22290,7 +23203,7 @@
 </p:sld>
 </file>
 
-<file path=ppt/slides/slide15.xml><?xml version="1.0" encoding="utf-8"?>
+<file path=ppt/slides/slide16.xml><?xml version="1.0" encoding="utf-8"?>
 <p:sld xmlns:a="http://schemas.openxmlformats.org/drawingml/2006/main" xmlns:r="http://schemas.openxmlformats.org/officeDocument/2006/relationships" xmlns:p="http://schemas.openxmlformats.org/presentationml/2006/main">
   <p:cSld>
     <p:spTree>
@@ -22463,7 +23376,7 @@
 </p:sld>
 </file>
 
-<file path=ppt/slides/slide16.xml><?xml version="1.0" encoding="utf-8"?>
+<file path=ppt/slides/slide17.xml><?xml version="1.0" encoding="utf-8"?>
 <p:sld xmlns:a="http://schemas.openxmlformats.org/drawingml/2006/main" xmlns:r="http://schemas.openxmlformats.org/officeDocument/2006/relationships" xmlns:p="http://schemas.openxmlformats.org/presentationml/2006/main">
   <p:cSld>
     <p:spTree>
@@ -23113,7 +24026,7 @@
 </p:sld>
 </file>
 
-<file path=ppt/slides/slide17.xml><?xml version="1.0" encoding="utf-8"?>
+<file path=ppt/slides/slide18.xml><?xml version="1.0" encoding="utf-8"?>
 <p:sld xmlns:a="http://schemas.openxmlformats.org/drawingml/2006/main" xmlns:r="http://schemas.openxmlformats.org/officeDocument/2006/relationships" xmlns:p="http://schemas.openxmlformats.org/presentationml/2006/main">
   <p:cSld>
     <p:spTree>
@@ -23930,7 +24843,7 @@
 </p:sld>
 </file>
 
-<file path=ppt/slides/slide18.xml><?xml version="1.0" encoding="utf-8"?>
+<file path=ppt/slides/slide19.xml><?xml version="1.0" encoding="utf-8"?>
 <p:sld xmlns:a="http://schemas.openxmlformats.org/drawingml/2006/main" xmlns:r="http://schemas.openxmlformats.org/officeDocument/2006/relationships" xmlns:p="http://schemas.openxmlformats.org/presentationml/2006/main">
   <p:cSld>
     <p:spTree>
@@ -25109,7 +26022,102 @@
 </p:sld>
 </file>
 
-<file path=ppt/slides/slide19.xml><?xml version="1.0" encoding="utf-8"?>
+<file path=ppt/slides/slide2.xml><?xml version="1.0" encoding="utf-8"?>
+<p:sld xmlns:a="http://schemas.openxmlformats.org/drawingml/2006/main" xmlns:r="http://schemas.openxmlformats.org/officeDocument/2006/relationships" xmlns:p="http://schemas.openxmlformats.org/presentationml/2006/main">
+  <p:cSld>
+    <p:spTree>
+      <p:nvGrpSpPr>
+        <p:cNvPr id="1" name=""/>
+        <p:cNvGrpSpPr/>
+        <p:nvPr/>
+      </p:nvGrpSpPr>
+      <p:grpSpPr>
+        <a:xfrm>
+          <a:off x="0" y="0"/>
+          <a:ext cx="0" cy="0"/>
+          <a:chOff x="0" y="0"/>
+          <a:chExt cx="0" cy="0"/>
+        </a:xfrm>
+      </p:grpSpPr>
+      <p:sp>
+        <p:nvSpPr>
+          <p:cNvPr id="3" name="Title 2">
+            <a:extLst>
+              <a:ext uri="{FF2B5EF4-FFF2-40B4-BE49-F238E27FC236}">
+                <a16:creationId xmlns:a16="http://schemas.microsoft.com/office/drawing/2014/main" id="{51D3D19E-A8DA-4646-B054-3A090C73BA35}"/>
+              </a:ext>
+            </a:extLst>
+          </p:cNvPr>
+          <p:cNvSpPr>
+            <a:spLocks noGrp="1"/>
+          </p:cNvSpPr>
+          <p:nvPr>
+            <p:ph type="ctrTitle"/>
+          </p:nvPr>
+        </p:nvSpPr>
+        <p:spPr/>
+        <p:txBody>
+          <a:bodyPr/>
+          <a:lstStyle/>
+          <a:p>
+            <a:r>
+              <a:rPr lang="en-US" dirty="0"/>
+              <a:t>Cluster Access</a:t>
+            </a:r>
+            <a:br>
+              <a:rPr lang="en-US" dirty="0"/>
+            </a:br>
+            <a:r>
+              <a:rPr lang="en-US" dirty="0"/>
+              <a:t>Management</a:t>
+            </a:r>
+          </a:p>
+        </p:txBody>
+      </p:sp>
+      <p:pic>
+        <p:nvPicPr>
+          <p:cNvPr id="4" name="Picture 3">
+            <a:extLst>
+              <a:ext uri="{FF2B5EF4-FFF2-40B4-BE49-F238E27FC236}">
+                <a16:creationId xmlns:a16="http://schemas.microsoft.com/office/drawing/2014/main" id="{609D5245-CD83-49FC-9537-CC22F80E50C3}"/>
+              </a:ext>
+            </a:extLst>
+          </p:cNvPr>
+          <p:cNvPicPr>
+            <a:picLocks noChangeAspect="1"/>
+          </p:cNvPicPr>
+          <p:nvPr/>
+        </p:nvPicPr>
+        <p:blipFill>
+          <a:blip r:embed="rId2"/>
+          <a:stretch>
+            <a:fillRect/>
+          </a:stretch>
+        </p:blipFill>
+        <p:spPr>
+          <a:xfrm>
+            <a:off x="6097587" y="1067544"/>
+            <a:ext cx="4045804" cy="4045804"/>
+          </a:xfrm>
+          <a:prstGeom prst="rect">
+            <a:avLst/>
+          </a:prstGeom>
+        </p:spPr>
+      </p:pic>
+    </p:spTree>
+    <p:extLst>
+      <p:ext uri="{BB962C8B-B14F-4D97-AF65-F5344CB8AC3E}">
+        <p14:creationId xmlns:p14="http://schemas.microsoft.com/office/powerpoint/2010/main" val="3227342604"/>
+      </p:ext>
+    </p:extLst>
+  </p:cSld>
+  <p:clrMapOvr>
+    <a:masterClrMapping/>
+  </p:clrMapOvr>
+</p:sld>
+</file>
+
+<file path=ppt/slides/slide20.xml><?xml version="1.0" encoding="utf-8"?>
 <p:sld xmlns:a="http://schemas.openxmlformats.org/drawingml/2006/main" xmlns:r="http://schemas.openxmlformats.org/officeDocument/2006/relationships" xmlns:p="http://schemas.openxmlformats.org/presentationml/2006/main">
   <p:cSld>
     <p:spTree>
@@ -26315,102 +27323,7 @@
 </p:sld>
 </file>
 
-<file path=ppt/slides/slide2.xml><?xml version="1.0" encoding="utf-8"?>
-<p:sld xmlns:a="http://schemas.openxmlformats.org/drawingml/2006/main" xmlns:r="http://schemas.openxmlformats.org/officeDocument/2006/relationships" xmlns:p="http://schemas.openxmlformats.org/presentationml/2006/main">
-  <p:cSld>
-    <p:spTree>
-      <p:nvGrpSpPr>
-        <p:cNvPr id="1" name=""/>
-        <p:cNvGrpSpPr/>
-        <p:nvPr/>
-      </p:nvGrpSpPr>
-      <p:grpSpPr>
-        <a:xfrm>
-          <a:off x="0" y="0"/>
-          <a:ext cx="0" cy="0"/>
-          <a:chOff x="0" y="0"/>
-          <a:chExt cx="0" cy="0"/>
-        </a:xfrm>
-      </p:grpSpPr>
-      <p:sp>
-        <p:nvSpPr>
-          <p:cNvPr id="3" name="Title 2">
-            <a:extLst>
-              <a:ext uri="{FF2B5EF4-FFF2-40B4-BE49-F238E27FC236}">
-                <a16:creationId xmlns:a16="http://schemas.microsoft.com/office/drawing/2014/main" id="{51D3D19E-A8DA-4646-B054-3A090C73BA35}"/>
-              </a:ext>
-            </a:extLst>
-          </p:cNvPr>
-          <p:cNvSpPr>
-            <a:spLocks noGrp="1"/>
-          </p:cNvSpPr>
-          <p:nvPr>
-            <p:ph type="ctrTitle"/>
-          </p:nvPr>
-        </p:nvSpPr>
-        <p:spPr/>
-        <p:txBody>
-          <a:bodyPr/>
-          <a:lstStyle/>
-          <a:p>
-            <a:r>
-              <a:rPr lang="en-US" dirty="0"/>
-              <a:t>Cluster Access</a:t>
-            </a:r>
-            <a:br>
-              <a:rPr lang="en-US" dirty="0"/>
-            </a:br>
-            <a:r>
-              <a:rPr lang="en-US" dirty="0"/>
-              <a:t>Management</a:t>
-            </a:r>
-          </a:p>
-        </p:txBody>
-      </p:sp>
-      <p:pic>
-        <p:nvPicPr>
-          <p:cNvPr id="4" name="Picture 3">
-            <a:extLst>
-              <a:ext uri="{FF2B5EF4-FFF2-40B4-BE49-F238E27FC236}">
-                <a16:creationId xmlns:a16="http://schemas.microsoft.com/office/drawing/2014/main" id="{609D5245-CD83-49FC-9537-CC22F80E50C3}"/>
-              </a:ext>
-            </a:extLst>
-          </p:cNvPr>
-          <p:cNvPicPr>
-            <a:picLocks noChangeAspect="1"/>
-          </p:cNvPicPr>
-          <p:nvPr/>
-        </p:nvPicPr>
-        <p:blipFill>
-          <a:blip r:embed="rId2"/>
-          <a:stretch>
-            <a:fillRect/>
-          </a:stretch>
-        </p:blipFill>
-        <p:spPr>
-          <a:xfrm>
-            <a:off x="6097587" y="1067544"/>
-            <a:ext cx="4045804" cy="4045804"/>
-          </a:xfrm>
-          <a:prstGeom prst="rect">
-            <a:avLst/>
-          </a:prstGeom>
-        </p:spPr>
-      </p:pic>
-    </p:spTree>
-    <p:extLst>
-      <p:ext uri="{BB962C8B-B14F-4D97-AF65-F5344CB8AC3E}">
-        <p14:creationId xmlns:p14="http://schemas.microsoft.com/office/powerpoint/2010/main" val="3227342604"/>
-      </p:ext>
-    </p:extLst>
-  </p:cSld>
-  <p:clrMapOvr>
-    <a:masterClrMapping/>
-  </p:clrMapOvr>
-</p:sld>
-</file>
-
-<file path=ppt/slides/slide20.xml><?xml version="1.0" encoding="utf-8"?>
+<file path=ppt/slides/slide21.xml><?xml version="1.0" encoding="utf-8"?>
 <p:sld xmlns:a="http://schemas.openxmlformats.org/drawingml/2006/main" xmlns:r="http://schemas.openxmlformats.org/officeDocument/2006/relationships" xmlns:p="http://schemas.openxmlformats.org/presentationml/2006/main">
   <p:cSld>
     <p:spTree>
@@ -26742,7 +27655,7 @@
 </p:sld>
 </file>
 
-<file path=ppt/slides/slide21.xml><?xml version="1.0" encoding="utf-8"?>
+<file path=ppt/slides/slide22.xml><?xml version="1.0" encoding="utf-8"?>
 <p:sld xmlns:a="http://schemas.openxmlformats.org/drawingml/2006/main" xmlns:r="http://schemas.openxmlformats.org/officeDocument/2006/relationships" xmlns:p="http://schemas.openxmlformats.org/presentationml/2006/main">
   <p:cSld>
     <p:spTree>
@@ -27074,7 +27987,7 @@
 </p:sld>
 </file>
 
-<file path=ppt/slides/slide22.xml><?xml version="1.0" encoding="utf-8"?>
+<file path=ppt/slides/slide23.xml><?xml version="1.0" encoding="utf-8"?>
 <p:sld xmlns:a="http://schemas.openxmlformats.org/drawingml/2006/main" xmlns:r="http://schemas.openxmlformats.org/officeDocument/2006/relationships" xmlns:p="http://schemas.openxmlformats.org/presentationml/2006/main">
   <p:cSld>
     <p:spTree>
@@ -28630,7 +29543,7 @@
 </p:sld>
 </file>
 
-<file path=ppt/slides/slide23.xml><?xml version="1.0" encoding="utf-8"?>
+<file path=ppt/slides/slide24.xml><?xml version="1.0" encoding="utf-8"?>
 <p:sld xmlns:a="http://schemas.openxmlformats.org/drawingml/2006/main" xmlns:r="http://schemas.openxmlformats.org/officeDocument/2006/relationships" xmlns:p="http://schemas.openxmlformats.org/presentationml/2006/main">
   <p:cSld>
     <p:spTree>
@@ -28964,7 +29877,7 @@
 </p:sld>
 </file>
 
-<file path=ppt/slides/slide24.xml><?xml version="1.0" encoding="utf-8"?>
+<file path=ppt/slides/slide25.xml><?xml version="1.0" encoding="utf-8"?>
 <p:sld xmlns:a="http://schemas.openxmlformats.org/drawingml/2006/main" xmlns:r="http://schemas.openxmlformats.org/officeDocument/2006/relationships" xmlns:p="http://schemas.openxmlformats.org/presentationml/2006/main" show="0">
   <p:cSld>
     <p:spTree>
@@ -30058,7 +30971,7 @@
 </p:sld>
 </file>
 
-<file path=ppt/slides/slide25.xml><?xml version="1.0" encoding="utf-8"?>
+<file path=ppt/slides/slide26.xml><?xml version="1.0" encoding="utf-8"?>
 <p:sld xmlns:a="http://schemas.openxmlformats.org/drawingml/2006/main" xmlns:r="http://schemas.openxmlformats.org/officeDocument/2006/relationships" xmlns:p="http://schemas.openxmlformats.org/presentationml/2006/main">
   <p:cSld>
     <p:spTree>
@@ -30146,7 +31059,7 @@
 </p:sld>
 </file>
 
-<file path=ppt/slides/slide26.xml><?xml version="1.0" encoding="utf-8"?>
+<file path=ppt/slides/slide27.xml><?xml version="1.0" encoding="utf-8"?>
 <p:sld xmlns:a="http://schemas.openxmlformats.org/drawingml/2006/main" xmlns:r="http://schemas.openxmlformats.org/officeDocument/2006/relationships" xmlns:p="http://schemas.openxmlformats.org/presentationml/2006/main">
   <p:cSld>
     <p:spTree>
@@ -31366,7 +32279,7 @@
 </p:sld>
 </file>
 
-<file path=ppt/slides/slide27.xml><?xml version="1.0" encoding="utf-8"?>
+<file path=ppt/slides/slide28.xml><?xml version="1.0" encoding="utf-8"?>
 <p:sld xmlns:a="http://schemas.openxmlformats.org/drawingml/2006/main" xmlns:r="http://schemas.openxmlformats.org/officeDocument/2006/relationships" xmlns:p="http://schemas.openxmlformats.org/presentationml/2006/main">
   <p:cSld>
     <p:spTree>
@@ -31454,7 +32367,7 @@
 </p:sld>
 </file>
 
-<file path=ppt/slides/slide28.xml><?xml version="1.0" encoding="utf-8"?>
+<file path=ppt/slides/slide29.xml><?xml version="1.0" encoding="utf-8"?>
 <p:sld xmlns:a="http://schemas.openxmlformats.org/drawingml/2006/main" xmlns:r="http://schemas.openxmlformats.org/officeDocument/2006/relationships" xmlns:p="http://schemas.openxmlformats.org/presentationml/2006/main">
   <p:cSld>
     <p:spTree>
@@ -32193,801 +33106,6 @@
     <p:extLst>
       <p:ext uri="{BB962C8B-B14F-4D97-AF65-F5344CB8AC3E}">
         <p14:creationId xmlns:p14="http://schemas.microsoft.com/office/powerpoint/2010/main" val="2240798407"/>
-      </p:ext>
-    </p:extLst>
-  </p:cSld>
-  <p:clrMapOvr>
-    <a:masterClrMapping/>
-  </p:clrMapOvr>
-</p:sld>
-</file>
-
-<file path=ppt/slides/slide29.xml><?xml version="1.0" encoding="utf-8"?>
-<p:sld xmlns:a="http://schemas.openxmlformats.org/drawingml/2006/main" xmlns:r="http://schemas.openxmlformats.org/officeDocument/2006/relationships" xmlns:p="http://schemas.openxmlformats.org/presentationml/2006/main">
-  <p:cSld>
-    <p:spTree>
-      <p:nvGrpSpPr>
-        <p:cNvPr id="1" name=""/>
-        <p:cNvGrpSpPr/>
-        <p:nvPr/>
-      </p:nvGrpSpPr>
-      <p:grpSpPr>
-        <a:xfrm>
-          <a:off x="0" y="0"/>
-          <a:ext cx="0" cy="0"/>
-          <a:chOff x="0" y="0"/>
-          <a:chExt cx="0" cy="0"/>
-        </a:xfrm>
-      </p:grpSpPr>
-      <p:sp>
-        <p:nvSpPr>
-          <p:cNvPr id="39" name="Rectangle: Rounded Corners 38">
-            <a:extLst>
-              <a:ext uri="{FF2B5EF4-FFF2-40B4-BE49-F238E27FC236}">
-                <a16:creationId xmlns:a16="http://schemas.microsoft.com/office/drawing/2014/main" id="{6B05395E-1844-476D-AB95-17A4127B8AE6}"/>
-              </a:ext>
-            </a:extLst>
-          </p:cNvPr>
-          <p:cNvSpPr/>
-          <p:nvPr/>
-        </p:nvSpPr>
-        <p:spPr bwMode="gray">
-          <a:xfrm>
-            <a:off x="1269557" y="2926601"/>
-            <a:ext cx="4531162" cy="3484827"/>
-          </a:xfrm>
-          <a:prstGeom prst="roundRect">
-            <a:avLst/>
-          </a:prstGeom>
-          <a:solidFill>
-            <a:schemeClr val="tx2"/>
-          </a:solidFill>
-          <a:ln>
-            <a:headEnd/>
-            <a:tailEnd/>
-          </a:ln>
-        </p:spPr>
-        <p:style>
-          <a:lnRef idx="2">
-            <a:schemeClr val="accent2"/>
-          </a:lnRef>
-          <a:fillRef idx="1">
-            <a:schemeClr val="lt1"/>
-          </a:fillRef>
-          <a:effectRef idx="0">
-            <a:schemeClr val="accent2"/>
-          </a:effectRef>
-          <a:fontRef idx="minor">
-            <a:schemeClr val="dk1"/>
-          </a:fontRef>
-        </p:style>
-        <p:txBody>
-          <a:bodyPr lIns="90000" tIns="72000" rIns="90000" bIns="72000" rtlCol="0" anchor="b"/>
-          <a:lstStyle/>
-          <a:p>
-            <a:pPr marR="0" algn="ctr" defTabSz="914400" eaLnBrk="1" fontAlgn="base" latinLnBrk="0" hangingPunct="1">
-              <a:lnSpc>
-                <a:spcPct val="100000"/>
-              </a:lnSpc>
-              <a:spcBef>
-                <a:spcPct val="50000"/>
-              </a:spcBef>
-              <a:spcAft>
-                <a:spcPct val="0"/>
-              </a:spcAft>
-              <a:buClr>
-                <a:srgbClr val="F0AB00"/>
-              </a:buClr>
-              <a:buSzPct val="80000"/>
-              <a:tabLst/>
-            </a:pPr>
-            <a:r>
-              <a:rPr kumimoji="0" lang="en-US" sz="2000" b="1" i="0" u="none" strike="noStrike" kern="0" cap="none" spc="0" normalizeH="0" baseline="0" noProof="0" dirty="0">
-                <a:ln>
-                  <a:noFill/>
-                </a:ln>
-                <a:effectLst/>
-                <a:uLnTx/>
-                <a:uFillTx/>
-                <a:ea typeface="Arial Unicode MS" pitchFamily="34" charset="-128"/>
-                <a:cs typeface="Arial Unicode MS" pitchFamily="34" charset="-128"/>
-              </a:rPr>
-              <a:t>Host</a:t>
-            </a:r>
-            <a:endParaRPr kumimoji="0" lang="en-US" sz="1800" b="1" i="0" u="none" strike="noStrike" kern="0" cap="none" spc="0" normalizeH="0" baseline="0" noProof="0" dirty="0">
-              <a:ln>
-                <a:noFill/>
-              </a:ln>
-              <a:effectLst/>
-              <a:uLnTx/>
-              <a:uFillTx/>
-              <a:ea typeface="Arial Unicode MS" pitchFamily="34" charset="-128"/>
-              <a:cs typeface="Arial Unicode MS" pitchFamily="34" charset="-128"/>
-            </a:endParaRPr>
-          </a:p>
-        </p:txBody>
-      </p:sp>
-      <p:sp>
-        <p:nvSpPr>
-          <p:cNvPr id="40" name="Rectangle: Rounded Corners 39">
-            <a:extLst>
-              <a:ext uri="{FF2B5EF4-FFF2-40B4-BE49-F238E27FC236}">
-                <a16:creationId xmlns:a16="http://schemas.microsoft.com/office/drawing/2014/main" id="{01EB7DF5-45EB-4252-81B1-36C6C146EC09}"/>
-              </a:ext>
-            </a:extLst>
-          </p:cNvPr>
-          <p:cNvSpPr/>
-          <p:nvPr/>
-        </p:nvSpPr>
-        <p:spPr bwMode="gray">
-          <a:xfrm>
-            <a:off x="1269557" y="1008652"/>
-            <a:ext cx="4531162" cy="1743402"/>
-          </a:xfrm>
-          <a:prstGeom prst="roundRect">
-            <a:avLst/>
-          </a:prstGeom>
-          <a:ln>
-            <a:headEnd/>
-            <a:tailEnd/>
-          </a:ln>
-        </p:spPr>
-        <p:style>
-          <a:lnRef idx="2">
-            <a:schemeClr val="accent6"/>
-          </a:lnRef>
-          <a:fillRef idx="1">
-            <a:schemeClr val="lt1"/>
-          </a:fillRef>
-          <a:effectRef idx="0">
-            <a:schemeClr val="accent6"/>
-          </a:effectRef>
-          <a:fontRef idx="minor">
-            <a:schemeClr val="dk1"/>
-          </a:fontRef>
-        </p:style>
-        <p:txBody>
-          <a:bodyPr lIns="90000" tIns="72000" rIns="90000" bIns="72000" rtlCol="0" anchor="t"/>
-          <a:lstStyle/>
-          <a:p>
-            <a:pPr marR="0" algn="ctr" defTabSz="914400" eaLnBrk="1" fontAlgn="base" latinLnBrk="0" hangingPunct="1">
-              <a:lnSpc>
-                <a:spcPct val="100000"/>
-              </a:lnSpc>
-              <a:spcBef>
-                <a:spcPct val="50000"/>
-              </a:spcBef>
-              <a:spcAft>
-                <a:spcPct val="0"/>
-              </a:spcAft>
-              <a:buClr>
-                <a:srgbClr val="F0AB00"/>
-              </a:buClr>
-              <a:buSzPct val="80000"/>
-              <a:tabLst/>
-            </a:pPr>
-            <a:r>
-              <a:rPr kumimoji="0" lang="en-US" sz="2000" b="1" i="0" u="none" strike="noStrike" kern="0" cap="none" spc="0" normalizeH="0" baseline="0" noProof="0" dirty="0">
-                <a:ln>
-                  <a:noFill/>
-                </a:ln>
-                <a:effectLst/>
-                <a:uLnTx/>
-                <a:uFillTx/>
-                <a:ea typeface="Arial Unicode MS" pitchFamily="34" charset="-128"/>
-                <a:cs typeface="Arial Unicode MS" pitchFamily="34" charset="-128"/>
-              </a:rPr>
-              <a:t>K8s</a:t>
-            </a:r>
-            <a:endParaRPr kumimoji="0" lang="en-US" sz="1800" b="1" i="0" u="none" strike="noStrike" kern="0" cap="none" spc="0" normalizeH="0" baseline="0" noProof="0" dirty="0">
-              <a:ln>
-                <a:noFill/>
-              </a:ln>
-              <a:effectLst/>
-              <a:uLnTx/>
-              <a:uFillTx/>
-              <a:ea typeface="Arial Unicode MS" pitchFamily="34" charset="-128"/>
-              <a:cs typeface="Arial Unicode MS" pitchFamily="34" charset="-128"/>
-            </a:endParaRPr>
-          </a:p>
-        </p:txBody>
-      </p:sp>
-      <p:sp>
-        <p:nvSpPr>
-          <p:cNvPr id="41" name="Rectangle: Rounded Corners 40">
-            <a:extLst>
-              <a:ext uri="{FF2B5EF4-FFF2-40B4-BE49-F238E27FC236}">
-                <a16:creationId xmlns:a16="http://schemas.microsoft.com/office/drawing/2014/main" id="{84440113-9D89-45D0-8A5F-AB6580792D6B}"/>
-              </a:ext>
-            </a:extLst>
-          </p:cNvPr>
-          <p:cNvSpPr/>
-          <p:nvPr/>
-        </p:nvSpPr>
-        <p:spPr bwMode="gray">
-          <a:xfrm>
-            <a:off x="1642716" y="2402958"/>
-            <a:ext cx="3784845" cy="2172586"/>
-          </a:xfrm>
-          <a:prstGeom prst="roundRect">
-            <a:avLst/>
-          </a:prstGeom>
-          <a:ln>
-            <a:headEnd/>
-            <a:tailEnd/>
-          </a:ln>
-        </p:spPr>
-        <p:style>
-          <a:lnRef idx="2">
-            <a:schemeClr val="accent2"/>
-          </a:lnRef>
-          <a:fillRef idx="1">
-            <a:schemeClr val="lt1"/>
-          </a:fillRef>
-          <a:effectRef idx="0">
-            <a:schemeClr val="accent2"/>
-          </a:effectRef>
-          <a:fontRef idx="minor">
-            <a:schemeClr val="dk1"/>
-          </a:fontRef>
-        </p:style>
-        <p:txBody>
-          <a:bodyPr lIns="90000" tIns="72000" rIns="90000" bIns="72000" rtlCol="0" anchor="t"/>
-          <a:lstStyle/>
-          <a:p>
-            <a:pPr marR="0" algn="ctr" defTabSz="914400" eaLnBrk="1" fontAlgn="base" latinLnBrk="0" hangingPunct="1">
-              <a:lnSpc>
-                <a:spcPct val="100000"/>
-              </a:lnSpc>
-              <a:spcBef>
-                <a:spcPct val="50000"/>
-              </a:spcBef>
-              <a:spcAft>
-                <a:spcPct val="0"/>
-              </a:spcAft>
-              <a:buClr>
-                <a:srgbClr val="F0AB00"/>
-              </a:buClr>
-              <a:buSzPct val="80000"/>
-              <a:tabLst/>
-            </a:pPr>
-            <a:r>
-              <a:rPr kumimoji="0" lang="en-US" sz="2000" b="1" i="0" u="none" strike="noStrike" kern="0" cap="none" spc="0" normalizeH="0" baseline="0" noProof="0">
-                <a:ln>
-                  <a:noFill/>
-                </a:ln>
-                <a:effectLst/>
-                <a:uLnTx/>
-                <a:uFillTx/>
-                <a:ea typeface="Arial Unicode MS" pitchFamily="34" charset="-128"/>
-                <a:cs typeface="Arial Unicode MS" pitchFamily="34" charset="-128"/>
-              </a:rPr>
-              <a:t>Container</a:t>
-            </a:r>
-            <a:endParaRPr kumimoji="0" lang="en-US" sz="1800" b="1" i="0" u="none" strike="noStrike" kern="0" cap="none" spc="0" normalizeH="0" baseline="0" noProof="0" dirty="0">
-              <a:ln>
-                <a:noFill/>
-              </a:ln>
-              <a:effectLst/>
-              <a:uLnTx/>
-              <a:uFillTx/>
-              <a:ea typeface="Arial Unicode MS" pitchFamily="34" charset="-128"/>
-              <a:cs typeface="Arial Unicode MS" pitchFamily="34" charset="-128"/>
-            </a:endParaRPr>
-          </a:p>
-        </p:txBody>
-      </p:sp>
-      <p:cxnSp>
-        <p:nvCxnSpPr>
-          <p:cNvPr id="42" name="Straight Connector 41">
-            <a:extLst>
-              <a:ext uri="{FF2B5EF4-FFF2-40B4-BE49-F238E27FC236}">
-                <a16:creationId xmlns:a16="http://schemas.microsoft.com/office/drawing/2014/main" id="{0D4EDAE1-E022-4D47-BFE8-DB8E8A0CC4AB}"/>
-              </a:ext>
-            </a:extLst>
-          </p:cNvPr>
-          <p:cNvCxnSpPr>
-            <a:cxnSpLocks/>
-          </p:cNvCxnSpPr>
-          <p:nvPr/>
-        </p:nvCxnSpPr>
-        <p:spPr>
-          <a:xfrm>
-            <a:off x="3535138" y="4575544"/>
-            <a:ext cx="0" cy="485550"/>
-          </a:xfrm>
-          <a:prstGeom prst="line">
-            <a:avLst/>
-          </a:prstGeom>
-          <a:ln w="76200">
-            <a:solidFill>
-              <a:schemeClr val="bg2"/>
-            </a:solidFill>
-            <a:headEnd type="none" w="med" len="med"/>
-            <a:tailEnd type="none" w="med" len="med"/>
-          </a:ln>
-        </p:spPr>
-        <p:style>
-          <a:lnRef idx="1">
-            <a:schemeClr val="accent1"/>
-          </a:lnRef>
-          <a:fillRef idx="0">
-            <a:schemeClr val="accent1"/>
-          </a:fillRef>
-          <a:effectRef idx="0">
-            <a:schemeClr val="accent1"/>
-          </a:effectRef>
-          <a:fontRef idx="minor">
-            <a:schemeClr val="tx1"/>
-          </a:fontRef>
-        </p:style>
-      </p:cxnSp>
-      <p:sp>
-        <p:nvSpPr>
-          <p:cNvPr id="43" name="Rectangle: Rounded Corners 42">
-            <a:extLst>
-              <a:ext uri="{FF2B5EF4-FFF2-40B4-BE49-F238E27FC236}">
-                <a16:creationId xmlns:a16="http://schemas.microsoft.com/office/drawing/2014/main" id="{2523410D-48C4-4016-92C7-EAD431ADB7B2}"/>
-              </a:ext>
-            </a:extLst>
-          </p:cNvPr>
-          <p:cNvSpPr/>
-          <p:nvPr/>
-        </p:nvSpPr>
-        <p:spPr bwMode="gray">
-          <a:xfrm>
-            <a:off x="1424394" y="5061094"/>
-            <a:ext cx="4221488" cy="723014"/>
-          </a:xfrm>
-          <a:prstGeom prst="roundRect">
-            <a:avLst/>
-          </a:prstGeom>
-          <a:solidFill>
-            <a:schemeClr val="bg2">
-              <a:lumMod val="20000"/>
-              <a:lumOff val="80000"/>
-            </a:schemeClr>
-          </a:solidFill>
-          <a:ln>
-            <a:headEnd/>
-            <a:tailEnd/>
-          </a:ln>
-        </p:spPr>
-        <p:style>
-          <a:lnRef idx="2">
-            <a:schemeClr val="accent2"/>
-          </a:lnRef>
-          <a:fillRef idx="1">
-            <a:schemeClr val="lt1"/>
-          </a:fillRef>
-          <a:effectRef idx="0">
-            <a:schemeClr val="accent2"/>
-          </a:effectRef>
-          <a:fontRef idx="minor">
-            <a:schemeClr val="dk1"/>
-          </a:fontRef>
-        </p:style>
-        <p:txBody>
-          <a:bodyPr lIns="90000" tIns="72000" rIns="90000" bIns="72000" rtlCol="0" anchor="ctr"/>
-          <a:lstStyle/>
-          <a:p>
-            <a:pPr marR="0" algn="ctr" defTabSz="914400" eaLnBrk="1" fontAlgn="base" latinLnBrk="0" hangingPunct="1">
-              <a:lnSpc>
-                <a:spcPct val="100000"/>
-              </a:lnSpc>
-              <a:spcBef>
-                <a:spcPct val="50000"/>
-              </a:spcBef>
-              <a:spcAft>
-                <a:spcPct val="0"/>
-              </a:spcAft>
-              <a:buClr>
-                <a:srgbClr val="F0AB00"/>
-              </a:buClr>
-              <a:buSzPct val="80000"/>
-              <a:tabLst/>
-            </a:pPr>
-            <a:r>
-              <a:rPr kumimoji="0" lang="en-US" sz="2000" b="1" i="0" u="none" strike="noStrike" kern="0" cap="none" spc="0" normalizeH="0" baseline="0" noProof="0" dirty="0">
-                <a:ln>
-                  <a:noFill/>
-                </a:ln>
-                <a:effectLst/>
-                <a:uLnTx/>
-                <a:uFillTx/>
-                <a:ea typeface="Arial Unicode MS" pitchFamily="34" charset="-128"/>
-                <a:cs typeface="Arial Unicode MS" pitchFamily="34" charset="-128"/>
-              </a:rPr>
-              <a:t>Linux Kernel</a:t>
-            </a:r>
-            <a:endParaRPr kumimoji="0" lang="en-US" sz="1800" b="1" i="0" u="none" strike="noStrike" kern="0" cap="none" spc="0" normalizeH="0" baseline="0" noProof="0" dirty="0">
-              <a:ln>
-                <a:noFill/>
-              </a:ln>
-              <a:effectLst/>
-              <a:uLnTx/>
-              <a:uFillTx/>
-              <a:ea typeface="Arial Unicode MS" pitchFamily="34" charset="-128"/>
-              <a:cs typeface="Arial Unicode MS" pitchFamily="34" charset="-128"/>
-            </a:endParaRPr>
-          </a:p>
-        </p:txBody>
-      </p:sp>
-      <p:sp>
-        <p:nvSpPr>
-          <p:cNvPr id="51" name="Rectangle: Rounded Corners 50">
-            <a:extLst>
-              <a:ext uri="{FF2B5EF4-FFF2-40B4-BE49-F238E27FC236}">
-                <a16:creationId xmlns:a16="http://schemas.microsoft.com/office/drawing/2014/main" id="{7DE3B177-A7B0-4867-B54E-B383E5D84DF0}"/>
-              </a:ext>
-            </a:extLst>
-          </p:cNvPr>
-          <p:cNvSpPr/>
-          <p:nvPr/>
-        </p:nvSpPr>
-        <p:spPr bwMode="gray">
-          <a:xfrm>
-            <a:off x="2596211" y="1541716"/>
-            <a:ext cx="1877854" cy="686695"/>
-          </a:xfrm>
-          <a:prstGeom prst="roundRect">
-            <a:avLst/>
-          </a:prstGeom>
-          <a:ln>
-            <a:headEnd/>
-            <a:tailEnd/>
-          </a:ln>
-        </p:spPr>
-        <p:style>
-          <a:lnRef idx="2">
-            <a:schemeClr val="accent6"/>
-          </a:lnRef>
-          <a:fillRef idx="1">
-            <a:schemeClr val="lt1"/>
-          </a:fillRef>
-          <a:effectRef idx="0">
-            <a:schemeClr val="accent6"/>
-          </a:effectRef>
-          <a:fontRef idx="minor">
-            <a:schemeClr val="dk1"/>
-          </a:fontRef>
-        </p:style>
-        <p:txBody>
-          <a:bodyPr rot="0" spcFirstLastPara="0" vertOverflow="overflow" horzOverflow="overflow" vert="horz" wrap="square" lIns="90000" tIns="72000" rIns="90000" bIns="72000" numCol="1" spcCol="0" rtlCol="0" fromWordArt="0" anchor="ctr" anchorCtr="0" forceAA="0" compatLnSpc="1">
-            <a:prstTxWarp prst="textNoShape">
-              <a:avLst/>
-            </a:prstTxWarp>
-            <a:noAutofit/>
-          </a:bodyPr>
-          <a:lstStyle/>
-          <a:p>
-            <a:pPr algn="ctr" defTabSz="914400" fontAlgn="base">
-              <a:spcBef>
-                <a:spcPct val="50000"/>
-              </a:spcBef>
-              <a:spcAft>
-                <a:spcPct val="0"/>
-              </a:spcAft>
-              <a:buClr>
-                <a:srgbClr val="F0AB00"/>
-              </a:buClr>
-              <a:buSzPct val="80000"/>
-            </a:pPr>
-            <a:r>
-              <a:rPr lang="en-US" sz="1800" kern="0" dirty="0">
-                <a:solidFill>
-                  <a:schemeClr val="dk1"/>
-                </a:solidFill>
-                <a:latin typeface="+mn-lt"/>
-                <a:ea typeface="Arial Unicode MS" pitchFamily="34" charset="-128"/>
-              </a:rPr>
-              <a:t>API Server</a:t>
-            </a:r>
-          </a:p>
-        </p:txBody>
-      </p:sp>
-      <p:sp>
-        <p:nvSpPr>
-          <p:cNvPr id="50" name="Title 49">
-            <a:extLst>
-              <a:ext uri="{FF2B5EF4-FFF2-40B4-BE49-F238E27FC236}">
-                <a16:creationId xmlns:a16="http://schemas.microsoft.com/office/drawing/2014/main" id="{7D480E47-3DD1-4ACF-8C6E-41D6F9D75F58}"/>
-              </a:ext>
-            </a:extLst>
-          </p:cNvPr>
-          <p:cNvSpPr>
-            <a:spLocks noGrp="1"/>
-          </p:cNvSpPr>
-          <p:nvPr>
-            <p:ph type="title"/>
-          </p:nvPr>
-        </p:nvSpPr>
-        <p:spPr/>
-        <p:txBody>
-          <a:bodyPr/>
-          <a:lstStyle/>
-          <a:p>
-            <a:r>
-              <a:rPr lang="en-US" dirty="0"/>
-              <a:t>Scenario 1: Bitcoin, Ethereum, </a:t>
-            </a:r>
-            <a:r>
-              <a:rPr lang="en-US" dirty="0" err="1"/>
-              <a:t>Monero</a:t>
-            </a:r>
-            <a:r>
-              <a:rPr lang="en-US" dirty="0"/>
-              <a:t>!</a:t>
-            </a:r>
-          </a:p>
-        </p:txBody>
-      </p:sp>
-      <p:sp>
-        <p:nvSpPr>
-          <p:cNvPr id="2" name="Cloud 1">
-            <a:extLst>
-              <a:ext uri="{FF2B5EF4-FFF2-40B4-BE49-F238E27FC236}">
-                <a16:creationId xmlns:a16="http://schemas.microsoft.com/office/drawing/2014/main" id="{D4F0E42D-30E8-4AD3-BDAA-9E16ABB6973D}"/>
-              </a:ext>
-            </a:extLst>
-          </p:cNvPr>
-          <p:cNvSpPr/>
-          <p:nvPr/>
-        </p:nvSpPr>
-        <p:spPr bwMode="gray">
-          <a:xfrm>
-            <a:off x="6989398" y="929734"/>
-            <a:ext cx="2054586" cy="1658675"/>
-          </a:xfrm>
-          <a:prstGeom prst="cloud">
-            <a:avLst/>
-          </a:prstGeom>
-          <a:solidFill>
-            <a:schemeClr val="bg2">
-              <a:lumMod val="40000"/>
-              <a:lumOff val="60000"/>
-            </a:schemeClr>
-          </a:solidFill>
-          <a:ln w="6350" algn="ctr">
-            <a:noFill/>
-            <a:miter lim="800000"/>
-            <a:headEnd/>
-            <a:tailEnd/>
-          </a:ln>
-        </p:spPr>
-        <p:txBody>
-          <a:bodyPr lIns="90000" tIns="72000" rIns="90000" bIns="72000" rtlCol="0" anchor="ctr"/>
-          <a:lstStyle/>
-          <a:p>
-            <a:pPr marR="0" algn="ctr" defTabSz="914400" eaLnBrk="1" fontAlgn="base" latinLnBrk="0" hangingPunct="1">
-              <a:lnSpc>
-                <a:spcPct val="100000"/>
-              </a:lnSpc>
-              <a:spcBef>
-                <a:spcPct val="50000"/>
-              </a:spcBef>
-              <a:spcAft>
-                <a:spcPct val="0"/>
-              </a:spcAft>
-              <a:buClr>
-                <a:srgbClr val="F0AB00"/>
-              </a:buClr>
-              <a:buSzPct val="80000"/>
-              <a:tabLst/>
-            </a:pPr>
-            <a:r>
-              <a:rPr kumimoji="0" lang="en-US" sz="1800" b="1" i="0" u="none" strike="noStrike" kern="0" cap="none" spc="0" normalizeH="0" baseline="0" noProof="0" dirty="0">
-                <a:ln>
-                  <a:noFill/>
-                </a:ln>
-                <a:effectLst/>
-                <a:uLnTx/>
-                <a:uFillTx/>
-                <a:ea typeface="Arial Unicode MS" pitchFamily="34" charset="-128"/>
-                <a:cs typeface="Arial Unicode MS" pitchFamily="34" charset="-128"/>
-              </a:rPr>
-              <a:t>Internet</a:t>
-            </a:r>
-          </a:p>
-        </p:txBody>
-      </p:sp>
-      <p:sp>
-        <p:nvSpPr>
-          <p:cNvPr id="20" name="TextBox 19">
-            <a:extLst>
-              <a:ext uri="{FF2B5EF4-FFF2-40B4-BE49-F238E27FC236}">
-                <a16:creationId xmlns:a16="http://schemas.microsoft.com/office/drawing/2014/main" id="{3FC79A34-F218-447B-8C61-1E171A5941BB}"/>
-              </a:ext>
-            </a:extLst>
-          </p:cNvPr>
-          <p:cNvSpPr txBox="1"/>
-          <p:nvPr/>
-        </p:nvSpPr>
-        <p:spPr>
-          <a:xfrm>
-            <a:off x="1735718" y="3203057"/>
-            <a:ext cx="3598840" cy="1107996"/>
-          </a:xfrm>
-          <a:prstGeom prst="rect">
-            <a:avLst/>
-          </a:prstGeom>
-          <a:solidFill>
-            <a:schemeClr val="bg2">
-              <a:lumMod val="20000"/>
-              <a:lumOff val="80000"/>
-            </a:schemeClr>
-          </a:solidFill>
-        </p:spPr>
-        <p:txBody>
-          <a:bodyPr wrap="square" lIns="0" tIns="0" rIns="0" bIns="0" rtlCol="0">
-            <a:spAutoFit/>
-          </a:bodyPr>
-          <a:lstStyle/>
-          <a:p>
-            <a:pPr fontAlgn="base">
-              <a:spcBef>
-                <a:spcPct val="50000"/>
-              </a:spcBef>
-              <a:spcAft>
-                <a:spcPct val="0"/>
-              </a:spcAft>
-              <a:buClr>
-                <a:srgbClr val="F0AB00"/>
-              </a:buClr>
-              <a:buSzPct val="80000"/>
-            </a:pPr>
-            <a:r>
-              <a:rPr lang="en-US" sz="1800" kern="0" dirty="0" err="1">
-                <a:latin typeface="Courier New" panose="02070309020205020404" pitchFamily="49" charset="0"/>
-                <a:ea typeface="Arial Unicode MS" pitchFamily="34" charset="-128"/>
-                <a:cs typeface="Courier New" panose="02070309020205020404" pitchFamily="49" charset="0"/>
-              </a:rPr>
-              <a:t>root@container</a:t>
-            </a:r>
-            <a:r>
-              <a:rPr lang="en-US" sz="1800" kern="0" dirty="0">
-                <a:latin typeface="Courier New" panose="02070309020205020404" pitchFamily="49" charset="0"/>
-                <a:ea typeface="Arial Unicode MS" pitchFamily="34" charset="-128"/>
-                <a:cs typeface="Courier New" panose="02070309020205020404" pitchFamily="49" charset="0"/>
-              </a:rPr>
-              <a:t>:$</a:t>
-            </a:r>
-          </a:p>
-          <a:p>
-            <a:pPr fontAlgn="base">
-              <a:spcBef>
-                <a:spcPct val="50000"/>
-              </a:spcBef>
-              <a:spcAft>
-                <a:spcPct val="0"/>
-              </a:spcAft>
-              <a:buClr>
-                <a:srgbClr val="F0AB00"/>
-              </a:buClr>
-              <a:buSzPct val="80000"/>
-            </a:pPr>
-            <a:r>
-              <a:rPr lang="en-US" sz="1800" kern="0" dirty="0">
-                <a:latin typeface="Courier New" panose="02070309020205020404" pitchFamily="49" charset="0"/>
-                <a:ea typeface="Arial Unicode MS" pitchFamily="34" charset="-128"/>
-                <a:cs typeface="Courier New" panose="02070309020205020404" pitchFamily="49" charset="0"/>
-              </a:rPr>
-              <a:t>&gt; apt install &lt;some miner&gt;</a:t>
-            </a:r>
-          </a:p>
-          <a:p>
-            <a:pPr fontAlgn="base">
-              <a:spcBef>
-                <a:spcPct val="50000"/>
-              </a:spcBef>
-              <a:spcAft>
-                <a:spcPct val="0"/>
-              </a:spcAft>
-              <a:buClr>
-                <a:srgbClr val="F0AB00"/>
-              </a:buClr>
-              <a:buSzPct val="80000"/>
-            </a:pPr>
-            <a:r>
-              <a:rPr lang="en-US" sz="1800" kern="0" dirty="0">
-                <a:latin typeface="Courier New" panose="02070309020205020404" pitchFamily="49" charset="0"/>
-                <a:ea typeface="Arial Unicode MS" pitchFamily="34" charset="-128"/>
-                <a:cs typeface="Courier New" panose="02070309020205020404" pitchFamily="49" charset="0"/>
-              </a:rPr>
-              <a:t>&gt; € € € € € € € € €...</a:t>
-            </a:r>
-          </a:p>
-        </p:txBody>
-      </p:sp>
-      <p:cxnSp>
-        <p:nvCxnSpPr>
-          <p:cNvPr id="22" name="Connector: Elbow 21">
-            <a:extLst>
-              <a:ext uri="{FF2B5EF4-FFF2-40B4-BE49-F238E27FC236}">
-                <a16:creationId xmlns:a16="http://schemas.microsoft.com/office/drawing/2014/main" id="{8870909F-3F3C-4B60-A7F2-656FD357233E}"/>
-              </a:ext>
-            </a:extLst>
-          </p:cNvPr>
-          <p:cNvCxnSpPr>
-            <a:cxnSpLocks/>
-            <a:stCxn id="20" idx="3"/>
-            <a:endCxn id="2" idx="1"/>
-          </p:cNvCxnSpPr>
-          <p:nvPr/>
-        </p:nvCxnSpPr>
-        <p:spPr>
-          <a:xfrm flipV="1">
-            <a:off x="5334558" y="2586643"/>
-            <a:ext cx="2682133" cy="1170412"/>
-          </a:xfrm>
-          <a:prstGeom prst="bentConnector2">
-            <a:avLst/>
-          </a:prstGeom>
-          <a:ln w="57150">
-            <a:solidFill>
-              <a:schemeClr val="accent5">
-                <a:lumMod val="75000"/>
-              </a:schemeClr>
-            </a:solidFill>
-            <a:headEnd type="none" w="med" len="med"/>
-            <a:tailEnd type="none" w="med" len="med"/>
-          </a:ln>
-        </p:spPr>
-        <p:style>
-          <a:lnRef idx="1">
-            <a:schemeClr val="accent1"/>
-          </a:lnRef>
-          <a:fillRef idx="0">
-            <a:schemeClr val="accent1"/>
-          </a:fillRef>
-          <a:effectRef idx="0">
-            <a:schemeClr val="accent1"/>
-          </a:effectRef>
-          <a:fontRef idx="minor">
-            <a:schemeClr val="tx1"/>
-          </a:fontRef>
-        </p:style>
-      </p:cxnSp>
-      <p:pic>
-        <p:nvPicPr>
-          <p:cNvPr id="17" name="Graphic 16" descr="Coins">
-            <a:extLst>
-              <a:ext uri="{FF2B5EF4-FFF2-40B4-BE49-F238E27FC236}">
-                <a16:creationId xmlns:a16="http://schemas.microsoft.com/office/drawing/2014/main" id="{D9919339-C5F4-46D3-BCAA-DADD401DD3D3}"/>
-              </a:ext>
-            </a:extLst>
-          </p:cNvPr>
-          <p:cNvPicPr>
-            <a:picLocks noChangeAspect="1"/>
-          </p:cNvPicPr>
-          <p:nvPr/>
-        </p:nvPicPr>
-        <p:blipFill>
-          <a:blip r:embed="rId3">
-            <a:extLst>
-              <a:ext uri="{96DAC541-7B7A-43D3-8B79-37D633B846F1}">
-                <asvg:svgBlip xmlns:asvg="http://schemas.microsoft.com/office/drawing/2016/SVG/main" r:embed="rId4"/>
-              </a:ext>
-            </a:extLst>
-          </a:blip>
-          <a:stretch>
-            <a:fillRect/>
-          </a:stretch>
-        </p:blipFill>
-        <p:spPr>
-          <a:xfrm>
-            <a:off x="6971158" y="2695147"/>
-            <a:ext cx="914400" cy="914400"/>
-          </a:xfrm>
-          <a:prstGeom prst="rect">
-            <a:avLst/>
-          </a:prstGeom>
-        </p:spPr>
-      </p:pic>
-    </p:spTree>
-    <p:extLst>
-      <p:ext uri="{BB962C8B-B14F-4D97-AF65-F5344CB8AC3E}">
-        <p14:creationId xmlns:p14="http://schemas.microsoft.com/office/powerpoint/2010/main" val="1212405617"/>
       </p:ext>
     </p:extLst>
   </p:cSld>
@@ -33737,6 +33855,801 @@
 </file>
 
 <file path=ppt/slides/slide30.xml><?xml version="1.0" encoding="utf-8"?>
+<p:sld xmlns:a="http://schemas.openxmlformats.org/drawingml/2006/main" xmlns:r="http://schemas.openxmlformats.org/officeDocument/2006/relationships" xmlns:p="http://schemas.openxmlformats.org/presentationml/2006/main">
+  <p:cSld>
+    <p:spTree>
+      <p:nvGrpSpPr>
+        <p:cNvPr id="1" name=""/>
+        <p:cNvGrpSpPr/>
+        <p:nvPr/>
+      </p:nvGrpSpPr>
+      <p:grpSpPr>
+        <a:xfrm>
+          <a:off x="0" y="0"/>
+          <a:ext cx="0" cy="0"/>
+          <a:chOff x="0" y="0"/>
+          <a:chExt cx="0" cy="0"/>
+        </a:xfrm>
+      </p:grpSpPr>
+      <p:sp>
+        <p:nvSpPr>
+          <p:cNvPr id="39" name="Rectangle: Rounded Corners 38">
+            <a:extLst>
+              <a:ext uri="{FF2B5EF4-FFF2-40B4-BE49-F238E27FC236}">
+                <a16:creationId xmlns:a16="http://schemas.microsoft.com/office/drawing/2014/main" id="{6B05395E-1844-476D-AB95-17A4127B8AE6}"/>
+              </a:ext>
+            </a:extLst>
+          </p:cNvPr>
+          <p:cNvSpPr/>
+          <p:nvPr/>
+        </p:nvSpPr>
+        <p:spPr bwMode="gray">
+          <a:xfrm>
+            <a:off x="1269557" y="2926601"/>
+            <a:ext cx="4531162" cy="3484827"/>
+          </a:xfrm>
+          <a:prstGeom prst="roundRect">
+            <a:avLst/>
+          </a:prstGeom>
+          <a:solidFill>
+            <a:schemeClr val="tx2"/>
+          </a:solidFill>
+          <a:ln>
+            <a:headEnd/>
+            <a:tailEnd/>
+          </a:ln>
+        </p:spPr>
+        <p:style>
+          <a:lnRef idx="2">
+            <a:schemeClr val="accent2"/>
+          </a:lnRef>
+          <a:fillRef idx="1">
+            <a:schemeClr val="lt1"/>
+          </a:fillRef>
+          <a:effectRef idx="0">
+            <a:schemeClr val="accent2"/>
+          </a:effectRef>
+          <a:fontRef idx="minor">
+            <a:schemeClr val="dk1"/>
+          </a:fontRef>
+        </p:style>
+        <p:txBody>
+          <a:bodyPr lIns="90000" tIns="72000" rIns="90000" bIns="72000" rtlCol="0" anchor="b"/>
+          <a:lstStyle/>
+          <a:p>
+            <a:pPr marR="0" algn="ctr" defTabSz="914400" eaLnBrk="1" fontAlgn="base" latinLnBrk="0" hangingPunct="1">
+              <a:lnSpc>
+                <a:spcPct val="100000"/>
+              </a:lnSpc>
+              <a:spcBef>
+                <a:spcPct val="50000"/>
+              </a:spcBef>
+              <a:spcAft>
+                <a:spcPct val="0"/>
+              </a:spcAft>
+              <a:buClr>
+                <a:srgbClr val="F0AB00"/>
+              </a:buClr>
+              <a:buSzPct val="80000"/>
+              <a:tabLst/>
+            </a:pPr>
+            <a:r>
+              <a:rPr kumimoji="0" lang="en-US" sz="2000" b="1" i="0" u="none" strike="noStrike" kern="0" cap="none" spc="0" normalizeH="0" baseline="0" noProof="0" dirty="0">
+                <a:ln>
+                  <a:noFill/>
+                </a:ln>
+                <a:effectLst/>
+                <a:uLnTx/>
+                <a:uFillTx/>
+                <a:ea typeface="Arial Unicode MS" pitchFamily="34" charset="-128"/>
+                <a:cs typeface="Arial Unicode MS" pitchFamily="34" charset="-128"/>
+              </a:rPr>
+              <a:t>Host</a:t>
+            </a:r>
+            <a:endParaRPr kumimoji="0" lang="en-US" sz="1800" b="1" i="0" u="none" strike="noStrike" kern="0" cap="none" spc="0" normalizeH="0" baseline="0" noProof="0" dirty="0">
+              <a:ln>
+                <a:noFill/>
+              </a:ln>
+              <a:effectLst/>
+              <a:uLnTx/>
+              <a:uFillTx/>
+              <a:ea typeface="Arial Unicode MS" pitchFamily="34" charset="-128"/>
+              <a:cs typeface="Arial Unicode MS" pitchFamily="34" charset="-128"/>
+            </a:endParaRPr>
+          </a:p>
+        </p:txBody>
+      </p:sp>
+      <p:sp>
+        <p:nvSpPr>
+          <p:cNvPr id="40" name="Rectangle: Rounded Corners 39">
+            <a:extLst>
+              <a:ext uri="{FF2B5EF4-FFF2-40B4-BE49-F238E27FC236}">
+                <a16:creationId xmlns:a16="http://schemas.microsoft.com/office/drawing/2014/main" id="{01EB7DF5-45EB-4252-81B1-36C6C146EC09}"/>
+              </a:ext>
+            </a:extLst>
+          </p:cNvPr>
+          <p:cNvSpPr/>
+          <p:nvPr/>
+        </p:nvSpPr>
+        <p:spPr bwMode="gray">
+          <a:xfrm>
+            <a:off x="1269557" y="1008652"/>
+            <a:ext cx="4531162" cy="1743402"/>
+          </a:xfrm>
+          <a:prstGeom prst="roundRect">
+            <a:avLst/>
+          </a:prstGeom>
+          <a:ln>
+            <a:headEnd/>
+            <a:tailEnd/>
+          </a:ln>
+        </p:spPr>
+        <p:style>
+          <a:lnRef idx="2">
+            <a:schemeClr val="accent6"/>
+          </a:lnRef>
+          <a:fillRef idx="1">
+            <a:schemeClr val="lt1"/>
+          </a:fillRef>
+          <a:effectRef idx="0">
+            <a:schemeClr val="accent6"/>
+          </a:effectRef>
+          <a:fontRef idx="minor">
+            <a:schemeClr val="dk1"/>
+          </a:fontRef>
+        </p:style>
+        <p:txBody>
+          <a:bodyPr lIns="90000" tIns="72000" rIns="90000" bIns="72000" rtlCol="0" anchor="t"/>
+          <a:lstStyle/>
+          <a:p>
+            <a:pPr marR="0" algn="ctr" defTabSz="914400" eaLnBrk="1" fontAlgn="base" latinLnBrk="0" hangingPunct="1">
+              <a:lnSpc>
+                <a:spcPct val="100000"/>
+              </a:lnSpc>
+              <a:spcBef>
+                <a:spcPct val="50000"/>
+              </a:spcBef>
+              <a:spcAft>
+                <a:spcPct val="0"/>
+              </a:spcAft>
+              <a:buClr>
+                <a:srgbClr val="F0AB00"/>
+              </a:buClr>
+              <a:buSzPct val="80000"/>
+              <a:tabLst/>
+            </a:pPr>
+            <a:r>
+              <a:rPr kumimoji="0" lang="en-US" sz="2000" b="1" i="0" u="none" strike="noStrike" kern="0" cap="none" spc="0" normalizeH="0" baseline="0" noProof="0" dirty="0">
+                <a:ln>
+                  <a:noFill/>
+                </a:ln>
+                <a:effectLst/>
+                <a:uLnTx/>
+                <a:uFillTx/>
+                <a:ea typeface="Arial Unicode MS" pitchFamily="34" charset="-128"/>
+                <a:cs typeface="Arial Unicode MS" pitchFamily="34" charset="-128"/>
+              </a:rPr>
+              <a:t>K8s</a:t>
+            </a:r>
+            <a:endParaRPr kumimoji="0" lang="en-US" sz="1800" b="1" i="0" u="none" strike="noStrike" kern="0" cap="none" spc="0" normalizeH="0" baseline="0" noProof="0" dirty="0">
+              <a:ln>
+                <a:noFill/>
+              </a:ln>
+              <a:effectLst/>
+              <a:uLnTx/>
+              <a:uFillTx/>
+              <a:ea typeface="Arial Unicode MS" pitchFamily="34" charset="-128"/>
+              <a:cs typeface="Arial Unicode MS" pitchFamily="34" charset="-128"/>
+            </a:endParaRPr>
+          </a:p>
+        </p:txBody>
+      </p:sp>
+      <p:sp>
+        <p:nvSpPr>
+          <p:cNvPr id="41" name="Rectangle: Rounded Corners 40">
+            <a:extLst>
+              <a:ext uri="{FF2B5EF4-FFF2-40B4-BE49-F238E27FC236}">
+                <a16:creationId xmlns:a16="http://schemas.microsoft.com/office/drawing/2014/main" id="{84440113-9D89-45D0-8A5F-AB6580792D6B}"/>
+              </a:ext>
+            </a:extLst>
+          </p:cNvPr>
+          <p:cNvSpPr/>
+          <p:nvPr/>
+        </p:nvSpPr>
+        <p:spPr bwMode="gray">
+          <a:xfrm>
+            <a:off x="1642716" y="2402958"/>
+            <a:ext cx="3784845" cy="2172586"/>
+          </a:xfrm>
+          <a:prstGeom prst="roundRect">
+            <a:avLst/>
+          </a:prstGeom>
+          <a:ln>
+            <a:headEnd/>
+            <a:tailEnd/>
+          </a:ln>
+        </p:spPr>
+        <p:style>
+          <a:lnRef idx="2">
+            <a:schemeClr val="accent2"/>
+          </a:lnRef>
+          <a:fillRef idx="1">
+            <a:schemeClr val="lt1"/>
+          </a:fillRef>
+          <a:effectRef idx="0">
+            <a:schemeClr val="accent2"/>
+          </a:effectRef>
+          <a:fontRef idx="minor">
+            <a:schemeClr val="dk1"/>
+          </a:fontRef>
+        </p:style>
+        <p:txBody>
+          <a:bodyPr lIns="90000" tIns="72000" rIns="90000" bIns="72000" rtlCol="0" anchor="t"/>
+          <a:lstStyle/>
+          <a:p>
+            <a:pPr marR="0" algn="ctr" defTabSz="914400" eaLnBrk="1" fontAlgn="base" latinLnBrk="0" hangingPunct="1">
+              <a:lnSpc>
+                <a:spcPct val="100000"/>
+              </a:lnSpc>
+              <a:spcBef>
+                <a:spcPct val="50000"/>
+              </a:spcBef>
+              <a:spcAft>
+                <a:spcPct val="0"/>
+              </a:spcAft>
+              <a:buClr>
+                <a:srgbClr val="F0AB00"/>
+              </a:buClr>
+              <a:buSzPct val="80000"/>
+              <a:tabLst/>
+            </a:pPr>
+            <a:r>
+              <a:rPr kumimoji="0" lang="en-US" sz="2000" b="1" i="0" u="none" strike="noStrike" kern="0" cap="none" spc="0" normalizeH="0" baseline="0" noProof="0">
+                <a:ln>
+                  <a:noFill/>
+                </a:ln>
+                <a:effectLst/>
+                <a:uLnTx/>
+                <a:uFillTx/>
+                <a:ea typeface="Arial Unicode MS" pitchFamily="34" charset="-128"/>
+                <a:cs typeface="Arial Unicode MS" pitchFamily="34" charset="-128"/>
+              </a:rPr>
+              <a:t>Container</a:t>
+            </a:r>
+            <a:endParaRPr kumimoji="0" lang="en-US" sz="1800" b="1" i="0" u="none" strike="noStrike" kern="0" cap="none" spc="0" normalizeH="0" baseline="0" noProof="0" dirty="0">
+              <a:ln>
+                <a:noFill/>
+              </a:ln>
+              <a:effectLst/>
+              <a:uLnTx/>
+              <a:uFillTx/>
+              <a:ea typeface="Arial Unicode MS" pitchFamily="34" charset="-128"/>
+              <a:cs typeface="Arial Unicode MS" pitchFamily="34" charset="-128"/>
+            </a:endParaRPr>
+          </a:p>
+        </p:txBody>
+      </p:sp>
+      <p:cxnSp>
+        <p:nvCxnSpPr>
+          <p:cNvPr id="42" name="Straight Connector 41">
+            <a:extLst>
+              <a:ext uri="{FF2B5EF4-FFF2-40B4-BE49-F238E27FC236}">
+                <a16:creationId xmlns:a16="http://schemas.microsoft.com/office/drawing/2014/main" id="{0D4EDAE1-E022-4D47-BFE8-DB8E8A0CC4AB}"/>
+              </a:ext>
+            </a:extLst>
+          </p:cNvPr>
+          <p:cNvCxnSpPr>
+            <a:cxnSpLocks/>
+          </p:cNvCxnSpPr>
+          <p:nvPr/>
+        </p:nvCxnSpPr>
+        <p:spPr>
+          <a:xfrm>
+            <a:off x="3535138" y="4575544"/>
+            <a:ext cx="0" cy="485550"/>
+          </a:xfrm>
+          <a:prstGeom prst="line">
+            <a:avLst/>
+          </a:prstGeom>
+          <a:ln w="76200">
+            <a:solidFill>
+              <a:schemeClr val="bg2"/>
+            </a:solidFill>
+            <a:headEnd type="none" w="med" len="med"/>
+            <a:tailEnd type="none" w="med" len="med"/>
+          </a:ln>
+        </p:spPr>
+        <p:style>
+          <a:lnRef idx="1">
+            <a:schemeClr val="accent1"/>
+          </a:lnRef>
+          <a:fillRef idx="0">
+            <a:schemeClr val="accent1"/>
+          </a:fillRef>
+          <a:effectRef idx="0">
+            <a:schemeClr val="accent1"/>
+          </a:effectRef>
+          <a:fontRef idx="minor">
+            <a:schemeClr val="tx1"/>
+          </a:fontRef>
+        </p:style>
+      </p:cxnSp>
+      <p:sp>
+        <p:nvSpPr>
+          <p:cNvPr id="43" name="Rectangle: Rounded Corners 42">
+            <a:extLst>
+              <a:ext uri="{FF2B5EF4-FFF2-40B4-BE49-F238E27FC236}">
+                <a16:creationId xmlns:a16="http://schemas.microsoft.com/office/drawing/2014/main" id="{2523410D-48C4-4016-92C7-EAD431ADB7B2}"/>
+              </a:ext>
+            </a:extLst>
+          </p:cNvPr>
+          <p:cNvSpPr/>
+          <p:nvPr/>
+        </p:nvSpPr>
+        <p:spPr bwMode="gray">
+          <a:xfrm>
+            <a:off x="1424394" y="5061094"/>
+            <a:ext cx="4221488" cy="723014"/>
+          </a:xfrm>
+          <a:prstGeom prst="roundRect">
+            <a:avLst/>
+          </a:prstGeom>
+          <a:solidFill>
+            <a:schemeClr val="bg2">
+              <a:lumMod val="20000"/>
+              <a:lumOff val="80000"/>
+            </a:schemeClr>
+          </a:solidFill>
+          <a:ln>
+            <a:headEnd/>
+            <a:tailEnd/>
+          </a:ln>
+        </p:spPr>
+        <p:style>
+          <a:lnRef idx="2">
+            <a:schemeClr val="accent2"/>
+          </a:lnRef>
+          <a:fillRef idx="1">
+            <a:schemeClr val="lt1"/>
+          </a:fillRef>
+          <a:effectRef idx="0">
+            <a:schemeClr val="accent2"/>
+          </a:effectRef>
+          <a:fontRef idx="minor">
+            <a:schemeClr val="dk1"/>
+          </a:fontRef>
+        </p:style>
+        <p:txBody>
+          <a:bodyPr lIns="90000" tIns="72000" rIns="90000" bIns="72000" rtlCol="0" anchor="ctr"/>
+          <a:lstStyle/>
+          <a:p>
+            <a:pPr marR="0" algn="ctr" defTabSz="914400" eaLnBrk="1" fontAlgn="base" latinLnBrk="0" hangingPunct="1">
+              <a:lnSpc>
+                <a:spcPct val="100000"/>
+              </a:lnSpc>
+              <a:spcBef>
+                <a:spcPct val="50000"/>
+              </a:spcBef>
+              <a:spcAft>
+                <a:spcPct val="0"/>
+              </a:spcAft>
+              <a:buClr>
+                <a:srgbClr val="F0AB00"/>
+              </a:buClr>
+              <a:buSzPct val="80000"/>
+              <a:tabLst/>
+            </a:pPr>
+            <a:r>
+              <a:rPr kumimoji="0" lang="en-US" sz="2000" b="1" i="0" u="none" strike="noStrike" kern="0" cap="none" spc="0" normalizeH="0" baseline="0" noProof="0" dirty="0">
+                <a:ln>
+                  <a:noFill/>
+                </a:ln>
+                <a:effectLst/>
+                <a:uLnTx/>
+                <a:uFillTx/>
+                <a:ea typeface="Arial Unicode MS" pitchFamily="34" charset="-128"/>
+                <a:cs typeface="Arial Unicode MS" pitchFamily="34" charset="-128"/>
+              </a:rPr>
+              <a:t>Linux Kernel</a:t>
+            </a:r>
+            <a:endParaRPr kumimoji="0" lang="en-US" sz="1800" b="1" i="0" u="none" strike="noStrike" kern="0" cap="none" spc="0" normalizeH="0" baseline="0" noProof="0" dirty="0">
+              <a:ln>
+                <a:noFill/>
+              </a:ln>
+              <a:effectLst/>
+              <a:uLnTx/>
+              <a:uFillTx/>
+              <a:ea typeface="Arial Unicode MS" pitchFamily="34" charset="-128"/>
+              <a:cs typeface="Arial Unicode MS" pitchFamily="34" charset="-128"/>
+            </a:endParaRPr>
+          </a:p>
+        </p:txBody>
+      </p:sp>
+      <p:sp>
+        <p:nvSpPr>
+          <p:cNvPr id="51" name="Rectangle: Rounded Corners 50">
+            <a:extLst>
+              <a:ext uri="{FF2B5EF4-FFF2-40B4-BE49-F238E27FC236}">
+                <a16:creationId xmlns:a16="http://schemas.microsoft.com/office/drawing/2014/main" id="{7DE3B177-A7B0-4867-B54E-B383E5D84DF0}"/>
+              </a:ext>
+            </a:extLst>
+          </p:cNvPr>
+          <p:cNvSpPr/>
+          <p:nvPr/>
+        </p:nvSpPr>
+        <p:spPr bwMode="gray">
+          <a:xfrm>
+            <a:off x="2596211" y="1541716"/>
+            <a:ext cx="1877854" cy="686695"/>
+          </a:xfrm>
+          <a:prstGeom prst="roundRect">
+            <a:avLst/>
+          </a:prstGeom>
+          <a:ln>
+            <a:headEnd/>
+            <a:tailEnd/>
+          </a:ln>
+        </p:spPr>
+        <p:style>
+          <a:lnRef idx="2">
+            <a:schemeClr val="accent6"/>
+          </a:lnRef>
+          <a:fillRef idx="1">
+            <a:schemeClr val="lt1"/>
+          </a:fillRef>
+          <a:effectRef idx="0">
+            <a:schemeClr val="accent6"/>
+          </a:effectRef>
+          <a:fontRef idx="minor">
+            <a:schemeClr val="dk1"/>
+          </a:fontRef>
+        </p:style>
+        <p:txBody>
+          <a:bodyPr rot="0" spcFirstLastPara="0" vertOverflow="overflow" horzOverflow="overflow" vert="horz" wrap="square" lIns="90000" tIns="72000" rIns="90000" bIns="72000" numCol="1" spcCol="0" rtlCol="0" fromWordArt="0" anchor="ctr" anchorCtr="0" forceAA="0" compatLnSpc="1">
+            <a:prstTxWarp prst="textNoShape">
+              <a:avLst/>
+            </a:prstTxWarp>
+            <a:noAutofit/>
+          </a:bodyPr>
+          <a:lstStyle/>
+          <a:p>
+            <a:pPr algn="ctr" defTabSz="914400" fontAlgn="base">
+              <a:spcBef>
+                <a:spcPct val="50000"/>
+              </a:spcBef>
+              <a:spcAft>
+                <a:spcPct val="0"/>
+              </a:spcAft>
+              <a:buClr>
+                <a:srgbClr val="F0AB00"/>
+              </a:buClr>
+              <a:buSzPct val="80000"/>
+            </a:pPr>
+            <a:r>
+              <a:rPr lang="en-US" sz="1800" kern="0" dirty="0">
+                <a:solidFill>
+                  <a:schemeClr val="dk1"/>
+                </a:solidFill>
+                <a:latin typeface="+mn-lt"/>
+                <a:ea typeface="Arial Unicode MS" pitchFamily="34" charset="-128"/>
+              </a:rPr>
+              <a:t>API Server</a:t>
+            </a:r>
+          </a:p>
+        </p:txBody>
+      </p:sp>
+      <p:sp>
+        <p:nvSpPr>
+          <p:cNvPr id="50" name="Title 49">
+            <a:extLst>
+              <a:ext uri="{FF2B5EF4-FFF2-40B4-BE49-F238E27FC236}">
+                <a16:creationId xmlns:a16="http://schemas.microsoft.com/office/drawing/2014/main" id="{7D480E47-3DD1-4ACF-8C6E-41D6F9D75F58}"/>
+              </a:ext>
+            </a:extLst>
+          </p:cNvPr>
+          <p:cNvSpPr>
+            <a:spLocks noGrp="1"/>
+          </p:cNvSpPr>
+          <p:nvPr>
+            <p:ph type="title"/>
+          </p:nvPr>
+        </p:nvSpPr>
+        <p:spPr/>
+        <p:txBody>
+          <a:bodyPr/>
+          <a:lstStyle/>
+          <a:p>
+            <a:r>
+              <a:rPr lang="en-US" dirty="0"/>
+              <a:t>Scenario 1: Bitcoin, Ethereum, </a:t>
+            </a:r>
+            <a:r>
+              <a:rPr lang="en-US" dirty="0" err="1"/>
+              <a:t>Monero</a:t>
+            </a:r>
+            <a:r>
+              <a:rPr lang="en-US" dirty="0"/>
+              <a:t>!</a:t>
+            </a:r>
+          </a:p>
+        </p:txBody>
+      </p:sp>
+      <p:sp>
+        <p:nvSpPr>
+          <p:cNvPr id="2" name="Cloud 1">
+            <a:extLst>
+              <a:ext uri="{FF2B5EF4-FFF2-40B4-BE49-F238E27FC236}">
+                <a16:creationId xmlns:a16="http://schemas.microsoft.com/office/drawing/2014/main" id="{D4F0E42D-30E8-4AD3-BDAA-9E16ABB6973D}"/>
+              </a:ext>
+            </a:extLst>
+          </p:cNvPr>
+          <p:cNvSpPr/>
+          <p:nvPr/>
+        </p:nvSpPr>
+        <p:spPr bwMode="gray">
+          <a:xfrm>
+            <a:off x="6989398" y="929734"/>
+            <a:ext cx="2054586" cy="1658675"/>
+          </a:xfrm>
+          <a:prstGeom prst="cloud">
+            <a:avLst/>
+          </a:prstGeom>
+          <a:solidFill>
+            <a:schemeClr val="bg2">
+              <a:lumMod val="40000"/>
+              <a:lumOff val="60000"/>
+            </a:schemeClr>
+          </a:solidFill>
+          <a:ln w="6350" algn="ctr">
+            <a:noFill/>
+            <a:miter lim="800000"/>
+            <a:headEnd/>
+            <a:tailEnd/>
+          </a:ln>
+        </p:spPr>
+        <p:txBody>
+          <a:bodyPr lIns="90000" tIns="72000" rIns="90000" bIns="72000" rtlCol="0" anchor="ctr"/>
+          <a:lstStyle/>
+          <a:p>
+            <a:pPr marR="0" algn="ctr" defTabSz="914400" eaLnBrk="1" fontAlgn="base" latinLnBrk="0" hangingPunct="1">
+              <a:lnSpc>
+                <a:spcPct val="100000"/>
+              </a:lnSpc>
+              <a:spcBef>
+                <a:spcPct val="50000"/>
+              </a:spcBef>
+              <a:spcAft>
+                <a:spcPct val="0"/>
+              </a:spcAft>
+              <a:buClr>
+                <a:srgbClr val="F0AB00"/>
+              </a:buClr>
+              <a:buSzPct val="80000"/>
+              <a:tabLst/>
+            </a:pPr>
+            <a:r>
+              <a:rPr kumimoji="0" lang="en-US" sz="1800" b="1" i="0" u="none" strike="noStrike" kern="0" cap="none" spc="0" normalizeH="0" baseline="0" noProof="0" dirty="0">
+                <a:ln>
+                  <a:noFill/>
+                </a:ln>
+                <a:effectLst/>
+                <a:uLnTx/>
+                <a:uFillTx/>
+                <a:ea typeface="Arial Unicode MS" pitchFamily="34" charset="-128"/>
+                <a:cs typeface="Arial Unicode MS" pitchFamily="34" charset="-128"/>
+              </a:rPr>
+              <a:t>Internet</a:t>
+            </a:r>
+          </a:p>
+        </p:txBody>
+      </p:sp>
+      <p:sp>
+        <p:nvSpPr>
+          <p:cNvPr id="20" name="TextBox 19">
+            <a:extLst>
+              <a:ext uri="{FF2B5EF4-FFF2-40B4-BE49-F238E27FC236}">
+                <a16:creationId xmlns:a16="http://schemas.microsoft.com/office/drawing/2014/main" id="{3FC79A34-F218-447B-8C61-1E171A5941BB}"/>
+              </a:ext>
+            </a:extLst>
+          </p:cNvPr>
+          <p:cNvSpPr txBox="1"/>
+          <p:nvPr/>
+        </p:nvSpPr>
+        <p:spPr>
+          <a:xfrm>
+            <a:off x="1735718" y="3203057"/>
+            <a:ext cx="3598840" cy="1107996"/>
+          </a:xfrm>
+          <a:prstGeom prst="rect">
+            <a:avLst/>
+          </a:prstGeom>
+          <a:solidFill>
+            <a:schemeClr val="bg2">
+              <a:lumMod val="20000"/>
+              <a:lumOff val="80000"/>
+            </a:schemeClr>
+          </a:solidFill>
+        </p:spPr>
+        <p:txBody>
+          <a:bodyPr wrap="square" lIns="0" tIns="0" rIns="0" bIns="0" rtlCol="0">
+            <a:spAutoFit/>
+          </a:bodyPr>
+          <a:lstStyle/>
+          <a:p>
+            <a:pPr fontAlgn="base">
+              <a:spcBef>
+                <a:spcPct val="50000"/>
+              </a:spcBef>
+              <a:spcAft>
+                <a:spcPct val="0"/>
+              </a:spcAft>
+              <a:buClr>
+                <a:srgbClr val="F0AB00"/>
+              </a:buClr>
+              <a:buSzPct val="80000"/>
+            </a:pPr>
+            <a:r>
+              <a:rPr lang="en-US" sz="1800" kern="0" dirty="0" err="1">
+                <a:latin typeface="Courier New" panose="02070309020205020404" pitchFamily="49" charset="0"/>
+                <a:ea typeface="Arial Unicode MS" pitchFamily="34" charset="-128"/>
+                <a:cs typeface="Courier New" panose="02070309020205020404" pitchFamily="49" charset="0"/>
+              </a:rPr>
+              <a:t>root@container</a:t>
+            </a:r>
+            <a:r>
+              <a:rPr lang="en-US" sz="1800" kern="0" dirty="0">
+                <a:latin typeface="Courier New" panose="02070309020205020404" pitchFamily="49" charset="0"/>
+                <a:ea typeface="Arial Unicode MS" pitchFamily="34" charset="-128"/>
+                <a:cs typeface="Courier New" panose="02070309020205020404" pitchFamily="49" charset="0"/>
+              </a:rPr>
+              <a:t>:$</a:t>
+            </a:r>
+          </a:p>
+          <a:p>
+            <a:pPr fontAlgn="base">
+              <a:spcBef>
+                <a:spcPct val="50000"/>
+              </a:spcBef>
+              <a:spcAft>
+                <a:spcPct val="0"/>
+              </a:spcAft>
+              <a:buClr>
+                <a:srgbClr val="F0AB00"/>
+              </a:buClr>
+              <a:buSzPct val="80000"/>
+            </a:pPr>
+            <a:r>
+              <a:rPr lang="en-US" sz="1800" kern="0" dirty="0">
+                <a:latin typeface="Courier New" panose="02070309020205020404" pitchFamily="49" charset="0"/>
+                <a:ea typeface="Arial Unicode MS" pitchFamily="34" charset="-128"/>
+                <a:cs typeface="Courier New" panose="02070309020205020404" pitchFamily="49" charset="0"/>
+              </a:rPr>
+              <a:t>&gt; apt install &lt;some miner&gt;</a:t>
+            </a:r>
+          </a:p>
+          <a:p>
+            <a:pPr fontAlgn="base">
+              <a:spcBef>
+                <a:spcPct val="50000"/>
+              </a:spcBef>
+              <a:spcAft>
+                <a:spcPct val="0"/>
+              </a:spcAft>
+              <a:buClr>
+                <a:srgbClr val="F0AB00"/>
+              </a:buClr>
+              <a:buSzPct val="80000"/>
+            </a:pPr>
+            <a:r>
+              <a:rPr lang="en-US" sz="1800" kern="0" dirty="0">
+                <a:latin typeface="Courier New" panose="02070309020205020404" pitchFamily="49" charset="0"/>
+                <a:ea typeface="Arial Unicode MS" pitchFamily="34" charset="-128"/>
+                <a:cs typeface="Courier New" panose="02070309020205020404" pitchFamily="49" charset="0"/>
+              </a:rPr>
+              <a:t>&gt; € € € € € € € € €...</a:t>
+            </a:r>
+          </a:p>
+        </p:txBody>
+      </p:sp>
+      <p:cxnSp>
+        <p:nvCxnSpPr>
+          <p:cNvPr id="22" name="Connector: Elbow 21">
+            <a:extLst>
+              <a:ext uri="{FF2B5EF4-FFF2-40B4-BE49-F238E27FC236}">
+                <a16:creationId xmlns:a16="http://schemas.microsoft.com/office/drawing/2014/main" id="{8870909F-3F3C-4B60-A7F2-656FD357233E}"/>
+              </a:ext>
+            </a:extLst>
+          </p:cNvPr>
+          <p:cNvCxnSpPr>
+            <a:cxnSpLocks/>
+            <a:stCxn id="20" idx="3"/>
+            <a:endCxn id="2" idx="1"/>
+          </p:cNvCxnSpPr>
+          <p:nvPr/>
+        </p:nvCxnSpPr>
+        <p:spPr>
+          <a:xfrm flipV="1">
+            <a:off x="5334558" y="2586643"/>
+            <a:ext cx="2682133" cy="1170412"/>
+          </a:xfrm>
+          <a:prstGeom prst="bentConnector2">
+            <a:avLst/>
+          </a:prstGeom>
+          <a:ln w="57150">
+            <a:solidFill>
+              <a:schemeClr val="accent5">
+                <a:lumMod val="75000"/>
+              </a:schemeClr>
+            </a:solidFill>
+            <a:headEnd type="none" w="med" len="med"/>
+            <a:tailEnd type="none" w="med" len="med"/>
+          </a:ln>
+        </p:spPr>
+        <p:style>
+          <a:lnRef idx="1">
+            <a:schemeClr val="accent1"/>
+          </a:lnRef>
+          <a:fillRef idx="0">
+            <a:schemeClr val="accent1"/>
+          </a:fillRef>
+          <a:effectRef idx="0">
+            <a:schemeClr val="accent1"/>
+          </a:effectRef>
+          <a:fontRef idx="minor">
+            <a:schemeClr val="tx1"/>
+          </a:fontRef>
+        </p:style>
+      </p:cxnSp>
+      <p:pic>
+        <p:nvPicPr>
+          <p:cNvPr id="17" name="Graphic 16" descr="Coins">
+            <a:extLst>
+              <a:ext uri="{FF2B5EF4-FFF2-40B4-BE49-F238E27FC236}">
+                <a16:creationId xmlns:a16="http://schemas.microsoft.com/office/drawing/2014/main" id="{D9919339-C5F4-46D3-BCAA-DADD401DD3D3}"/>
+              </a:ext>
+            </a:extLst>
+          </p:cNvPr>
+          <p:cNvPicPr>
+            <a:picLocks noChangeAspect="1"/>
+          </p:cNvPicPr>
+          <p:nvPr/>
+        </p:nvPicPr>
+        <p:blipFill>
+          <a:blip r:embed="rId3">
+            <a:extLst>
+              <a:ext uri="{96DAC541-7B7A-43D3-8B79-37D633B846F1}">
+                <asvg:svgBlip xmlns:asvg="http://schemas.microsoft.com/office/drawing/2016/SVG/main" r:embed="rId4"/>
+              </a:ext>
+            </a:extLst>
+          </a:blip>
+          <a:stretch>
+            <a:fillRect/>
+          </a:stretch>
+        </p:blipFill>
+        <p:spPr>
+          <a:xfrm>
+            <a:off x="6971158" y="2695147"/>
+            <a:ext cx="914400" cy="914400"/>
+          </a:xfrm>
+          <a:prstGeom prst="rect">
+            <a:avLst/>
+          </a:prstGeom>
+        </p:spPr>
+      </p:pic>
+    </p:spTree>
+    <p:extLst>
+      <p:ext uri="{BB962C8B-B14F-4D97-AF65-F5344CB8AC3E}">
+        <p14:creationId xmlns:p14="http://schemas.microsoft.com/office/powerpoint/2010/main" val="1212405617"/>
+      </p:ext>
+    </p:extLst>
+  </p:cSld>
+  <p:clrMapOvr>
+    <a:masterClrMapping/>
+  </p:clrMapOvr>
+</p:sld>
+</file>
+
+<file path=ppt/slides/slide31.xml><?xml version="1.0" encoding="utf-8"?>
 <p:sld xmlns:a="http://schemas.openxmlformats.org/drawingml/2006/main" xmlns:r="http://schemas.openxmlformats.org/officeDocument/2006/relationships" xmlns:p="http://schemas.openxmlformats.org/presentationml/2006/main">
   <p:cSld>
     <p:spTree>
@@ -34768,7 +35681,7 @@
 </p:sld>
 </file>
 
-<file path=ppt/slides/slide31.xml><?xml version="1.0" encoding="utf-8"?>
+<file path=ppt/slides/slide32.xml><?xml version="1.0" encoding="utf-8"?>
 <p:sld xmlns:a="http://schemas.openxmlformats.org/drawingml/2006/main" xmlns:r="http://schemas.openxmlformats.org/officeDocument/2006/relationships" xmlns:p="http://schemas.openxmlformats.org/presentationml/2006/main">
   <p:cSld>
     <p:spTree>
@@ -36305,7 +37218,7 @@
 </p:sld>
 </file>
 
-<file path=ppt/slides/slide32.xml><?xml version="1.0" encoding="utf-8"?>
+<file path=ppt/slides/slide33.xml><?xml version="1.0" encoding="utf-8"?>
 <p:sld xmlns:a="http://schemas.openxmlformats.org/drawingml/2006/main" xmlns:r="http://schemas.openxmlformats.org/officeDocument/2006/relationships" xmlns:p="http://schemas.openxmlformats.org/presentationml/2006/main">
   <p:cSld>
     <p:spTree>
@@ -37159,7 +38072,7 @@
 </p:sld>
 </file>
 
-<file path=ppt/slides/slide33.xml><?xml version="1.0" encoding="utf-8"?>
+<file path=ppt/slides/slide34.xml><?xml version="1.0" encoding="utf-8"?>
 <p:sld xmlns:a="http://schemas.openxmlformats.org/drawingml/2006/main" xmlns:r="http://schemas.openxmlformats.org/officeDocument/2006/relationships" xmlns:p="http://schemas.openxmlformats.org/presentationml/2006/main">
   <p:cSld>
     <p:spTree>
@@ -38132,7 +39045,7 @@
 </p:sld>
 </file>
 
-<file path=ppt/slides/slide34.xml><?xml version="1.0" encoding="utf-8"?>
+<file path=ppt/slides/slide35.xml><?xml version="1.0" encoding="utf-8"?>
 <p:sld xmlns:a="http://schemas.openxmlformats.org/drawingml/2006/main" xmlns:r="http://schemas.openxmlformats.org/officeDocument/2006/relationships" xmlns:p="http://schemas.openxmlformats.org/presentationml/2006/main">
   <p:cSld>
     <p:spTree>
@@ -38220,7 +39133,7 @@
 </p:sld>
 </file>
 
-<file path=ppt/slides/slide35.xml><?xml version="1.0" encoding="utf-8"?>
+<file path=ppt/slides/slide36.xml><?xml version="1.0" encoding="utf-8"?>
 <p:sld xmlns:a="http://schemas.openxmlformats.org/drawingml/2006/main" xmlns:r="http://schemas.openxmlformats.org/officeDocument/2006/relationships" xmlns:p="http://schemas.openxmlformats.org/presentationml/2006/main" show="0">
   <p:cSld>
     <p:spTree>
